--- a/resources/chapter 4 summary.pptx
+++ b/resources/chapter 4 summary.pptx
@@ -5,7 +5,7 @@
     <p:sldMasterId id="2147483648" r:id="rId1"/>
   </p:sldMasterIdLst>
   <p:notesMasterIdLst>
-    <p:notesMasterId r:id="rId12"/>
+    <p:notesMasterId r:id="rId14"/>
   </p:notesMasterIdLst>
   <p:sldIdLst>
     <p:sldId id="263" r:id="rId2"/>
@@ -18,6 +18,8 @@
     <p:sldId id="282" r:id="rId9"/>
     <p:sldId id="283" r:id="rId10"/>
     <p:sldId id="284" r:id="rId11"/>
+    <p:sldId id="285" r:id="rId12"/>
+    <p:sldId id="286" r:id="rId13"/>
   </p:sldIdLst>
   <p:sldSz cx="12192000" cy="6858000"/>
   <p:notesSz cx="6858000" cy="9144000"/>
@@ -549,6 +551,174 @@
     <p:extLst>
       <p:ext uri="{BB962C8B-B14F-4D97-AF65-F5344CB8AC3E}">
         <p14:creationId xmlns:p14="http://schemas.microsoft.com/office/powerpoint/2010/main" val="3120633456"/>
+      </p:ext>
+    </p:extLst>
+  </p:cSld>
+  <p:clrMapOvr>
+    <a:masterClrMapping/>
+  </p:clrMapOvr>
+</p:notes>
+</file>
+
+<file path=ppt/notesSlides/notesSlide10.xml><?xml version="1.0" encoding="utf-8"?>
+<p:notes xmlns:a="http://schemas.openxmlformats.org/drawingml/2006/main" xmlns:r="http://schemas.openxmlformats.org/officeDocument/2006/relationships" xmlns:p="http://schemas.openxmlformats.org/presentationml/2006/main">
+  <p:cSld>
+    <p:spTree>
+      <p:nvGrpSpPr>
+        <p:cNvPr id="1" name=""/>
+        <p:cNvGrpSpPr/>
+        <p:nvPr/>
+      </p:nvGrpSpPr>
+      <p:grpSpPr>
+        <a:xfrm>
+          <a:off x="0" y="0"/>
+          <a:ext cx="0" cy="0"/>
+          <a:chOff x="0" y="0"/>
+          <a:chExt cx="0" cy="0"/>
+        </a:xfrm>
+      </p:grpSpPr>
+      <p:sp>
+        <p:nvSpPr>
+          <p:cNvPr id="2" name="슬라이드 이미지 개체 틀 1"/>
+          <p:cNvSpPr>
+            <a:spLocks noGrp="1" noRot="1" noChangeAspect="1"/>
+          </p:cNvSpPr>
+          <p:nvPr>
+            <p:ph type="sldImg"/>
+          </p:nvPr>
+        </p:nvSpPr>
+        <p:spPr/>
+      </p:sp>
+      <p:sp>
+        <p:nvSpPr>
+          <p:cNvPr id="3" name="슬라이드 노트 개체 틀 2"/>
+          <p:cNvSpPr>
+            <a:spLocks noGrp="1"/>
+          </p:cNvSpPr>
+          <p:nvPr>
+            <p:ph type="body" idx="1"/>
+          </p:nvPr>
+        </p:nvSpPr>
+        <p:spPr/>
+        <p:txBody>
+          <a:bodyPr/>
+          <a:lstStyle/>
+          <a:p>
+            <a:endParaRPr kumimoji="1" lang="ko-Kore-KR" altLang="en-US" dirty="0"/>
+          </a:p>
+        </p:txBody>
+      </p:sp>
+      <p:sp>
+        <p:nvSpPr>
+          <p:cNvPr id="4" name="슬라이드 번호 개체 틀 3"/>
+          <p:cNvSpPr>
+            <a:spLocks noGrp="1"/>
+          </p:cNvSpPr>
+          <p:nvPr>
+            <p:ph type="sldNum" sz="quarter" idx="5"/>
+          </p:nvPr>
+        </p:nvSpPr>
+        <p:spPr/>
+        <p:txBody>
+          <a:bodyPr/>
+          <a:lstStyle/>
+          <a:p>
+            <a:fld id="{74FA6549-B6DF-B94B-9333-17EDEFA0F0CF}" type="slidenum">
+              <a:rPr kumimoji="1" lang="ko-Kore-KR" altLang="en-US" smtClean="0"/>
+              <a:t>11</a:t>
+            </a:fld>
+            <a:endParaRPr kumimoji="1" lang="ko-Kore-KR" altLang="en-US"/>
+          </a:p>
+        </p:txBody>
+      </p:sp>
+    </p:spTree>
+    <p:extLst>
+      <p:ext uri="{BB962C8B-B14F-4D97-AF65-F5344CB8AC3E}">
+        <p14:creationId xmlns:p14="http://schemas.microsoft.com/office/powerpoint/2010/main" val="527505388"/>
+      </p:ext>
+    </p:extLst>
+  </p:cSld>
+  <p:clrMapOvr>
+    <a:masterClrMapping/>
+  </p:clrMapOvr>
+</p:notes>
+</file>
+
+<file path=ppt/notesSlides/notesSlide11.xml><?xml version="1.0" encoding="utf-8"?>
+<p:notes xmlns:a="http://schemas.openxmlformats.org/drawingml/2006/main" xmlns:r="http://schemas.openxmlformats.org/officeDocument/2006/relationships" xmlns:p="http://schemas.openxmlformats.org/presentationml/2006/main">
+  <p:cSld>
+    <p:spTree>
+      <p:nvGrpSpPr>
+        <p:cNvPr id="1" name=""/>
+        <p:cNvGrpSpPr/>
+        <p:nvPr/>
+      </p:nvGrpSpPr>
+      <p:grpSpPr>
+        <a:xfrm>
+          <a:off x="0" y="0"/>
+          <a:ext cx="0" cy="0"/>
+          <a:chOff x="0" y="0"/>
+          <a:chExt cx="0" cy="0"/>
+        </a:xfrm>
+      </p:grpSpPr>
+      <p:sp>
+        <p:nvSpPr>
+          <p:cNvPr id="2" name="슬라이드 이미지 개체 틀 1"/>
+          <p:cNvSpPr>
+            <a:spLocks noGrp="1" noRot="1" noChangeAspect="1"/>
+          </p:cNvSpPr>
+          <p:nvPr>
+            <p:ph type="sldImg"/>
+          </p:nvPr>
+        </p:nvSpPr>
+        <p:spPr/>
+      </p:sp>
+      <p:sp>
+        <p:nvSpPr>
+          <p:cNvPr id="3" name="슬라이드 노트 개체 틀 2"/>
+          <p:cNvSpPr>
+            <a:spLocks noGrp="1"/>
+          </p:cNvSpPr>
+          <p:nvPr>
+            <p:ph type="body" idx="1"/>
+          </p:nvPr>
+        </p:nvSpPr>
+        <p:spPr/>
+        <p:txBody>
+          <a:bodyPr/>
+          <a:lstStyle/>
+          <a:p>
+            <a:endParaRPr kumimoji="1" lang="ko-Kore-KR" altLang="en-US" dirty="0"/>
+          </a:p>
+        </p:txBody>
+      </p:sp>
+      <p:sp>
+        <p:nvSpPr>
+          <p:cNvPr id="4" name="슬라이드 번호 개체 틀 3"/>
+          <p:cNvSpPr>
+            <a:spLocks noGrp="1"/>
+          </p:cNvSpPr>
+          <p:nvPr>
+            <p:ph type="sldNum" sz="quarter" idx="5"/>
+          </p:nvPr>
+        </p:nvSpPr>
+        <p:spPr/>
+        <p:txBody>
+          <a:bodyPr/>
+          <a:lstStyle/>
+          <a:p>
+            <a:fld id="{74FA6549-B6DF-B94B-9333-17EDEFA0F0CF}" type="slidenum">
+              <a:rPr kumimoji="1" lang="ko-Kore-KR" altLang="en-US" smtClean="0"/>
+              <a:t>12</a:t>
+            </a:fld>
+            <a:endParaRPr kumimoji="1" lang="ko-Kore-KR" altLang="en-US"/>
+          </a:p>
+        </p:txBody>
+      </p:sp>
+    </p:spTree>
+    <p:extLst>
+      <p:ext uri="{BB962C8B-B14F-4D97-AF65-F5344CB8AC3E}">
+        <p14:creationId xmlns:p14="http://schemas.microsoft.com/office/powerpoint/2010/main" val="332338852"/>
       </p:ext>
     </p:extLst>
   </p:cSld>
@@ -4729,8 +4899,8 @@
         </p:nvSpPr>
         <p:spPr>
           <a:xfrm>
-            <a:off x="838200" y="1062049"/>
-            <a:ext cx="10515600" cy="1153256"/>
+            <a:off x="838200" y="1079383"/>
+            <a:ext cx="10515600" cy="594987"/>
           </a:xfrm>
           <a:prstGeom prst="rect">
             <a:avLst/>
@@ -4768,10 +4938,58 @@
                   <a:schemeClr val="tx1"/>
                 </a:solidFill>
               </a:rPr>
-              <a:t>아브로는 스리프트가 하둡의 사용 사례에 적합하지 않아 시작된 프로젝트로</a:t>
-            </a:r>
-            <a:r>
-              <a:rPr lang="en-US" sz="1400" dirty="0">
+              <a:t>아브로의 핵심 아이디어는 </a:t>
+            </a:r>
+            <a:r>
+              <a:rPr lang="en-KR" sz="1400" b="1" dirty="0">
+                <a:solidFill>
+                  <a:schemeClr val="tx1"/>
+                </a:solidFill>
+              </a:rPr>
+              <a:t>쓰기 스키마와 읽기 스키마가 동일하지 않아도 </a:t>
+            </a:r>
+            <a:r>
+              <a:rPr lang="en-KR" sz="1400" dirty="0">
+                <a:solidFill>
+                  <a:schemeClr val="tx1"/>
+                </a:solidFill>
+              </a:rPr>
+              <a:t>되며 단지 </a:t>
+            </a:r>
+            <a:r>
+              <a:rPr lang="en-KR" sz="1400" b="1" dirty="0">
+                <a:solidFill>
+                  <a:schemeClr val="tx1"/>
+                </a:solidFill>
+              </a:rPr>
+              <a:t>호환 가능하면 된다는 것</a:t>
+            </a:r>
+            <a:r>
+              <a:rPr lang="en-KR" sz="1400" dirty="0">
+                <a:solidFill>
+                  <a:schemeClr val="tx1"/>
+                </a:solidFill>
+              </a:rPr>
+              <a:t>이다</a:t>
+            </a:r>
+            <a:r>
+              <a:rPr lang="en-US" altLang="ko-KR" sz="1400" dirty="0">
+                <a:solidFill>
+                  <a:schemeClr val="tx1"/>
+                </a:solidFill>
+              </a:rPr>
+              <a:t>. </a:t>
+            </a:r>
+            <a:r>
+              <a:rPr lang="ko-KR" altLang="en-US" sz="1400" dirty="0" err="1">
+                <a:solidFill>
+                  <a:schemeClr val="tx1"/>
+                </a:solidFill>
+              </a:rPr>
+              <a:t>아브로는</a:t>
+            </a:r>
+            <a:r>
+              <a:rPr lang="ko-KR" altLang="en-US" sz="1400" dirty="0">
                 <a:solidFill>
                   <a:schemeClr val="tx1"/>
                 </a:solidFill>
@@ -4779,140 +4997,12 @@
               <a:t> </a:t>
             </a:r>
             <a:r>
-              <a:rPr lang="en-US" sz="1400" dirty="0" err="1">
-                <a:solidFill>
-                  <a:schemeClr val="tx1"/>
-                </a:solidFill>
-              </a:rPr>
-              <a:t>아브로</a:t>
-            </a:r>
-            <a:r>
-              <a:rPr lang="en-US" sz="1400" dirty="0">
-                <a:solidFill>
-                  <a:schemeClr val="tx1"/>
-                </a:solidFill>
-              </a:rPr>
-              <a:t> </a:t>
-            </a:r>
-            <a:r>
-              <a:rPr lang="en-US" sz="1400" dirty="0" err="1">
-                <a:solidFill>
-                  <a:schemeClr val="tx1"/>
-                </a:solidFill>
-              </a:rPr>
-              <a:t>역시</a:t>
-            </a:r>
-            <a:r>
-              <a:rPr lang="en-US" sz="1400" dirty="0">
-                <a:solidFill>
-                  <a:schemeClr val="tx1"/>
-                </a:solidFill>
-              </a:rPr>
-              <a:t> </a:t>
-            </a:r>
-            <a:r>
-              <a:rPr lang="en-US" sz="1400" dirty="0" err="1">
-                <a:solidFill>
-                  <a:schemeClr val="tx1"/>
-                </a:solidFill>
-              </a:rPr>
-              <a:t>부호화할</a:t>
-            </a:r>
-            <a:r>
-              <a:rPr lang="en-US" sz="1400" dirty="0">
-                <a:solidFill>
-                  <a:schemeClr val="tx1"/>
-                </a:solidFill>
-              </a:rPr>
-              <a:t> </a:t>
-            </a:r>
-            <a:r>
-              <a:rPr lang="en-US" sz="1400" dirty="0" err="1">
-                <a:solidFill>
-                  <a:schemeClr val="tx1"/>
-                </a:solidFill>
-              </a:rPr>
-              <a:t>데이터</a:t>
-            </a:r>
-            <a:r>
-              <a:rPr lang="en-US" sz="1400" dirty="0">
-                <a:solidFill>
-                  <a:schemeClr val="tx1"/>
-                </a:solidFill>
-              </a:rPr>
-              <a:t> </a:t>
-            </a:r>
-            <a:r>
-              <a:rPr lang="en-US" sz="1400" dirty="0" err="1">
-                <a:solidFill>
-                  <a:schemeClr val="tx1"/>
-                </a:solidFill>
-              </a:rPr>
-              <a:t>구조를</a:t>
-            </a:r>
-            <a:r>
-              <a:rPr lang="en-US" sz="1400" dirty="0">
-                <a:solidFill>
-                  <a:schemeClr val="tx1"/>
-                </a:solidFill>
-              </a:rPr>
-              <a:t> </a:t>
-            </a:r>
-            <a:r>
-              <a:rPr lang="en-US" sz="1400" dirty="0" err="1">
-                <a:solidFill>
-                  <a:schemeClr val="tx1"/>
-                </a:solidFill>
-              </a:rPr>
-              <a:t>지정하기</a:t>
-            </a:r>
-            <a:r>
-              <a:rPr lang="en-US" sz="1400" dirty="0">
-                <a:solidFill>
-                  <a:schemeClr val="tx1"/>
-                </a:solidFill>
-              </a:rPr>
-              <a:t> </a:t>
-            </a:r>
-            <a:r>
-              <a:rPr lang="en-US" sz="1400" dirty="0" err="1">
-                <a:solidFill>
-                  <a:schemeClr val="tx1"/>
-                </a:solidFill>
-              </a:rPr>
-              <a:t>위해</a:t>
-            </a:r>
-            <a:r>
-              <a:rPr lang="en-US" sz="1400" dirty="0">
-                <a:solidFill>
-                  <a:schemeClr val="tx1"/>
-                </a:solidFill>
-              </a:rPr>
-              <a:t> </a:t>
-            </a:r>
-            <a:r>
-              <a:rPr lang="en-US" sz="1400" dirty="0" err="1">
-                <a:solidFill>
-                  <a:schemeClr val="tx1"/>
-                </a:solidFill>
-              </a:rPr>
-              <a:t>스키마를</a:t>
-            </a:r>
-            <a:r>
-              <a:rPr lang="en-US" sz="1400" dirty="0">
-                <a:solidFill>
-                  <a:schemeClr val="tx1"/>
-                </a:solidFill>
-              </a:rPr>
-              <a:t> </a:t>
-            </a:r>
-            <a:r>
-              <a:rPr lang="en-US" sz="1400" dirty="0" err="1">
-                <a:solidFill>
-                  <a:schemeClr val="tx1"/>
-                </a:solidFill>
-              </a:rPr>
-              <a:t>사용한다</a:t>
+              <a:rPr lang="ko-KR" altLang="en-US" sz="1400" dirty="0" err="1">
+                <a:solidFill>
+                  <a:schemeClr val="tx1"/>
+                </a:solidFill>
+              </a:rPr>
+              <a:t>스리프트</a:t>
             </a:r>
             <a:r>
               <a:rPr lang="en-US" altLang="ko-KR" sz="1400" dirty="0">
@@ -4920,7 +5010,39 @@
                   <a:schemeClr val="tx1"/>
                 </a:solidFill>
               </a:rPr>
-              <a:t>. </a:t>
+              <a:t>, </a:t>
+            </a:r>
+            <a:r>
+              <a:rPr lang="ko-KR" altLang="en-US" sz="1400" dirty="0">
+                <a:solidFill>
+                  <a:schemeClr val="tx1"/>
+                </a:solidFill>
+              </a:rPr>
+              <a:t>프로토콜 버퍼와 동일한 방식의 </a:t>
+            </a:r>
+            <a:r>
+              <a:rPr lang="en-US" altLang="ko-KR" sz="1400" dirty="0">
+                <a:solidFill>
+                  <a:schemeClr val="tx1"/>
+                </a:solidFill>
+              </a:rPr>
+              <a:t>optional</a:t>
+            </a:r>
+            <a:r>
+              <a:rPr lang="ko-KR" altLang="en-US" sz="1400" dirty="0">
+                <a:solidFill>
+                  <a:schemeClr val="tx1"/>
+                </a:solidFill>
+              </a:rPr>
+              <a:t>과 </a:t>
+            </a:r>
+            <a:r>
+              <a:rPr lang="en-US" altLang="ko-KR" sz="1400" dirty="0">
+                <a:solidFill>
+                  <a:schemeClr val="tx1"/>
+                </a:solidFill>
+              </a:rPr>
+              <a:t>required </a:t>
             </a:r>
             <a:r>
               <a:rPr lang="ko-KR" altLang="en-US" sz="1400" dirty="0" err="1">
@@ -4928,7 +5050,7 @@
                   <a:schemeClr val="tx1"/>
                 </a:solidFill>
               </a:rPr>
-              <a:t>아브로</a:t>
+              <a:t>표시자를</a:t>
             </a:r>
             <a:r>
               <a:rPr lang="ko-KR" altLang="en-US" sz="1400" dirty="0">
@@ -4936,7 +5058,7 @@
                   <a:schemeClr val="tx1"/>
                 </a:solidFill>
               </a:rPr>
-              <a:t> 스키마에는 </a:t>
+              <a:t> 가지고 있지 않지만 </a:t>
             </a:r>
             <a:r>
               <a:rPr lang="ko-KR" altLang="en-US" sz="1400" b="1" dirty="0">
@@ -4944,23 +5066,15 @@
                   <a:schemeClr val="tx1"/>
                 </a:solidFill>
               </a:rPr>
-              <a:t>태그 번호가 존재하지 않으며</a:t>
-            </a:r>
-            <a:r>
-              <a:rPr lang="en-US" altLang="ko-KR" sz="1400" b="1" dirty="0">
-                <a:solidFill>
-                  <a:schemeClr val="tx1"/>
-                </a:solidFill>
-              </a:rPr>
-              <a:t>, </a:t>
-            </a:r>
-            <a:r>
-              <a:rPr lang="ko-KR" altLang="en-US" sz="1400" b="1" dirty="0" err="1">
-                <a:solidFill>
-                  <a:schemeClr val="tx1"/>
-                </a:solidFill>
-              </a:rPr>
-              <a:t>아브로</a:t>
+              <a:t>유니온 타입</a:t>
+            </a:r>
+            <a:r>
+              <a:rPr lang="ko-KR" altLang="en-US" sz="1400" dirty="0">
+                <a:solidFill>
+                  <a:schemeClr val="tx1"/>
+                </a:solidFill>
+              </a:rPr>
+              <a:t>과 </a:t>
             </a:r>
             <a:r>
               <a:rPr lang="ko-KR" altLang="en-US" sz="1400" b="1" dirty="0">
@@ -4968,49 +5082,25 @@
                   <a:schemeClr val="tx1"/>
                 </a:solidFill>
               </a:rPr>
-              <a:t> 이진 </a:t>
-            </a:r>
-            <a:r>
-              <a:rPr lang="ko-KR" altLang="en-US" sz="1400" b="1" dirty="0" err="1">
-                <a:solidFill>
-                  <a:schemeClr val="tx1"/>
-                </a:solidFill>
-              </a:rPr>
-              <a:t>부호화의</a:t>
-            </a:r>
-            <a:r>
-              <a:rPr lang="ko-KR" altLang="en-US" sz="1400" b="1" dirty="0">
-                <a:solidFill>
-                  <a:schemeClr val="tx1"/>
-                </a:solidFill>
-              </a:rPr>
-              <a:t> 압축률은 </a:t>
-            </a:r>
-            <a:r>
-              <a:rPr lang="ko-KR" altLang="en-US" sz="1400" b="1" dirty="0" err="1">
-                <a:solidFill>
-                  <a:schemeClr val="tx1"/>
-                </a:solidFill>
-              </a:rPr>
-              <a:t>스리프트와</a:t>
-            </a:r>
-            <a:r>
-              <a:rPr lang="ko-KR" altLang="en-US" sz="1400" b="1" dirty="0">
-                <a:solidFill>
-                  <a:schemeClr val="tx1"/>
-                </a:solidFill>
-              </a:rPr>
-              <a:t> 프로토콜 버퍼보다 좋은 편이다</a:t>
-            </a:r>
-            <a:r>
-              <a:rPr lang="en-US" altLang="ko-KR" sz="1400" b="1" dirty="0">
-                <a:solidFill>
-                  <a:schemeClr val="tx1"/>
-                </a:solidFill>
-              </a:rPr>
-              <a:t>. </a:t>
-            </a:r>
-            <a:endParaRPr lang="en-KR" sz="1400" b="1" dirty="0">
+              <a:t>기본값</a:t>
+            </a:r>
+            <a:r>
+              <a:rPr lang="ko-KR" altLang="en-US" sz="1400" dirty="0">
+                <a:solidFill>
+                  <a:schemeClr val="tx1"/>
+                </a:solidFill>
+              </a:rPr>
+              <a:t>을 가지고 있다</a:t>
+            </a:r>
+            <a:r>
+              <a:rPr lang="en-US" altLang="ko-KR" sz="1400" dirty="0">
+                <a:solidFill>
+                  <a:schemeClr val="tx1"/>
+                </a:solidFill>
+              </a:rPr>
+              <a:t>.  </a:t>
+            </a:r>
+            <a:endParaRPr lang="en-KR" sz="1400" dirty="0">
               <a:solidFill>
                 <a:schemeClr val="tx1"/>
               </a:solidFill>
@@ -5018,72 +5108,2116 @@
           </a:p>
         </p:txBody>
       </p:sp>
-      <p:pic>
-        <p:nvPicPr>
-          <p:cNvPr id="3" name="Picture 2">
+      <p:graphicFrame>
+        <p:nvGraphicFramePr>
+          <p:cNvPr id="2" name="Table 1">
             <a:extLst>
               <a:ext uri="{FF2B5EF4-FFF2-40B4-BE49-F238E27FC236}">
-                <a16:creationId xmlns:a16="http://schemas.microsoft.com/office/drawing/2014/main" id="{B2341112-692F-EA4B-8A5B-66F2FF80CB47}"/>
+                <a16:creationId xmlns:a16="http://schemas.microsoft.com/office/drawing/2014/main" id="{942B15EF-4634-874E-902A-0CABDD3A6884}"/>
               </a:ext>
             </a:extLst>
           </p:cNvPr>
-          <p:cNvPicPr>
-            <a:picLocks noChangeAspect="1"/>
-          </p:cNvPicPr>
-          <p:nvPr/>
-        </p:nvPicPr>
-        <p:blipFill>
-          <a:blip r:embed="rId3"/>
-          <a:stretch>
-            <a:fillRect/>
-          </a:stretch>
-        </p:blipFill>
-        <p:spPr>
-          <a:xfrm>
-            <a:off x="983096" y="2614307"/>
-            <a:ext cx="3486764" cy="919313"/>
-          </a:xfrm>
-          <a:prstGeom prst="rect">
-            <a:avLst/>
-          </a:prstGeom>
-        </p:spPr>
-      </p:pic>
-      <p:pic>
-        <p:nvPicPr>
-          <p:cNvPr id="5" name="Picture 4">
+          <p:cNvGraphicFramePr>
+            <a:graphicFrameLocks noGrp="1"/>
+          </p:cNvGraphicFramePr>
+          <p:nvPr>
+            <p:extLst>
+              <p:ext uri="{D42A27DB-BD31-4B8C-83A1-F6EECF244321}">
+                <p14:modId xmlns:p14="http://schemas.microsoft.com/office/powerpoint/2010/main" val="2569077328"/>
+              </p:ext>
+            </p:extLst>
+          </p:nvPr>
+        </p:nvGraphicFramePr>
+        <p:xfrm>
+          <a:off x="838200" y="1793640"/>
+          <a:ext cx="10515601" cy="4773785"/>
+        </p:xfrm>
+        <a:graphic>
+          <a:graphicData uri="http://schemas.openxmlformats.org/drawingml/2006/table">
+            <a:tbl>
+              <a:tblPr firstRow="1" bandRow="1">
+                <a:tableStyleId>{5C22544A-7EE6-4342-B048-85BDC9FD1C3A}</a:tableStyleId>
+              </a:tblPr>
+              <a:tblGrid>
+                <a:gridCol w="1575095">
+                  <a:extLst>
+                    <a:ext uri="{9D8B030D-6E8A-4147-A177-3AD203B41FA5}">
+                      <a16:colId xmlns:a16="http://schemas.microsoft.com/office/drawing/2014/main" val="1822423174"/>
+                    </a:ext>
+                  </a:extLst>
+                </a:gridCol>
+                <a:gridCol w="4470253">
+                  <a:extLst>
+                    <a:ext uri="{9D8B030D-6E8A-4147-A177-3AD203B41FA5}">
+                      <a16:colId xmlns:a16="http://schemas.microsoft.com/office/drawing/2014/main" val="910412820"/>
+                    </a:ext>
+                  </a:extLst>
+                </a:gridCol>
+                <a:gridCol w="4470253">
+                  <a:extLst>
+                    <a:ext uri="{9D8B030D-6E8A-4147-A177-3AD203B41FA5}">
+                      <a16:colId xmlns:a16="http://schemas.microsoft.com/office/drawing/2014/main" val="2913427676"/>
+                    </a:ext>
+                  </a:extLst>
+                </a:gridCol>
+              </a:tblGrid>
+              <a:tr h="274291">
+                <a:tc>
+                  <a:txBody>
+                    <a:bodyPr/>
+                    <a:lstStyle/>
+                    <a:p>
+                      <a:pPr algn="ctr"/>
+                      <a:r>
+                        <a:rPr kumimoji="1" lang="en-KR" altLang="en-US" sz="1200" b="1" dirty="0">
+                          <a:solidFill>
+                            <a:srgbClr val="00B050"/>
+                          </a:solidFill>
+                        </a:rPr>
+                        <a:t>키워드</a:t>
+                      </a:r>
+                      <a:endParaRPr kumimoji="1" lang="ko-Kore-KR" altLang="en-US" sz="1200" b="1" dirty="0">
+                        <a:solidFill>
+                          <a:srgbClr val="00B050"/>
+                        </a:solidFill>
+                      </a:endParaRPr>
+                    </a:p>
+                  </a:txBody>
+                  <a:tcPr anchor="ctr">
+                    <a:lnL w="12700" cap="flat" cmpd="sng" algn="ctr">
+                      <a:solidFill>
+                        <a:schemeClr val="tx1"/>
+                      </a:solidFill>
+                      <a:prstDash val="solid"/>
+                      <a:round/>
+                      <a:headEnd type="none" w="med" len="med"/>
+                      <a:tailEnd type="none" w="med" len="med"/>
+                    </a:lnL>
+                    <a:lnR w="12700" cap="flat" cmpd="sng" algn="ctr">
+                      <a:solidFill>
+                        <a:schemeClr val="tx1"/>
+                      </a:solidFill>
+                      <a:prstDash val="solid"/>
+                      <a:round/>
+                      <a:headEnd type="none" w="med" len="med"/>
+                      <a:tailEnd type="none" w="med" len="med"/>
+                    </a:lnR>
+                    <a:lnT w="12700" cap="flat" cmpd="sng" algn="ctr">
+                      <a:solidFill>
+                        <a:schemeClr val="tx1"/>
+                      </a:solidFill>
+                      <a:prstDash val="solid"/>
+                      <a:round/>
+                      <a:headEnd type="none" w="med" len="med"/>
+                      <a:tailEnd type="none" w="med" len="med"/>
+                    </a:lnT>
+                    <a:lnB w="12700" cap="flat" cmpd="sng" algn="ctr">
+                      <a:solidFill>
+                        <a:schemeClr val="tx1"/>
+                      </a:solidFill>
+                      <a:prstDash val="solid"/>
+                      <a:round/>
+                      <a:headEnd type="none" w="med" len="med"/>
+                      <a:tailEnd type="none" w="med" len="med"/>
+                    </a:lnB>
+                    <a:noFill/>
+                  </a:tcPr>
+                </a:tc>
+                <a:tc gridSpan="2">
+                  <a:txBody>
+                    <a:bodyPr/>
+                    <a:lstStyle/>
+                    <a:p>
+                      <a:pPr marL="0" indent="0" algn="ctr">
+                        <a:buFontTx/>
+                        <a:buNone/>
+                      </a:pPr>
+                      <a:r>
+                        <a:rPr lang="en-KR" sz="1200" dirty="0">
+                          <a:solidFill>
+                            <a:schemeClr val="tx1"/>
+                          </a:solidFill>
+                        </a:rPr>
+                        <a:t>쓰기 스키마</a:t>
+                      </a:r>
+                      <a:r>
+                        <a:rPr lang="en-US" altLang="ko-KR" sz="1200" dirty="0">
+                          <a:solidFill>
+                            <a:schemeClr val="tx1"/>
+                          </a:solidFill>
+                        </a:rPr>
+                        <a:t>, </a:t>
+                      </a:r>
+                      <a:r>
+                        <a:rPr lang="ko-KR" altLang="en-US" sz="1200" dirty="0">
+                          <a:solidFill>
+                            <a:schemeClr val="tx1"/>
+                          </a:solidFill>
+                        </a:rPr>
+                        <a:t>읽기 스키마</a:t>
+                      </a:r>
+                      <a:endParaRPr lang="en-KR" sz="1200" dirty="0">
+                        <a:solidFill>
+                          <a:schemeClr val="tx1"/>
+                        </a:solidFill>
+                      </a:endParaRPr>
+                    </a:p>
+                  </a:txBody>
+                  <a:tcPr anchor="ctr">
+                    <a:lnL w="12700" cap="flat" cmpd="sng" algn="ctr">
+                      <a:solidFill>
+                        <a:schemeClr val="tx1"/>
+                      </a:solidFill>
+                      <a:prstDash val="solid"/>
+                      <a:round/>
+                      <a:headEnd type="none" w="med" len="med"/>
+                      <a:tailEnd type="none" w="med" len="med"/>
+                    </a:lnL>
+                    <a:lnR w="12700" cap="flat" cmpd="sng" algn="ctr">
+                      <a:solidFill>
+                        <a:schemeClr val="tx1"/>
+                      </a:solidFill>
+                      <a:prstDash val="solid"/>
+                      <a:round/>
+                      <a:headEnd type="none" w="med" len="med"/>
+                      <a:tailEnd type="none" w="med" len="med"/>
+                    </a:lnR>
+                    <a:lnT w="12700" cap="flat" cmpd="sng" algn="ctr">
+                      <a:solidFill>
+                        <a:schemeClr val="tx1"/>
+                      </a:solidFill>
+                      <a:prstDash val="solid"/>
+                      <a:round/>
+                      <a:headEnd type="none" w="med" len="med"/>
+                      <a:tailEnd type="none" w="med" len="med"/>
+                    </a:lnT>
+                    <a:lnB w="12700" cap="flat" cmpd="sng" algn="ctr">
+                      <a:solidFill>
+                        <a:schemeClr val="tx1"/>
+                      </a:solidFill>
+                      <a:prstDash val="solid"/>
+                      <a:round/>
+                      <a:headEnd type="none" w="med" len="med"/>
+                      <a:tailEnd type="none" w="med" len="med"/>
+                    </a:lnB>
+                    <a:noFill/>
+                  </a:tcPr>
+                </a:tc>
+                <a:tc hMerge="1">
+                  <a:txBody>
+                    <a:bodyPr/>
+                    <a:lstStyle/>
+                    <a:p>
+                      <a:endParaRPr lang="en-KR"/>
+                    </a:p>
+                  </a:txBody>
+                  <a:tcPr/>
+                </a:tc>
+                <a:extLst>
+                  <a:ext uri="{0D108BD9-81ED-4DB2-BD59-A6C34878D82A}">
+                    <a16:rowId xmlns:a16="http://schemas.microsoft.com/office/drawing/2014/main" val="3867448053"/>
+                  </a:ext>
+                </a:extLst>
+              </a:tr>
+              <a:tr h="620554">
+                <a:tc>
+                  <a:txBody>
+                    <a:bodyPr/>
+                    <a:lstStyle/>
+                    <a:p>
+                      <a:pPr algn="ctr"/>
+                      <a:r>
+                        <a:rPr kumimoji="1" lang="ko-KR" altLang="en-US" sz="1200" b="1" dirty="0">
+                          <a:solidFill>
+                            <a:srgbClr val="00B050"/>
+                          </a:solidFill>
+                        </a:rPr>
+                        <a:t>하위 호환</a:t>
+                      </a:r>
+                      <a:endParaRPr kumimoji="1" lang="ko-Kore-KR" altLang="en-US" sz="1200" b="1" dirty="0">
+                        <a:solidFill>
+                          <a:srgbClr val="00B050"/>
+                        </a:solidFill>
+                      </a:endParaRPr>
+                    </a:p>
+                  </a:txBody>
+                  <a:tcPr anchor="ctr">
+                    <a:lnL w="12700" cap="flat" cmpd="sng" algn="ctr">
+                      <a:solidFill>
+                        <a:schemeClr val="tx1"/>
+                      </a:solidFill>
+                      <a:prstDash val="solid"/>
+                      <a:round/>
+                      <a:headEnd type="none" w="med" len="med"/>
+                      <a:tailEnd type="none" w="med" len="med"/>
+                    </a:lnL>
+                    <a:lnR w="12700" cap="flat" cmpd="sng" algn="ctr">
+                      <a:solidFill>
+                        <a:schemeClr val="tx1"/>
+                      </a:solidFill>
+                      <a:prstDash val="solid"/>
+                      <a:round/>
+                      <a:headEnd type="none" w="med" len="med"/>
+                      <a:tailEnd type="none" w="med" len="med"/>
+                    </a:lnR>
+                    <a:lnT w="12700" cap="flat" cmpd="sng" algn="ctr">
+                      <a:solidFill>
+                        <a:schemeClr val="tx1"/>
+                      </a:solidFill>
+                      <a:prstDash val="solid"/>
+                      <a:round/>
+                      <a:headEnd type="none" w="med" len="med"/>
+                      <a:tailEnd type="none" w="med" len="med"/>
+                    </a:lnT>
+                    <a:lnB w="12700" cap="flat" cmpd="sng" algn="ctr">
+                      <a:solidFill>
+                        <a:schemeClr val="tx1"/>
+                      </a:solidFill>
+                      <a:prstDash val="solid"/>
+                      <a:round/>
+                      <a:headEnd type="none" w="med" len="med"/>
+                      <a:tailEnd type="none" w="med" len="med"/>
+                    </a:lnB>
+                    <a:noFill/>
+                  </a:tcPr>
+                </a:tc>
+                <a:tc gridSpan="2">
+                  <a:txBody>
+                    <a:bodyPr/>
+                    <a:lstStyle/>
+                    <a:p>
+                      <a:pPr marL="285750" indent="-285750" algn="l">
+                        <a:buFont typeface="Arial" panose="020B0604020202020204" pitchFamily="34" charset="0"/>
+                        <a:buChar char="•"/>
+                      </a:pPr>
+                      <a:r>
+                        <a:rPr lang="en-KR" sz="1200" dirty="0">
+                          <a:solidFill>
+                            <a:schemeClr val="tx1"/>
+                          </a:solidFill>
+                        </a:rPr>
+                        <a:t>새로운 버전의 읽기 스키마와 예전 버전의 쓰기 스키마를 가질 수 있음을 의미</a:t>
+                      </a:r>
+                    </a:p>
+                    <a:p>
+                      <a:pPr marL="285750" indent="-285750" algn="l">
+                        <a:buFont typeface="Arial" panose="020B0604020202020204" pitchFamily="34" charset="0"/>
+                        <a:buChar char="•"/>
+                      </a:pPr>
+                      <a:r>
+                        <a:rPr lang="en-KR" sz="1200" dirty="0">
+                          <a:solidFill>
+                            <a:schemeClr val="tx1"/>
+                          </a:solidFill>
+                        </a:rPr>
+                        <a:t>새로운 스키마를 사용하는 읽기가 예전 스키마로 기록된 레코드를 읽으면 </a:t>
+                      </a:r>
+                      <a:r>
+                        <a:rPr lang="en-KR" sz="1200" b="1" dirty="0">
+                          <a:solidFill>
+                            <a:schemeClr val="tx1"/>
+                          </a:solidFill>
+                        </a:rPr>
+                        <a:t>누락된 필드는 기본값으로 채워짐</a:t>
+                      </a:r>
+                    </a:p>
+                    <a:p>
+                      <a:pPr marL="285750" indent="-285750" algn="l">
+                        <a:buFont typeface="Arial" panose="020B0604020202020204" pitchFamily="34" charset="0"/>
+                        <a:buChar char="•"/>
+                      </a:pPr>
+                      <a:r>
+                        <a:rPr lang="en-KR" sz="1200" b="0" dirty="0">
+                          <a:solidFill>
+                            <a:schemeClr val="tx1"/>
+                          </a:solidFill>
+                        </a:rPr>
+                        <a:t>기본값이 없는 필드를 추가하면 새로운 읽기는 예전 쓰기가 기록한 데이터를 읽을 수 없기 때문에 하위호완성이 깨짐</a:t>
+                      </a:r>
+                    </a:p>
+                    <a:p>
+                      <a:pPr marL="285750" indent="-285750" algn="l">
+                        <a:buFont typeface="Arial" panose="020B0604020202020204" pitchFamily="34" charset="0"/>
+                        <a:buChar char="•"/>
+                      </a:pPr>
+                      <a:r>
+                        <a:rPr lang="en-KR" sz="1200" b="0" dirty="0">
+                          <a:solidFill>
+                            <a:schemeClr val="tx1"/>
+                          </a:solidFill>
+                        </a:rPr>
+                        <a:t>읽기 스키마는 필드 이름의 별칭을 포함할 수 있음</a:t>
+                      </a:r>
+                      <a:r>
+                        <a:rPr lang="en-US" altLang="ko-KR" sz="1200" b="0" dirty="0">
+                          <a:solidFill>
+                            <a:schemeClr val="tx1"/>
+                          </a:solidFill>
+                        </a:rPr>
+                        <a:t>. </a:t>
+                      </a:r>
+                      <a:r>
+                        <a:rPr lang="ko-KR" altLang="en-US" sz="1200" b="0" dirty="0">
+                          <a:solidFill>
+                            <a:schemeClr val="tx1"/>
+                          </a:solidFill>
+                        </a:rPr>
+                        <a:t>별칭에 예전 쓰기 스키마 필드 이름을 매치할 수 있어 </a:t>
+                      </a:r>
+                      <a:r>
+                        <a:rPr lang="ko-KR" altLang="en-US" sz="1200" b="1" dirty="0">
+                          <a:solidFill>
+                            <a:schemeClr val="tx1"/>
+                          </a:solidFill>
+                        </a:rPr>
+                        <a:t>이름 변경의 하위 호환성이 존재 </a:t>
+                      </a:r>
+                      <a:r>
+                        <a:rPr lang="en-US" altLang="ko-KR" sz="1200" b="0" dirty="0">
+                          <a:solidFill>
+                            <a:schemeClr val="tx1"/>
+                          </a:solidFill>
+                        </a:rPr>
+                        <a:t>(</a:t>
+                      </a:r>
+                      <a:r>
+                        <a:rPr lang="ko-KR" altLang="en-US" sz="1200" b="0" dirty="0">
+                          <a:solidFill>
+                            <a:schemeClr val="tx1"/>
+                          </a:solidFill>
+                        </a:rPr>
+                        <a:t>단</a:t>
+                      </a:r>
+                      <a:r>
+                        <a:rPr lang="en-US" altLang="ko-KR" sz="1200" b="0" dirty="0">
+                          <a:solidFill>
+                            <a:schemeClr val="tx1"/>
+                          </a:solidFill>
+                        </a:rPr>
+                        <a:t>, </a:t>
+                      </a:r>
+                      <a:r>
+                        <a:rPr lang="ko-KR" altLang="en-US" sz="1200" b="0" dirty="0">
+                          <a:solidFill>
+                            <a:schemeClr val="tx1"/>
+                          </a:solidFill>
+                        </a:rPr>
+                        <a:t>상위 호환성은 없음</a:t>
+                      </a:r>
+                      <a:r>
+                        <a:rPr lang="en-US" altLang="ko-KR" sz="1200" b="0" dirty="0">
+                          <a:solidFill>
+                            <a:schemeClr val="tx1"/>
+                          </a:solidFill>
+                        </a:rPr>
+                        <a:t>)</a:t>
+                      </a:r>
+                    </a:p>
+                    <a:p>
+                      <a:pPr marL="285750" indent="-285750" algn="l">
+                        <a:buFont typeface="Arial" panose="020B0604020202020204" pitchFamily="34" charset="0"/>
+                        <a:buChar char="•"/>
+                      </a:pPr>
+                      <a:r>
+                        <a:rPr lang="en-US" sz="1200" b="0" dirty="0" err="1">
+                          <a:solidFill>
+                            <a:schemeClr val="tx1"/>
+                          </a:solidFill>
+                        </a:rPr>
+                        <a:t>유니온</a:t>
+                      </a:r>
+                      <a:r>
+                        <a:rPr lang="en-US" sz="1200" b="0" dirty="0">
+                          <a:solidFill>
+                            <a:schemeClr val="tx1"/>
+                          </a:solidFill>
+                        </a:rPr>
+                        <a:t> </a:t>
+                      </a:r>
+                      <a:r>
+                        <a:rPr lang="en-US" sz="1200" b="0" dirty="0" err="1">
+                          <a:solidFill>
+                            <a:schemeClr val="tx1"/>
+                          </a:solidFill>
+                        </a:rPr>
+                        <a:t>타입에</a:t>
+                      </a:r>
+                      <a:r>
+                        <a:rPr lang="en-US" sz="1200" b="0" dirty="0">
+                          <a:solidFill>
+                            <a:schemeClr val="tx1"/>
+                          </a:solidFill>
+                        </a:rPr>
+                        <a:t> </a:t>
+                      </a:r>
+                      <a:r>
+                        <a:rPr lang="en-US" sz="1200" b="0" dirty="0" err="1">
+                          <a:solidFill>
+                            <a:schemeClr val="tx1"/>
+                          </a:solidFill>
+                        </a:rPr>
+                        <a:t>엘리먼트를</a:t>
+                      </a:r>
+                      <a:r>
+                        <a:rPr lang="en-US" sz="1200" b="0" dirty="0">
+                          <a:solidFill>
+                            <a:schemeClr val="tx1"/>
+                          </a:solidFill>
+                        </a:rPr>
+                        <a:t> </a:t>
+                      </a:r>
+                      <a:r>
+                        <a:rPr lang="en-US" sz="1200" b="0" dirty="0" err="1">
+                          <a:solidFill>
+                            <a:schemeClr val="tx1"/>
+                          </a:solidFill>
+                        </a:rPr>
+                        <a:t>추가하는</a:t>
+                      </a:r>
+                      <a:r>
+                        <a:rPr lang="en-US" sz="1200" b="0" dirty="0">
+                          <a:solidFill>
+                            <a:schemeClr val="tx1"/>
+                          </a:solidFill>
+                        </a:rPr>
+                        <a:t> </a:t>
+                      </a:r>
+                      <a:r>
+                        <a:rPr lang="en-US" sz="1200" b="0" dirty="0" err="1">
+                          <a:solidFill>
+                            <a:schemeClr val="tx1"/>
+                          </a:solidFill>
+                        </a:rPr>
+                        <a:t>것은</a:t>
+                      </a:r>
+                      <a:r>
+                        <a:rPr lang="en-US" sz="1200" b="0" dirty="0">
+                          <a:solidFill>
+                            <a:schemeClr val="tx1"/>
+                          </a:solidFill>
+                        </a:rPr>
+                        <a:t> </a:t>
+                      </a:r>
+                      <a:r>
+                        <a:rPr lang="en-US" sz="1200" b="0" dirty="0" err="1">
+                          <a:solidFill>
+                            <a:schemeClr val="tx1"/>
+                          </a:solidFill>
+                        </a:rPr>
+                        <a:t>하위</a:t>
+                      </a:r>
+                      <a:r>
+                        <a:rPr lang="en-US" sz="1200" b="0" dirty="0">
+                          <a:solidFill>
+                            <a:schemeClr val="tx1"/>
+                          </a:solidFill>
+                        </a:rPr>
+                        <a:t> </a:t>
+                      </a:r>
+                      <a:r>
+                        <a:rPr lang="en-US" sz="1200" b="0" dirty="0" err="1">
+                          <a:solidFill>
+                            <a:schemeClr val="tx1"/>
+                          </a:solidFill>
+                        </a:rPr>
+                        <a:t>호환성은</a:t>
+                      </a:r>
+                      <a:r>
+                        <a:rPr lang="en-US" sz="1200" b="0" dirty="0">
+                          <a:solidFill>
+                            <a:schemeClr val="tx1"/>
+                          </a:solidFill>
+                        </a:rPr>
+                        <a:t> </a:t>
+                      </a:r>
+                      <a:r>
+                        <a:rPr lang="en-US" sz="1200" b="0" dirty="0" err="1">
+                          <a:solidFill>
+                            <a:schemeClr val="tx1"/>
+                          </a:solidFill>
+                        </a:rPr>
+                        <a:t>있지만</a:t>
+                      </a:r>
+                      <a:r>
+                        <a:rPr lang="en-US" sz="1200" b="0" dirty="0">
+                          <a:solidFill>
+                            <a:schemeClr val="tx1"/>
+                          </a:solidFill>
+                        </a:rPr>
+                        <a:t> </a:t>
+                      </a:r>
+                      <a:r>
+                        <a:rPr lang="en-US" sz="1200" b="0" dirty="0" err="1">
+                          <a:solidFill>
+                            <a:schemeClr val="tx1"/>
+                          </a:solidFill>
+                        </a:rPr>
+                        <a:t>하위</a:t>
+                      </a:r>
+                      <a:r>
+                        <a:rPr lang="en-US" sz="1200" b="0" dirty="0">
+                          <a:solidFill>
+                            <a:schemeClr val="tx1"/>
+                          </a:solidFill>
+                        </a:rPr>
+                        <a:t> </a:t>
+                      </a:r>
+                      <a:r>
+                        <a:rPr lang="en-US" sz="1200" b="0" dirty="0" err="1">
+                          <a:solidFill>
+                            <a:schemeClr val="tx1"/>
+                          </a:solidFill>
+                        </a:rPr>
+                        <a:t>호환성은</a:t>
+                      </a:r>
+                      <a:r>
+                        <a:rPr lang="en-US" sz="1200" b="0" dirty="0">
+                          <a:solidFill>
+                            <a:schemeClr val="tx1"/>
+                          </a:solidFill>
+                        </a:rPr>
+                        <a:t> </a:t>
+                      </a:r>
+                      <a:r>
+                        <a:rPr lang="en-US" sz="1200" b="0" dirty="0" err="1">
+                          <a:solidFill>
+                            <a:schemeClr val="tx1"/>
+                          </a:solidFill>
+                        </a:rPr>
+                        <a:t>없음</a:t>
+                      </a:r>
+                      <a:endParaRPr lang="en-KR" sz="1200" b="1" dirty="0">
+                        <a:solidFill>
+                          <a:schemeClr val="tx1"/>
+                        </a:solidFill>
+                      </a:endParaRPr>
+                    </a:p>
+                  </a:txBody>
+                  <a:tcPr anchor="ctr">
+                    <a:lnL w="12700" cap="flat" cmpd="sng" algn="ctr">
+                      <a:solidFill>
+                        <a:schemeClr val="tx1"/>
+                      </a:solidFill>
+                      <a:prstDash val="solid"/>
+                      <a:round/>
+                      <a:headEnd type="none" w="med" len="med"/>
+                      <a:tailEnd type="none" w="med" len="med"/>
+                    </a:lnL>
+                    <a:lnR w="12700" cap="flat" cmpd="sng" algn="ctr">
+                      <a:solidFill>
+                        <a:schemeClr val="tx1"/>
+                      </a:solidFill>
+                      <a:prstDash val="solid"/>
+                      <a:round/>
+                      <a:headEnd type="none" w="med" len="med"/>
+                      <a:tailEnd type="none" w="med" len="med"/>
+                    </a:lnR>
+                    <a:lnT w="12700" cap="flat" cmpd="sng" algn="ctr">
+                      <a:solidFill>
+                        <a:schemeClr val="tx1"/>
+                      </a:solidFill>
+                      <a:prstDash val="solid"/>
+                      <a:round/>
+                      <a:headEnd type="none" w="med" len="med"/>
+                      <a:tailEnd type="none" w="med" len="med"/>
+                    </a:lnT>
+                    <a:lnB w="12700" cap="flat" cmpd="sng" algn="ctr">
+                      <a:solidFill>
+                        <a:schemeClr val="tx1"/>
+                      </a:solidFill>
+                      <a:prstDash val="solid"/>
+                      <a:round/>
+                      <a:headEnd type="none" w="med" len="med"/>
+                      <a:tailEnd type="none" w="med" len="med"/>
+                    </a:lnB>
+                    <a:noFill/>
+                  </a:tcPr>
+                </a:tc>
+                <a:tc hMerge="1">
+                  <a:txBody>
+                    <a:bodyPr/>
+                    <a:lstStyle/>
+                    <a:p>
+                      <a:endParaRPr lang="en-KR"/>
+                    </a:p>
+                  </a:txBody>
+                  <a:tcPr/>
+                </a:tc>
+                <a:extLst>
+                  <a:ext uri="{0D108BD9-81ED-4DB2-BD59-A6C34878D82A}">
+                    <a16:rowId xmlns:a16="http://schemas.microsoft.com/office/drawing/2014/main" val="985860082"/>
+                  </a:ext>
+                </a:extLst>
+              </a:tr>
+              <a:tr h="660102">
+                <a:tc>
+                  <a:txBody>
+                    <a:bodyPr/>
+                    <a:lstStyle/>
+                    <a:p>
+                      <a:pPr algn="ctr"/>
+                      <a:r>
+                        <a:rPr kumimoji="1" lang="ko-KR" altLang="en-US" sz="1200" b="1" dirty="0">
+                          <a:solidFill>
+                            <a:srgbClr val="00B050"/>
+                          </a:solidFill>
+                        </a:rPr>
+                        <a:t>상위 호환</a:t>
+                      </a:r>
+                      <a:endParaRPr kumimoji="1" lang="ko-Kore-KR" altLang="en-US" sz="1200" b="1" dirty="0">
+                        <a:solidFill>
+                          <a:srgbClr val="00B050"/>
+                        </a:solidFill>
+                      </a:endParaRPr>
+                    </a:p>
+                  </a:txBody>
+                  <a:tcPr anchor="ctr">
+                    <a:lnL w="12700" cap="flat" cmpd="sng" algn="ctr">
+                      <a:solidFill>
+                        <a:schemeClr val="tx1"/>
+                      </a:solidFill>
+                      <a:prstDash val="solid"/>
+                      <a:round/>
+                      <a:headEnd type="none" w="med" len="med"/>
+                      <a:tailEnd type="none" w="med" len="med"/>
+                    </a:lnL>
+                    <a:lnR w="12700" cap="flat" cmpd="sng" algn="ctr">
+                      <a:solidFill>
+                        <a:schemeClr val="tx1"/>
+                      </a:solidFill>
+                      <a:prstDash val="solid"/>
+                      <a:round/>
+                      <a:headEnd type="none" w="med" len="med"/>
+                      <a:tailEnd type="none" w="med" len="med"/>
+                    </a:lnR>
+                    <a:lnT w="12700" cap="flat" cmpd="sng" algn="ctr">
+                      <a:solidFill>
+                        <a:schemeClr val="tx1"/>
+                      </a:solidFill>
+                      <a:prstDash val="solid"/>
+                      <a:round/>
+                      <a:headEnd type="none" w="med" len="med"/>
+                      <a:tailEnd type="none" w="med" len="med"/>
+                    </a:lnT>
+                    <a:lnB w="12700" cap="flat" cmpd="sng" algn="ctr">
+                      <a:solidFill>
+                        <a:schemeClr val="tx1"/>
+                      </a:solidFill>
+                      <a:prstDash val="solid"/>
+                      <a:round/>
+                      <a:headEnd type="none" w="med" len="med"/>
+                      <a:tailEnd type="none" w="med" len="med"/>
+                    </a:lnB>
+                    <a:noFill/>
+                  </a:tcPr>
+                </a:tc>
+                <a:tc gridSpan="2">
+                  <a:txBody>
+                    <a:bodyPr/>
+                    <a:lstStyle/>
+                    <a:p>
+                      <a:pPr marL="171450" indent="-171450" algn="l">
+                        <a:buFont typeface="Arial" panose="020B0604020202020204" pitchFamily="34" charset="0"/>
+                        <a:buChar char="•"/>
+                      </a:pPr>
+                      <a:r>
+                        <a:rPr lang="ko-KR" altLang="en-US" sz="1200" dirty="0">
+                          <a:solidFill>
+                            <a:schemeClr val="tx1"/>
+                          </a:solidFill>
+                        </a:rPr>
+                        <a:t>새로운 버전의 쓰기 스키마와 예전 버전의 읽기 스키마를 가질 수 있음을 의미</a:t>
+                      </a:r>
+                      <a:endParaRPr lang="en-US" altLang="ko-KR" sz="1200" dirty="0">
+                        <a:solidFill>
+                          <a:schemeClr val="tx1"/>
+                        </a:solidFill>
+                      </a:endParaRPr>
+                    </a:p>
+                    <a:p>
+                      <a:pPr marL="171450" indent="-171450" algn="l">
+                        <a:buFont typeface="Arial" panose="020B0604020202020204" pitchFamily="34" charset="0"/>
+                        <a:buChar char="•"/>
+                      </a:pPr>
+                      <a:r>
+                        <a:rPr lang="ko-KR" altLang="en-US" sz="1200" dirty="0">
+                          <a:solidFill>
+                            <a:schemeClr val="tx1"/>
+                          </a:solidFill>
+                        </a:rPr>
+                        <a:t>기본값이 없는 필드를 삭제하면 예전 읽기는 새로운 쓰기가 기록한 데이터를 읽을 수 없기 때문에 상위 호환성이 깨짐</a:t>
+                      </a:r>
+                      <a:endParaRPr lang="en-US" altLang="ko-KR" sz="1200" dirty="0">
+                        <a:solidFill>
+                          <a:schemeClr val="tx1"/>
+                        </a:solidFill>
+                      </a:endParaRPr>
+                    </a:p>
+                  </a:txBody>
+                  <a:tcPr anchor="ctr">
+                    <a:lnL w="12700" cap="flat" cmpd="sng" algn="ctr">
+                      <a:solidFill>
+                        <a:schemeClr val="tx1"/>
+                      </a:solidFill>
+                      <a:prstDash val="solid"/>
+                      <a:round/>
+                      <a:headEnd type="none" w="med" len="med"/>
+                      <a:tailEnd type="none" w="med" len="med"/>
+                    </a:lnL>
+                    <a:lnR w="12700" cap="flat" cmpd="sng" algn="ctr">
+                      <a:solidFill>
+                        <a:schemeClr val="tx1"/>
+                      </a:solidFill>
+                      <a:prstDash val="solid"/>
+                      <a:round/>
+                      <a:headEnd type="none" w="med" len="med"/>
+                      <a:tailEnd type="none" w="med" len="med"/>
+                    </a:lnR>
+                    <a:lnT w="12700" cap="flat" cmpd="sng" algn="ctr">
+                      <a:solidFill>
+                        <a:schemeClr val="tx1"/>
+                      </a:solidFill>
+                      <a:prstDash val="solid"/>
+                      <a:round/>
+                      <a:headEnd type="none" w="med" len="med"/>
+                      <a:tailEnd type="none" w="med" len="med"/>
+                    </a:lnT>
+                    <a:lnB w="12700" cap="flat" cmpd="sng" algn="ctr">
+                      <a:solidFill>
+                        <a:schemeClr val="tx1"/>
+                      </a:solidFill>
+                      <a:prstDash val="solid"/>
+                      <a:round/>
+                      <a:headEnd type="none" w="med" len="med"/>
+                      <a:tailEnd type="none" w="med" len="med"/>
+                    </a:lnB>
+                    <a:noFill/>
+                  </a:tcPr>
+                </a:tc>
+                <a:tc hMerge="1">
+                  <a:txBody>
+                    <a:bodyPr/>
+                    <a:lstStyle/>
+                    <a:p>
+                      <a:endParaRPr lang="en-KR"/>
+                    </a:p>
+                  </a:txBody>
+                  <a:tcPr/>
+                </a:tc>
+                <a:extLst>
+                  <a:ext uri="{0D108BD9-81ED-4DB2-BD59-A6C34878D82A}">
+                    <a16:rowId xmlns:a16="http://schemas.microsoft.com/office/drawing/2014/main" val="4012329657"/>
+                  </a:ext>
+                </a:extLst>
+              </a:tr>
+              <a:tr h="913283">
+                <a:tc rowSpan="2">
+                  <a:txBody>
+                    <a:bodyPr/>
+                    <a:lstStyle/>
+                    <a:p>
+                      <a:pPr algn="ctr"/>
+                      <a:r>
+                        <a:rPr kumimoji="1" lang="en-KR" altLang="en-US" sz="1200" b="1" dirty="0">
+                          <a:solidFill>
+                            <a:srgbClr val="00B050"/>
+                          </a:solidFill>
+                        </a:rPr>
+                        <a:t>정리</a:t>
+                      </a:r>
+                      <a:endParaRPr kumimoji="1" lang="ko-Kore-KR" altLang="en-US" sz="1200" b="1" dirty="0">
+                        <a:solidFill>
+                          <a:srgbClr val="00B050"/>
+                        </a:solidFill>
+                      </a:endParaRPr>
+                    </a:p>
+                  </a:txBody>
+                  <a:tcPr anchor="ctr">
+                    <a:lnL w="12700" cap="flat" cmpd="sng" algn="ctr">
+                      <a:solidFill>
+                        <a:schemeClr val="tx1"/>
+                      </a:solidFill>
+                      <a:prstDash val="solid"/>
+                      <a:round/>
+                      <a:headEnd type="none" w="med" len="med"/>
+                      <a:tailEnd type="none" w="med" len="med"/>
+                    </a:lnL>
+                    <a:lnR w="12700" cap="flat" cmpd="sng" algn="ctr">
+                      <a:solidFill>
+                        <a:schemeClr val="tx1"/>
+                      </a:solidFill>
+                      <a:prstDash val="solid"/>
+                      <a:round/>
+                      <a:headEnd type="none" w="med" len="med"/>
+                      <a:tailEnd type="none" w="med" len="med"/>
+                    </a:lnR>
+                    <a:lnT w="12700" cap="flat" cmpd="sng" algn="ctr">
+                      <a:solidFill>
+                        <a:schemeClr val="tx1"/>
+                      </a:solidFill>
+                      <a:prstDash val="solid"/>
+                      <a:round/>
+                      <a:headEnd type="none" w="med" len="med"/>
+                      <a:tailEnd type="none" w="med" len="med"/>
+                    </a:lnT>
+                    <a:lnB w="12700" cap="flat" cmpd="sng" algn="ctr">
+                      <a:solidFill>
+                        <a:schemeClr val="tx1"/>
+                      </a:solidFill>
+                      <a:prstDash val="solid"/>
+                      <a:round/>
+                      <a:headEnd type="none" w="med" len="med"/>
+                      <a:tailEnd type="none" w="med" len="med"/>
+                    </a:lnB>
+                    <a:noFill/>
+                  </a:tcPr>
+                </a:tc>
+                <a:tc>
+                  <a:txBody>
+                    <a:bodyPr/>
+                    <a:lstStyle/>
+                    <a:p>
+                      <a:pPr marL="0" marR="0" lvl="0" indent="0" algn="l" defTabSz="914400" rtl="0" eaLnBrk="1" fontAlgn="auto" latinLnBrk="0" hangingPunct="1">
+                        <a:lnSpc>
+                          <a:spcPct val="100000"/>
+                        </a:lnSpc>
+                        <a:spcBef>
+                          <a:spcPts val="0"/>
+                        </a:spcBef>
+                        <a:spcAft>
+                          <a:spcPts val="0"/>
+                        </a:spcAft>
+                        <a:buClrTx/>
+                        <a:buSzTx/>
+                        <a:buFontTx/>
+                        <a:buNone/>
+                        <a:tabLst/>
+                        <a:defRPr/>
+                      </a:pPr>
+                      <a:r>
+                        <a:rPr kumimoji="1" lang="ko-KR" altLang="en-US" sz="1200" b="1" dirty="0">
+                          <a:solidFill>
+                            <a:srgbClr val="00B050"/>
+                          </a:solidFill>
+                        </a:rPr>
+                        <a:t>쓰기 스키마</a:t>
+                      </a:r>
+                      <a:endParaRPr kumimoji="1" lang="ko-Kore-KR" altLang="en-US" sz="1200" b="1">
+                        <a:solidFill>
+                          <a:srgbClr val="00B050"/>
+                        </a:solidFill>
+                      </a:endParaRPr>
+                    </a:p>
+                    <a:p>
+                      <a:pPr marL="0" marR="0" lvl="0" indent="0" algn="l" defTabSz="914400" rtl="0" eaLnBrk="1" fontAlgn="auto" latinLnBrk="0" hangingPunct="1">
+                        <a:lnSpc>
+                          <a:spcPct val="100000"/>
+                        </a:lnSpc>
+                        <a:spcBef>
+                          <a:spcPts val="0"/>
+                        </a:spcBef>
+                        <a:spcAft>
+                          <a:spcPts val="0"/>
+                        </a:spcAft>
+                        <a:buClrTx/>
+                        <a:buSzTx/>
+                        <a:buFontTx/>
+                        <a:buNone/>
+                        <a:tabLst/>
+                        <a:defRPr/>
+                      </a:pPr>
+                      <a:r>
+                        <a:rPr kumimoji="1" lang="ko-KR" altLang="en-US" sz="1200" dirty="0">
+                          <a:solidFill>
+                            <a:schemeClr val="tx1"/>
+                          </a:solidFill>
+                        </a:rPr>
+                        <a:t>애플리케이션이 어떤 데이터를 </a:t>
+                      </a:r>
+                      <a:r>
+                        <a:rPr kumimoji="1" lang="ko-KR" altLang="en-US" sz="1200" dirty="0" err="1">
+                          <a:solidFill>
+                            <a:schemeClr val="tx1"/>
+                          </a:solidFill>
+                        </a:rPr>
+                        <a:t>아브로로</a:t>
+                      </a:r>
+                      <a:r>
+                        <a:rPr kumimoji="1" lang="ko-KR" altLang="en-US" sz="1200" dirty="0">
+                          <a:solidFill>
+                            <a:schemeClr val="tx1"/>
+                          </a:solidFill>
+                        </a:rPr>
+                        <a:t> </a:t>
+                      </a:r>
+                      <a:r>
+                        <a:rPr kumimoji="1" lang="ko-KR" altLang="en-US" sz="1200" b="1" dirty="0" err="1">
+                          <a:solidFill>
+                            <a:schemeClr val="tx1"/>
+                          </a:solidFill>
+                        </a:rPr>
+                        <a:t>부호화</a:t>
+                      </a:r>
+                      <a:r>
+                        <a:rPr kumimoji="1" lang="ko-KR" altLang="en-US" sz="1200" dirty="0" err="1">
+                          <a:solidFill>
+                            <a:schemeClr val="tx1"/>
+                          </a:solidFill>
+                        </a:rPr>
+                        <a:t>하길</a:t>
+                      </a:r>
+                      <a:r>
+                        <a:rPr kumimoji="1" lang="ko-KR" altLang="en-US" sz="1200" dirty="0">
+                          <a:solidFill>
+                            <a:schemeClr val="tx1"/>
+                          </a:solidFill>
+                        </a:rPr>
+                        <a:t> 원할 때</a:t>
+                      </a:r>
+                      <a:r>
+                        <a:rPr kumimoji="1" lang="en-US" altLang="ko-KR" sz="1200" dirty="0">
+                          <a:solidFill>
+                            <a:schemeClr val="tx1"/>
+                          </a:solidFill>
+                        </a:rPr>
+                        <a:t>, </a:t>
+                      </a:r>
+                      <a:r>
+                        <a:rPr kumimoji="1" lang="ko-KR" altLang="en-US" sz="1200" dirty="0">
+                          <a:solidFill>
+                            <a:schemeClr val="tx1"/>
+                          </a:solidFill>
+                        </a:rPr>
+                        <a:t>알고 있는 스키마 버전을 사용해 데이터를 </a:t>
+                      </a:r>
+                      <a:r>
+                        <a:rPr kumimoji="1" lang="ko-KR" altLang="en-US" sz="1200" dirty="0" err="1">
+                          <a:solidFill>
+                            <a:schemeClr val="tx1"/>
+                          </a:solidFill>
+                        </a:rPr>
+                        <a:t>부호화함</a:t>
+                      </a:r>
+                      <a:br>
+                        <a:rPr kumimoji="1" lang="en-US" altLang="ko-KR" sz="1200" dirty="0">
+                          <a:solidFill>
+                            <a:schemeClr val="tx1"/>
+                          </a:solidFill>
+                        </a:rPr>
+                      </a:br>
+                      <a:r>
+                        <a:rPr kumimoji="1" lang="en-US" altLang="ko-KR" sz="1200" dirty="0">
+                          <a:solidFill>
+                            <a:schemeClr val="tx1"/>
+                          </a:solidFill>
+                        </a:rPr>
+                        <a:t>(</a:t>
+                      </a:r>
+                      <a:r>
+                        <a:rPr kumimoji="1" lang="ko-KR" altLang="en-US" sz="1200" dirty="0">
+                          <a:solidFill>
+                            <a:schemeClr val="tx1"/>
+                          </a:solidFill>
+                        </a:rPr>
+                        <a:t>파일 쓰기</a:t>
+                      </a:r>
+                      <a:r>
+                        <a:rPr kumimoji="1" lang="en-US" altLang="ko-KR" sz="1200" dirty="0">
+                          <a:solidFill>
+                            <a:schemeClr val="tx1"/>
+                          </a:solidFill>
+                        </a:rPr>
+                        <a:t>, </a:t>
+                      </a:r>
+                      <a:r>
+                        <a:rPr kumimoji="1" lang="ko-KR" altLang="en-US" sz="1200" dirty="0">
+                          <a:solidFill>
+                            <a:schemeClr val="tx1"/>
+                          </a:solidFill>
+                        </a:rPr>
+                        <a:t>네트워크를 통한 전송 목적</a:t>
+                      </a:r>
+                      <a:r>
+                        <a:rPr kumimoji="1" lang="en-US" altLang="ko-KR" sz="1200" dirty="0">
+                          <a:solidFill>
+                            <a:schemeClr val="tx1"/>
+                          </a:solidFill>
+                        </a:rPr>
+                        <a:t>)</a:t>
+                      </a:r>
+                      <a:endParaRPr kumimoji="1" lang="ko-Kore-KR" altLang="en-US" sz="1200">
+                        <a:solidFill>
+                          <a:schemeClr val="tx1"/>
+                        </a:solidFill>
+                      </a:endParaRPr>
+                    </a:p>
+                  </a:txBody>
+                  <a:tcPr anchor="ctr">
+                    <a:lnL w="12700" cap="flat" cmpd="sng" algn="ctr">
+                      <a:solidFill>
+                        <a:schemeClr val="tx1"/>
+                      </a:solidFill>
+                      <a:prstDash val="solid"/>
+                      <a:round/>
+                      <a:headEnd type="none" w="med" len="med"/>
+                      <a:tailEnd type="none" w="med" len="med"/>
+                    </a:lnL>
+                    <a:lnR w="12700" cap="flat" cmpd="sng" algn="ctr">
+                      <a:solidFill>
+                        <a:schemeClr val="tx1"/>
+                      </a:solidFill>
+                      <a:prstDash val="solid"/>
+                      <a:round/>
+                      <a:headEnd type="none" w="med" len="med"/>
+                      <a:tailEnd type="none" w="med" len="med"/>
+                    </a:lnR>
+                    <a:lnT w="12700" cap="flat" cmpd="sng" algn="ctr">
+                      <a:solidFill>
+                        <a:schemeClr val="tx1"/>
+                      </a:solidFill>
+                      <a:prstDash val="solid"/>
+                      <a:round/>
+                      <a:headEnd type="none" w="med" len="med"/>
+                      <a:tailEnd type="none" w="med" len="med"/>
+                    </a:lnT>
+                    <a:lnB w="12700" cap="flat" cmpd="sng" algn="ctr">
+                      <a:solidFill>
+                        <a:schemeClr val="tx1"/>
+                      </a:solidFill>
+                      <a:prstDash val="solid"/>
+                      <a:round/>
+                      <a:headEnd type="none" w="med" len="med"/>
+                      <a:tailEnd type="none" w="med" len="med"/>
+                    </a:lnB>
+                    <a:noFill/>
+                  </a:tcPr>
+                </a:tc>
+                <a:tc>
+                  <a:txBody>
+                    <a:bodyPr/>
+                    <a:lstStyle/>
+                    <a:p>
+                      <a:pPr marL="0" marR="0" lvl="0" indent="0" algn="l" defTabSz="914400" rtl="0" eaLnBrk="1" fontAlgn="auto" latinLnBrk="0" hangingPunct="1">
+                        <a:lnSpc>
+                          <a:spcPct val="100000"/>
+                        </a:lnSpc>
+                        <a:spcBef>
+                          <a:spcPts val="0"/>
+                        </a:spcBef>
+                        <a:spcAft>
+                          <a:spcPts val="0"/>
+                        </a:spcAft>
+                        <a:buClrTx/>
+                        <a:buSzTx/>
+                        <a:buFontTx/>
+                        <a:buNone/>
+                        <a:tabLst/>
+                        <a:defRPr/>
+                      </a:pPr>
+                      <a:r>
+                        <a:rPr kumimoji="1" lang="ko-KR" altLang="en-US" sz="1200" b="1" dirty="0">
+                          <a:solidFill>
+                            <a:srgbClr val="00B050"/>
+                          </a:solidFill>
+                        </a:rPr>
+                        <a:t>읽기 스키마</a:t>
+                      </a:r>
+                      <a:endParaRPr kumimoji="1" lang="ko-Kore-KR" altLang="en-US" sz="1200" b="1">
+                        <a:solidFill>
+                          <a:srgbClr val="00B050"/>
+                        </a:solidFill>
+                      </a:endParaRPr>
+                    </a:p>
+                    <a:p>
+                      <a:pPr marL="0" marR="0" lvl="0" indent="0" algn="l" defTabSz="914400" rtl="0" eaLnBrk="1" fontAlgn="auto" latinLnBrk="0" hangingPunct="1">
+                        <a:lnSpc>
+                          <a:spcPct val="100000"/>
+                        </a:lnSpc>
+                        <a:spcBef>
+                          <a:spcPts val="0"/>
+                        </a:spcBef>
+                        <a:spcAft>
+                          <a:spcPts val="0"/>
+                        </a:spcAft>
+                        <a:buClrTx/>
+                        <a:buSzTx/>
+                        <a:buFontTx/>
+                        <a:buNone/>
+                        <a:tabLst/>
+                        <a:defRPr/>
+                      </a:pPr>
+                      <a:r>
+                        <a:rPr kumimoji="1" lang="ko-KR" altLang="en-US" sz="1200" dirty="0">
+                          <a:solidFill>
+                            <a:schemeClr val="tx1"/>
+                          </a:solidFill>
+                        </a:rPr>
+                        <a:t>애플리케이션이 </a:t>
+                      </a:r>
+                      <a:r>
+                        <a:rPr kumimoji="1" lang="ko-KR" altLang="en-US" sz="1200" b="1" dirty="0">
+                          <a:solidFill>
+                            <a:schemeClr val="tx1"/>
+                          </a:solidFill>
+                        </a:rPr>
+                        <a:t>읽은 어떤 데이터</a:t>
+                      </a:r>
+                      <a:r>
+                        <a:rPr kumimoji="1" lang="ko-KR" altLang="en-US" sz="1200" dirty="0">
+                          <a:solidFill>
+                            <a:schemeClr val="tx1"/>
+                          </a:solidFill>
+                        </a:rPr>
+                        <a:t>를 </a:t>
+                      </a:r>
+                      <a:r>
+                        <a:rPr kumimoji="1" lang="ko-KR" altLang="en-US" sz="1200" b="1" dirty="0" err="1">
+                          <a:solidFill>
+                            <a:schemeClr val="tx1"/>
+                          </a:solidFill>
+                        </a:rPr>
+                        <a:t>복호화</a:t>
+                      </a:r>
+                      <a:r>
+                        <a:rPr kumimoji="1" lang="ko-KR" altLang="en-US" sz="1200" dirty="0" err="1">
+                          <a:solidFill>
+                            <a:schemeClr val="tx1"/>
+                          </a:solidFill>
+                        </a:rPr>
+                        <a:t>하길</a:t>
+                      </a:r>
+                      <a:r>
+                        <a:rPr kumimoji="1" lang="ko-KR" altLang="en-US" sz="1200" dirty="0">
+                          <a:solidFill>
+                            <a:schemeClr val="tx1"/>
+                          </a:solidFill>
+                        </a:rPr>
+                        <a:t> 원할 때</a:t>
+                      </a:r>
+                      <a:r>
+                        <a:rPr kumimoji="1" lang="en-US" altLang="ko-KR" sz="1200" dirty="0">
+                          <a:solidFill>
+                            <a:schemeClr val="tx1"/>
+                          </a:solidFill>
+                        </a:rPr>
+                        <a:t>, </a:t>
+                      </a:r>
+                      <a:r>
+                        <a:rPr kumimoji="1" lang="ko-KR" altLang="en-US" sz="1200" dirty="0">
+                          <a:solidFill>
+                            <a:schemeClr val="tx1"/>
+                          </a:solidFill>
+                        </a:rPr>
+                        <a:t>데이터가 특정 스키마로 </a:t>
+                      </a:r>
+                      <a:r>
+                        <a:rPr kumimoji="1" lang="ko-KR" altLang="en-US" sz="1200" dirty="0" err="1">
+                          <a:solidFill>
+                            <a:schemeClr val="tx1"/>
+                          </a:solidFill>
+                        </a:rPr>
+                        <a:t>복호화하길</a:t>
+                      </a:r>
+                      <a:r>
+                        <a:rPr kumimoji="1" lang="ko-KR" altLang="en-US" sz="1200" dirty="0">
+                          <a:solidFill>
+                            <a:schemeClr val="tx1"/>
+                          </a:solidFill>
+                        </a:rPr>
+                        <a:t> 기대한다</a:t>
+                      </a:r>
+                      <a:r>
+                        <a:rPr kumimoji="1" lang="en-US" altLang="ko-KR" sz="1200" dirty="0">
+                          <a:solidFill>
+                            <a:schemeClr val="tx1"/>
+                          </a:solidFill>
+                        </a:rPr>
+                        <a:t>. </a:t>
+                      </a:r>
+                      <a:br>
+                        <a:rPr kumimoji="1" lang="en-US" altLang="ko-KR" sz="1200" dirty="0">
+                          <a:solidFill>
+                            <a:schemeClr val="tx1"/>
+                          </a:solidFill>
+                        </a:rPr>
+                      </a:br>
+                      <a:r>
+                        <a:rPr kumimoji="1" lang="en-US" altLang="ko-KR" sz="1200" dirty="0">
+                          <a:solidFill>
+                            <a:schemeClr val="tx1"/>
+                          </a:solidFill>
+                        </a:rPr>
+                        <a:t>(</a:t>
+                      </a:r>
+                      <a:r>
+                        <a:rPr kumimoji="1" lang="ko-KR" altLang="en-US" sz="1200" dirty="0">
+                          <a:solidFill>
+                            <a:schemeClr val="tx1"/>
+                          </a:solidFill>
+                        </a:rPr>
+                        <a:t>파일</a:t>
+                      </a:r>
+                      <a:r>
+                        <a:rPr kumimoji="1" lang="en-US" altLang="ko-KR" sz="1200" dirty="0">
+                          <a:solidFill>
+                            <a:schemeClr val="tx1"/>
+                          </a:solidFill>
+                        </a:rPr>
+                        <a:t>, </a:t>
+                      </a:r>
+                      <a:r>
+                        <a:rPr kumimoji="1" lang="ko-KR" altLang="en-US" sz="1200" dirty="0">
+                          <a:solidFill>
+                            <a:schemeClr val="tx1"/>
+                          </a:solidFill>
+                        </a:rPr>
+                        <a:t>네트워크로부터 수신</a:t>
+                      </a:r>
+                      <a:r>
+                        <a:rPr kumimoji="1" lang="en-US" altLang="ko-KR" sz="1200" dirty="0">
+                          <a:solidFill>
+                            <a:schemeClr val="tx1"/>
+                          </a:solidFill>
+                        </a:rPr>
+                        <a:t>)</a:t>
+                      </a:r>
+                      <a:endParaRPr kumimoji="1" lang="ko-Kore-KR" altLang="en-US" sz="1200">
+                        <a:solidFill>
+                          <a:schemeClr val="tx1"/>
+                        </a:solidFill>
+                      </a:endParaRPr>
+                    </a:p>
+                  </a:txBody>
+                  <a:tcPr anchor="ctr">
+                    <a:lnL w="12700" cap="flat" cmpd="sng" algn="ctr">
+                      <a:solidFill>
+                        <a:schemeClr val="tx1"/>
+                      </a:solidFill>
+                      <a:prstDash val="solid"/>
+                      <a:round/>
+                      <a:headEnd type="none" w="med" len="med"/>
+                      <a:tailEnd type="none" w="med" len="med"/>
+                    </a:lnL>
+                    <a:lnR w="12700" cap="flat" cmpd="sng" algn="ctr">
+                      <a:solidFill>
+                        <a:schemeClr val="tx1"/>
+                      </a:solidFill>
+                      <a:prstDash val="solid"/>
+                      <a:round/>
+                      <a:headEnd type="none" w="med" len="med"/>
+                      <a:tailEnd type="none" w="med" len="med"/>
+                    </a:lnR>
+                    <a:lnT w="12700" cap="flat" cmpd="sng" algn="ctr">
+                      <a:solidFill>
+                        <a:schemeClr val="tx1"/>
+                      </a:solidFill>
+                      <a:prstDash val="solid"/>
+                      <a:round/>
+                      <a:headEnd type="none" w="med" len="med"/>
+                      <a:tailEnd type="none" w="med" len="med"/>
+                    </a:lnT>
+                    <a:lnB w="12700" cap="flat" cmpd="sng" algn="ctr">
+                      <a:solidFill>
+                        <a:schemeClr val="tx1"/>
+                      </a:solidFill>
+                      <a:prstDash val="solid"/>
+                      <a:round/>
+                      <a:headEnd type="none" w="med" len="med"/>
+                      <a:tailEnd type="none" w="med" len="med"/>
+                    </a:lnB>
+                    <a:noFill/>
+                  </a:tcPr>
+                </a:tc>
+                <a:extLst>
+                  <a:ext uri="{0D108BD9-81ED-4DB2-BD59-A6C34878D82A}">
+                    <a16:rowId xmlns:a16="http://schemas.microsoft.com/office/drawing/2014/main" val="2610800474"/>
+                  </a:ext>
+                </a:extLst>
+              </a:tr>
+              <a:tr h="1085852">
+                <a:tc vMerge="1">
+                  <a:txBody>
+                    <a:bodyPr/>
+                    <a:lstStyle/>
+                    <a:p>
+                      <a:pPr algn="ctr"/>
+                      <a:endParaRPr kumimoji="1" lang="ko-Kore-KR" altLang="en-US" sz="1200" b="1" dirty="0">
+                        <a:solidFill>
+                          <a:srgbClr val="00B050"/>
+                        </a:solidFill>
+                      </a:endParaRPr>
+                    </a:p>
+                  </a:txBody>
+                  <a:tcPr anchor="ctr">
+                    <a:lnL w="12700" cap="flat" cmpd="sng" algn="ctr">
+                      <a:solidFill>
+                        <a:schemeClr val="tx1"/>
+                      </a:solidFill>
+                      <a:prstDash val="solid"/>
+                      <a:round/>
+                      <a:headEnd type="none" w="med" len="med"/>
+                      <a:tailEnd type="none" w="med" len="med"/>
+                    </a:lnL>
+                    <a:lnR w="12700" cap="flat" cmpd="sng" algn="ctr">
+                      <a:solidFill>
+                        <a:schemeClr val="tx1"/>
+                      </a:solidFill>
+                      <a:prstDash val="solid"/>
+                      <a:round/>
+                      <a:headEnd type="none" w="med" len="med"/>
+                      <a:tailEnd type="none" w="med" len="med"/>
+                    </a:lnR>
+                    <a:lnT w="12700" cap="flat" cmpd="sng" algn="ctr">
+                      <a:solidFill>
+                        <a:schemeClr val="tx1"/>
+                      </a:solidFill>
+                      <a:prstDash val="solid"/>
+                      <a:round/>
+                      <a:headEnd type="none" w="med" len="med"/>
+                      <a:tailEnd type="none" w="med" len="med"/>
+                    </a:lnT>
+                    <a:lnB w="12700" cap="flat" cmpd="sng" algn="ctr">
+                      <a:solidFill>
+                        <a:schemeClr val="tx1"/>
+                      </a:solidFill>
+                      <a:prstDash val="solid"/>
+                      <a:round/>
+                      <a:headEnd type="none" w="med" len="med"/>
+                      <a:tailEnd type="none" w="med" len="med"/>
+                    </a:lnB>
+                    <a:noFill/>
+                  </a:tcPr>
+                </a:tc>
+                <a:tc gridSpan="2">
+                  <a:txBody>
+                    <a:bodyPr/>
+                    <a:lstStyle/>
+                    <a:p>
+                      <a:pPr marL="285750" indent="-285750">
+                        <a:buFont typeface="Arial" panose="020B0604020202020204" pitchFamily="34" charset="0"/>
+                        <a:buChar char="•"/>
+                      </a:pPr>
+                      <a:r>
+                        <a:rPr lang="ko-KR" altLang="en-US" sz="1200" dirty="0">
+                          <a:solidFill>
+                            <a:schemeClr val="tx1"/>
+                          </a:solidFill>
+                        </a:rPr>
+                        <a:t>데이터를 </a:t>
+                      </a:r>
+                      <a:r>
+                        <a:rPr lang="ko-KR" altLang="en-US" sz="1200" dirty="0" err="1">
+                          <a:solidFill>
+                            <a:schemeClr val="tx1"/>
+                          </a:solidFill>
+                        </a:rPr>
+                        <a:t>복호화할</a:t>
+                      </a:r>
+                      <a:r>
+                        <a:rPr lang="ko-KR" altLang="en-US" sz="1200" dirty="0">
+                          <a:solidFill>
+                            <a:schemeClr val="tx1"/>
+                          </a:solidFill>
+                        </a:rPr>
+                        <a:t> 때 </a:t>
+                      </a:r>
+                      <a:r>
+                        <a:rPr lang="ko-KR" altLang="en-US" sz="1200" dirty="0" err="1">
+                          <a:solidFill>
+                            <a:schemeClr val="tx1"/>
+                          </a:solidFill>
+                        </a:rPr>
+                        <a:t>아브로</a:t>
+                      </a:r>
+                      <a:r>
+                        <a:rPr lang="ko-KR" altLang="en-US" sz="1200" dirty="0">
+                          <a:solidFill>
+                            <a:schemeClr val="tx1"/>
+                          </a:solidFill>
+                        </a:rPr>
+                        <a:t> 라이브러리는 쓰기 스키마와 읽기 스키마를 함께 살펴봄</a:t>
+                      </a:r>
+                      <a:endParaRPr lang="en-US" altLang="ko-KR" sz="1200" dirty="0">
+                        <a:solidFill>
+                          <a:schemeClr val="tx1"/>
+                        </a:solidFill>
+                      </a:endParaRPr>
+                    </a:p>
+                    <a:p>
+                      <a:pPr marL="285750" indent="-285750">
+                        <a:buFont typeface="Arial" panose="020B0604020202020204" pitchFamily="34" charset="0"/>
+                        <a:buChar char="•"/>
+                      </a:pPr>
+                      <a:r>
+                        <a:rPr lang="ko-KR" altLang="en-US" sz="1200" dirty="0">
+                          <a:solidFill>
+                            <a:schemeClr val="tx1"/>
+                          </a:solidFill>
+                        </a:rPr>
+                        <a:t>그 후 쓰기 스키마에서 읽기 스키마로 데이터를 변환해 그 차이를 해소함</a:t>
+                      </a:r>
+                      <a:endParaRPr lang="en-US" altLang="ko-KR" sz="1200" dirty="0">
+                        <a:solidFill>
+                          <a:schemeClr val="tx1"/>
+                        </a:solidFill>
+                      </a:endParaRPr>
+                    </a:p>
+                    <a:p>
+                      <a:pPr marL="285750" indent="-285750">
+                        <a:buFont typeface="Arial" panose="020B0604020202020204" pitchFamily="34" charset="0"/>
+                        <a:buChar char="•"/>
+                      </a:pPr>
+                      <a:r>
+                        <a:rPr kumimoji="1" lang="en-US" altLang="en-US" sz="1200" dirty="0" err="1">
+                          <a:solidFill>
+                            <a:schemeClr val="tx1"/>
+                          </a:solidFill>
+                        </a:rPr>
+                        <a:t>쓰기</a:t>
+                      </a:r>
+                      <a:r>
+                        <a:rPr kumimoji="1" lang="en-US" altLang="en-US" sz="1200" dirty="0">
+                          <a:solidFill>
+                            <a:schemeClr val="tx1"/>
+                          </a:solidFill>
+                        </a:rPr>
+                        <a:t> </a:t>
+                      </a:r>
+                      <a:r>
+                        <a:rPr kumimoji="1" lang="en-US" altLang="en-US" sz="1200" dirty="0" err="1">
+                          <a:solidFill>
+                            <a:schemeClr val="tx1"/>
+                          </a:solidFill>
+                        </a:rPr>
+                        <a:t>스키마와</a:t>
+                      </a:r>
+                      <a:r>
+                        <a:rPr kumimoji="1" lang="en-US" altLang="en-US" sz="1200" dirty="0">
+                          <a:solidFill>
+                            <a:schemeClr val="tx1"/>
+                          </a:solidFill>
+                        </a:rPr>
+                        <a:t> </a:t>
+                      </a:r>
+                      <a:r>
+                        <a:rPr kumimoji="1" lang="en-US" altLang="en-US" sz="1200" dirty="0" err="1">
+                          <a:solidFill>
+                            <a:schemeClr val="tx1"/>
+                          </a:solidFill>
+                        </a:rPr>
+                        <a:t>읽기</a:t>
+                      </a:r>
+                      <a:r>
+                        <a:rPr kumimoji="1" lang="en-US" altLang="en-US" sz="1200" dirty="0">
+                          <a:solidFill>
+                            <a:schemeClr val="tx1"/>
+                          </a:solidFill>
+                        </a:rPr>
+                        <a:t> </a:t>
+                      </a:r>
+                      <a:r>
+                        <a:rPr kumimoji="1" lang="en-US" altLang="en-US" sz="1200" dirty="0" err="1">
+                          <a:solidFill>
+                            <a:schemeClr val="tx1"/>
+                          </a:solidFill>
+                        </a:rPr>
+                        <a:t>스키마의</a:t>
+                      </a:r>
+                      <a:r>
+                        <a:rPr kumimoji="1" lang="en-US" altLang="en-US" sz="1200" dirty="0">
+                          <a:solidFill>
+                            <a:schemeClr val="tx1"/>
+                          </a:solidFill>
+                        </a:rPr>
+                        <a:t> </a:t>
+                      </a:r>
+                      <a:r>
+                        <a:rPr kumimoji="1" lang="en-US" altLang="en-US" sz="1200" dirty="0" err="1">
+                          <a:solidFill>
+                            <a:schemeClr val="tx1"/>
+                          </a:solidFill>
+                        </a:rPr>
+                        <a:t>필드</a:t>
+                      </a:r>
+                      <a:r>
+                        <a:rPr kumimoji="1" lang="en-US" altLang="en-US" sz="1200" dirty="0">
+                          <a:solidFill>
+                            <a:schemeClr val="tx1"/>
+                          </a:solidFill>
+                        </a:rPr>
+                        <a:t> </a:t>
+                      </a:r>
+                      <a:r>
+                        <a:rPr kumimoji="1" lang="en-US" altLang="en-US" sz="1200" dirty="0" err="1">
+                          <a:solidFill>
+                            <a:schemeClr val="tx1"/>
+                          </a:solidFill>
+                        </a:rPr>
+                        <a:t>순서가</a:t>
+                      </a:r>
+                      <a:r>
+                        <a:rPr kumimoji="1" lang="en-US" altLang="en-US" sz="1200" dirty="0">
+                          <a:solidFill>
+                            <a:schemeClr val="tx1"/>
+                          </a:solidFill>
+                        </a:rPr>
+                        <a:t> </a:t>
+                      </a:r>
+                      <a:r>
+                        <a:rPr kumimoji="1" lang="en-US" altLang="en-US" sz="1200" dirty="0" err="1">
+                          <a:solidFill>
+                            <a:schemeClr val="tx1"/>
+                          </a:solidFill>
+                        </a:rPr>
+                        <a:t>달라도</a:t>
+                      </a:r>
+                      <a:r>
+                        <a:rPr kumimoji="1" lang="en-US" altLang="en-US" sz="1200" dirty="0">
+                          <a:solidFill>
+                            <a:schemeClr val="tx1"/>
+                          </a:solidFill>
+                        </a:rPr>
+                        <a:t> </a:t>
+                      </a:r>
+                      <a:r>
+                        <a:rPr kumimoji="1" lang="en-US" altLang="en-US" sz="1200" dirty="0" err="1">
+                          <a:solidFill>
+                            <a:schemeClr val="tx1"/>
+                          </a:solidFill>
+                        </a:rPr>
+                        <a:t>문제가</a:t>
+                      </a:r>
+                      <a:r>
+                        <a:rPr kumimoji="1" lang="en-US" altLang="en-US" sz="1200" dirty="0">
+                          <a:solidFill>
+                            <a:schemeClr val="tx1"/>
+                          </a:solidFill>
+                        </a:rPr>
+                        <a:t> </a:t>
+                      </a:r>
+                      <a:r>
+                        <a:rPr kumimoji="1" lang="en-US" altLang="en-US" sz="1200" dirty="0" err="1">
+                          <a:solidFill>
+                            <a:schemeClr val="tx1"/>
+                          </a:solidFill>
+                        </a:rPr>
+                        <a:t>없는데</a:t>
+                      </a:r>
+                      <a:r>
+                        <a:rPr kumimoji="1" lang="en-US" altLang="ko-KR" sz="1200" dirty="0">
+                          <a:solidFill>
+                            <a:schemeClr val="tx1"/>
+                          </a:solidFill>
+                        </a:rPr>
+                        <a:t>, </a:t>
+                      </a:r>
+                      <a:r>
+                        <a:rPr kumimoji="1" lang="ko-KR" altLang="en-US" sz="1200" dirty="0">
+                          <a:solidFill>
+                            <a:schemeClr val="tx1"/>
+                          </a:solidFill>
+                        </a:rPr>
+                        <a:t>이는 스키마 해석</a:t>
+                      </a:r>
+                      <a:r>
+                        <a:rPr kumimoji="1" lang="en-US" altLang="ko-KR" sz="1200" dirty="0">
+                          <a:solidFill>
+                            <a:schemeClr val="tx1"/>
+                          </a:solidFill>
+                        </a:rPr>
+                        <a:t>(schema resolution)</a:t>
+                      </a:r>
+                      <a:r>
+                        <a:rPr kumimoji="1" lang="ko-KR" altLang="en-US" sz="1200" dirty="0">
+                          <a:solidFill>
+                            <a:schemeClr val="tx1"/>
+                          </a:solidFill>
+                        </a:rPr>
+                        <a:t>에서 이름으로 필드를 </a:t>
+                      </a:r>
+                      <a:r>
+                        <a:rPr kumimoji="1" lang="ko-KR" altLang="en-US" sz="1200">
+                          <a:solidFill>
+                            <a:schemeClr val="tx1"/>
+                          </a:solidFill>
+                        </a:rPr>
+                        <a:t>일치시키기 때문</a:t>
+                      </a:r>
+                      <a:endParaRPr kumimoji="1" lang="en-US" altLang="ko-KR" sz="1200" dirty="0">
+                        <a:solidFill>
+                          <a:schemeClr val="tx1"/>
+                        </a:solidFill>
+                      </a:endParaRPr>
+                    </a:p>
+                    <a:p>
+                      <a:pPr marL="285750" indent="-285750">
+                        <a:buFont typeface="Arial" panose="020B0604020202020204" pitchFamily="34" charset="0"/>
+                        <a:buChar char="•"/>
+                      </a:pPr>
+                      <a:r>
+                        <a:rPr kumimoji="1" lang="en-US" altLang="en-US" sz="1200" dirty="0" err="1">
+                          <a:solidFill>
+                            <a:schemeClr val="tx1"/>
+                          </a:solidFill>
+                        </a:rPr>
+                        <a:t>아브로에서</a:t>
+                      </a:r>
+                      <a:r>
+                        <a:rPr kumimoji="1" lang="en-US" altLang="en-US" sz="1200" dirty="0">
+                          <a:solidFill>
+                            <a:schemeClr val="tx1"/>
+                          </a:solidFill>
+                        </a:rPr>
+                        <a:t> </a:t>
+                      </a:r>
+                      <a:r>
+                        <a:rPr kumimoji="1" lang="en-US" altLang="en-US" sz="1200" dirty="0" err="1">
+                          <a:solidFill>
+                            <a:schemeClr val="tx1"/>
+                          </a:solidFill>
+                        </a:rPr>
+                        <a:t>널을</a:t>
+                      </a:r>
+                      <a:r>
+                        <a:rPr kumimoji="1" lang="en-US" altLang="en-US" sz="1200" dirty="0">
+                          <a:solidFill>
+                            <a:schemeClr val="tx1"/>
+                          </a:solidFill>
+                        </a:rPr>
+                        <a:t> </a:t>
+                      </a:r>
+                      <a:r>
+                        <a:rPr kumimoji="1" lang="en-US" altLang="en-US" sz="1200" dirty="0" err="1">
+                          <a:solidFill>
+                            <a:schemeClr val="tx1"/>
+                          </a:solidFill>
+                        </a:rPr>
+                        <a:t>허용하려면</a:t>
+                      </a:r>
+                      <a:r>
+                        <a:rPr kumimoji="1" lang="en-US" altLang="en-US" sz="1200" dirty="0">
+                          <a:solidFill>
+                            <a:schemeClr val="tx1"/>
+                          </a:solidFill>
+                        </a:rPr>
+                        <a:t> </a:t>
+                      </a:r>
+                      <a:r>
+                        <a:rPr kumimoji="1" lang="en-US" altLang="en-US" sz="1200" b="1" dirty="0" err="1">
+                          <a:solidFill>
+                            <a:schemeClr val="tx1"/>
+                          </a:solidFill>
+                        </a:rPr>
+                        <a:t>유니온</a:t>
+                      </a:r>
+                      <a:r>
+                        <a:rPr kumimoji="1" lang="en-US" altLang="en-US" sz="1200" b="1" dirty="0">
+                          <a:solidFill>
+                            <a:schemeClr val="tx1"/>
+                          </a:solidFill>
+                        </a:rPr>
+                        <a:t> </a:t>
+                      </a:r>
+                      <a:r>
+                        <a:rPr kumimoji="1" lang="en-US" altLang="en-US" sz="1200" b="1" dirty="0" err="1">
+                          <a:solidFill>
+                            <a:schemeClr val="tx1"/>
+                          </a:solidFill>
+                        </a:rPr>
+                        <a:t>타입</a:t>
+                      </a:r>
+                      <a:r>
+                        <a:rPr kumimoji="1" lang="en-US" altLang="en-US" sz="1200" dirty="0" err="1">
+                          <a:solidFill>
+                            <a:schemeClr val="tx1"/>
+                          </a:solidFill>
+                        </a:rPr>
+                        <a:t>을</a:t>
+                      </a:r>
+                      <a:r>
+                        <a:rPr kumimoji="1" lang="en-US" altLang="en-US" sz="1200" dirty="0">
+                          <a:solidFill>
+                            <a:schemeClr val="tx1"/>
+                          </a:solidFill>
+                        </a:rPr>
+                        <a:t> </a:t>
+                      </a:r>
+                      <a:r>
+                        <a:rPr kumimoji="1" lang="en-US" altLang="en-US" sz="1200" dirty="0" err="1">
+                          <a:solidFill>
+                            <a:schemeClr val="tx1"/>
+                          </a:solidFill>
+                        </a:rPr>
+                        <a:t>사용해야</a:t>
+                      </a:r>
+                      <a:r>
+                        <a:rPr kumimoji="1" lang="en-US" altLang="en-US" sz="1200" dirty="0">
+                          <a:solidFill>
+                            <a:schemeClr val="tx1"/>
+                          </a:solidFill>
+                        </a:rPr>
+                        <a:t> </a:t>
+                      </a:r>
+                      <a:r>
+                        <a:rPr kumimoji="1" lang="en-US" altLang="en-US" sz="1200" dirty="0" err="1">
+                          <a:solidFill>
+                            <a:schemeClr val="tx1"/>
+                          </a:solidFill>
+                        </a:rPr>
+                        <a:t>함</a:t>
+                      </a:r>
+                      <a:endParaRPr kumimoji="1" lang="en-US" altLang="en-US" sz="1200" dirty="0">
+                        <a:solidFill>
+                          <a:schemeClr val="tx1"/>
+                        </a:solidFill>
+                      </a:endParaRPr>
+                    </a:p>
+                    <a:p>
+                      <a:pPr marL="285750" indent="-285750">
+                        <a:buFont typeface="Arial" panose="020B0604020202020204" pitchFamily="34" charset="0"/>
+                        <a:buChar char="•"/>
+                      </a:pPr>
+                      <a:r>
+                        <a:rPr kumimoji="1" lang="en-US" altLang="ko-KR" sz="1200" dirty="0">
+                          <a:solidFill>
+                            <a:schemeClr val="tx1"/>
+                          </a:solidFill>
+                        </a:rPr>
+                        <a:t>union { null, long, string} field -&gt; field</a:t>
+                      </a:r>
+                      <a:r>
+                        <a:rPr kumimoji="1" lang="ko-KR" altLang="en-US" sz="1200" dirty="0">
+                          <a:solidFill>
+                            <a:schemeClr val="tx1"/>
+                          </a:solidFill>
+                        </a:rPr>
+                        <a:t>가 수나 문자열 또는 널일 수 있음을 의미</a:t>
+                      </a:r>
+                      <a:endParaRPr kumimoji="1" lang="en-US" altLang="ko-KR" sz="1200" dirty="0">
+                        <a:solidFill>
+                          <a:schemeClr val="tx1"/>
+                        </a:solidFill>
+                      </a:endParaRPr>
+                    </a:p>
+                    <a:p>
+                      <a:pPr marL="285750" indent="-285750">
+                        <a:buFont typeface="Arial" panose="020B0604020202020204" pitchFamily="34" charset="0"/>
+                        <a:buChar char="•"/>
+                      </a:pPr>
+                      <a:r>
+                        <a:rPr kumimoji="1" lang="ko-KR" altLang="en-US" sz="1200" dirty="0">
+                          <a:solidFill>
+                            <a:schemeClr val="tx1"/>
+                          </a:solidFill>
+                        </a:rPr>
+                        <a:t>필드가 유니온 </a:t>
+                      </a:r>
+                      <a:r>
+                        <a:rPr kumimoji="1" lang="ko-KR" altLang="en-US" sz="1200" dirty="0" err="1">
+                          <a:solidFill>
+                            <a:schemeClr val="tx1"/>
+                          </a:solidFill>
+                        </a:rPr>
+                        <a:t>엘리먼트</a:t>
+                      </a:r>
+                      <a:r>
+                        <a:rPr kumimoji="1" lang="ko-KR" altLang="en-US" sz="1200" dirty="0">
+                          <a:solidFill>
+                            <a:schemeClr val="tx1"/>
+                          </a:solidFill>
+                        </a:rPr>
+                        <a:t> 중 하나인 경우에만 기본값으로 널을 사용할 수 있음</a:t>
+                      </a:r>
+                      <a:endParaRPr kumimoji="1" lang="en-US" altLang="ko-KR" sz="1200" dirty="0">
+                        <a:solidFill>
+                          <a:schemeClr val="tx1"/>
+                        </a:solidFill>
+                      </a:endParaRPr>
+                    </a:p>
+                    <a:p>
+                      <a:pPr marL="285750" indent="-285750">
+                        <a:buFont typeface="Arial" panose="020B0604020202020204" pitchFamily="34" charset="0"/>
+                        <a:buChar char="•"/>
+                      </a:pPr>
+                      <a:r>
+                        <a:rPr kumimoji="1" lang="ko-KR" altLang="en-US" sz="1200" dirty="0" err="1">
+                          <a:solidFill>
+                            <a:schemeClr val="tx1"/>
+                          </a:solidFill>
+                        </a:rPr>
+                        <a:t>아브로는</a:t>
+                      </a:r>
+                      <a:r>
+                        <a:rPr kumimoji="1" lang="ko-KR" altLang="en-US" sz="1200" dirty="0">
+                          <a:solidFill>
+                            <a:schemeClr val="tx1"/>
+                          </a:solidFill>
+                        </a:rPr>
+                        <a:t> 타입을 변환할 수 있으므로 필드의 </a:t>
+                      </a:r>
+                      <a:r>
+                        <a:rPr kumimoji="1" lang="ko-KR" altLang="en-US" sz="1200" dirty="0" err="1">
+                          <a:solidFill>
+                            <a:schemeClr val="tx1"/>
+                          </a:solidFill>
+                        </a:rPr>
+                        <a:t>데이터타입</a:t>
+                      </a:r>
+                      <a:r>
+                        <a:rPr kumimoji="1" lang="ko-KR" altLang="en-US" sz="1200" dirty="0">
+                          <a:solidFill>
+                            <a:schemeClr val="tx1"/>
+                          </a:solidFill>
+                        </a:rPr>
+                        <a:t> 변경이 가능</a:t>
+                      </a:r>
+                      <a:endParaRPr kumimoji="1" lang="en-US" altLang="ko-KR" sz="1200" dirty="0">
+                        <a:solidFill>
+                          <a:schemeClr val="tx1"/>
+                        </a:solidFill>
+                      </a:endParaRPr>
+                    </a:p>
+                    <a:p>
+                      <a:pPr marL="285750" indent="-285750">
+                        <a:buFont typeface="Arial" panose="020B0604020202020204" pitchFamily="34" charset="0"/>
+                        <a:buChar char="•"/>
+                      </a:pPr>
+                      <a:r>
+                        <a:rPr kumimoji="1" lang="ko-KR" altLang="en-US" sz="1200" dirty="0">
+                          <a:solidFill>
+                            <a:schemeClr val="tx1"/>
+                          </a:solidFill>
+                        </a:rPr>
+                        <a:t>읽기 스키마는 필드 이름의 별칭을 포함할 수 있어</a:t>
+                      </a:r>
+                      <a:r>
+                        <a:rPr kumimoji="1" lang="en-US" altLang="ko-KR" sz="1200" dirty="0">
+                          <a:solidFill>
+                            <a:schemeClr val="tx1"/>
+                          </a:solidFill>
+                        </a:rPr>
+                        <a:t>, </a:t>
+                      </a:r>
+                      <a:r>
+                        <a:rPr kumimoji="1" lang="ko-KR" altLang="en-US" sz="1200" dirty="0">
+                          <a:solidFill>
+                            <a:schemeClr val="tx1"/>
+                          </a:solidFill>
+                        </a:rPr>
+                        <a:t>별칭에 예전 쓰기 스키마 필드 이름을 매치할 수 있음</a:t>
+                      </a:r>
+                      <a:endParaRPr kumimoji="1" lang="en-US" altLang="ko-KR" sz="1200" dirty="0">
+                        <a:solidFill>
+                          <a:schemeClr val="tx1"/>
+                        </a:solidFill>
+                      </a:endParaRPr>
+                    </a:p>
+                  </a:txBody>
+                  <a:tcPr anchor="ctr">
+                    <a:lnL w="12700" cap="flat" cmpd="sng" algn="ctr">
+                      <a:solidFill>
+                        <a:schemeClr val="tx1"/>
+                      </a:solidFill>
+                      <a:prstDash val="solid"/>
+                      <a:round/>
+                      <a:headEnd type="none" w="med" len="med"/>
+                      <a:tailEnd type="none" w="med" len="med"/>
+                    </a:lnL>
+                    <a:lnR w="12700" cap="flat" cmpd="sng" algn="ctr">
+                      <a:solidFill>
+                        <a:schemeClr val="tx1"/>
+                      </a:solidFill>
+                      <a:prstDash val="solid"/>
+                      <a:round/>
+                      <a:headEnd type="none" w="med" len="med"/>
+                      <a:tailEnd type="none" w="med" len="med"/>
+                    </a:lnR>
+                    <a:lnT w="12700" cap="flat" cmpd="sng" algn="ctr">
+                      <a:solidFill>
+                        <a:schemeClr val="tx1"/>
+                      </a:solidFill>
+                      <a:prstDash val="solid"/>
+                      <a:round/>
+                      <a:headEnd type="none" w="med" len="med"/>
+                      <a:tailEnd type="none" w="med" len="med"/>
+                    </a:lnT>
+                    <a:lnB w="12700" cap="flat" cmpd="sng" algn="ctr">
+                      <a:solidFill>
+                        <a:schemeClr val="tx1"/>
+                      </a:solidFill>
+                      <a:prstDash val="solid"/>
+                      <a:round/>
+                      <a:headEnd type="none" w="med" len="med"/>
+                      <a:tailEnd type="none" w="med" len="med"/>
+                    </a:lnB>
+                    <a:noFill/>
+                  </a:tcPr>
+                </a:tc>
+                <a:tc hMerge="1">
+                  <a:txBody>
+                    <a:bodyPr/>
+                    <a:lstStyle/>
+                    <a:p>
+                      <a:pPr marL="0" marR="0" lvl="0" indent="0" algn="l" defTabSz="914400" rtl="0" eaLnBrk="1" fontAlgn="auto" latinLnBrk="0" hangingPunct="1">
+                        <a:lnSpc>
+                          <a:spcPct val="100000"/>
+                        </a:lnSpc>
+                        <a:spcBef>
+                          <a:spcPts val="0"/>
+                        </a:spcBef>
+                        <a:spcAft>
+                          <a:spcPts val="0"/>
+                        </a:spcAft>
+                        <a:buClrTx/>
+                        <a:buSzTx/>
+                        <a:buFontTx/>
+                        <a:buNone/>
+                        <a:tabLst/>
+                        <a:defRPr/>
+                      </a:pPr>
+                      <a:endParaRPr kumimoji="1" lang="ko-Kore-KR" altLang="en-US" sz="1200">
+                        <a:solidFill>
+                          <a:schemeClr val="tx1"/>
+                        </a:solidFill>
+                      </a:endParaRPr>
+                    </a:p>
+                  </a:txBody>
+                  <a:tcPr anchor="ctr">
+                    <a:lnL w="12700" cap="flat" cmpd="sng" algn="ctr">
+                      <a:solidFill>
+                        <a:schemeClr val="tx1"/>
+                      </a:solidFill>
+                      <a:prstDash val="solid"/>
+                      <a:round/>
+                      <a:headEnd type="none" w="med" len="med"/>
+                      <a:tailEnd type="none" w="med" len="med"/>
+                    </a:lnL>
+                    <a:lnR w="12700" cap="flat" cmpd="sng" algn="ctr">
+                      <a:solidFill>
+                        <a:schemeClr val="tx1"/>
+                      </a:solidFill>
+                      <a:prstDash val="solid"/>
+                      <a:round/>
+                      <a:headEnd type="none" w="med" len="med"/>
+                      <a:tailEnd type="none" w="med" len="med"/>
+                    </a:lnR>
+                    <a:lnT w="12700" cap="flat" cmpd="sng" algn="ctr">
+                      <a:solidFill>
+                        <a:schemeClr val="tx1"/>
+                      </a:solidFill>
+                      <a:prstDash val="solid"/>
+                      <a:round/>
+                      <a:headEnd type="none" w="med" len="med"/>
+                      <a:tailEnd type="none" w="med" len="med"/>
+                    </a:lnT>
+                    <a:lnB w="12700" cap="flat" cmpd="sng" algn="ctr">
+                      <a:solidFill>
+                        <a:schemeClr val="tx1"/>
+                      </a:solidFill>
+                      <a:prstDash val="solid"/>
+                      <a:round/>
+                      <a:headEnd type="none" w="med" len="med"/>
+                      <a:tailEnd type="none" w="med" len="med"/>
+                    </a:lnB>
+                    <a:noFill/>
+                  </a:tcPr>
+                </a:tc>
+                <a:extLst>
+                  <a:ext uri="{0D108BD9-81ED-4DB2-BD59-A6C34878D82A}">
+                    <a16:rowId xmlns:a16="http://schemas.microsoft.com/office/drawing/2014/main" val="1163781515"/>
+                  </a:ext>
+                </a:extLst>
+              </a:tr>
+            </a:tbl>
+          </a:graphicData>
+        </a:graphic>
+      </p:graphicFrame>
+    </p:spTree>
+    <p:extLst>
+      <p:ext uri="{BB962C8B-B14F-4D97-AF65-F5344CB8AC3E}">
+        <p14:creationId xmlns:p14="http://schemas.microsoft.com/office/powerpoint/2010/main" val="2334368552"/>
+      </p:ext>
+    </p:extLst>
+  </p:cSld>
+  <p:clrMapOvr>
+    <a:masterClrMapping/>
+  </p:clrMapOvr>
+</p:sld>
+</file>
+
+<file path=ppt/slides/slide11.xml><?xml version="1.0" encoding="utf-8"?>
+<p:sld xmlns:a="http://schemas.openxmlformats.org/drawingml/2006/main" xmlns:r="http://schemas.openxmlformats.org/officeDocument/2006/relationships" xmlns:p="http://schemas.openxmlformats.org/presentationml/2006/main">
+  <p:cSld>
+    <p:spTree>
+      <p:nvGrpSpPr>
+        <p:cNvPr id="1" name=""/>
+        <p:cNvGrpSpPr/>
+        <p:nvPr/>
+      </p:nvGrpSpPr>
+      <p:grpSpPr>
+        <a:xfrm>
+          <a:off x="0" y="0"/>
+          <a:ext cx="0" cy="0"/>
+          <a:chOff x="0" y="0"/>
+          <a:chExt cx="0" cy="0"/>
+        </a:xfrm>
+      </p:grpSpPr>
+      <p:sp>
+        <p:nvSpPr>
+          <p:cNvPr id="50" name="제목 1">
             <a:extLst>
               <a:ext uri="{FF2B5EF4-FFF2-40B4-BE49-F238E27FC236}">
-                <a16:creationId xmlns:a16="http://schemas.microsoft.com/office/drawing/2014/main" id="{5368443F-5D9D-AC48-B0E0-E68905175E07}"/>
+                <a16:creationId xmlns:a16="http://schemas.microsoft.com/office/drawing/2014/main" id="{F5607C3B-BF5C-CF43-9AE4-67A4246E38BF}"/>
               </a:ext>
             </a:extLst>
           </p:cNvPr>
-          <p:cNvPicPr>
-            <a:picLocks noChangeAspect="1"/>
-          </p:cNvPicPr>
-          <p:nvPr/>
-        </p:nvPicPr>
-        <p:blipFill>
-          <a:blip r:embed="rId4"/>
-          <a:stretch>
-            <a:fillRect/>
-          </a:stretch>
-        </p:blipFill>
+          <p:cNvSpPr>
+            <a:spLocks noGrp="1"/>
+          </p:cNvSpPr>
+          <p:nvPr>
+            <p:ph type="title"/>
+          </p:nvPr>
+        </p:nvSpPr>
         <p:spPr>
           <a:xfrm>
-            <a:off x="983096" y="3969891"/>
-            <a:ext cx="4079931" cy="2676014"/>
+            <a:off x="838200" y="365126"/>
+            <a:ext cx="10515600" cy="594987"/>
           </a:xfrm>
-          <a:prstGeom prst="rect">
-            <a:avLst/>
-          </a:prstGeom>
         </p:spPr>
-      </p:pic>
+        <p:txBody>
+          <a:bodyPr/>
+          <a:lstStyle/>
+          <a:p>
+            <a:r>
+              <a:rPr kumimoji="1" lang="ko-KR" altLang="en-US" dirty="0"/>
+              <a:t>텍스트 형식 문서의 이진 부호화 </a:t>
+            </a:r>
+            <a:r>
+              <a:rPr kumimoji="1" lang="en-US" altLang="ko-KR" dirty="0"/>
+              <a:t>3-3</a:t>
+            </a:r>
+            <a:r>
+              <a:rPr kumimoji="1" lang="ko-KR" altLang="en-US" sz="2400" dirty="0"/>
+              <a:t>  </a:t>
+            </a:r>
+            <a:r>
+              <a:rPr kumimoji="1" lang="ko-KR" altLang="en-US" sz="2400" dirty="0" err="1"/>
+              <a:t>아브로</a:t>
+            </a:r>
+            <a:r>
+              <a:rPr kumimoji="1" lang="ko-KR" altLang="en-US" sz="2400" dirty="0"/>
+              <a:t> 장점</a:t>
+            </a:r>
+            <a:endParaRPr kumimoji="1" lang="ko-Kore-KR" altLang="en-US" sz="2400" dirty="0"/>
+          </a:p>
+        </p:txBody>
+      </p:sp>
       <p:sp>
         <p:nvSpPr>
-          <p:cNvPr id="51" name="직사각형 20">
+          <p:cNvPr id="46" name="Rectangle 45">
             <a:extLst>
               <a:ext uri="{FF2B5EF4-FFF2-40B4-BE49-F238E27FC236}">
-                <a16:creationId xmlns:a16="http://schemas.microsoft.com/office/drawing/2014/main" id="{1D967969-C0D0-AD4F-8DFD-D5534BE0EBA1}"/>
+                <a16:creationId xmlns:a16="http://schemas.microsoft.com/office/drawing/2014/main" id="{E9894DA5-A3FF-8347-B86B-5CBC19C26560}"/>
               </a:ext>
             </a:extLst>
           </p:cNvPr>
@@ -5092,123 +7226,8 @@
         </p:nvSpPr>
         <p:spPr>
           <a:xfrm>
-            <a:off x="752732" y="2278428"/>
-            <a:ext cx="4422690" cy="326145"/>
-          </a:xfrm>
-          <a:prstGeom prst="rect">
-            <a:avLst/>
-          </a:prstGeom>
-          <a:noFill/>
-          <a:ln>
-            <a:noFill/>
-          </a:ln>
-        </p:spPr>
-        <p:style>
-          <a:lnRef idx="2">
-            <a:schemeClr val="accent6">
-              <a:shade val="50000"/>
-            </a:schemeClr>
-          </a:lnRef>
-          <a:fillRef idx="1">
-            <a:schemeClr val="accent6"/>
-          </a:fillRef>
-          <a:effectRef idx="0">
-            <a:schemeClr val="accent6"/>
-          </a:effectRef>
-          <a:fontRef idx="minor">
-            <a:schemeClr val="lt1"/>
-          </a:fontRef>
-        </p:style>
-        <p:txBody>
-          <a:bodyPr rtlCol="0" anchor="ctr"/>
-          <a:lstStyle/>
-          <a:p>
-            <a:r>
-              <a:rPr kumimoji="1" lang="ko-KR" altLang="en-US" b="1" dirty="0">
-                <a:solidFill>
-                  <a:srgbClr val="00B050"/>
-                </a:solidFill>
-              </a:rPr>
-              <a:t>부호화할 데이터를 위한 스키마 정의</a:t>
-            </a:r>
-            <a:endParaRPr kumimoji="1" lang="ko-Kore-KR" altLang="en-US" b="1" dirty="0">
-              <a:solidFill>
-                <a:srgbClr val="00B050"/>
-              </a:solidFill>
-            </a:endParaRPr>
-          </a:p>
-        </p:txBody>
-      </p:sp>
-      <p:sp>
-        <p:nvSpPr>
-          <p:cNvPr id="53" name="직사각형 20">
-            <a:extLst>
-              <a:ext uri="{FF2B5EF4-FFF2-40B4-BE49-F238E27FC236}">
-                <a16:creationId xmlns:a16="http://schemas.microsoft.com/office/drawing/2014/main" id="{91FCDC72-42CD-2B49-945E-6169222D5AC2}"/>
-              </a:ext>
-            </a:extLst>
-          </p:cNvPr>
-          <p:cNvSpPr/>
-          <p:nvPr/>
-        </p:nvSpPr>
-        <p:spPr>
-          <a:xfrm>
-            <a:off x="9164363" y="2441500"/>
-            <a:ext cx="2189437" cy="572429"/>
-          </a:xfrm>
-          <a:prstGeom prst="rect">
-            <a:avLst/>
-          </a:prstGeom>
-          <a:noFill/>
-          <a:ln>
-            <a:noFill/>
-          </a:ln>
-        </p:spPr>
-        <p:style>
-          <a:lnRef idx="2">
-            <a:schemeClr val="accent6">
-              <a:shade val="50000"/>
-            </a:schemeClr>
-          </a:lnRef>
-          <a:fillRef idx="1">
-            <a:schemeClr val="accent6"/>
-          </a:fillRef>
-          <a:effectRef idx="0">
-            <a:schemeClr val="accent6"/>
-          </a:effectRef>
-          <a:fontRef idx="minor">
-            <a:schemeClr val="lt1"/>
-          </a:fontRef>
-        </p:style>
-        <p:txBody>
-          <a:bodyPr rtlCol="0" anchor="ctr"/>
-          <a:lstStyle/>
-          <a:p>
-            <a:pPr algn="ctr"/>
-            <a:endParaRPr kumimoji="1" lang="ko-Kore-KR" altLang="en-US" dirty="0">
-              <a:solidFill>
-                <a:schemeClr val="tx1"/>
-              </a:solidFill>
-            </a:endParaRPr>
-          </a:p>
-        </p:txBody>
-      </p:sp>
-      <p:sp>
-        <p:nvSpPr>
-          <p:cNvPr id="54" name="Rectangle 53">
-            <a:extLst>
-              <a:ext uri="{FF2B5EF4-FFF2-40B4-BE49-F238E27FC236}">
-                <a16:creationId xmlns:a16="http://schemas.microsoft.com/office/drawing/2014/main" id="{211271FD-1551-244F-9543-EAE2386009E3}"/>
-              </a:ext>
-            </a:extLst>
-          </p:cNvPr>
-          <p:cNvSpPr/>
-          <p:nvPr/>
-        </p:nvSpPr>
-        <p:spPr>
-          <a:xfrm>
-            <a:off x="5432549" y="2386691"/>
-            <a:ext cx="5921251" cy="1269768"/>
+            <a:off x="838200" y="1079383"/>
+            <a:ext cx="10515600" cy="842182"/>
           </a:xfrm>
           <a:prstGeom prst="rect">
             <a:avLst/>
@@ -5240,17 +7259,53 @@
           <a:bodyPr rtlCol="0" anchor="ctr"/>
           <a:lstStyle/>
           <a:p>
-            <a:pPr marL="285750" indent="-285750">
-              <a:buFont typeface="Arial" panose="020B0604020202020204" pitchFamily="34" charset="0"/>
-              <a:buChar char="•"/>
-            </a:pPr>
+            <a:r>
+              <a:rPr lang="en-KR" sz="1400" dirty="0">
+                <a:solidFill>
+                  <a:schemeClr val="tx1"/>
+                </a:solidFill>
+              </a:rPr>
+              <a:t>스키마에 </a:t>
+            </a:r>
+            <a:r>
+              <a:rPr lang="en-KR" sz="1400" b="1" dirty="0">
+                <a:solidFill>
+                  <a:schemeClr val="tx1"/>
+                </a:solidFill>
+              </a:rPr>
+              <a:t>태그 번호가 포함돼 있지 않다는 점</a:t>
+            </a:r>
+            <a:r>
+              <a:rPr lang="en-KR" sz="1400" dirty="0">
+                <a:solidFill>
+                  <a:schemeClr val="tx1"/>
+                </a:solidFill>
+              </a:rPr>
+              <a:t>이 아브로 방식의 중요한 점이다</a:t>
+            </a:r>
+            <a:r>
+              <a:rPr lang="en-US" altLang="ko-KR" sz="1400" dirty="0">
+                <a:solidFill>
+                  <a:schemeClr val="tx1"/>
+                </a:solidFill>
+              </a:rPr>
+              <a:t>. </a:t>
+            </a:r>
+            <a:r>
+              <a:rPr lang="ko-KR" altLang="en-US" sz="1400" dirty="0">
+                <a:solidFill>
+                  <a:schemeClr val="tx1"/>
+                </a:solidFill>
+              </a:rPr>
+              <a:t>이는 </a:t>
+            </a:r>
             <a:r>
               <a:rPr lang="ko-KR" altLang="en-US" sz="1400" dirty="0" err="1">
                 <a:solidFill>
                   <a:schemeClr val="tx1"/>
                 </a:solidFill>
               </a:rPr>
-              <a:t>아브로에는</a:t>
+              <a:t>아브로가</a:t>
             </a:r>
             <a:r>
               <a:rPr lang="ko-KR" altLang="en-US" sz="1400" dirty="0">
@@ -5258,114 +7313,166 @@
                   <a:schemeClr val="tx1"/>
                 </a:solidFill>
               </a:rPr>
-              <a:t> 두 개의 스키마 언어가 존재</a:t>
-            </a:r>
-            <a:endParaRPr lang="en-US" altLang="ko-KR" sz="1400" dirty="0">
+              <a:t> </a:t>
+            </a:r>
+            <a:r>
+              <a:rPr lang="ko-KR" altLang="en-US" sz="1400" b="1" dirty="0">
+                <a:solidFill>
+                  <a:schemeClr val="tx1"/>
+                </a:solidFill>
+              </a:rPr>
+              <a:t>동적 생성 스키마</a:t>
+            </a:r>
+            <a:r>
+              <a:rPr lang="ko-KR" altLang="en-US" sz="1400" dirty="0">
+                <a:solidFill>
+                  <a:schemeClr val="tx1"/>
+                </a:solidFill>
+              </a:rPr>
+              <a:t>에 더 </a:t>
+            </a:r>
+            <a:r>
+              <a:rPr lang="ko-KR" altLang="en-US" sz="1400" dirty="0" err="1">
+                <a:solidFill>
+                  <a:schemeClr val="tx1"/>
+                </a:solidFill>
+              </a:rPr>
+              <a:t>친숙하다는</a:t>
+            </a:r>
+            <a:r>
+              <a:rPr lang="ko-KR" altLang="en-US" sz="1400" dirty="0">
+                <a:solidFill>
+                  <a:schemeClr val="tx1"/>
+                </a:solidFill>
+              </a:rPr>
+              <a:t> 의미이다</a:t>
+            </a:r>
+            <a:r>
+              <a:rPr lang="en-US" altLang="ko-KR" sz="1400" dirty="0">
+                <a:solidFill>
+                  <a:schemeClr val="tx1"/>
+                </a:solidFill>
+              </a:rPr>
+              <a:t>.  </a:t>
+            </a:r>
+            <a:r>
+              <a:rPr lang="ko-KR" altLang="en-US" sz="1400" dirty="0" err="1">
+                <a:solidFill>
+                  <a:schemeClr val="tx1"/>
+                </a:solidFill>
+              </a:rPr>
+              <a:t>아브로는</a:t>
+            </a:r>
+            <a:r>
+              <a:rPr lang="ko-KR" altLang="en-US" sz="1400" dirty="0">
+                <a:solidFill>
+                  <a:schemeClr val="tx1"/>
+                </a:solidFill>
+              </a:rPr>
+              <a:t> 관계형 스키마로부터 </a:t>
+            </a:r>
+            <a:r>
+              <a:rPr lang="ko-KR" altLang="en-US" sz="1400" dirty="0" err="1">
+                <a:solidFill>
+                  <a:schemeClr val="tx1"/>
+                </a:solidFill>
+              </a:rPr>
+              <a:t>아브로</a:t>
+            </a:r>
+            <a:r>
+              <a:rPr lang="ko-KR" altLang="en-US" sz="1400" dirty="0">
+                <a:solidFill>
+                  <a:schemeClr val="tx1"/>
+                </a:solidFill>
+              </a:rPr>
+              <a:t> 스키마를 쉽게 생성할 수 있다</a:t>
+            </a:r>
+            <a:r>
+              <a:rPr lang="en-US" altLang="ko-KR" sz="1400" dirty="0">
+                <a:solidFill>
+                  <a:schemeClr val="tx1"/>
+                </a:solidFill>
+              </a:rPr>
+              <a:t>. </a:t>
+            </a:r>
+            <a:endParaRPr lang="en-KR" sz="1400" dirty="0">
               <a:solidFill>
                 <a:schemeClr val="tx1"/>
               </a:solidFill>
             </a:endParaRPr>
           </a:p>
-          <a:p>
-            <a:pPr marL="285750" indent="-285750">
-              <a:buFont typeface="Arial" panose="020B0604020202020204" pitchFamily="34" charset="0"/>
-              <a:buChar char="•"/>
-            </a:pPr>
-            <a:r>
-              <a:rPr lang="ko-KR" altLang="en-US" sz="1400" dirty="0">
-                <a:solidFill>
-                  <a:schemeClr val="tx1"/>
-                </a:solidFill>
-              </a:rPr>
-              <a:t>사람이 편집할 수 있는 </a:t>
-            </a:r>
-            <a:r>
-              <a:rPr lang="ko-KR" altLang="en-US" sz="1400" dirty="0" err="1">
-                <a:solidFill>
-                  <a:schemeClr val="tx1"/>
-                </a:solidFill>
-              </a:rPr>
-              <a:t>아브로</a:t>
-            </a:r>
-            <a:r>
-              <a:rPr lang="ko-KR" altLang="en-US" sz="1400" dirty="0">
-                <a:solidFill>
-                  <a:schemeClr val="tx1"/>
-                </a:solidFill>
-              </a:rPr>
-              <a:t> </a:t>
-            </a:r>
-            <a:r>
-              <a:rPr lang="en-US" altLang="ko-KR" sz="1400" dirty="0">
-                <a:solidFill>
-                  <a:schemeClr val="tx1"/>
-                </a:solidFill>
-              </a:rPr>
-              <a:t>IDL(Avro IDL)</a:t>
-            </a:r>
-          </a:p>
-          <a:p>
-            <a:pPr marL="285750" indent="-285750">
-              <a:buFont typeface="Arial" panose="020B0604020202020204" pitchFamily="34" charset="0"/>
-              <a:buChar char="•"/>
-            </a:pPr>
-            <a:r>
-              <a:rPr lang="ko-KR" altLang="en-US" sz="1400" dirty="0">
-                <a:solidFill>
-                  <a:schemeClr val="tx1"/>
-                </a:solidFill>
-              </a:rPr>
-              <a:t>기계가 더 쉽게 읽을 수 있는 </a:t>
-            </a:r>
-            <a:r>
-              <a:rPr lang="en-US" altLang="ko-KR" sz="1400" dirty="0">
-                <a:solidFill>
-                  <a:schemeClr val="tx1"/>
-                </a:solidFill>
-              </a:rPr>
-              <a:t>JSON </a:t>
-            </a:r>
-            <a:r>
-              <a:rPr lang="ko-KR" altLang="en-US" sz="1400" dirty="0">
-                <a:solidFill>
-                  <a:schemeClr val="tx1"/>
-                </a:solidFill>
-              </a:rPr>
-              <a:t>기반 언어</a:t>
-            </a:r>
-            <a:endParaRPr lang="en-US" altLang="ko-KR" sz="1400" dirty="0">
-              <a:solidFill>
-                <a:schemeClr val="tx1"/>
-              </a:solidFill>
-            </a:endParaRPr>
-          </a:p>
-          <a:p>
-            <a:pPr marL="285750" indent="-285750">
-              <a:buFont typeface="Arial" panose="020B0604020202020204" pitchFamily="34" charset="0"/>
-              <a:buChar char="•"/>
-            </a:pPr>
-            <a:r>
-              <a:rPr lang="ko-KR" altLang="en-US" sz="1400" b="1" dirty="0">
-                <a:solidFill>
-                  <a:schemeClr val="tx1"/>
-                </a:solidFill>
-              </a:rPr>
-              <a:t>스키마에 태그 번호가 없음</a:t>
-            </a:r>
-            <a:endParaRPr lang="en-US" altLang="ko-KR" sz="1400" b="1" dirty="0">
-              <a:solidFill>
-                <a:schemeClr val="tx1"/>
-              </a:solidFill>
-            </a:endParaRPr>
+        </p:txBody>
+      </p:sp>
+    </p:spTree>
+    <p:extLst>
+      <p:ext uri="{BB962C8B-B14F-4D97-AF65-F5344CB8AC3E}">
+        <p14:creationId xmlns:p14="http://schemas.microsoft.com/office/powerpoint/2010/main" val="2922143967"/>
+      </p:ext>
+    </p:extLst>
+  </p:cSld>
+  <p:clrMapOvr>
+    <a:masterClrMapping/>
+  </p:clrMapOvr>
+</p:sld>
+</file>
+
+<file path=ppt/slides/slide12.xml><?xml version="1.0" encoding="utf-8"?>
+<p:sld xmlns:a="http://schemas.openxmlformats.org/drawingml/2006/main" xmlns:r="http://schemas.openxmlformats.org/officeDocument/2006/relationships" xmlns:p="http://schemas.openxmlformats.org/presentationml/2006/main">
+  <p:cSld>
+    <p:spTree>
+      <p:nvGrpSpPr>
+        <p:cNvPr id="1" name=""/>
+        <p:cNvGrpSpPr/>
+        <p:nvPr/>
+      </p:nvGrpSpPr>
+      <p:grpSpPr>
+        <a:xfrm>
+          <a:off x="0" y="0"/>
+          <a:ext cx="0" cy="0"/>
+          <a:chOff x="0" y="0"/>
+          <a:chExt cx="0" cy="0"/>
+        </a:xfrm>
+      </p:grpSpPr>
+      <p:sp>
+        <p:nvSpPr>
+          <p:cNvPr id="50" name="제목 1">
+            <a:extLst>
+              <a:ext uri="{FF2B5EF4-FFF2-40B4-BE49-F238E27FC236}">
+                <a16:creationId xmlns:a16="http://schemas.microsoft.com/office/drawing/2014/main" id="{F5607C3B-BF5C-CF43-9AE4-67A4246E38BF}"/>
+              </a:ext>
+            </a:extLst>
+          </p:cNvPr>
+          <p:cNvSpPr>
+            <a:spLocks noGrp="1"/>
+          </p:cNvSpPr>
+          <p:nvPr>
+            <p:ph type="title"/>
+          </p:nvPr>
+        </p:nvSpPr>
+        <p:spPr>
+          <a:xfrm>
+            <a:off x="838200" y="365126"/>
+            <a:ext cx="10515600" cy="594987"/>
+          </a:xfrm>
+        </p:spPr>
+        <p:txBody>
+          <a:bodyPr/>
+          <a:lstStyle/>
+          <a:p>
+            <a:r>
+              <a:rPr kumimoji="1" lang="ko-KR" altLang="en-US" sz="2400" dirty="0"/>
+              <a:t>프로세스 간 데이터 전달  </a:t>
+            </a:r>
+            <a:endParaRPr kumimoji="1" lang="ko-Kore-KR" altLang="en-US" sz="2400" dirty="0"/>
           </a:p>
         </p:txBody>
       </p:sp>
       <p:sp>
         <p:nvSpPr>
-          <p:cNvPr id="55" name="직사각형 20">
+          <p:cNvPr id="46" name="Rectangle 45">
             <a:extLst>
               <a:ext uri="{FF2B5EF4-FFF2-40B4-BE49-F238E27FC236}">
-                <a16:creationId xmlns:a16="http://schemas.microsoft.com/office/drawing/2014/main" id="{1FAB40EC-8771-384C-B319-628987908554}"/>
+                <a16:creationId xmlns:a16="http://schemas.microsoft.com/office/drawing/2014/main" id="{E9894DA5-A3FF-8347-B86B-5CBC19C26560}"/>
               </a:ext>
             </a:extLst>
           </p:cNvPr>
@@ -5374,93 +7481,8 @@
         </p:nvSpPr>
         <p:spPr>
           <a:xfrm>
-            <a:off x="752732" y="3587009"/>
-            <a:ext cx="6466114" cy="470775"/>
-          </a:xfrm>
-          <a:prstGeom prst="rect">
-            <a:avLst/>
-          </a:prstGeom>
-          <a:noFill/>
-          <a:ln>
-            <a:noFill/>
-          </a:ln>
-        </p:spPr>
-        <p:style>
-          <a:lnRef idx="2">
-            <a:schemeClr val="accent6">
-              <a:shade val="50000"/>
-            </a:schemeClr>
-          </a:lnRef>
-          <a:fillRef idx="1">
-            <a:schemeClr val="accent6"/>
-          </a:fillRef>
-          <a:effectRef idx="0">
-            <a:schemeClr val="accent6"/>
-          </a:effectRef>
-          <a:fontRef idx="minor">
-            <a:schemeClr val="lt1"/>
-          </a:fontRef>
-        </p:style>
-        <p:txBody>
-          <a:bodyPr rtlCol="0" anchor="ctr"/>
-          <a:lstStyle/>
-          <a:p>
-            <a:r>
-              <a:rPr kumimoji="1" lang="ko-KR" altLang="en-US" b="1" dirty="0" err="1">
-                <a:solidFill>
-                  <a:srgbClr val="00B050"/>
-                </a:solidFill>
-              </a:rPr>
-              <a:t>아브로를</a:t>
-            </a:r>
-            <a:r>
-              <a:rPr kumimoji="1" lang="ko-KR" altLang="en-US" b="1" dirty="0">
-                <a:solidFill>
-                  <a:srgbClr val="00B050"/>
-                </a:solidFill>
-              </a:rPr>
-              <a:t> 이용해 </a:t>
-            </a:r>
-            <a:r>
-              <a:rPr kumimoji="1" lang="ko-KR" altLang="en-US" b="1" dirty="0" err="1">
-                <a:solidFill>
-                  <a:srgbClr val="00B050"/>
-                </a:solidFill>
-              </a:rPr>
-              <a:t>부호화한</a:t>
-            </a:r>
-            <a:r>
-              <a:rPr kumimoji="1" lang="ko-KR" altLang="en-US" b="1" dirty="0">
-                <a:solidFill>
-                  <a:srgbClr val="00B050"/>
-                </a:solidFill>
-              </a:rPr>
-              <a:t> 예제 레코드</a:t>
-            </a:r>
-            <a:endParaRPr kumimoji="1" lang="ko-Kore-KR" altLang="en-US" b="1" dirty="0">
-              <a:solidFill>
-                <a:srgbClr val="00B050"/>
-              </a:solidFill>
-            </a:endParaRPr>
-          </a:p>
-        </p:txBody>
-      </p:sp>
-      <p:sp>
-        <p:nvSpPr>
-          <p:cNvPr id="56" name="Rectangle 55">
-            <a:extLst>
-              <a:ext uri="{FF2B5EF4-FFF2-40B4-BE49-F238E27FC236}">
-                <a16:creationId xmlns:a16="http://schemas.microsoft.com/office/drawing/2014/main" id="{4F05648B-A6EA-D547-AF3B-701F0B49570F}"/>
-              </a:ext>
-            </a:extLst>
-          </p:cNvPr>
-          <p:cNvSpPr/>
-          <p:nvPr/>
-        </p:nvSpPr>
-        <p:spPr>
-          <a:xfrm>
-            <a:off x="5432549" y="3845098"/>
-            <a:ext cx="5921251" cy="2647775"/>
+            <a:off x="838200" y="1079383"/>
+            <a:ext cx="10515600" cy="842182"/>
           </a:xfrm>
           <a:prstGeom prst="rect">
             <a:avLst/>
@@ -5492,17 +7514,53 @@
           <a:bodyPr rtlCol="0" anchor="ctr"/>
           <a:lstStyle/>
           <a:p>
-            <a:pPr marL="285750" indent="-285750">
-              <a:buFont typeface="Arial" panose="020B0604020202020204" pitchFamily="34" charset="0"/>
-              <a:buChar char="•"/>
-            </a:pPr>
+            <a:r>
+              <a:rPr lang="en-KR" sz="1400" dirty="0">
+                <a:solidFill>
+                  <a:schemeClr val="tx1"/>
+                </a:solidFill>
+              </a:rPr>
+              <a:t>스키마에 </a:t>
+            </a:r>
+            <a:r>
+              <a:rPr lang="en-KR" sz="1400" b="1" dirty="0">
+                <a:solidFill>
+                  <a:schemeClr val="tx1"/>
+                </a:solidFill>
+              </a:rPr>
+              <a:t>태그 번호가 포함돼 있지 않다는 점</a:t>
+            </a:r>
+            <a:r>
+              <a:rPr lang="en-KR" sz="1400" dirty="0">
+                <a:solidFill>
+                  <a:schemeClr val="tx1"/>
+                </a:solidFill>
+              </a:rPr>
+              <a:t>이 아브로 방식의 중요한 점이다</a:t>
+            </a:r>
+            <a:r>
+              <a:rPr lang="en-US" altLang="ko-KR" sz="1400" dirty="0">
+                <a:solidFill>
+                  <a:schemeClr val="tx1"/>
+                </a:solidFill>
+              </a:rPr>
+              <a:t>. </a:t>
+            </a:r>
+            <a:r>
+              <a:rPr lang="ko-KR" altLang="en-US" sz="1400" dirty="0">
+                <a:solidFill>
+                  <a:schemeClr val="tx1"/>
+                </a:solidFill>
+              </a:rPr>
+              <a:t>이는 </a:t>
+            </a:r>
             <a:r>
               <a:rPr lang="ko-KR" altLang="en-US" sz="1400" dirty="0" err="1">
                 <a:solidFill>
                   <a:schemeClr val="tx1"/>
                 </a:solidFill>
               </a:rPr>
-              <a:t>바이트열에</a:t>
+              <a:t>아브로가</a:t>
             </a:r>
             <a:r>
               <a:rPr lang="ko-KR" altLang="en-US" sz="1400" dirty="0">
@@ -5518,72 +7576,31 @@
                   <a:schemeClr val="tx1"/>
                 </a:solidFill>
               </a:rPr>
-              <a:t>필드나 데이터타입을 식별하기 위한 정보가 없음</a:t>
-            </a:r>
-            <a:endParaRPr lang="en-US" altLang="ko-KR" sz="1400" b="1" dirty="0">
-              <a:solidFill>
-                <a:schemeClr val="tx1"/>
-              </a:solidFill>
-            </a:endParaRPr>
-          </a:p>
-          <a:p>
-            <a:pPr marL="285750" indent="-285750">
-              <a:buFont typeface="Arial" panose="020B0604020202020204" pitchFamily="34" charset="0"/>
-              <a:buChar char="•"/>
-            </a:pPr>
-            <a:r>
-              <a:rPr lang="ko-KR" altLang="en-US" sz="1400" b="1" dirty="0">
-                <a:solidFill>
-                  <a:schemeClr val="tx1"/>
-                </a:solidFill>
-              </a:rPr>
-              <a:t>부호화는 단순히 연결된 값으로만 구성됨</a:t>
-            </a:r>
-            <a:endParaRPr lang="en-US" altLang="ko-KR" sz="1400" b="1" dirty="0">
-              <a:solidFill>
-                <a:schemeClr val="tx1"/>
-              </a:solidFill>
-            </a:endParaRPr>
-          </a:p>
-          <a:p>
-            <a:pPr marL="285750" indent="-285750">
-              <a:buFont typeface="Arial" panose="020B0604020202020204" pitchFamily="34" charset="0"/>
-              <a:buChar char="•"/>
-            </a:pPr>
-            <a:r>
-              <a:rPr lang="ko-KR" altLang="en-US" sz="1400" b="1" dirty="0" err="1">
-                <a:solidFill>
-                  <a:schemeClr val="tx1"/>
-                </a:solidFill>
-              </a:rPr>
-              <a:t>문자열임을</a:t>
-            </a:r>
-            <a:r>
-              <a:rPr lang="ko-KR" altLang="en-US" sz="1400" b="1" dirty="0">
-                <a:solidFill>
-                  <a:schemeClr val="tx1"/>
-                </a:solidFill>
-              </a:rPr>
-              <a:t> 알려주는 정보가 부호화된 데이터에 존재하지 않음</a:t>
-            </a:r>
-            <a:endParaRPr lang="en-US" altLang="ko-KR" sz="1400" b="1" dirty="0">
-              <a:solidFill>
-                <a:schemeClr val="tx1"/>
-              </a:solidFill>
-            </a:endParaRPr>
-          </a:p>
-          <a:p>
-            <a:pPr marL="285750" indent="-285750">
-              <a:buFont typeface="Arial" panose="020B0604020202020204" pitchFamily="34" charset="0"/>
-              <a:buChar char="•"/>
-            </a:pPr>
+              <a:t>동적 생성 스키마</a:t>
+            </a:r>
             <a:r>
               <a:rPr lang="ko-KR" altLang="en-US" sz="1400" dirty="0">
                 <a:solidFill>
                   <a:schemeClr val="tx1"/>
                 </a:solidFill>
               </a:rPr>
-              <a:t>정수는 가변 길이 부호화를 사용해서 부호화됨 </a:t>
+              <a:t>에 더 </a:t>
+            </a:r>
+            <a:r>
+              <a:rPr lang="ko-KR" altLang="en-US" sz="1400" dirty="0" err="1">
+                <a:solidFill>
+                  <a:schemeClr val="tx1"/>
+                </a:solidFill>
+              </a:rPr>
+              <a:t>친숙하다는</a:t>
+            </a:r>
+            <a:r>
+              <a:rPr lang="ko-KR" altLang="en-US" sz="1400" dirty="0">
+                <a:solidFill>
+                  <a:schemeClr val="tx1"/>
+                </a:solidFill>
+              </a:rPr>
+              <a:t> 의미이다</a:t>
             </a:r>
             <a:r>
               <a:rPr lang="en-US" altLang="ko-KR" sz="1400" dirty="0">
@@ -5591,7 +7608,7 @@
                   <a:schemeClr val="tx1"/>
                 </a:solidFill>
               </a:rPr>
-              <a:t>(</a:t>
+              <a:t>.  </a:t>
             </a:r>
             <a:r>
               <a:rPr lang="ko-KR" altLang="en-US" sz="1400" dirty="0" err="1">
@@ -5599,7 +7616,7 @@
                   <a:schemeClr val="tx1"/>
                 </a:solidFill>
               </a:rPr>
-              <a:t>스리프트의</a:t>
+              <a:t>아브로는</a:t>
             </a:r>
             <a:r>
               <a:rPr lang="ko-KR" altLang="en-US" sz="1400" dirty="0">
@@ -5607,7 +7624,7 @@
                   <a:schemeClr val="tx1"/>
                 </a:solidFill>
               </a:rPr>
-              <a:t> </a:t>
+              <a:t> 관계형 스키마로부터 </a:t>
             </a:r>
             <a:r>
               <a:rPr lang="ko-KR" altLang="en-US" sz="1400" dirty="0" err="1">
@@ -5615,7 +7632,7 @@
                   <a:schemeClr val="tx1"/>
                 </a:solidFill>
               </a:rPr>
-              <a:t>컴팩트프로토콜과</a:t>
+              <a:t>아브로</a:t>
             </a:r>
             <a:r>
               <a:rPr lang="ko-KR" altLang="en-US" sz="1400" dirty="0">
@@ -5623,7 +7640,7 @@
                   <a:schemeClr val="tx1"/>
                 </a:solidFill>
               </a:rPr>
-              <a:t> 같음</a:t>
+              <a:t> 스키마를 쉽게 생성할 수 있다</a:t>
             </a:r>
             <a:r>
               <a:rPr lang="en-US" altLang="ko-KR" sz="1400" dirty="0">
@@ -5631,152 +7648,9 @@
                   <a:schemeClr val="tx1"/>
                 </a:solidFill>
               </a:rPr>
-              <a:t>)</a:t>
-            </a:r>
-          </a:p>
-          <a:p>
-            <a:endParaRPr lang="en-US" altLang="ko-KR" sz="1400" b="1" dirty="0">
-              <a:solidFill>
-                <a:schemeClr val="tx1"/>
-              </a:solidFill>
-            </a:endParaRPr>
-          </a:p>
-          <a:p>
-            <a:r>
-              <a:rPr lang="ko-KR" altLang="en-US" sz="1400" b="1" dirty="0" err="1">
-                <a:solidFill>
-                  <a:schemeClr val="tx1"/>
-                </a:solidFill>
-              </a:rPr>
-              <a:t>아브로를</a:t>
-            </a:r>
-            <a:r>
-              <a:rPr lang="ko-KR" altLang="en-US" sz="1400" b="1" dirty="0">
-                <a:solidFill>
-                  <a:schemeClr val="tx1"/>
-                </a:solidFill>
-              </a:rPr>
-              <a:t> 이용해 이진 데이터를 </a:t>
-            </a:r>
-            <a:r>
-              <a:rPr lang="ko-KR" altLang="en-US" sz="1400" b="1" dirty="0" err="1">
-                <a:solidFill>
-                  <a:schemeClr val="tx1"/>
-                </a:solidFill>
-              </a:rPr>
-              <a:t>파싱하기</a:t>
-            </a:r>
-            <a:r>
-              <a:rPr lang="ko-KR" altLang="en-US" sz="1400" b="1" dirty="0">
-                <a:solidFill>
-                  <a:schemeClr val="tx1"/>
-                </a:solidFill>
-              </a:rPr>
-              <a:t> 위해서</a:t>
-            </a:r>
-            <a:endParaRPr lang="en-US" altLang="ko-KR" sz="1400" b="1" dirty="0">
-              <a:solidFill>
-                <a:schemeClr val="tx1"/>
-              </a:solidFill>
-            </a:endParaRPr>
-          </a:p>
-          <a:p>
-            <a:pPr marL="285750" indent="-285750">
-              <a:buFont typeface="Arial" panose="020B0604020202020204" pitchFamily="34" charset="0"/>
-              <a:buChar char="•"/>
-            </a:pPr>
-            <a:r>
-              <a:rPr lang="ko-KR" altLang="en-US" sz="1400" dirty="0">
-                <a:solidFill>
-                  <a:schemeClr val="tx1"/>
-                </a:solidFill>
-              </a:rPr>
-              <a:t>스키마에 나타난 순서대로 필드를 살펴보고 </a:t>
-            </a:r>
-            <a:r>
-              <a:rPr lang="ko-KR" altLang="en-US" sz="1400" b="1" dirty="0">
-                <a:solidFill>
-                  <a:schemeClr val="tx1"/>
-                </a:solidFill>
-              </a:rPr>
-              <a:t>스키마를 이용해 각 필드의 데이터타입을 미리 파악</a:t>
-            </a:r>
-            <a:r>
-              <a:rPr lang="ko-KR" altLang="en-US" sz="1400" dirty="0">
-                <a:solidFill>
-                  <a:schemeClr val="tx1"/>
-                </a:solidFill>
-              </a:rPr>
-              <a:t>해야 함</a:t>
-            </a:r>
-            <a:endParaRPr lang="en-US" altLang="ko-KR" sz="1400" dirty="0">
-              <a:solidFill>
-                <a:schemeClr val="tx1"/>
-              </a:solidFill>
-            </a:endParaRPr>
-          </a:p>
-          <a:p>
-            <a:pPr marL="285750" indent="-285750">
-              <a:buFont typeface="Arial" panose="020B0604020202020204" pitchFamily="34" charset="0"/>
-              <a:buChar char="•"/>
-            </a:pPr>
-            <a:r>
-              <a:rPr lang="ko-KR" altLang="en-US" sz="1400" dirty="0">
-                <a:solidFill>
-                  <a:schemeClr val="tx1"/>
-                </a:solidFill>
-              </a:rPr>
-              <a:t>이는 </a:t>
-            </a:r>
-            <a:r>
-              <a:rPr lang="ko-KR" altLang="en-US" sz="1400" b="1" dirty="0">
-                <a:solidFill>
-                  <a:schemeClr val="tx1"/>
-                </a:solidFill>
-              </a:rPr>
-              <a:t>데이터를 읽는 코드</a:t>
-            </a:r>
-            <a:r>
-              <a:rPr lang="ko-KR" altLang="en-US" sz="1400" dirty="0">
-                <a:solidFill>
-                  <a:schemeClr val="tx1"/>
-                </a:solidFill>
-              </a:rPr>
-              <a:t>가 </a:t>
-            </a:r>
-            <a:r>
-              <a:rPr lang="ko-KR" altLang="en-US" sz="1400" b="1" dirty="0">
-                <a:solidFill>
-                  <a:schemeClr val="tx1"/>
-                </a:solidFill>
-              </a:rPr>
-              <a:t>데이터를 기록한 코드와 정확히 같은 스키마를 사용하는 경우</a:t>
-            </a:r>
-            <a:r>
-              <a:rPr lang="ko-KR" altLang="en-US" sz="1400" dirty="0">
-                <a:solidFill>
-                  <a:schemeClr val="tx1"/>
-                </a:solidFill>
-              </a:rPr>
-              <a:t>에만 이진 데이터를 올바르게 </a:t>
-            </a:r>
-            <a:r>
-              <a:rPr lang="ko-KR" altLang="en-US" sz="1400" dirty="0" err="1">
-                <a:solidFill>
-                  <a:schemeClr val="tx1"/>
-                </a:solidFill>
-              </a:rPr>
-              <a:t>복호화할</a:t>
-            </a:r>
-            <a:r>
-              <a:rPr lang="ko-KR" altLang="en-US" sz="1400" dirty="0">
-                <a:solidFill>
-                  <a:schemeClr val="tx1"/>
-                </a:solidFill>
-              </a:rPr>
-              <a:t> 수 있음을 의미</a:t>
-            </a:r>
-            <a:endParaRPr lang="en-US" altLang="ko-KR" sz="1400" dirty="0">
+              <a:t>. </a:t>
+            </a:r>
+            <a:endParaRPr lang="en-KR" sz="1400" dirty="0">
               <a:solidFill>
                 <a:schemeClr val="tx1"/>
               </a:solidFill>
@@ -5787,7 +7661,7 @@
     </p:spTree>
     <p:extLst>
       <p:ext uri="{BB962C8B-B14F-4D97-AF65-F5344CB8AC3E}">
-        <p14:creationId xmlns:p14="http://schemas.microsoft.com/office/powerpoint/2010/main" val="2334368552"/>
+        <p14:creationId xmlns:p14="http://schemas.microsoft.com/office/powerpoint/2010/main" val="829486775"/>
       </p:ext>
     </p:extLst>
   </p:cSld>
@@ -19656,36 +21530,6 @@
           </a:prstGeom>
         </p:spPr>
       </p:pic>
-      <p:pic>
-        <p:nvPicPr>
-          <p:cNvPr id="5" name="Picture 4">
-            <a:extLst>
-              <a:ext uri="{FF2B5EF4-FFF2-40B4-BE49-F238E27FC236}">
-                <a16:creationId xmlns:a16="http://schemas.microsoft.com/office/drawing/2014/main" id="{5368443F-5D9D-AC48-B0E0-E68905175E07}"/>
-              </a:ext>
-            </a:extLst>
-          </p:cNvPr>
-          <p:cNvPicPr>
-            <a:picLocks noChangeAspect="1"/>
-          </p:cNvPicPr>
-          <p:nvPr/>
-        </p:nvPicPr>
-        <p:blipFill>
-          <a:blip r:embed="rId4"/>
-          <a:stretch>
-            <a:fillRect/>
-          </a:stretch>
-        </p:blipFill>
-        <p:spPr>
-          <a:xfrm>
-            <a:off x="983096" y="3969891"/>
-            <a:ext cx="4079931" cy="2676014"/>
-          </a:xfrm>
-          <a:prstGeom prst="rect">
-            <a:avLst/>
-          </a:prstGeom>
-        </p:spPr>
-      </p:pic>
       <p:sp>
         <p:nvSpPr>
           <p:cNvPr id="51" name="직사각형 20">
@@ -20392,6 +22236,819 @@
           </a:p>
         </p:txBody>
       </p:sp>
+      <p:grpSp>
+        <p:nvGrpSpPr>
+          <p:cNvPr id="17" name="Group 16">
+            <a:extLst>
+              <a:ext uri="{FF2B5EF4-FFF2-40B4-BE49-F238E27FC236}">
+                <a16:creationId xmlns:a16="http://schemas.microsoft.com/office/drawing/2014/main" id="{02D02ECC-8175-C145-94C7-397A9539A373}"/>
+              </a:ext>
+            </a:extLst>
+          </p:cNvPr>
+          <p:cNvGrpSpPr/>
+          <p:nvPr/>
+        </p:nvGrpSpPr>
+        <p:grpSpPr>
+          <a:xfrm>
+            <a:off x="983096" y="3969891"/>
+            <a:ext cx="4264692" cy="2676014"/>
+            <a:chOff x="983096" y="3969891"/>
+            <a:chExt cx="4264692" cy="2676014"/>
+          </a:xfrm>
+        </p:grpSpPr>
+        <p:pic>
+          <p:nvPicPr>
+            <p:cNvPr id="5" name="Picture 4">
+              <a:extLst>
+                <a:ext uri="{FF2B5EF4-FFF2-40B4-BE49-F238E27FC236}">
+                  <a16:creationId xmlns:a16="http://schemas.microsoft.com/office/drawing/2014/main" id="{5368443F-5D9D-AC48-B0E0-E68905175E07}"/>
+                </a:ext>
+              </a:extLst>
+            </p:cNvPr>
+            <p:cNvPicPr>
+              <a:picLocks noChangeAspect="1"/>
+            </p:cNvPicPr>
+            <p:nvPr/>
+          </p:nvPicPr>
+          <p:blipFill>
+            <a:blip r:embed="rId4"/>
+            <a:stretch>
+              <a:fillRect/>
+            </a:stretch>
+          </p:blipFill>
+          <p:spPr>
+            <a:xfrm>
+              <a:off x="983096" y="3969891"/>
+              <a:ext cx="4079931" cy="2676014"/>
+            </a:xfrm>
+            <a:prstGeom prst="rect">
+              <a:avLst/>
+            </a:prstGeom>
+          </p:spPr>
+        </p:pic>
+        <p:sp>
+          <p:nvSpPr>
+            <p:cNvPr id="59" name="Rectangle 58">
+              <a:extLst>
+                <a:ext uri="{FF2B5EF4-FFF2-40B4-BE49-F238E27FC236}">
+                  <a16:creationId xmlns:a16="http://schemas.microsoft.com/office/drawing/2014/main" id="{C9A66BBF-547C-1B4B-B1C4-BE5F22C67C3E}"/>
+                </a:ext>
+              </a:extLst>
+            </p:cNvPr>
+            <p:cNvSpPr/>
+            <p:nvPr/>
+          </p:nvSpPr>
+          <p:spPr>
+            <a:xfrm>
+              <a:off x="1305173" y="4447201"/>
+              <a:ext cx="153351" cy="137709"/>
+            </a:xfrm>
+            <a:prstGeom prst="rect">
+              <a:avLst/>
+            </a:prstGeom>
+            <a:noFill/>
+            <a:ln>
+              <a:solidFill>
+                <a:srgbClr val="FF0000"/>
+              </a:solidFill>
+            </a:ln>
+          </p:spPr>
+          <p:style>
+            <a:lnRef idx="2">
+              <a:schemeClr val="accent1">
+                <a:shade val="50000"/>
+              </a:schemeClr>
+            </a:lnRef>
+            <a:fillRef idx="1">
+              <a:schemeClr val="accent1"/>
+            </a:fillRef>
+            <a:effectRef idx="0">
+              <a:schemeClr val="accent1"/>
+            </a:effectRef>
+            <a:fontRef idx="minor">
+              <a:schemeClr val="lt1"/>
+            </a:fontRef>
+          </p:style>
+          <p:txBody>
+            <a:bodyPr rtlCol="0" anchor="ctr"/>
+            <a:lstStyle/>
+            <a:p>
+              <a:pPr algn="ctr"/>
+              <a:endParaRPr lang="en-KR"/>
+            </a:p>
+          </p:txBody>
+        </p:sp>
+        <p:sp>
+          <p:nvSpPr>
+            <p:cNvPr id="66" name="Rectangle 65">
+              <a:extLst>
+                <a:ext uri="{FF2B5EF4-FFF2-40B4-BE49-F238E27FC236}">
+                  <a16:creationId xmlns:a16="http://schemas.microsoft.com/office/drawing/2014/main" id="{2F9B13DE-D4A3-DF4A-8BB3-CE98342F5106}"/>
+                </a:ext>
+              </a:extLst>
+            </p:cNvPr>
+            <p:cNvSpPr/>
+            <p:nvPr/>
+          </p:nvSpPr>
+          <p:spPr>
+            <a:xfrm>
+              <a:off x="3204313" y="4440167"/>
+              <a:ext cx="153351" cy="137709"/>
+            </a:xfrm>
+            <a:prstGeom prst="rect">
+              <a:avLst/>
+            </a:prstGeom>
+            <a:noFill/>
+            <a:ln>
+              <a:solidFill>
+                <a:srgbClr val="FF0000"/>
+              </a:solidFill>
+            </a:ln>
+          </p:spPr>
+          <p:style>
+            <a:lnRef idx="2">
+              <a:schemeClr val="accent1">
+                <a:shade val="50000"/>
+              </a:schemeClr>
+            </a:lnRef>
+            <a:fillRef idx="1">
+              <a:schemeClr val="accent1"/>
+            </a:fillRef>
+            <a:effectRef idx="0">
+              <a:schemeClr val="accent1"/>
+            </a:effectRef>
+            <a:fontRef idx="minor">
+              <a:schemeClr val="lt1"/>
+            </a:fontRef>
+          </p:style>
+          <p:txBody>
+            <a:bodyPr rtlCol="0" anchor="ctr"/>
+            <a:lstStyle/>
+            <a:p>
+              <a:pPr algn="ctr"/>
+              <a:endParaRPr lang="en-KR"/>
+            </a:p>
+          </p:txBody>
+        </p:sp>
+        <p:sp>
+          <p:nvSpPr>
+            <p:cNvPr id="67" name="Rectangle 66">
+              <a:extLst>
+                <a:ext uri="{FF2B5EF4-FFF2-40B4-BE49-F238E27FC236}">
+                  <a16:creationId xmlns:a16="http://schemas.microsoft.com/office/drawing/2014/main" id="{19A0EA50-96BC-DE41-A01D-1F0A819985BF}"/>
+                </a:ext>
+              </a:extLst>
+            </p:cNvPr>
+            <p:cNvSpPr/>
+            <p:nvPr/>
+          </p:nvSpPr>
+          <p:spPr>
+            <a:xfrm>
+              <a:off x="1825679" y="4672284"/>
+              <a:ext cx="153351" cy="137709"/>
+            </a:xfrm>
+            <a:prstGeom prst="rect">
+              <a:avLst/>
+            </a:prstGeom>
+            <a:noFill/>
+            <a:ln>
+              <a:solidFill>
+                <a:srgbClr val="FF0000"/>
+              </a:solidFill>
+            </a:ln>
+          </p:spPr>
+          <p:style>
+            <a:lnRef idx="2">
+              <a:schemeClr val="accent1">
+                <a:shade val="50000"/>
+              </a:schemeClr>
+            </a:lnRef>
+            <a:fillRef idx="1">
+              <a:schemeClr val="accent1"/>
+            </a:fillRef>
+            <a:effectRef idx="0">
+              <a:schemeClr val="accent1"/>
+            </a:effectRef>
+            <a:fontRef idx="minor">
+              <a:schemeClr val="lt1"/>
+            </a:fontRef>
+          </p:style>
+          <p:txBody>
+            <a:bodyPr rtlCol="0" anchor="ctr"/>
+            <a:lstStyle/>
+            <a:p>
+              <a:pPr algn="ctr"/>
+              <a:endParaRPr lang="en-KR"/>
+            </a:p>
+          </p:txBody>
+        </p:sp>
+        <p:cxnSp>
+          <p:nvCxnSpPr>
+            <p:cNvPr id="68" name="Straight Connector 67">
+              <a:extLst>
+                <a:ext uri="{FF2B5EF4-FFF2-40B4-BE49-F238E27FC236}">
+                  <a16:creationId xmlns:a16="http://schemas.microsoft.com/office/drawing/2014/main" id="{4A9335D9-49AA-9C43-8976-402D5AD0FE40}"/>
+                </a:ext>
+              </a:extLst>
+            </p:cNvPr>
+            <p:cNvCxnSpPr>
+              <a:cxnSpLocks/>
+            </p:cNvCxnSpPr>
+            <p:nvPr/>
+          </p:nvCxnSpPr>
+          <p:spPr>
+            <a:xfrm flipV="1">
+              <a:off x="1458524" y="4157191"/>
+              <a:ext cx="614202" cy="274999"/>
+            </a:xfrm>
+            <a:prstGeom prst="line">
+              <a:avLst/>
+            </a:prstGeom>
+            <a:ln w="9525">
+              <a:solidFill>
+                <a:srgbClr val="FF0000"/>
+              </a:solidFill>
+            </a:ln>
+          </p:spPr>
+          <p:style>
+            <a:lnRef idx="1">
+              <a:schemeClr val="accent1"/>
+            </a:lnRef>
+            <a:fillRef idx="0">
+              <a:schemeClr val="accent1"/>
+            </a:fillRef>
+            <a:effectRef idx="0">
+              <a:schemeClr val="accent1"/>
+            </a:effectRef>
+            <a:fontRef idx="minor">
+              <a:schemeClr val="tx1"/>
+            </a:fontRef>
+          </p:style>
+        </p:cxnSp>
+        <p:cxnSp>
+          <p:nvCxnSpPr>
+            <p:cNvPr id="69" name="Straight Connector 68">
+              <a:extLst>
+                <a:ext uri="{FF2B5EF4-FFF2-40B4-BE49-F238E27FC236}">
+                  <a16:creationId xmlns:a16="http://schemas.microsoft.com/office/drawing/2014/main" id="{15775B37-23EE-E64C-89D7-3C483DBE80DB}"/>
+                </a:ext>
+              </a:extLst>
+            </p:cNvPr>
+            <p:cNvCxnSpPr>
+              <a:cxnSpLocks/>
+            </p:cNvCxnSpPr>
+            <p:nvPr/>
+          </p:nvCxnSpPr>
+          <p:spPr>
+            <a:xfrm flipH="1" flipV="1">
+              <a:off x="2479676" y="4157192"/>
+              <a:ext cx="709174" cy="289065"/>
+            </a:xfrm>
+            <a:prstGeom prst="line">
+              <a:avLst/>
+            </a:prstGeom>
+            <a:ln w="9525">
+              <a:solidFill>
+                <a:srgbClr val="FF0000"/>
+              </a:solidFill>
+            </a:ln>
+          </p:spPr>
+          <p:style>
+            <a:lnRef idx="1">
+              <a:schemeClr val="accent1"/>
+            </a:lnRef>
+            <a:fillRef idx="0">
+              <a:schemeClr val="accent1"/>
+            </a:fillRef>
+            <a:effectRef idx="0">
+              <a:schemeClr val="accent1"/>
+            </a:effectRef>
+            <a:fontRef idx="minor">
+              <a:schemeClr val="tx1"/>
+            </a:fontRef>
+          </p:style>
+        </p:cxnSp>
+        <p:cxnSp>
+          <p:nvCxnSpPr>
+            <p:cNvPr id="70" name="Straight Connector 69">
+              <a:extLst>
+                <a:ext uri="{FF2B5EF4-FFF2-40B4-BE49-F238E27FC236}">
+                  <a16:creationId xmlns:a16="http://schemas.microsoft.com/office/drawing/2014/main" id="{324C3A8F-B9D3-E141-9593-63EF230888BD}"/>
+                </a:ext>
+              </a:extLst>
+            </p:cNvPr>
+            <p:cNvCxnSpPr>
+              <a:cxnSpLocks/>
+            </p:cNvCxnSpPr>
+            <p:nvPr/>
+          </p:nvCxnSpPr>
+          <p:spPr>
+            <a:xfrm flipV="1">
+              <a:off x="2620066" y="4294690"/>
+              <a:ext cx="197576" cy="137501"/>
+            </a:xfrm>
+            <a:prstGeom prst="line">
+              <a:avLst/>
+            </a:prstGeom>
+            <a:ln w="9525">
+              <a:solidFill>
+                <a:srgbClr val="FFC000"/>
+              </a:solidFill>
+            </a:ln>
+          </p:spPr>
+          <p:style>
+            <a:lnRef idx="1">
+              <a:schemeClr val="accent1"/>
+            </a:lnRef>
+            <a:fillRef idx="0">
+              <a:schemeClr val="accent1"/>
+            </a:fillRef>
+            <a:effectRef idx="0">
+              <a:schemeClr val="accent1"/>
+            </a:effectRef>
+            <a:fontRef idx="minor">
+              <a:schemeClr val="tx1"/>
+            </a:fontRef>
+          </p:style>
+        </p:cxnSp>
+        <p:cxnSp>
+          <p:nvCxnSpPr>
+            <p:cNvPr id="71" name="Straight Connector 70">
+              <a:extLst>
+                <a:ext uri="{FF2B5EF4-FFF2-40B4-BE49-F238E27FC236}">
+                  <a16:creationId xmlns:a16="http://schemas.microsoft.com/office/drawing/2014/main" id="{05176E01-7F1E-694C-8CBB-D83AF7B87B80}"/>
+                </a:ext>
+              </a:extLst>
+            </p:cNvPr>
+            <p:cNvCxnSpPr>
+              <a:cxnSpLocks/>
+            </p:cNvCxnSpPr>
+            <p:nvPr/>
+          </p:nvCxnSpPr>
+          <p:spPr>
+            <a:xfrm flipV="1">
+              <a:off x="2817642" y="4280624"/>
+              <a:ext cx="1177583" cy="6091"/>
+            </a:xfrm>
+            <a:prstGeom prst="line">
+              <a:avLst/>
+            </a:prstGeom>
+            <a:ln w="9525">
+              <a:solidFill>
+                <a:srgbClr val="FFC000"/>
+              </a:solidFill>
+            </a:ln>
+          </p:spPr>
+          <p:style>
+            <a:lnRef idx="1">
+              <a:schemeClr val="accent1"/>
+            </a:lnRef>
+            <a:fillRef idx="0">
+              <a:schemeClr val="accent1"/>
+            </a:fillRef>
+            <a:effectRef idx="0">
+              <a:schemeClr val="accent1"/>
+            </a:effectRef>
+            <a:fontRef idx="minor">
+              <a:schemeClr val="tx1"/>
+            </a:fontRef>
+          </p:style>
+        </p:cxnSp>
+        <p:sp>
+          <p:nvSpPr>
+            <p:cNvPr id="73" name="직사각형 20">
+              <a:extLst>
+                <a:ext uri="{FF2B5EF4-FFF2-40B4-BE49-F238E27FC236}">
+                  <a16:creationId xmlns:a16="http://schemas.microsoft.com/office/drawing/2014/main" id="{EADCA652-9379-B64B-AEE3-4E3155551684}"/>
+                </a:ext>
+              </a:extLst>
+            </p:cNvPr>
+            <p:cNvSpPr/>
+            <p:nvPr/>
+          </p:nvSpPr>
+          <p:spPr>
+            <a:xfrm>
+              <a:off x="2052521" y="4033453"/>
+              <a:ext cx="2838540" cy="118513"/>
+            </a:xfrm>
+            <a:prstGeom prst="rect">
+              <a:avLst/>
+            </a:prstGeom>
+            <a:noFill/>
+            <a:ln>
+              <a:noFill/>
+            </a:ln>
+          </p:spPr>
+          <p:style>
+            <a:lnRef idx="2">
+              <a:schemeClr val="accent6">
+                <a:shade val="50000"/>
+              </a:schemeClr>
+            </a:lnRef>
+            <a:fillRef idx="1">
+              <a:schemeClr val="accent6"/>
+            </a:fillRef>
+            <a:effectRef idx="0">
+              <a:schemeClr val="accent6"/>
+            </a:effectRef>
+            <a:fontRef idx="minor">
+              <a:schemeClr val="lt1"/>
+            </a:fontRef>
+          </p:style>
+          <p:txBody>
+            <a:bodyPr rtlCol="0" anchor="ctr"/>
+            <a:lstStyle/>
+            <a:p>
+              <a:pPr marL="228600" indent="-228600">
+                <a:buFont typeface="Wingdings" pitchFamily="2" charset="2"/>
+                <a:buChar char="ü"/>
+              </a:pPr>
+              <a:r>
+                <a:rPr kumimoji="1" lang="en-KR" altLang="en-US" sz="800" b="1" u="sng" dirty="0">
+                  <a:solidFill>
+                    <a:schemeClr val="tx1"/>
+                  </a:solidFill>
+                </a:rPr>
+                <a:t>길이를 나타내지만 문자열임을 알려주는 정보X</a:t>
+              </a:r>
+              <a:endParaRPr kumimoji="1" lang="ko-Kore-KR" altLang="en-US" sz="800" b="1" u="sng" dirty="0">
+                <a:solidFill>
+                  <a:schemeClr val="tx1"/>
+                </a:solidFill>
+              </a:endParaRPr>
+            </a:p>
+          </p:txBody>
+        </p:sp>
+        <p:sp>
+          <p:nvSpPr>
+            <p:cNvPr id="75" name="Rectangle 74">
+              <a:extLst>
+                <a:ext uri="{FF2B5EF4-FFF2-40B4-BE49-F238E27FC236}">
+                  <a16:creationId xmlns:a16="http://schemas.microsoft.com/office/drawing/2014/main" id="{ABD08C02-9350-A74E-92DB-247588541BDF}"/>
+                </a:ext>
+              </a:extLst>
+            </p:cNvPr>
+            <p:cNvSpPr/>
+            <p:nvPr/>
+          </p:nvSpPr>
+          <p:spPr>
+            <a:xfrm>
+              <a:off x="2507962" y="4440167"/>
+              <a:ext cx="153351" cy="137709"/>
+            </a:xfrm>
+            <a:prstGeom prst="rect">
+              <a:avLst/>
+            </a:prstGeom>
+            <a:noFill/>
+            <a:ln>
+              <a:solidFill>
+                <a:srgbClr val="FFC000"/>
+              </a:solidFill>
+            </a:ln>
+          </p:spPr>
+          <p:style>
+            <a:lnRef idx="2">
+              <a:schemeClr val="accent1">
+                <a:shade val="50000"/>
+              </a:schemeClr>
+            </a:lnRef>
+            <a:fillRef idx="1">
+              <a:schemeClr val="accent1"/>
+            </a:fillRef>
+            <a:effectRef idx="0">
+              <a:schemeClr val="accent1"/>
+            </a:effectRef>
+            <a:fontRef idx="minor">
+              <a:schemeClr val="lt1"/>
+            </a:fontRef>
+          </p:style>
+          <p:txBody>
+            <a:bodyPr rtlCol="0" anchor="ctr"/>
+            <a:lstStyle/>
+            <a:p>
+              <a:pPr algn="ctr"/>
+              <a:endParaRPr lang="en-KR"/>
+            </a:p>
+          </p:txBody>
+        </p:sp>
+        <p:sp>
+          <p:nvSpPr>
+            <p:cNvPr id="76" name="직사각형 20">
+              <a:extLst>
+                <a:ext uri="{FF2B5EF4-FFF2-40B4-BE49-F238E27FC236}">
+                  <a16:creationId xmlns:a16="http://schemas.microsoft.com/office/drawing/2014/main" id="{AF20C010-5C02-0E4B-B091-BFBD7C352AD6}"/>
+                </a:ext>
+              </a:extLst>
+            </p:cNvPr>
+            <p:cNvSpPr/>
+            <p:nvPr/>
+          </p:nvSpPr>
+          <p:spPr>
+            <a:xfrm>
+              <a:off x="2741838" y="4160062"/>
+              <a:ext cx="1323725" cy="120562"/>
+            </a:xfrm>
+            <a:prstGeom prst="rect">
+              <a:avLst/>
+            </a:prstGeom>
+            <a:noFill/>
+            <a:ln>
+              <a:noFill/>
+            </a:ln>
+          </p:spPr>
+          <p:style>
+            <a:lnRef idx="2">
+              <a:schemeClr val="accent6">
+                <a:shade val="50000"/>
+              </a:schemeClr>
+            </a:lnRef>
+            <a:fillRef idx="1">
+              <a:schemeClr val="accent6"/>
+            </a:fillRef>
+            <a:effectRef idx="0">
+              <a:schemeClr val="accent6"/>
+            </a:effectRef>
+            <a:fontRef idx="minor">
+              <a:schemeClr val="lt1"/>
+            </a:fontRef>
+          </p:style>
+          <p:txBody>
+            <a:bodyPr rtlCol="0" anchor="ctr"/>
+            <a:lstStyle/>
+            <a:p>
+              <a:pPr marL="228600" indent="-228600">
+                <a:buFont typeface="Wingdings" pitchFamily="2" charset="2"/>
+                <a:buChar char="ü"/>
+              </a:pPr>
+              <a:r>
+                <a:rPr kumimoji="1" lang="en-KR" altLang="en-US" sz="800" b="1" u="sng" dirty="0">
+                  <a:solidFill>
+                    <a:schemeClr val="tx1"/>
+                  </a:solidFill>
+                </a:rPr>
+                <a:t>유니온 분기에 해당</a:t>
+              </a:r>
+              <a:endParaRPr kumimoji="1" lang="ko-Kore-KR" altLang="en-US" sz="800" b="1" u="sng" dirty="0">
+                <a:solidFill>
+                  <a:schemeClr val="tx1"/>
+                </a:solidFill>
+              </a:endParaRPr>
+            </a:p>
+          </p:txBody>
+        </p:sp>
+        <p:sp>
+          <p:nvSpPr>
+            <p:cNvPr id="77" name="Rectangle 76">
+              <a:extLst>
+                <a:ext uri="{FF2B5EF4-FFF2-40B4-BE49-F238E27FC236}">
+                  <a16:creationId xmlns:a16="http://schemas.microsoft.com/office/drawing/2014/main" id="{917C1349-F778-124E-B933-6DB8CB66FBF3}"/>
+                </a:ext>
+              </a:extLst>
+            </p:cNvPr>
+            <p:cNvSpPr/>
+            <p:nvPr/>
+          </p:nvSpPr>
+          <p:spPr>
+            <a:xfrm>
+              <a:off x="3028467" y="4440167"/>
+              <a:ext cx="153351" cy="137709"/>
+            </a:xfrm>
+            <a:prstGeom prst="rect">
+              <a:avLst/>
+            </a:prstGeom>
+            <a:noFill/>
+            <a:ln>
+              <a:solidFill>
+                <a:schemeClr val="accent2">
+                  <a:lumMod val="75000"/>
+                </a:schemeClr>
+              </a:solidFill>
+            </a:ln>
+          </p:spPr>
+          <p:style>
+            <a:lnRef idx="2">
+              <a:schemeClr val="accent1">
+                <a:shade val="50000"/>
+              </a:schemeClr>
+            </a:lnRef>
+            <a:fillRef idx="1">
+              <a:schemeClr val="accent1"/>
+            </a:fillRef>
+            <a:effectRef idx="0">
+              <a:schemeClr val="accent1"/>
+            </a:effectRef>
+            <a:fontRef idx="minor">
+              <a:schemeClr val="lt1"/>
+            </a:fontRef>
+          </p:style>
+          <p:txBody>
+            <a:bodyPr rtlCol="0" anchor="ctr"/>
+            <a:lstStyle/>
+            <a:p>
+              <a:pPr algn="ctr"/>
+              <a:endParaRPr lang="en-KR"/>
+            </a:p>
+          </p:txBody>
+        </p:sp>
+        <p:cxnSp>
+          <p:nvCxnSpPr>
+            <p:cNvPr id="78" name="Straight Connector 77">
+              <a:extLst>
+                <a:ext uri="{FF2B5EF4-FFF2-40B4-BE49-F238E27FC236}">
+                  <a16:creationId xmlns:a16="http://schemas.microsoft.com/office/drawing/2014/main" id="{BAB54CFA-D0C7-5940-8720-09BB8DD1598A}"/>
+                </a:ext>
+              </a:extLst>
+            </p:cNvPr>
+            <p:cNvCxnSpPr>
+              <a:cxnSpLocks/>
+            </p:cNvCxnSpPr>
+            <p:nvPr/>
+          </p:nvCxnSpPr>
+          <p:spPr>
+            <a:xfrm flipV="1">
+              <a:off x="2065021" y="4157191"/>
+              <a:ext cx="2404839" cy="2916"/>
+            </a:xfrm>
+            <a:prstGeom prst="line">
+              <a:avLst/>
+            </a:prstGeom>
+            <a:ln w="9525">
+              <a:solidFill>
+                <a:srgbClr val="FF0000"/>
+              </a:solidFill>
+            </a:ln>
+          </p:spPr>
+          <p:style>
+            <a:lnRef idx="1">
+              <a:schemeClr val="accent1"/>
+            </a:lnRef>
+            <a:fillRef idx="0">
+              <a:schemeClr val="accent1"/>
+            </a:fillRef>
+            <a:effectRef idx="0">
+              <a:schemeClr val="accent1"/>
+            </a:effectRef>
+            <a:fontRef idx="minor">
+              <a:schemeClr val="tx1"/>
+            </a:fontRef>
+          </p:style>
+        </p:cxnSp>
+        <p:cxnSp>
+          <p:nvCxnSpPr>
+            <p:cNvPr id="79" name="Straight Connector 78">
+              <a:extLst>
+                <a:ext uri="{FF2B5EF4-FFF2-40B4-BE49-F238E27FC236}">
+                  <a16:creationId xmlns:a16="http://schemas.microsoft.com/office/drawing/2014/main" id="{5DD9DB6C-893E-0145-88A1-440F442F309A}"/>
+                </a:ext>
+              </a:extLst>
+            </p:cNvPr>
+            <p:cNvCxnSpPr>
+              <a:cxnSpLocks/>
+            </p:cNvCxnSpPr>
+            <p:nvPr/>
+          </p:nvCxnSpPr>
+          <p:spPr>
+            <a:xfrm flipV="1">
+              <a:off x="3357664" y="4969953"/>
+              <a:ext cx="1854708" cy="1"/>
+            </a:xfrm>
+            <a:prstGeom prst="line">
+              <a:avLst/>
+            </a:prstGeom>
+            <a:ln w="9525">
+              <a:solidFill>
+                <a:schemeClr val="accent2">
+                  <a:lumMod val="75000"/>
+                </a:schemeClr>
+              </a:solidFill>
+            </a:ln>
+          </p:spPr>
+          <p:style>
+            <a:lnRef idx="1">
+              <a:schemeClr val="accent1"/>
+            </a:lnRef>
+            <a:fillRef idx="0">
+              <a:schemeClr val="accent1"/>
+            </a:fillRef>
+            <a:effectRef idx="0">
+              <a:schemeClr val="accent1"/>
+            </a:effectRef>
+            <a:fontRef idx="minor">
+              <a:schemeClr val="tx1"/>
+            </a:fontRef>
+          </p:style>
+        </p:cxnSp>
+        <p:cxnSp>
+          <p:nvCxnSpPr>
+            <p:cNvPr id="80" name="Straight Connector 79">
+              <a:extLst>
+                <a:ext uri="{FF2B5EF4-FFF2-40B4-BE49-F238E27FC236}">
+                  <a16:creationId xmlns:a16="http://schemas.microsoft.com/office/drawing/2014/main" id="{4B9A7FD5-CBC0-6A4B-A5B5-7B4A15B97F03}"/>
+                </a:ext>
+              </a:extLst>
+            </p:cNvPr>
+            <p:cNvCxnSpPr>
+              <a:cxnSpLocks/>
+            </p:cNvCxnSpPr>
+            <p:nvPr/>
+          </p:nvCxnSpPr>
+          <p:spPr>
+            <a:xfrm flipH="1" flipV="1">
+              <a:off x="3084928" y="4583078"/>
+              <a:ext cx="288199" cy="393897"/>
+            </a:xfrm>
+            <a:prstGeom prst="line">
+              <a:avLst/>
+            </a:prstGeom>
+            <a:ln w="9525">
+              <a:solidFill>
+                <a:schemeClr val="accent2">
+                  <a:lumMod val="75000"/>
+                </a:schemeClr>
+              </a:solidFill>
+            </a:ln>
+          </p:spPr>
+          <p:style>
+            <a:lnRef idx="1">
+              <a:schemeClr val="accent1"/>
+            </a:lnRef>
+            <a:fillRef idx="0">
+              <a:schemeClr val="accent1"/>
+            </a:fillRef>
+            <a:effectRef idx="0">
+              <a:schemeClr val="accent1"/>
+            </a:effectRef>
+            <a:fontRef idx="minor">
+              <a:schemeClr val="tx1"/>
+            </a:fontRef>
+          </p:style>
+        </p:cxnSp>
+        <p:sp>
+          <p:nvSpPr>
+            <p:cNvPr id="83" name="직사각형 20">
+              <a:extLst>
+                <a:ext uri="{FF2B5EF4-FFF2-40B4-BE49-F238E27FC236}">
+                  <a16:creationId xmlns:a16="http://schemas.microsoft.com/office/drawing/2014/main" id="{ECFC4A8D-2E8D-D244-9906-D4BB6A8D6BFE}"/>
+                </a:ext>
+              </a:extLst>
+            </p:cNvPr>
+            <p:cNvSpPr/>
+            <p:nvPr/>
+          </p:nvSpPr>
+          <p:spPr>
+            <a:xfrm>
+              <a:off x="3322248" y="4805793"/>
+              <a:ext cx="1925540" cy="155732"/>
+            </a:xfrm>
+            <a:prstGeom prst="rect">
+              <a:avLst/>
+            </a:prstGeom>
+            <a:noFill/>
+            <a:ln>
+              <a:noFill/>
+            </a:ln>
+          </p:spPr>
+          <p:style>
+            <a:lnRef idx="2">
+              <a:schemeClr val="accent6">
+                <a:shade val="50000"/>
+              </a:schemeClr>
+            </a:lnRef>
+            <a:fillRef idx="1">
+              <a:schemeClr val="accent6"/>
+            </a:fillRef>
+            <a:effectRef idx="0">
+              <a:schemeClr val="accent6"/>
+            </a:effectRef>
+            <a:fontRef idx="minor">
+              <a:schemeClr val="lt1"/>
+            </a:fontRef>
+          </p:style>
+          <p:txBody>
+            <a:bodyPr rtlCol="0" anchor="ctr"/>
+            <a:lstStyle/>
+            <a:p>
+              <a:pPr marL="228600" indent="-228600">
+                <a:buFont typeface="Wingdings" pitchFamily="2" charset="2"/>
+                <a:buChar char="ü"/>
+              </a:pPr>
+              <a:r>
+                <a:rPr kumimoji="1" lang="en-KR" altLang="en-US" sz="800" b="1" u="sng" dirty="0">
+                  <a:solidFill>
+                    <a:schemeClr val="tx1"/>
+                  </a:solidFill>
+                </a:rPr>
+                <a:t>두개의 배열 항목이 이어짐을 명시</a:t>
+              </a:r>
+              <a:endParaRPr kumimoji="1" lang="ko-Kore-KR" altLang="en-US" sz="800" b="1" u="sng" dirty="0">
+                <a:solidFill>
+                  <a:schemeClr val="tx1"/>
+                </a:solidFill>
+              </a:endParaRPr>
+            </a:p>
+          </p:txBody>
+        </p:sp>
+      </p:grpSp>
     </p:spTree>
     <p:extLst>
       <p:ext uri="{BB962C8B-B14F-4D97-AF65-F5344CB8AC3E}">

--- a/resources/chapter 4 summary.pptx
+++ b/resources/chapter 4 summary.pptx
@@ -5,7 +5,7 @@
     <p:sldMasterId id="2147483648" r:id="rId1"/>
   </p:sldMasterIdLst>
   <p:notesMasterIdLst>
-    <p:notesMasterId r:id="rId14"/>
+    <p:notesMasterId r:id="rId16"/>
   </p:notesMasterIdLst>
   <p:sldIdLst>
     <p:sldId id="263" r:id="rId2"/>
@@ -18,8 +18,10 @@
     <p:sldId id="290" r:id="rId9"/>
     <p:sldId id="291" r:id="rId10"/>
     <p:sldId id="282" r:id="rId11"/>
-    <p:sldId id="286" r:id="rId12"/>
-    <p:sldId id="292" r:id="rId13"/>
+    <p:sldId id="293" r:id="rId12"/>
+    <p:sldId id="286" r:id="rId13"/>
+    <p:sldId id="292" r:id="rId14"/>
+    <p:sldId id="294" r:id="rId15"/>
   </p:sldIdLst>
   <p:sldSz cx="12192000" cy="6858000"/>
   <p:notesSz cx="6858000" cy="9144000"/>
@@ -208,7 +210,7 @@
           <a:p>
             <a:fld id="{E8848DCB-64E6-E144-8F10-802B92AF7DCC}" type="datetimeFigureOut">
               <a:rPr kumimoji="1" lang="ko-Kore-KR" altLang="en-US" smtClean="0"/>
-              <a:t>7/26/20</a:t>
+              <a:t>7/29/20</a:t>
             </a:fld>
             <a:endParaRPr kumimoji="1" lang="ko-Kore-KR" altLang="en-US"/>
           </a:p>
@@ -634,7 +636,7 @@
     </p:spTree>
     <p:extLst>
       <p:ext uri="{BB962C8B-B14F-4D97-AF65-F5344CB8AC3E}">
-        <p14:creationId xmlns:p14="http://schemas.microsoft.com/office/powerpoint/2010/main" val="332338852"/>
+        <p14:creationId xmlns:p14="http://schemas.microsoft.com/office/powerpoint/2010/main" val="1880684594"/>
       </p:ext>
     </p:extLst>
   </p:cSld>
@@ -718,7 +720,175 @@
     </p:spTree>
     <p:extLst>
       <p:ext uri="{BB962C8B-B14F-4D97-AF65-F5344CB8AC3E}">
+        <p14:creationId xmlns:p14="http://schemas.microsoft.com/office/powerpoint/2010/main" val="332338852"/>
+      </p:ext>
+    </p:extLst>
+  </p:cSld>
+  <p:clrMapOvr>
+    <a:masterClrMapping/>
+  </p:clrMapOvr>
+</p:notes>
+</file>
+
+<file path=ppt/notesSlides/notesSlide12.xml><?xml version="1.0" encoding="utf-8"?>
+<p:notes xmlns:a="http://schemas.openxmlformats.org/drawingml/2006/main" xmlns:r="http://schemas.openxmlformats.org/officeDocument/2006/relationships" xmlns:p="http://schemas.openxmlformats.org/presentationml/2006/main">
+  <p:cSld>
+    <p:spTree>
+      <p:nvGrpSpPr>
+        <p:cNvPr id="1" name=""/>
+        <p:cNvGrpSpPr/>
+        <p:nvPr/>
+      </p:nvGrpSpPr>
+      <p:grpSpPr>
+        <a:xfrm>
+          <a:off x="0" y="0"/>
+          <a:ext cx="0" cy="0"/>
+          <a:chOff x="0" y="0"/>
+          <a:chExt cx="0" cy="0"/>
+        </a:xfrm>
+      </p:grpSpPr>
+      <p:sp>
+        <p:nvSpPr>
+          <p:cNvPr id="2" name="슬라이드 이미지 개체 틀 1"/>
+          <p:cNvSpPr>
+            <a:spLocks noGrp="1" noRot="1" noChangeAspect="1"/>
+          </p:cNvSpPr>
+          <p:nvPr>
+            <p:ph type="sldImg"/>
+          </p:nvPr>
+        </p:nvSpPr>
+        <p:spPr/>
+      </p:sp>
+      <p:sp>
+        <p:nvSpPr>
+          <p:cNvPr id="3" name="슬라이드 노트 개체 틀 2"/>
+          <p:cNvSpPr>
+            <a:spLocks noGrp="1"/>
+          </p:cNvSpPr>
+          <p:nvPr>
+            <p:ph type="body" idx="1"/>
+          </p:nvPr>
+        </p:nvSpPr>
+        <p:spPr/>
+        <p:txBody>
+          <a:bodyPr/>
+          <a:lstStyle/>
+          <a:p>
+            <a:endParaRPr kumimoji="1" lang="ko-Kore-KR" altLang="en-US" dirty="0"/>
+          </a:p>
+        </p:txBody>
+      </p:sp>
+      <p:sp>
+        <p:nvSpPr>
+          <p:cNvPr id="4" name="슬라이드 번호 개체 틀 3"/>
+          <p:cNvSpPr>
+            <a:spLocks noGrp="1"/>
+          </p:cNvSpPr>
+          <p:nvPr>
+            <p:ph type="sldNum" sz="quarter" idx="5"/>
+          </p:nvPr>
+        </p:nvSpPr>
+        <p:spPr/>
+        <p:txBody>
+          <a:bodyPr/>
+          <a:lstStyle/>
+          <a:p>
+            <a:fld id="{74FA6549-B6DF-B94B-9333-17EDEFA0F0CF}" type="slidenum">
+              <a:rPr kumimoji="1" lang="ko-Kore-KR" altLang="en-US" smtClean="0"/>
+              <a:t>13</a:t>
+            </a:fld>
+            <a:endParaRPr kumimoji="1" lang="ko-Kore-KR" altLang="en-US"/>
+          </a:p>
+        </p:txBody>
+      </p:sp>
+    </p:spTree>
+    <p:extLst>
+      <p:ext uri="{BB962C8B-B14F-4D97-AF65-F5344CB8AC3E}">
         <p14:creationId xmlns:p14="http://schemas.microsoft.com/office/powerpoint/2010/main" val="2458286138"/>
+      </p:ext>
+    </p:extLst>
+  </p:cSld>
+  <p:clrMapOvr>
+    <a:masterClrMapping/>
+  </p:clrMapOvr>
+</p:notes>
+</file>
+
+<file path=ppt/notesSlides/notesSlide13.xml><?xml version="1.0" encoding="utf-8"?>
+<p:notes xmlns:a="http://schemas.openxmlformats.org/drawingml/2006/main" xmlns:r="http://schemas.openxmlformats.org/officeDocument/2006/relationships" xmlns:p="http://schemas.openxmlformats.org/presentationml/2006/main">
+  <p:cSld>
+    <p:spTree>
+      <p:nvGrpSpPr>
+        <p:cNvPr id="1" name=""/>
+        <p:cNvGrpSpPr/>
+        <p:nvPr/>
+      </p:nvGrpSpPr>
+      <p:grpSpPr>
+        <a:xfrm>
+          <a:off x="0" y="0"/>
+          <a:ext cx="0" cy="0"/>
+          <a:chOff x="0" y="0"/>
+          <a:chExt cx="0" cy="0"/>
+        </a:xfrm>
+      </p:grpSpPr>
+      <p:sp>
+        <p:nvSpPr>
+          <p:cNvPr id="2" name="슬라이드 이미지 개체 틀 1"/>
+          <p:cNvSpPr>
+            <a:spLocks noGrp="1" noRot="1" noChangeAspect="1"/>
+          </p:cNvSpPr>
+          <p:nvPr>
+            <p:ph type="sldImg"/>
+          </p:nvPr>
+        </p:nvSpPr>
+        <p:spPr/>
+      </p:sp>
+      <p:sp>
+        <p:nvSpPr>
+          <p:cNvPr id="3" name="슬라이드 노트 개체 틀 2"/>
+          <p:cNvSpPr>
+            <a:spLocks noGrp="1"/>
+          </p:cNvSpPr>
+          <p:nvPr>
+            <p:ph type="body" idx="1"/>
+          </p:nvPr>
+        </p:nvSpPr>
+        <p:spPr/>
+        <p:txBody>
+          <a:bodyPr/>
+          <a:lstStyle/>
+          <a:p>
+            <a:endParaRPr kumimoji="1" lang="ko-Kore-KR" altLang="en-US" dirty="0"/>
+          </a:p>
+        </p:txBody>
+      </p:sp>
+      <p:sp>
+        <p:nvSpPr>
+          <p:cNvPr id="4" name="슬라이드 번호 개체 틀 3"/>
+          <p:cNvSpPr>
+            <a:spLocks noGrp="1"/>
+          </p:cNvSpPr>
+          <p:nvPr>
+            <p:ph type="sldNum" sz="quarter" idx="5"/>
+          </p:nvPr>
+        </p:nvSpPr>
+        <p:spPr/>
+        <p:txBody>
+          <a:bodyPr/>
+          <a:lstStyle/>
+          <a:p>
+            <a:fld id="{74FA6549-B6DF-B94B-9333-17EDEFA0F0CF}" type="slidenum">
+              <a:rPr kumimoji="1" lang="ko-Kore-KR" altLang="en-US" smtClean="0"/>
+              <a:t>14</a:t>
+            </a:fld>
+            <a:endParaRPr kumimoji="1" lang="ko-Kore-KR" altLang="en-US"/>
+          </a:p>
+        </p:txBody>
+      </p:sp>
+    </p:spTree>
+    <p:extLst>
+      <p:ext uri="{BB962C8B-B14F-4D97-AF65-F5344CB8AC3E}">
+        <p14:creationId xmlns:p14="http://schemas.microsoft.com/office/powerpoint/2010/main" val="3572408831"/>
       </p:ext>
     </p:extLst>
   </p:cSld>
@@ -1549,7 +1719,7 @@
           <a:p>
             <a:fld id="{AE273AFF-4CF1-4D47-9583-E1EF9B287728}" type="datetimeFigureOut">
               <a:rPr kumimoji="1" lang="ko-Kore-KR" altLang="en-US" smtClean="0"/>
-              <a:t>7/26/20</a:t>
+              <a:t>7/29/20</a:t>
             </a:fld>
             <a:endParaRPr kumimoji="1" lang="ko-Kore-KR" altLang="en-US"/>
           </a:p>
@@ -1749,7 +1919,7 @@
           <a:p>
             <a:fld id="{AE273AFF-4CF1-4D47-9583-E1EF9B287728}" type="datetimeFigureOut">
               <a:rPr kumimoji="1" lang="ko-Kore-KR" altLang="en-US" smtClean="0"/>
-              <a:t>7/26/20</a:t>
+              <a:t>7/29/20</a:t>
             </a:fld>
             <a:endParaRPr kumimoji="1" lang="ko-Kore-KR" altLang="en-US"/>
           </a:p>
@@ -1959,7 +2129,7 @@
           <a:p>
             <a:fld id="{AE273AFF-4CF1-4D47-9583-E1EF9B287728}" type="datetimeFigureOut">
               <a:rPr kumimoji="1" lang="ko-Kore-KR" altLang="en-US" smtClean="0"/>
-              <a:t>7/26/20</a:t>
+              <a:t>7/29/20</a:t>
             </a:fld>
             <a:endParaRPr kumimoji="1" lang="ko-Kore-KR" altLang="en-US"/>
           </a:p>
@@ -2175,7 +2345,7 @@
           <a:p>
             <a:fld id="{AE273AFF-4CF1-4D47-9583-E1EF9B287728}" type="datetimeFigureOut">
               <a:rPr kumimoji="1" lang="ko-Kore-KR" altLang="en-US" smtClean="0"/>
-              <a:t>7/26/20</a:t>
+              <a:t>7/29/20</a:t>
             </a:fld>
             <a:endParaRPr kumimoji="1" lang="ko-Kore-KR" altLang="en-US" dirty="0"/>
           </a:p>
@@ -2498,7 +2668,7 @@
           <a:p>
             <a:fld id="{AE273AFF-4CF1-4D47-9583-E1EF9B287728}" type="datetimeFigureOut">
               <a:rPr kumimoji="1" lang="ko-Kore-KR" altLang="en-US" smtClean="0"/>
-              <a:t>7/26/20</a:t>
+              <a:t>7/29/20</a:t>
             </a:fld>
             <a:endParaRPr kumimoji="1" lang="ko-Kore-KR" altLang="en-US"/>
           </a:p>
@@ -2766,7 +2936,7 @@
           <a:p>
             <a:fld id="{AE273AFF-4CF1-4D47-9583-E1EF9B287728}" type="datetimeFigureOut">
               <a:rPr kumimoji="1" lang="ko-Kore-KR" altLang="en-US" smtClean="0"/>
-              <a:t>7/26/20</a:t>
+              <a:t>7/29/20</a:t>
             </a:fld>
             <a:endParaRPr kumimoji="1" lang="ko-Kore-KR" altLang="en-US"/>
           </a:p>
@@ -3181,7 +3351,7 @@
           <a:p>
             <a:fld id="{AE273AFF-4CF1-4D47-9583-E1EF9B287728}" type="datetimeFigureOut">
               <a:rPr kumimoji="1" lang="ko-Kore-KR" altLang="en-US" smtClean="0"/>
-              <a:t>7/26/20</a:t>
+              <a:t>7/29/20</a:t>
             </a:fld>
             <a:endParaRPr kumimoji="1" lang="ko-Kore-KR" altLang="en-US"/>
           </a:p>
@@ -3323,7 +3493,7 @@
           <a:p>
             <a:fld id="{AE273AFF-4CF1-4D47-9583-E1EF9B287728}" type="datetimeFigureOut">
               <a:rPr kumimoji="1" lang="ko-Kore-KR" altLang="en-US" smtClean="0"/>
-              <a:t>7/26/20</a:t>
+              <a:t>7/29/20</a:t>
             </a:fld>
             <a:endParaRPr kumimoji="1" lang="ko-Kore-KR" altLang="en-US"/>
           </a:p>
@@ -3436,7 +3606,7 @@
           <a:p>
             <a:fld id="{AE273AFF-4CF1-4D47-9583-E1EF9B287728}" type="datetimeFigureOut">
               <a:rPr kumimoji="1" lang="ko-Kore-KR" altLang="en-US" smtClean="0"/>
-              <a:t>7/26/20</a:t>
+              <a:t>7/29/20</a:t>
             </a:fld>
             <a:endParaRPr kumimoji="1" lang="ko-Kore-KR" altLang="en-US"/>
           </a:p>
@@ -3749,7 +3919,7 @@
           <a:p>
             <a:fld id="{AE273AFF-4CF1-4D47-9583-E1EF9B287728}" type="datetimeFigureOut">
               <a:rPr kumimoji="1" lang="ko-Kore-KR" altLang="en-US" smtClean="0"/>
-              <a:t>7/26/20</a:t>
+              <a:t>7/29/20</a:t>
             </a:fld>
             <a:endParaRPr kumimoji="1" lang="ko-Kore-KR" altLang="en-US"/>
           </a:p>
@@ -4038,7 +4208,7 @@
           <a:p>
             <a:fld id="{AE273AFF-4CF1-4D47-9583-E1EF9B287728}" type="datetimeFigureOut">
               <a:rPr kumimoji="1" lang="ko-Kore-KR" altLang="en-US" smtClean="0"/>
-              <a:t>7/26/20</a:t>
+              <a:t>7/29/20</a:t>
             </a:fld>
             <a:endParaRPr kumimoji="1" lang="ko-Kore-KR" altLang="en-US"/>
           </a:p>
@@ -4281,7 +4451,7 @@
           <a:p>
             <a:fld id="{AE273AFF-4CF1-4D47-9583-E1EF9B287728}" type="datetimeFigureOut">
               <a:rPr kumimoji="1" lang="ko-Kore-KR" altLang="en-US" smtClean="0"/>
-              <a:t>7/26/20</a:t>
+              <a:t>7/29/20</a:t>
             </a:fld>
             <a:endParaRPr kumimoji="1" lang="ko-Kore-KR" altLang="en-US"/>
           </a:p>
@@ -4971,14 +5141,14 @@
           <p:nvPr>
             <p:extLst>
               <p:ext uri="{D42A27DB-BD31-4B8C-83A1-F6EECF244321}">
-                <p14:modId xmlns:p14="http://schemas.microsoft.com/office/powerpoint/2010/main" val="491937403"/>
+                <p14:modId xmlns:p14="http://schemas.microsoft.com/office/powerpoint/2010/main" val="3390477196"/>
               </p:ext>
             </p:extLst>
           </p:nvPr>
         </p:nvGraphicFramePr>
         <p:xfrm>
-          <a:off x="838199" y="1801435"/>
-          <a:ext cx="11128514" cy="1920240"/>
+          <a:off x="838198" y="1758972"/>
+          <a:ext cx="11128511" cy="2103120"/>
         </p:xfrm>
         <a:graphic>
           <a:graphicData uri="http://schemas.openxmlformats.org/drawingml/2006/table">
@@ -4987,28 +5157,28 @@
                 <a:tableStyleId>{5C22544A-7EE6-4342-B048-85BDC9FD1C3A}</a:tableStyleId>
               </a:tblPr>
               <a:tblGrid>
-                <a:gridCol w="593036">
+                <a:gridCol w="317006">
                   <a:extLst>
                     <a:ext uri="{9D8B030D-6E8A-4147-A177-3AD203B41FA5}">
                       <a16:colId xmlns:a16="http://schemas.microsoft.com/office/drawing/2014/main" val="2109425475"/>
                     </a:ext>
                   </a:extLst>
                 </a:gridCol>
-                <a:gridCol w="768626">
+                <a:gridCol w="685026">
                   <a:extLst>
                     <a:ext uri="{9D8B030D-6E8A-4147-A177-3AD203B41FA5}">
                       <a16:colId xmlns:a16="http://schemas.microsoft.com/office/drawing/2014/main" val="2336330265"/>
                     </a:ext>
                   </a:extLst>
                 </a:gridCol>
-                <a:gridCol w="4883426">
+                <a:gridCol w="5243054">
                   <a:extLst>
                     <a:ext uri="{9D8B030D-6E8A-4147-A177-3AD203B41FA5}">
                       <a16:colId xmlns:a16="http://schemas.microsoft.com/office/drawing/2014/main" val="4206765203"/>
                     </a:ext>
                   </a:extLst>
                 </a:gridCol>
-                <a:gridCol w="4883426">
+                <a:gridCol w="4883425">
                   <a:extLst>
                     <a:ext uri="{9D8B030D-6E8A-4147-A177-3AD203B41FA5}">
                       <a16:colId xmlns:a16="http://schemas.microsoft.com/office/drawing/2014/main" val="1330494666"/>
@@ -5016,7 +5186,7 @@
                   </a:extLst>
                 </a:gridCol>
               </a:tblGrid>
-              <a:tr h="221336">
+              <a:tr h="258348">
                 <a:tc rowSpan="3">
                   <a:txBody>
                     <a:bodyPr/>
@@ -5283,7 +5453,7 @@
                   </a:ext>
                 </a:extLst>
               </a:tr>
-              <a:tr h="242580">
+              <a:tr h="258348">
                 <a:tc vMerge="1">
                   <a:txBody>
                     <a:bodyPr/>
@@ -5636,7 +5806,7 @@
                   </a:ext>
                 </a:extLst>
               </a:tr>
-              <a:tr h="1085969">
+              <a:tr h="1291740">
                 <a:tc vMerge="1">
                   <a:txBody>
                     <a:bodyPr/>
@@ -6192,14 +6362,14 @@
           <p:nvPr>
             <p:extLst>
               <p:ext uri="{D42A27DB-BD31-4B8C-83A1-F6EECF244321}">
-                <p14:modId xmlns:p14="http://schemas.microsoft.com/office/powerpoint/2010/main" val="1645478041"/>
+                <p14:modId xmlns:p14="http://schemas.microsoft.com/office/powerpoint/2010/main" val="1217877464"/>
               </p:ext>
             </p:extLst>
           </p:nvPr>
         </p:nvGraphicFramePr>
         <p:xfrm>
-          <a:off x="838199" y="4009197"/>
-          <a:ext cx="11128512" cy="2742083"/>
+          <a:off x="838196" y="3862092"/>
+          <a:ext cx="11128513" cy="2934886"/>
         </p:xfrm>
         <a:graphic>
           <a:graphicData uri="http://schemas.openxmlformats.org/drawingml/2006/table">
@@ -6208,28 +6378,28 @@
                 <a:tableStyleId>{5C22544A-7EE6-4342-B048-85BDC9FD1C3A}</a:tableStyleId>
               </a:tblPr>
               <a:tblGrid>
-                <a:gridCol w="593036">
+                <a:gridCol w="316234">
                   <a:extLst>
                     <a:ext uri="{9D8B030D-6E8A-4147-A177-3AD203B41FA5}">
                       <a16:colId xmlns:a16="http://schemas.microsoft.com/office/drawing/2014/main" val="3166461441"/>
                     </a:ext>
                   </a:extLst>
                 </a:gridCol>
-                <a:gridCol w="781878">
+                <a:gridCol w="674370">
                   <a:extLst>
                     <a:ext uri="{9D8B030D-6E8A-4147-A177-3AD203B41FA5}">
                       <a16:colId xmlns:a16="http://schemas.microsoft.com/office/drawing/2014/main" val="1822423174"/>
                     </a:ext>
                   </a:extLst>
                 </a:gridCol>
-                <a:gridCol w="4876799">
+                <a:gridCol w="5108958">
                   <a:extLst>
                     <a:ext uri="{9D8B030D-6E8A-4147-A177-3AD203B41FA5}">
                       <a16:colId xmlns:a16="http://schemas.microsoft.com/office/drawing/2014/main" val="910412820"/>
                     </a:ext>
                   </a:extLst>
                 </a:gridCol>
-                <a:gridCol w="4876799">
+                <a:gridCol w="5028951">
                   <a:extLst>
                     <a:ext uri="{9D8B030D-6E8A-4147-A177-3AD203B41FA5}">
                       <a16:colId xmlns:a16="http://schemas.microsoft.com/office/drawing/2014/main" val="2913427676"/>
@@ -6237,7 +6407,7 @@
                   </a:extLst>
                 </a:gridCol>
               </a:tblGrid>
-              <a:tr h="274291">
+              <a:tr h="234071">
                 <a:tc rowSpan="3">
                   <a:txBody>
                     <a:bodyPr/>
@@ -6456,7 +6626,7 @@
                   </a:ext>
                 </a:extLst>
               </a:tr>
-              <a:tr h="913283">
+              <a:tr h="1326400">
                 <a:tc vMerge="1">
                   <a:txBody>
                     <a:bodyPr/>
@@ -6744,7 +6914,189 @@
                         </a:rPr>
                         <a:t>)</a:t>
                       </a:r>
-                      <a:endParaRPr kumimoji="1" lang="ko-Kore-KR" altLang="en-US" sz="1200">
+                    </a:p>
+                    <a:p>
+                      <a:pPr marL="0" marR="0" lvl="0" indent="0" algn="l" defTabSz="914400" rtl="0" eaLnBrk="1" fontAlgn="auto" latinLnBrk="0" hangingPunct="1">
+                        <a:lnSpc>
+                          <a:spcPct val="100000"/>
+                        </a:lnSpc>
+                        <a:spcBef>
+                          <a:spcPts val="0"/>
+                        </a:spcBef>
+                        <a:spcAft>
+                          <a:spcPts val="0"/>
+                        </a:spcAft>
+                        <a:buClrTx/>
+                        <a:buSzTx/>
+                        <a:buFontTx/>
+                        <a:buNone/>
+                        <a:tabLst/>
+                        <a:defRPr/>
+                      </a:pPr>
+                      <a:r>
+                        <a:rPr kumimoji="1" lang="en-KR" altLang="en-US" sz="1200" u="sng" dirty="0">
+                          <a:solidFill>
+                            <a:schemeClr val="tx1"/>
+                          </a:solidFill>
+                        </a:rPr>
+                        <a:t>읽기는 특정 데이터를 부호화한 쓰기 스키마를 어떻게 알 수 있을까</a:t>
+                      </a:r>
+                      <a:r>
+                        <a:rPr kumimoji="1" lang="en-US" altLang="ko-KR" sz="1200" u="sng" dirty="0">
+                          <a:solidFill>
+                            <a:schemeClr val="tx1"/>
+                          </a:solidFill>
+                        </a:rPr>
+                        <a:t>? </a:t>
+                      </a:r>
+                      <a:r>
+                        <a:rPr kumimoji="1" lang="ko-KR" altLang="en-US" sz="1200" u="sng" dirty="0">
+                          <a:solidFill>
+                            <a:schemeClr val="tx1"/>
+                          </a:solidFill>
+                        </a:rPr>
+                        <a:t>모든 레코드에 전체 스키마는 포함</a:t>
+                      </a:r>
+                      <a:r>
+                        <a:rPr kumimoji="1" lang="en-US" altLang="ko-KR" sz="1200" u="sng" dirty="0">
+                          <a:solidFill>
+                            <a:schemeClr val="tx1"/>
+                          </a:solidFill>
+                        </a:rPr>
+                        <a:t> </a:t>
+                      </a:r>
+                      <a:r>
+                        <a:rPr kumimoji="1" lang="ko-KR" altLang="en-US" sz="1200" u="sng" dirty="0">
+                          <a:solidFill>
+                            <a:schemeClr val="tx1"/>
+                          </a:solidFill>
+                        </a:rPr>
+                        <a:t>불가</a:t>
+                      </a:r>
+                      <a:r>
+                        <a:rPr kumimoji="1" lang="en-US" altLang="ko-KR" sz="1200" u="sng" dirty="0">
+                          <a:solidFill>
+                            <a:schemeClr val="tx1"/>
+                          </a:solidFill>
+                        </a:rPr>
+                        <a:t>. </a:t>
+                      </a:r>
+                      <a:r>
+                        <a:rPr kumimoji="1" lang="ko-KR" altLang="en-US" sz="1200" u="sng" dirty="0" err="1">
+                          <a:solidFill>
+                            <a:schemeClr val="tx1"/>
+                          </a:solidFill>
+                        </a:rPr>
+                        <a:t>아브로를</a:t>
+                      </a:r>
+                      <a:r>
+                        <a:rPr kumimoji="1" lang="ko-KR" altLang="en-US" sz="1200" u="sng" dirty="0">
+                          <a:solidFill>
+                            <a:schemeClr val="tx1"/>
+                          </a:solidFill>
+                        </a:rPr>
+                        <a:t> 사용하는 상황에 따라 다름</a:t>
+                      </a:r>
+                      <a:r>
+                        <a:rPr kumimoji="1" lang="en-US" altLang="ko-KR" sz="1200" u="sng" dirty="0">
+                          <a:solidFill>
+                            <a:schemeClr val="tx1"/>
+                          </a:solidFill>
+                        </a:rPr>
+                        <a:t>.</a:t>
+                      </a:r>
+                    </a:p>
+                    <a:p>
+                      <a:pPr marL="171450" marR="0" lvl="0" indent="-171450" algn="l" defTabSz="914400" rtl="0" eaLnBrk="1" fontAlgn="auto" latinLnBrk="0" hangingPunct="1">
+                        <a:lnSpc>
+                          <a:spcPct val="100000"/>
+                        </a:lnSpc>
+                        <a:spcBef>
+                          <a:spcPts val="0"/>
+                        </a:spcBef>
+                        <a:spcAft>
+                          <a:spcPts val="0"/>
+                        </a:spcAft>
+                        <a:buClrTx/>
+                        <a:buSzTx/>
+                        <a:buFont typeface="Wingdings" pitchFamily="2" charset="2"/>
+                        <a:buChar char="ü"/>
+                        <a:tabLst/>
+                        <a:defRPr/>
+                      </a:pPr>
+                      <a:r>
+                        <a:rPr kumimoji="1" lang="ko-KR" altLang="en-US" sz="1200" dirty="0">
+                          <a:solidFill>
+                            <a:schemeClr val="tx1"/>
+                          </a:solidFill>
+                        </a:rPr>
+                        <a:t>많은 레코드가 있는 대용량 파일</a:t>
+                      </a:r>
+                      <a:endParaRPr kumimoji="1" lang="en-US" altLang="ko-KR" sz="1200" dirty="0">
+                        <a:solidFill>
+                          <a:schemeClr val="tx1"/>
+                        </a:solidFill>
+                      </a:endParaRPr>
+                    </a:p>
+                    <a:p>
+                      <a:pPr marL="171450" marR="0" lvl="0" indent="-171450" algn="l" defTabSz="914400" rtl="0" eaLnBrk="1" fontAlgn="auto" latinLnBrk="0" hangingPunct="1">
+                        <a:lnSpc>
+                          <a:spcPct val="100000"/>
+                        </a:lnSpc>
+                        <a:spcBef>
+                          <a:spcPts val="0"/>
+                        </a:spcBef>
+                        <a:spcAft>
+                          <a:spcPts val="0"/>
+                        </a:spcAft>
+                        <a:buClrTx/>
+                        <a:buSzTx/>
+                        <a:buFont typeface="Wingdings" pitchFamily="2" charset="2"/>
+                        <a:buChar char="ü"/>
+                        <a:tabLst/>
+                        <a:defRPr/>
+                      </a:pPr>
+                      <a:r>
+                        <a:rPr kumimoji="1" lang="ko-KR" altLang="en-US" sz="1200" dirty="0">
+                          <a:solidFill>
+                            <a:schemeClr val="tx1"/>
+                          </a:solidFill>
+                        </a:rPr>
+                        <a:t>개별적으로 기록된 레코드를 가진 데이터베이스</a:t>
+                      </a:r>
+                      <a:endParaRPr kumimoji="1" lang="en-US" altLang="ko-KR" sz="1200" dirty="0">
+                        <a:solidFill>
+                          <a:schemeClr val="tx1"/>
+                        </a:solidFill>
+                      </a:endParaRPr>
+                    </a:p>
+                    <a:p>
+                      <a:pPr marL="171450" marR="0" lvl="0" indent="-171450" algn="l" defTabSz="914400" rtl="0" eaLnBrk="1" fontAlgn="auto" latinLnBrk="0" hangingPunct="1">
+                        <a:lnSpc>
+                          <a:spcPct val="100000"/>
+                        </a:lnSpc>
+                        <a:spcBef>
+                          <a:spcPts val="0"/>
+                        </a:spcBef>
+                        <a:spcAft>
+                          <a:spcPts val="0"/>
+                        </a:spcAft>
+                        <a:buClrTx/>
+                        <a:buSzTx/>
+                        <a:buFont typeface="Wingdings" pitchFamily="2" charset="2"/>
+                        <a:buChar char="ü"/>
+                        <a:tabLst/>
+                        <a:defRPr/>
+                      </a:pPr>
+                      <a:r>
+                        <a:rPr kumimoji="1" lang="ko-KR" altLang="en-US" sz="1200" dirty="0">
+                          <a:solidFill>
+                            <a:schemeClr val="tx1"/>
+                          </a:solidFill>
+                        </a:rPr>
+                        <a:t>네트워크 연결을 통해 레코드 보내기</a:t>
+                      </a:r>
+                      <a:endParaRPr kumimoji="1" lang="en-US" altLang="ko-KR" sz="1200" dirty="0">
                         <a:solidFill>
                           <a:schemeClr val="tx1"/>
                         </a:solidFill>
@@ -7033,7 +7385,7 @@
                   </a:ext>
                 </a:extLst>
               </a:tr>
-              <a:tr h="1085852">
+              <a:tr h="923206">
                 <a:tc vMerge="1">
                   <a:txBody>
                     <a:bodyPr/>
@@ -7112,239 +7464,9 @@
                             <a:schemeClr val="tx1"/>
                           </a:solidFill>
                         </a:rPr>
-                        <a:t>데이터를 </a:t>
-                      </a:r>
-                      <a:r>
-                        <a:rPr lang="ko-KR" altLang="en-US" sz="1200" dirty="0" err="1">
-                          <a:solidFill>
-                            <a:schemeClr val="tx1"/>
-                          </a:solidFill>
-                        </a:rPr>
-                        <a:t>복호화할</a:t>
-                      </a:r>
-                      <a:r>
-                        <a:rPr lang="ko-KR" altLang="en-US" sz="1200" dirty="0">
-                          <a:solidFill>
-                            <a:schemeClr val="tx1"/>
-                          </a:solidFill>
-                        </a:rPr>
-                        <a:t> 때 </a:t>
-                      </a:r>
-                      <a:r>
-                        <a:rPr lang="ko-KR" altLang="en-US" sz="1200" dirty="0" err="1">
-                          <a:solidFill>
-                            <a:schemeClr val="tx1"/>
-                          </a:solidFill>
-                        </a:rPr>
-                        <a:t>아브로</a:t>
-                      </a:r>
-                      <a:r>
-                        <a:rPr lang="ko-KR" altLang="en-US" sz="1200" dirty="0">
-                          <a:solidFill>
-                            <a:schemeClr val="tx1"/>
-                          </a:solidFill>
-                        </a:rPr>
-                        <a:t> 라이브러리는 쓰기 스키마와 읽기 스키마를 함께 살펴봄</a:t>
+                        <a:t>읽기는 레코드를 가져와 버전 번호를 추출한 다음 데이터베이스에서 버전 번호에 해당하는 쓰기 스키마를 가져옴</a:t>
                       </a:r>
                       <a:endParaRPr lang="en-US" altLang="ko-KR" sz="1200" dirty="0">
-                        <a:solidFill>
-                          <a:schemeClr val="tx1"/>
-                        </a:solidFill>
-                      </a:endParaRPr>
-                    </a:p>
-                    <a:p>
-                      <a:pPr marL="285750" indent="-285750">
-                        <a:buFont typeface="Arial" panose="020B0604020202020204" pitchFamily="34" charset="0"/>
-                        <a:buChar char="•"/>
-                      </a:pPr>
-                      <a:r>
-                        <a:rPr lang="ko-KR" altLang="en-US" sz="1200" dirty="0">
-                          <a:solidFill>
-                            <a:schemeClr val="tx1"/>
-                          </a:solidFill>
-                        </a:rPr>
-                        <a:t>그 후 쓰기 스키마에서 읽기 스키마로 데이터를 변환해 그 차이를 해소함</a:t>
-                      </a:r>
-                      <a:endParaRPr lang="en-US" altLang="ko-KR" sz="1200" dirty="0">
-                        <a:solidFill>
-                          <a:schemeClr val="tx1"/>
-                        </a:solidFill>
-                      </a:endParaRPr>
-                    </a:p>
-                    <a:p>
-                      <a:pPr marL="285750" indent="-285750">
-                        <a:buFont typeface="Arial" panose="020B0604020202020204" pitchFamily="34" charset="0"/>
-                        <a:buChar char="•"/>
-                      </a:pPr>
-                      <a:r>
-                        <a:rPr kumimoji="1" lang="en-US" altLang="en-US" sz="1200" dirty="0" err="1">
-                          <a:solidFill>
-                            <a:schemeClr val="tx1"/>
-                          </a:solidFill>
-                        </a:rPr>
-                        <a:t>쓰기</a:t>
-                      </a:r>
-                      <a:r>
-                        <a:rPr kumimoji="1" lang="en-US" altLang="en-US" sz="1200" dirty="0">
-                          <a:solidFill>
-                            <a:schemeClr val="tx1"/>
-                          </a:solidFill>
-                        </a:rPr>
-                        <a:t> </a:t>
-                      </a:r>
-                      <a:r>
-                        <a:rPr kumimoji="1" lang="en-US" altLang="en-US" sz="1200" dirty="0" err="1">
-                          <a:solidFill>
-                            <a:schemeClr val="tx1"/>
-                          </a:solidFill>
-                        </a:rPr>
-                        <a:t>스키마와</a:t>
-                      </a:r>
-                      <a:r>
-                        <a:rPr kumimoji="1" lang="en-US" altLang="en-US" sz="1200" dirty="0">
-                          <a:solidFill>
-                            <a:schemeClr val="tx1"/>
-                          </a:solidFill>
-                        </a:rPr>
-                        <a:t> </a:t>
-                      </a:r>
-                      <a:r>
-                        <a:rPr kumimoji="1" lang="en-US" altLang="en-US" sz="1200" dirty="0" err="1">
-                          <a:solidFill>
-                            <a:schemeClr val="tx1"/>
-                          </a:solidFill>
-                        </a:rPr>
-                        <a:t>읽기</a:t>
-                      </a:r>
-                      <a:r>
-                        <a:rPr kumimoji="1" lang="en-US" altLang="en-US" sz="1200" dirty="0">
-                          <a:solidFill>
-                            <a:schemeClr val="tx1"/>
-                          </a:solidFill>
-                        </a:rPr>
-                        <a:t> </a:t>
-                      </a:r>
-                      <a:r>
-                        <a:rPr kumimoji="1" lang="en-US" altLang="en-US" sz="1200" dirty="0" err="1">
-                          <a:solidFill>
-                            <a:schemeClr val="tx1"/>
-                          </a:solidFill>
-                        </a:rPr>
-                        <a:t>스키마의</a:t>
-                      </a:r>
-                      <a:r>
-                        <a:rPr kumimoji="1" lang="en-US" altLang="en-US" sz="1200" dirty="0">
-                          <a:solidFill>
-                            <a:schemeClr val="tx1"/>
-                          </a:solidFill>
-                        </a:rPr>
-                        <a:t> </a:t>
-                      </a:r>
-                      <a:r>
-                        <a:rPr kumimoji="1" lang="en-US" altLang="en-US" sz="1200" dirty="0" err="1">
-                          <a:solidFill>
-                            <a:schemeClr val="tx1"/>
-                          </a:solidFill>
-                        </a:rPr>
-                        <a:t>필드</a:t>
-                      </a:r>
-                      <a:r>
-                        <a:rPr kumimoji="1" lang="en-US" altLang="en-US" sz="1200" dirty="0">
-                          <a:solidFill>
-                            <a:schemeClr val="tx1"/>
-                          </a:solidFill>
-                        </a:rPr>
-                        <a:t> </a:t>
-                      </a:r>
-                      <a:r>
-                        <a:rPr kumimoji="1" lang="en-US" altLang="en-US" sz="1200" dirty="0" err="1">
-                          <a:solidFill>
-                            <a:schemeClr val="tx1"/>
-                          </a:solidFill>
-                        </a:rPr>
-                        <a:t>순서가</a:t>
-                      </a:r>
-                      <a:r>
-                        <a:rPr kumimoji="1" lang="en-US" altLang="en-US" sz="1200" dirty="0">
-                          <a:solidFill>
-                            <a:schemeClr val="tx1"/>
-                          </a:solidFill>
-                        </a:rPr>
-                        <a:t> </a:t>
-                      </a:r>
-                      <a:r>
-                        <a:rPr kumimoji="1" lang="en-US" altLang="en-US" sz="1200" dirty="0" err="1">
-                          <a:solidFill>
-                            <a:schemeClr val="tx1"/>
-                          </a:solidFill>
-                        </a:rPr>
-                        <a:t>달라도</a:t>
-                      </a:r>
-                      <a:r>
-                        <a:rPr kumimoji="1" lang="en-US" altLang="en-US" sz="1200" dirty="0">
-                          <a:solidFill>
-                            <a:schemeClr val="tx1"/>
-                          </a:solidFill>
-                        </a:rPr>
-                        <a:t> </a:t>
-                      </a:r>
-                      <a:r>
-                        <a:rPr kumimoji="1" lang="en-US" altLang="en-US" sz="1200" dirty="0" err="1">
-                          <a:solidFill>
-                            <a:schemeClr val="tx1"/>
-                          </a:solidFill>
-                        </a:rPr>
-                        <a:t>문제가</a:t>
-                      </a:r>
-                      <a:r>
-                        <a:rPr kumimoji="1" lang="en-US" altLang="en-US" sz="1200" dirty="0">
-                          <a:solidFill>
-                            <a:schemeClr val="tx1"/>
-                          </a:solidFill>
-                        </a:rPr>
-                        <a:t> </a:t>
-                      </a:r>
-                      <a:r>
-                        <a:rPr kumimoji="1" lang="en-US" altLang="en-US" sz="1200" dirty="0" err="1">
-                          <a:solidFill>
-                            <a:schemeClr val="tx1"/>
-                          </a:solidFill>
-                        </a:rPr>
-                        <a:t>없는데</a:t>
-                      </a:r>
-                      <a:r>
-                        <a:rPr kumimoji="1" lang="en-US" altLang="ko-KR" sz="1200" dirty="0">
-                          <a:solidFill>
-                            <a:schemeClr val="tx1"/>
-                          </a:solidFill>
-                        </a:rPr>
-                        <a:t>, </a:t>
-                      </a:r>
-                      <a:r>
-                        <a:rPr kumimoji="1" lang="ko-KR" altLang="en-US" sz="1200" dirty="0">
-                          <a:solidFill>
-                            <a:schemeClr val="tx1"/>
-                          </a:solidFill>
-                        </a:rPr>
-                        <a:t>이는 스키마 해석</a:t>
-                      </a:r>
-                      <a:r>
-                        <a:rPr kumimoji="1" lang="en-US" altLang="ko-KR" sz="1200" dirty="0">
-                          <a:solidFill>
-                            <a:schemeClr val="tx1"/>
-                          </a:solidFill>
-                        </a:rPr>
-                        <a:t>(schema resolution)</a:t>
-                      </a:r>
-                      <a:r>
-                        <a:rPr kumimoji="1" lang="ko-KR" altLang="en-US" sz="1200" dirty="0">
-                          <a:solidFill>
-                            <a:schemeClr val="tx1"/>
-                          </a:solidFill>
-                        </a:rPr>
-                        <a:t>에서 이름으로 필드를 일치시키기 때문</a:t>
-                      </a:r>
-                      <a:endParaRPr kumimoji="1" lang="en-US" altLang="ko-KR" sz="1200" dirty="0">
                         <a:solidFill>
                           <a:schemeClr val="tx1"/>
                         </a:solidFill>
@@ -7500,119 +7622,6 @@
                         </a:solidFill>
                       </a:endParaRPr>
                     </a:p>
-                    <a:p>
-                      <a:pPr marL="285750" indent="-285750">
-                        <a:buFont typeface="Arial" panose="020B0604020202020204" pitchFamily="34" charset="0"/>
-                        <a:buChar char="•"/>
-                      </a:pPr>
-                      <a:r>
-                        <a:rPr kumimoji="1" lang="ko-KR" altLang="en-US" sz="1200" dirty="0">
-                          <a:solidFill>
-                            <a:schemeClr val="tx1"/>
-                          </a:solidFill>
-                        </a:rPr>
-                        <a:t>필드가 유니온 </a:t>
-                      </a:r>
-                      <a:r>
-                        <a:rPr kumimoji="1" lang="ko-KR" altLang="en-US" sz="1200" dirty="0" err="1">
-                          <a:solidFill>
-                            <a:schemeClr val="tx1"/>
-                          </a:solidFill>
-                        </a:rPr>
-                        <a:t>엘리먼트</a:t>
-                      </a:r>
-                      <a:r>
-                        <a:rPr kumimoji="1" lang="ko-KR" altLang="en-US" sz="1200" dirty="0">
-                          <a:solidFill>
-                            <a:schemeClr val="tx1"/>
-                          </a:solidFill>
-                        </a:rPr>
-                        <a:t> 중 하나인 경우에만 기본값으로 널을 사용할 수 있음</a:t>
-                      </a:r>
-                      <a:endParaRPr kumimoji="1" lang="en-US" altLang="ko-KR" sz="1200" dirty="0">
-                        <a:solidFill>
-                          <a:schemeClr val="tx1"/>
-                        </a:solidFill>
-                      </a:endParaRPr>
-                    </a:p>
-                    <a:p>
-                      <a:pPr marL="285750" indent="-285750">
-                        <a:buFont typeface="Arial" panose="020B0604020202020204" pitchFamily="34" charset="0"/>
-                        <a:buChar char="•"/>
-                      </a:pPr>
-                      <a:r>
-                        <a:rPr kumimoji="1" lang="ko-KR" altLang="en-US" sz="1200" dirty="0" err="1">
-                          <a:solidFill>
-                            <a:schemeClr val="tx1"/>
-                          </a:solidFill>
-                        </a:rPr>
-                        <a:t>아브로는</a:t>
-                      </a:r>
-                      <a:r>
-                        <a:rPr kumimoji="1" lang="ko-KR" altLang="en-US" sz="1200" dirty="0">
-                          <a:solidFill>
-                            <a:schemeClr val="tx1"/>
-                          </a:solidFill>
-                        </a:rPr>
-                        <a:t> 타입을 변환할 수 있으므로 필드의 </a:t>
-                      </a:r>
-                      <a:r>
-                        <a:rPr kumimoji="1" lang="ko-KR" altLang="en-US" sz="1200" dirty="0" err="1">
-                          <a:solidFill>
-                            <a:schemeClr val="tx1"/>
-                          </a:solidFill>
-                        </a:rPr>
-                        <a:t>데이터타입</a:t>
-                      </a:r>
-                      <a:r>
-                        <a:rPr kumimoji="1" lang="ko-KR" altLang="en-US" sz="1200" dirty="0">
-                          <a:solidFill>
-                            <a:schemeClr val="tx1"/>
-                          </a:solidFill>
-                        </a:rPr>
-                        <a:t> 변경이 가능</a:t>
-                      </a:r>
-                      <a:endParaRPr kumimoji="1" lang="en-US" altLang="ko-KR" sz="1200" dirty="0">
-                        <a:solidFill>
-                          <a:schemeClr val="tx1"/>
-                        </a:solidFill>
-                      </a:endParaRPr>
-                    </a:p>
-                    <a:p>
-                      <a:pPr marL="285750" indent="-285750">
-                        <a:buFont typeface="Arial" panose="020B0604020202020204" pitchFamily="34" charset="0"/>
-                        <a:buChar char="•"/>
-                      </a:pPr>
-                      <a:r>
-                        <a:rPr kumimoji="1" lang="ko-KR" altLang="en-US" sz="1200" dirty="0">
-                          <a:solidFill>
-                            <a:schemeClr val="tx1"/>
-                          </a:solidFill>
-                        </a:rPr>
-                        <a:t>읽기 스키마는 필드 이름의 별칭을 포함할 수 있어</a:t>
-                      </a:r>
-                      <a:r>
-                        <a:rPr kumimoji="1" lang="en-US" altLang="ko-KR" sz="1200" dirty="0">
-                          <a:solidFill>
-                            <a:schemeClr val="tx1"/>
-                          </a:solidFill>
-                        </a:rPr>
-                        <a:t>, </a:t>
-                      </a:r>
-                      <a:r>
-                        <a:rPr kumimoji="1" lang="ko-KR" altLang="en-US" sz="1200" dirty="0">
-                          <a:solidFill>
-                            <a:schemeClr val="tx1"/>
-                          </a:solidFill>
-                        </a:rPr>
-                        <a:t>별칭에 예전 쓰기 스키마 필드 이름을 매치할 수 있음</a:t>
-                      </a:r>
-                      <a:endParaRPr kumimoji="1" lang="en-US" altLang="ko-KR" sz="1200" dirty="0">
-                        <a:solidFill>
-                          <a:schemeClr val="tx1"/>
-                        </a:solidFill>
-                      </a:endParaRPr>
-                    </a:p>
                   </a:txBody>
                   <a:tcPr anchor="ctr">
                     <a:lnL w="12700" cap="flat" cmpd="sng" algn="ctr">
@@ -7747,6 +7756,1764 @@
 </file>
 
 <file path=ppt/slides/slide11.xml><?xml version="1.0" encoding="utf-8"?>
+<p:sld xmlns:a="http://schemas.openxmlformats.org/drawingml/2006/main" xmlns:r="http://schemas.openxmlformats.org/officeDocument/2006/relationships" xmlns:p="http://schemas.openxmlformats.org/presentationml/2006/main">
+  <p:cSld>
+    <p:spTree>
+      <p:nvGrpSpPr>
+        <p:cNvPr id="1" name=""/>
+        <p:cNvGrpSpPr/>
+        <p:nvPr/>
+      </p:nvGrpSpPr>
+      <p:grpSpPr>
+        <a:xfrm>
+          <a:off x="0" y="0"/>
+          <a:ext cx="0" cy="0"/>
+          <a:chOff x="0" y="0"/>
+          <a:chExt cx="0" cy="0"/>
+        </a:xfrm>
+      </p:grpSpPr>
+      <p:sp>
+        <p:nvSpPr>
+          <p:cNvPr id="2" name="제목 1">
+            <a:extLst>
+              <a:ext uri="{FF2B5EF4-FFF2-40B4-BE49-F238E27FC236}">
+                <a16:creationId xmlns:a16="http://schemas.microsoft.com/office/drawing/2014/main" id="{6B6D9CD8-754E-F149-8807-FCD5B772F15F}"/>
+              </a:ext>
+            </a:extLst>
+          </p:cNvPr>
+          <p:cNvSpPr>
+            <a:spLocks noGrp="1"/>
+          </p:cNvSpPr>
+          <p:nvPr>
+            <p:ph type="title"/>
+          </p:nvPr>
+        </p:nvSpPr>
+        <p:spPr/>
+        <p:txBody>
+          <a:bodyPr/>
+          <a:lstStyle/>
+          <a:p>
+            <a:r>
+              <a:rPr kumimoji="1" lang="ko-KR" altLang="en-US" dirty="0"/>
+              <a:t>동적 생성 스키마</a:t>
+            </a:r>
+            <a:endParaRPr kumimoji="1" lang="ko-Kore-KR" altLang="en-US" sz="2400" dirty="0"/>
+          </a:p>
+        </p:txBody>
+      </p:sp>
+      <p:sp>
+        <p:nvSpPr>
+          <p:cNvPr id="76" name="Rectangle 75">
+            <a:extLst>
+              <a:ext uri="{FF2B5EF4-FFF2-40B4-BE49-F238E27FC236}">
+                <a16:creationId xmlns:a16="http://schemas.microsoft.com/office/drawing/2014/main" id="{13EBBC8F-1DE5-6644-AC14-87D48CF74289}"/>
+              </a:ext>
+            </a:extLst>
+          </p:cNvPr>
+          <p:cNvSpPr/>
+          <p:nvPr/>
+        </p:nvSpPr>
+        <p:spPr>
+          <a:xfrm>
+            <a:off x="838200" y="1062049"/>
+            <a:ext cx="10515600" cy="1223951"/>
+          </a:xfrm>
+          <a:prstGeom prst="rect">
+            <a:avLst/>
+          </a:prstGeom>
+          <a:noFill/>
+          <a:ln>
+            <a:solidFill>
+              <a:schemeClr val="tx1"/>
+            </a:solidFill>
+          </a:ln>
+        </p:spPr>
+        <p:style>
+          <a:lnRef idx="2">
+            <a:schemeClr val="accent1">
+              <a:shade val="50000"/>
+            </a:schemeClr>
+          </a:lnRef>
+          <a:fillRef idx="1">
+            <a:schemeClr val="accent1"/>
+          </a:fillRef>
+          <a:effectRef idx="0">
+            <a:schemeClr val="accent1"/>
+          </a:effectRef>
+          <a:fontRef idx="minor">
+            <a:schemeClr val="lt1"/>
+          </a:fontRef>
+        </p:style>
+        <p:txBody>
+          <a:bodyPr rtlCol="0" anchor="ctr"/>
+          <a:lstStyle/>
+          <a:p>
+            <a:r>
+              <a:rPr lang="en-KR" sz="1400" dirty="0">
+                <a:solidFill>
+                  <a:schemeClr val="tx1"/>
+                </a:solidFill>
+              </a:rPr>
+              <a:t>아브로는 프로토콜 버퍼와 스리프트와 비교해 </a:t>
+            </a:r>
+            <a:r>
+              <a:rPr lang="en-KR" sz="1400" b="1" dirty="0">
+                <a:solidFill>
+                  <a:schemeClr val="tx1"/>
+                </a:solidFill>
+              </a:rPr>
+              <a:t>스키마에 태그 번호를 포함하고 있지 않다</a:t>
+            </a:r>
+            <a:r>
+              <a:rPr lang="en-US" altLang="ko-KR" sz="1400" dirty="0">
+                <a:solidFill>
+                  <a:schemeClr val="tx1"/>
+                </a:solidFill>
+              </a:rPr>
+              <a:t>. </a:t>
+            </a:r>
+            <a:r>
+              <a:rPr lang="ko-KR" altLang="en-US" sz="1400" dirty="0">
+                <a:solidFill>
+                  <a:schemeClr val="tx1"/>
+                </a:solidFill>
+              </a:rPr>
+              <a:t>이는 </a:t>
+            </a:r>
+            <a:r>
+              <a:rPr lang="ko-KR" altLang="en-US" sz="1400" dirty="0" err="1">
+                <a:solidFill>
+                  <a:schemeClr val="tx1"/>
+                </a:solidFill>
+              </a:rPr>
+              <a:t>아브로가</a:t>
+            </a:r>
+            <a:r>
+              <a:rPr lang="ko-KR" altLang="en-US" sz="1400" dirty="0">
+                <a:solidFill>
+                  <a:schemeClr val="tx1"/>
+                </a:solidFill>
+              </a:rPr>
+              <a:t> </a:t>
+            </a:r>
+            <a:r>
+              <a:rPr lang="ko-KR" altLang="en-US" sz="1400" b="1" dirty="0">
+                <a:solidFill>
+                  <a:schemeClr val="tx1"/>
+                </a:solidFill>
+              </a:rPr>
+              <a:t>동적 생성 스키마에 더 </a:t>
+            </a:r>
+            <a:r>
+              <a:rPr lang="ko-KR" altLang="en-US" sz="1400" b="1" dirty="0" err="1">
+                <a:solidFill>
+                  <a:schemeClr val="tx1"/>
+                </a:solidFill>
+              </a:rPr>
+              <a:t>친숙하다는</a:t>
+            </a:r>
+            <a:r>
+              <a:rPr lang="ko-KR" altLang="en-US" sz="1400" b="1" dirty="0">
+                <a:solidFill>
+                  <a:schemeClr val="tx1"/>
+                </a:solidFill>
+              </a:rPr>
+              <a:t> 이유</a:t>
+            </a:r>
+            <a:r>
+              <a:rPr lang="ko-KR" altLang="en-US" sz="1400" dirty="0">
+                <a:solidFill>
+                  <a:schemeClr val="tx1"/>
+                </a:solidFill>
+              </a:rPr>
+              <a:t>임으로 매우 중요하다</a:t>
+            </a:r>
+            <a:r>
+              <a:rPr lang="en-US" altLang="ko-KR" sz="1400" dirty="0">
+                <a:solidFill>
+                  <a:schemeClr val="tx1"/>
+                </a:solidFill>
+              </a:rPr>
+              <a:t>. </a:t>
+            </a:r>
+            <a:r>
+              <a:rPr lang="ko-KR" altLang="en-US" sz="1400" dirty="0">
+                <a:solidFill>
+                  <a:schemeClr val="tx1"/>
+                </a:solidFill>
+              </a:rPr>
+              <a:t>동적 생성 스키마는 </a:t>
+            </a:r>
+            <a:r>
+              <a:rPr lang="ko-KR" altLang="en-US" sz="1400" u="sng" dirty="0">
+                <a:solidFill>
+                  <a:schemeClr val="tx1"/>
+                </a:solidFill>
+              </a:rPr>
+              <a:t>관계형 스키마로부터 스키마를 쉽게 생성</a:t>
+            </a:r>
+            <a:r>
+              <a:rPr lang="ko-KR" altLang="en-US" sz="1400" dirty="0">
+                <a:solidFill>
+                  <a:schemeClr val="tx1"/>
+                </a:solidFill>
+              </a:rPr>
+              <a:t>할 수 있는 것을 뜻하고</a:t>
+            </a:r>
+            <a:r>
+              <a:rPr lang="en-US" altLang="ko-KR" sz="1400" dirty="0">
+                <a:solidFill>
+                  <a:schemeClr val="tx1"/>
+                </a:solidFill>
+              </a:rPr>
+              <a:t>, </a:t>
+            </a:r>
+            <a:r>
+              <a:rPr lang="ko-KR" altLang="en-US" sz="1400" dirty="0">
+                <a:solidFill>
+                  <a:schemeClr val="tx1"/>
+                </a:solidFill>
+              </a:rPr>
+              <a:t>이 스키마를 이용해 내용을 </a:t>
+            </a:r>
+            <a:r>
+              <a:rPr lang="ko-KR" altLang="en-US" sz="1400" dirty="0" err="1">
+                <a:solidFill>
+                  <a:schemeClr val="tx1"/>
+                </a:solidFill>
+              </a:rPr>
+              <a:t>부호화하고</a:t>
+            </a:r>
+            <a:r>
+              <a:rPr lang="en-US" altLang="ko-KR" sz="1400" dirty="0">
+                <a:solidFill>
+                  <a:schemeClr val="tx1"/>
+                </a:solidFill>
+              </a:rPr>
+              <a:t> </a:t>
+            </a:r>
+            <a:r>
+              <a:rPr lang="ko-KR" altLang="en-US" sz="1400" dirty="0" err="1">
+                <a:solidFill>
+                  <a:schemeClr val="tx1"/>
+                </a:solidFill>
+              </a:rPr>
+              <a:t>아브로</a:t>
+            </a:r>
+            <a:r>
+              <a:rPr lang="ko-KR" altLang="en-US" sz="1400" dirty="0">
+                <a:solidFill>
+                  <a:schemeClr val="tx1"/>
+                </a:solidFill>
+              </a:rPr>
+              <a:t> 객체 컨테이너 파일로 모두 </a:t>
+            </a:r>
+            <a:r>
+              <a:rPr lang="ko-KR" altLang="en-US" sz="1400" dirty="0" err="1">
+                <a:solidFill>
+                  <a:schemeClr val="tx1"/>
+                </a:solidFill>
+              </a:rPr>
+              <a:t>덤프할</a:t>
+            </a:r>
+            <a:r>
+              <a:rPr lang="ko-KR" altLang="en-US" sz="1400" dirty="0">
+                <a:solidFill>
+                  <a:schemeClr val="tx1"/>
+                </a:solidFill>
+              </a:rPr>
+              <a:t> 수 있다</a:t>
+            </a:r>
+            <a:r>
+              <a:rPr lang="en-US" altLang="ko-KR" sz="1400" dirty="0">
+                <a:solidFill>
+                  <a:schemeClr val="tx1"/>
+                </a:solidFill>
+              </a:rPr>
+              <a:t>.  </a:t>
+            </a:r>
+          </a:p>
+          <a:p>
+            <a:r>
+              <a:rPr lang="en-US" sz="1400" dirty="0" err="1">
+                <a:solidFill>
+                  <a:schemeClr val="tx1"/>
+                </a:solidFill>
+              </a:rPr>
+              <a:t>따라서</a:t>
+            </a:r>
+            <a:r>
+              <a:rPr lang="en-US" sz="1400" dirty="0">
+                <a:solidFill>
+                  <a:schemeClr val="tx1"/>
+                </a:solidFill>
+              </a:rPr>
+              <a:t> </a:t>
+            </a:r>
+            <a:r>
+              <a:rPr lang="en-US" sz="1400" dirty="0" err="1">
+                <a:solidFill>
+                  <a:schemeClr val="tx1"/>
+                </a:solidFill>
+              </a:rPr>
+              <a:t>데이터베이스</a:t>
+            </a:r>
+            <a:r>
+              <a:rPr lang="en-US" sz="1400" dirty="0">
+                <a:solidFill>
+                  <a:schemeClr val="tx1"/>
+                </a:solidFill>
+              </a:rPr>
+              <a:t> </a:t>
+            </a:r>
+            <a:r>
+              <a:rPr lang="en-US" sz="1400" dirty="0" err="1">
+                <a:solidFill>
+                  <a:schemeClr val="tx1"/>
+                </a:solidFill>
+              </a:rPr>
+              <a:t>스키마가</a:t>
+            </a:r>
+            <a:r>
+              <a:rPr lang="en-US" sz="1400" dirty="0">
+                <a:solidFill>
+                  <a:schemeClr val="tx1"/>
+                </a:solidFill>
+              </a:rPr>
+              <a:t> </a:t>
+            </a:r>
+            <a:r>
+              <a:rPr lang="en-US" sz="1400" dirty="0" err="1">
+                <a:solidFill>
+                  <a:schemeClr val="tx1"/>
+                </a:solidFill>
+              </a:rPr>
+              <a:t>변경되면</a:t>
+            </a:r>
+            <a:r>
+              <a:rPr lang="en-US" sz="1400" dirty="0">
+                <a:solidFill>
+                  <a:schemeClr val="tx1"/>
+                </a:solidFill>
+              </a:rPr>
+              <a:t> </a:t>
+            </a:r>
+            <a:r>
+              <a:rPr lang="en-US" sz="1400" dirty="0" err="1">
+                <a:solidFill>
+                  <a:schemeClr val="tx1"/>
+                </a:solidFill>
+              </a:rPr>
+              <a:t>갱신된</a:t>
+            </a:r>
+            <a:r>
+              <a:rPr lang="en-US" sz="1400" dirty="0">
+                <a:solidFill>
+                  <a:schemeClr val="tx1"/>
+                </a:solidFill>
+              </a:rPr>
+              <a:t> </a:t>
+            </a:r>
+            <a:r>
+              <a:rPr lang="en-US" sz="1400" dirty="0" err="1">
+                <a:solidFill>
+                  <a:schemeClr val="tx1"/>
+                </a:solidFill>
+              </a:rPr>
+              <a:t>데이터베이스</a:t>
+            </a:r>
+            <a:r>
+              <a:rPr lang="en-US" sz="1400" dirty="0">
+                <a:solidFill>
+                  <a:schemeClr val="tx1"/>
+                </a:solidFill>
+              </a:rPr>
+              <a:t> </a:t>
+            </a:r>
+            <a:r>
+              <a:rPr lang="en-US" sz="1400" dirty="0" err="1">
+                <a:solidFill>
+                  <a:schemeClr val="tx1"/>
+                </a:solidFill>
+              </a:rPr>
+              <a:t>스키마로부터</a:t>
+            </a:r>
+            <a:r>
+              <a:rPr lang="en-US" sz="1400" dirty="0">
+                <a:solidFill>
+                  <a:schemeClr val="tx1"/>
+                </a:solidFill>
+              </a:rPr>
+              <a:t> </a:t>
+            </a:r>
+            <a:r>
+              <a:rPr lang="en-US" sz="1400" dirty="0" err="1">
+                <a:solidFill>
+                  <a:schemeClr val="tx1"/>
+                </a:solidFill>
+              </a:rPr>
+              <a:t>새로운</a:t>
+            </a:r>
+            <a:r>
+              <a:rPr lang="en-US" sz="1400" dirty="0">
+                <a:solidFill>
+                  <a:schemeClr val="tx1"/>
+                </a:solidFill>
+              </a:rPr>
+              <a:t> </a:t>
+            </a:r>
+            <a:r>
+              <a:rPr lang="en-US" sz="1400" dirty="0" err="1">
+                <a:solidFill>
+                  <a:schemeClr val="tx1"/>
+                </a:solidFill>
+              </a:rPr>
+              <a:t>아브로</a:t>
+            </a:r>
+            <a:r>
+              <a:rPr lang="en-US" sz="1400" dirty="0">
+                <a:solidFill>
+                  <a:schemeClr val="tx1"/>
+                </a:solidFill>
+              </a:rPr>
+              <a:t> </a:t>
+            </a:r>
+            <a:r>
+              <a:rPr lang="en-US" sz="1400" dirty="0" err="1">
+                <a:solidFill>
+                  <a:schemeClr val="tx1"/>
+                </a:solidFill>
+              </a:rPr>
+              <a:t>스키마를</a:t>
+            </a:r>
+            <a:r>
+              <a:rPr lang="en-US" sz="1400" dirty="0">
+                <a:solidFill>
+                  <a:schemeClr val="tx1"/>
+                </a:solidFill>
+              </a:rPr>
+              <a:t> </a:t>
+            </a:r>
+            <a:r>
+              <a:rPr lang="en-US" sz="1400" dirty="0" err="1">
+                <a:solidFill>
+                  <a:schemeClr val="tx1"/>
+                </a:solidFill>
+              </a:rPr>
+              <a:t>생성하고</a:t>
+            </a:r>
+            <a:r>
+              <a:rPr lang="en-US" sz="1400" dirty="0">
+                <a:solidFill>
+                  <a:schemeClr val="tx1"/>
+                </a:solidFill>
+              </a:rPr>
+              <a:t> </a:t>
+            </a:r>
+            <a:r>
+              <a:rPr lang="en-US" sz="1400" dirty="0" err="1">
+                <a:solidFill>
+                  <a:schemeClr val="tx1"/>
+                </a:solidFill>
+              </a:rPr>
+              <a:t>새로운</a:t>
+            </a:r>
+            <a:r>
+              <a:rPr lang="en-US" sz="1400" dirty="0">
+                <a:solidFill>
+                  <a:schemeClr val="tx1"/>
+                </a:solidFill>
+              </a:rPr>
+              <a:t> </a:t>
+            </a:r>
+            <a:r>
+              <a:rPr lang="en-US" sz="1400" dirty="0" err="1">
+                <a:solidFill>
+                  <a:schemeClr val="tx1"/>
+                </a:solidFill>
+              </a:rPr>
+              <a:t>아브로</a:t>
+            </a:r>
+            <a:r>
+              <a:rPr lang="en-US" sz="1400" dirty="0">
+                <a:solidFill>
+                  <a:schemeClr val="tx1"/>
+                </a:solidFill>
+              </a:rPr>
+              <a:t> </a:t>
+            </a:r>
+            <a:r>
+              <a:rPr lang="en-US" sz="1400" dirty="0" err="1">
+                <a:solidFill>
+                  <a:schemeClr val="tx1"/>
+                </a:solidFill>
+              </a:rPr>
+              <a:t>스키마로</a:t>
+            </a:r>
+            <a:r>
+              <a:rPr lang="en-US" sz="1400" dirty="0">
+                <a:solidFill>
+                  <a:schemeClr val="tx1"/>
+                </a:solidFill>
+              </a:rPr>
+              <a:t> </a:t>
+            </a:r>
+            <a:r>
+              <a:rPr lang="en-US" sz="1400" dirty="0" err="1">
+                <a:solidFill>
+                  <a:schemeClr val="tx1"/>
+                </a:solidFill>
+              </a:rPr>
+              <a:t>데이터를</a:t>
+            </a:r>
+            <a:r>
+              <a:rPr lang="en-US" sz="1400" dirty="0">
+                <a:solidFill>
+                  <a:schemeClr val="tx1"/>
+                </a:solidFill>
+              </a:rPr>
+              <a:t> </a:t>
+            </a:r>
+            <a:r>
+              <a:rPr lang="en-US" sz="1400" dirty="0" err="1">
+                <a:solidFill>
+                  <a:schemeClr val="tx1"/>
+                </a:solidFill>
+              </a:rPr>
+              <a:t>보낸다</a:t>
+            </a:r>
+            <a:r>
+              <a:rPr lang="en-US" altLang="ko-KR" sz="1400" dirty="0">
+                <a:solidFill>
+                  <a:schemeClr val="tx1"/>
+                </a:solidFill>
+              </a:rPr>
+              <a:t>.</a:t>
+            </a:r>
+            <a:endParaRPr lang="en-KR" sz="1400" dirty="0">
+              <a:solidFill>
+                <a:schemeClr val="tx1"/>
+              </a:solidFill>
+            </a:endParaRPr>
+          </a:p>
+        </p:txBody>
+      </p:sp>
+      <p:sp>
+        <p:nvSpPr>
+          <p:cNvPr id="25" name="직사각형 20">
+            <a:extLst>
+              <a:ext uri="{FF2B5EF4-FFF2-40B4-BE49-F238E27FC236}">
+                <a16:creationId xmlns:a16="http://schemas.microsoft.com/office/drawing/2014/main" id="{3B5CE8CE-B2CA-5A4F-88CE-84BA3E585224}"/>
+              </a:ext>
+            </a:extLst>
+          </p:cNvPr>
+          <p:cNvSpPr/>
+          <p:nvPr/>
+        </p:nvSpPr>
+        <p:spPr>
+          <a:xfrm>
+            <a:off x="715653" y="2387936"/>
+            <a:ext cx="4422690" cy="326145"/>
+          </a:xfrm>
+          <a:prstGeom prst="rect">
+            <a:avLst/>
+          </a:prstGeom>
+          <a:noFill/>
+          <a:ln>
+            <a:noFill/>
+          </a:ln>
+        </p:spPr>
+        <p:style>
+          <a:lnRef idx="2">
+            <a:schemeClr val="accent6">
+              <a:shade val="50000"/>
+            </a:schemeClr>
+          </a:lnRef>
+          <a:fillRef idx="1">
+            <a:schemeClr val="accent6"/>
+          </a:fillRef>
+          <a:effectRef idx="0">
+            <a:schemeClr val="accent6"/>
+          </a:effectRef>
+          <a:fontRef idx="minor">
+            <a:schemeClr val="lt1"/>
+          </a:fontRef>
+        </p:style>
+        <p:txBody>
+          <a:bodyPr rtlCol="0" anchor="ctr"/>
+          <a:lstStyle/>
+          <a:p>
+            <a:r>
+              <a:rPr kumimoji="1" lang="ko-KR" altLang="en-US" b="1" dirty="0">
+                <a:solidFill>
+                  <a:srgbClr val="00B050"/>
+                </a:solidFill>
+              </a:rPr>
+              <a:t>데이터베이스 스키마 변경 시</a:t>
+            </a:r>
+            <a:endParaRPr kumimoji="1" lang="ko-Kore-KR" altLang="en-US" b="1" dirty="0">
+              <a:solidFill>
+                <a:srgbClr val="00B050"/>
+              </a:solidFill>
+            </a:endParaRPr>
+          </a:p>
+        </p:txBody>
+      </p:sp>
+      <p:sp>
+        <p:nvSpPr>
+          <p:cNvPr id="27" name="Rectangle 26">
+            <a:extLst>
+              <a:ext uri="{FF2B5EF4-FFF2-40B4-BE49-F238E27FC236}">
+                <a16:creationId xmlns:a16="http://schemas.microsoft.com/office/drawing/2014/main" id="{93CD24FF-3488-C34F-9294-7FDDA98E0B54}"/>
+              </a:ext>
+            </a:extLst>
+          </p:cNvPr>
+          <p:cNvSpPr/>
+          <p:nvPr/>
+        </p:nvSpPr>
+        <p:spPr>
+          <a:xfrm>
+            <a:off x="715653" y="2726576"/>
+            <a:ext cx="1673217" cy="782434"/>
+          </a:xfrm>
+          <a:prstGeom prst="rect">
+            <a:avLst/>
+          </a:prstGeom>
+          <a:noFill/>
+          <a:ln>
+            <a:solidFill>
+              <a:schemeClr val="tx1"/>
+            </a:solidFill>
+          </a:ln>
+        </p:spPr>
+        <p:style>
+          <a:lnRef idx="2">
+            <a:schemeClr val="accent1">
+              <a:shade val="50000"/>
+            </a:schemeClr>
+          </a:lnRef>
+          <a:fillRef idx="1">
+            <a:schemeClr val="accent1"/>
+          </a:fillRef>
+          <a:effectRef idx="0">
+            <a:schemeClr val="accent1"/>
+          </a:effectRef>
+          <a:fontRef idx="minor">
+            <a:schemeClr val="lt1"/>
+          </a:fontRef>
+        </p:style>
+        <p:txBody>
+          <a:bodyPr rtlCol="0" anchor="ctr"/>
+          <a:lstStyle/>
+          <a:p>
+            <a:pPr algn="ctr"/>
+            <a:r>
+              <a:rPr lang="ko-KR" altLang="en-US" sz="1400" dirty="0">
+                <a:solidFill>
+                  <a:schemeClr val="tx1"/>
+                </a:solidFill>
+              </a:rPr>
+              <a:t>갱신된 데이터베이스 스키마</a:t>
+            </a:r>
+            <a:endParaRPr lang="en-US" altLang="ko-KR" sz="1400" dirty="0">
+              <a:solidFill>
+                <a:schemeClr val="tx1"/>
+              </a:solidFill>
+            </a:endParaRPr>
+          </a:p>
+        </p:txBody>
+      </p:sp>
+      <p:sp>
+        <p:nvSpPr>
+          <p:cNvPr id="28" name="Rectangle 27">
+            <a:extLst>
+              <a:ext uri="{FF2B5EF4-FFF2-40B4-BE49-F238E27FC236}">
+                <a16:creationId xmlns:a16="http://schemas.microsoft.com/office/drawing/2014/main" id="{00A907BA-3B0E-4C4F-B997-4CEA340F35DF}"/>
+              </a:ext>
+            </a:extLst>
+          </p:cNvPr>
+          <p:cNvSpPr/>
+          <p:nvPr/>
+        </p:nvSpPr>
+        <p:spPr>
+          <a:xfrm>
+            <a:off x="3943977" y="2726576"/>
+            <a:ext cx="2404737" cy="456175"/>
+          </a:xfrm>
+          <a:prstGeom prst="rect">
+            <a:avLst/>
+          </a:prstGeom>
+          <a:noFill/>
+          <a:ln>
+            <a:solidFill>
+              <a:schemeClr val="tx1"/>
+            </a:solidFill>
+          </a:ln>
+        </p:spPr>
+        <p:style>
+          <a:lnRef idx="2">
+            <a:schemeClr val="accent1">
+              <a:shade val="50000"/>
+            </a:schemeClr>
+          </a:lnRef>
+          <a:fillRef idx="1">
+            <a:schemeClr val="accent1"/>
+          </a:fillRef>
+          <a:effectRef idx="0">
+            <a:schemeClr val="accent1"/>
+          </a:effectRef>
+          <a:fontRef idx="minor">
+            <a:schemeClr val="lt1"/>
+          </a:fontRef>
+        </p:style>
+        <p:txBody>
+          <a:bodyPr rtlCol="0" anchor="ctr"/>
+          <a:lstStyle/>
+          <a:p>
+            <a:pPr algn="ctr"/>
+            <a:r>
+              <a:rPr lang="ko-KR" altLang="en-US" sz="1400" dirty="0">
+                <a:solidFill>
+                  <a:schemeClr val="tx1"/>
+                </a:solidFill>
+              </a:rPr>
+              <a:t>새로운 </a:t>
+            </a:r>
+            <a:r>
+              <a:rPr lang="ko-KR" altLang="en-US" sz="1400" dirty="0" err="1">
+                <a:solidFill>
+                  <a:schemeClr val="tx1"/>
+                </a:solidFill>
+              </a:rPr>
+              <a:t>아브로</a:t>
+            </a:r>
+            <a:r>
+              <a:rPr lang="ko-KR" altLang="en-US" sz="1400" dirty="0">
+                <a:solidFill>
+                  <a:schemeClr val="tx1"/>
+                </a:solidFill>
+              </a:rPr>
+              <a:t> 스키마 생성</a:t>
+            </a:r>
+            <a:endParaRPr lang="en-US" altLang="ko-KR" sz="1400" dirty="0">
+              <a:solidFill>
+                <a:schemeClr val="tx1"/>
+              </a:solidFill>
+            </a:endParaRPr>
+          </a:p>
+        </p:txBody>
+      </p:sp>
+      <p:pic>
+        <p:nvPicPr>
+          <p:cNvPr id="29" name="Picture 28" descr="A close up of a sign&#10;&#10;Description automatically generated">
+            <a:extLst>
+              <a:ext uri="{FF2B5EF4-FFF2-40B4-BE49-F238E27FC236}">
+                <a16:creationId xmlns:a16="http://schemas.microsoft.com/office/drawing/2014/main" id="{6F83A094-3C82-1D45-AACF-8195AFBD32C8}"/>
+              </a:ext>
+            </a:extLst>
+          </p:cNvPr>
+          <p:cNvPicPr>
+            <a:picLocks noChangeAspect="1"/>
+          </p:cNvPicPr>
+          <p:nvPr/>
+        </p:nvPicPr>
+        <p:blipFill>
+          <a:blip r:embed="rId3"/>
+          <a:stretch>
+            <a:fillRect/>
+          </a:stretch>
+        </p:blipFill>
+        <p:spPr>
+          <a:xfrm>
+            <a:off x="3279928" y="2754619"/>
+            <a:ext cx="499110" cy="499110"/>
+          </a:xfrm>
+          <a:prstGeom prst="rect">
+            <a:avLst/>
+          </a:prstGeom>
+        </p:spPr>
+      </p:pic>
+      <p:sp>
+        <p:nvSpPr>
+          <p:cNvPr id="30" name="Rectangle 29">
+            <a:extLst>
+              <a:ext uri="{FF2B5EF4-FFF2-40B4-BE49-F238E27FC236}">
+                <a16:creationId xmlns:a16="http://schemas.microsoft.com/office/drawing/2014/main" id="{A3C52EAF-26F6-A644-8D56-896497D28EC7}"/>
+              </a:ext>
+            </a:extLst>
+          </p:cNvPr>
+          <p:cNvSpPr/>
+          <p:nvPr/>
+        </p:nvSpPr>
+        <p:spPr>
+          <a:xfrm>
+            <a:off x="3943976" y="3692363"/>
+            <a:ext cx="2404737" cy="456175"/>
+          </a:xfrm>
+          <a:prstGeom prst="rect">
+            <a:avLst/>
+          </a:prstGeom>
+          <a:noFill/>
+          <a:ln>
+            <a:solidFill>
+              <a:schemeClr val="tx1"/>
+            </a:solidFill>
+          </a:ln>
+        </p:spPr>
+        <p:style>
+          <a:lnRef idx="2">
+            <a:schemeClr val="accent1">
+              <a:shade val="50000"/>
+            </a:schemeClr>
+          </a:lnRef>
+          <a:fillRef idx="1">
+            <a:schemeClr val="accent1"/>
+          </a:fillRef>
+          <a:effectRef idx="0">
+            <a:schemeClr val="accent1"/>
+          </a:effectRef>
+          <a:fontRef idx="minor">
+            <a:schemeClr val="lt1"/>
+          </a:fontRef>
+        </p:style>
+        <p:txBody>
+          <a:bodyPr rtlCol="0" anchor="ctr"/>
+          <a:lstStyle/>
+          <a:p>
+            <a:pPr algn="ctr"/>
+            <a:r>
+              <a:rPr lang="ko-KR" altLang="en-US" sz="1400" dirty="0">
+                <a:solidFill>
+                  <a:schemeClr val="tx1"/>
+                </a:solidFill>
+              </a:rPr>
+              <a:t>데이터</a:t>
+            </a:r>
+            <a:endParaRPr lang="en-US" altLang="ko-KR" sz="1400" dirty="0">
+              <a:solidFill>
+                <a:schemeClr val="tx1"/>
+              </a:solidFill>
+            </a:endParaRPr>
+          </a:p>
+        </p:txBody>
+      </p:sp>
+      <p:cxnSp>
+        <p:nvCxnSpPr>
+          <p:cNvPr id="7" name="Straight Arrow Connector 6">
+            <a:extLst>
+              <a:ext uri="{FF2B5EF4-FFF2-40B4-BE49-F238E27FC236}">
+                <a16:creationId xmlns:a16="http://schemas.microsoft.com/office/drawing/2014/main" id="{8157598A-8B8B-0B48-9B50-D4C515657792}"/>
+              </a:ext>
+            </a:extLst>
+          </p:cNvPr>
+          <p:cNvCxnSpPr>
+            <a:cxnSpLocks/>
+            <a:stCxn id="28" idx="2"/>
+            <a:endCxn id="30" idx="0"/>
+          </p:cNvCxnSpPr>
+          <p:nvPr/>
+        </p:nvCxnSpPr>
+        <p:spPr>
+          <a:xfrm flipH="1">
+            <a:off x="5146345" y="3182751"/>
+            <a:ext cx="1" cy="509612"/>
+          </a:xfrm>
+          <a:prstGeom prst="straightConnector1">
+            <a:avLst/>
+          </a:prstGeom>
+          <a:ln>
+            <a:tailEnd type="triangle"/>
+          </a:ln>
+        </p:spPr>
+        <p:style>
+          <a:lnRef idx="1">
+            <a:schemeClr val="dk1"/>
+          </a:lnRef>
+          <a:fillRef idx="0">
+            <a:schemeClr val="dk1"/>
+          </a:fillRef>
+          <a:effectRef idx="0">
+            <a:schemeClr val="dk1"/>
+          </a:effectRef>
+          <a:fontRef idx="minor">
+            <a:schemeClr val="tx1"/>
+          </a:fontRef>
+        </p:style>
+      </p:cxnSp>
+      <p:sp>
+        <p:nvSpPr>
+          <p:cNvPr id="36" name="직사각형 20">
+            <a:extLst>
+              <a:ext uri="{FF2B5EF4-FFF2-40B4-BE49-F238E27FC236}">
+                <a16:creationId xmlns:a16="http://schemas.microsoft.com/office/drawing/2014/main" id="{386C18F4-F633-814A-9C47-9FB9644C36A2}"/>
+              </a:ext>
+            </a:extLst>
+          </p:cNvPr>
+          <p:cNvSpPr/>
+          <p:nvPr/>
+        </p:nvSpPr>
+        <p:spPr>
+          <a:xfrm>
+            <a:off x="6407749" y="2852204"/>
+            <a:ext cx="3697627" cy="813297"/>
+          </a:xfrm>
+          <a:prstGeom prst="rect">
+            <a:avLst/>
+          </a:prstGeom>
+          <a:noFill/>
+          <a:ln>
+            <a:noFill/>
+          </a:ln>
+        </p:spPr>
+        <p:style>
+          <a:lnRef idx="2">
+            <a:schemeClr val="accent6">
+              <a:shade val="50000"/>
+            </a:schemeClr>
+          </a:lnRef>
+          <a:fillRef idx="1">
+            <a:schemeClr val="accent6"/>
+          </a:fillRef>
+          <a:effectRef idx="0">
+            <a:schemeClr val="accent6"/>
+          </a:effectRef>
+          <a:fontRef idx="minor">
+            <a:schemeClr val="lt1"/>
+          </a:fontRef>
+        </p:style>
+        <p:txBody>
+          <a:bodyPr rtlCol="0" anchor="ctr"/>
+          <a:lstStyle/>
+          <a:p>
+            <a:r>
+              <a:rPr kumimoji="1" lang="ko-KR" altLang="en-US" sz="1400" dirty="0">
+                <a:solidFill>
+                  <a:schemeClr val="tx1"/>
+                </a:solidFill>
+              </a:rPr>
+              <a:t>새로운 </a:t>
+            </a:r>
+            <a:r>
+              <a:rPr kumimoji="1" lang="ko-KR" altLang="en-US" sz="1400" dirty="0" err="1">
+                <a:solidFill>
+                  <a:schemeClr val="tx1"/>
+                </a:solidFill>
+              </a:rPr>
+              <a:t>아브로</a:t>
+            </a:r>
+            <a:r>
+              <a:rPr kumimoji="1" lang="ko-KR" altLang="en-US" sz="1400" dirty="0">
+                <a:solidFill>
+                  <a:schemeClr val="tx1"/>
+                </a:solidFill>
+              </a:rPr>
+              <a:t> 스키마로 데이터를 내보냄</a:t>
+            </a:r>
+            <a:endParaRPr kumimoji="1" lang="en-US" altLang="ko-KR" sz="1400" dirty="0">
+              <a:solidFill>
+                <a:schemeClr val="tx1"/>
+              </a:solidFill>
+            </a:endParaRPr>
+          </a:p>
+          <a:p>
+            <a:r>
+              <a:rPr kumimoji="1" lang="en-US" altLang="en-US" sz="1400" dirty="0" err="1">
+                <a:solidFill>
+                  <a:schemeClr val="tx1"/>
+                </a:solidFill>
+              </a:rPr>
+              <a:t>즉</a:t>
+            </a:r>
+            <a:r>
+              <a:rPr kumimoji="1" lang="en-US" altLang="ko-KR" sz="1400" dirty="0">
+                <a:solidFill>
+                  <a:schemeClr val="tx1"/>
+                </a:solidFill>
+              </a:rPr>
+              <a:t>, </a:t>
+            </a:r>
+            <a:r>
+              <a:rPr kumimoji="1" lang="ko-KR" altLang="en-US" sz="1400" dirty="0">
+                <a:solidFill>
+                  <a:schemeClr val="tx1"/>
+                </a:solidFill>
+              </a:rPr>
+              <a:t>데이터를 내보내는 과정은 스키마 변경에 신경 쓸 필요 </a:t>
+            </a:r>
+            <a:r>
+              <a:rPr kumimoji="1" lang="en-US" altLang="ko-KR" sz="1400" dirty="0">
+                <a:solidFill>
+                  <a:schemeClr val="tx1"/>
+                </a:solidFill>
+              </a:rPr>
+              <a:t>X</a:t>
+            </a:r>
+            <a:endParaRPr kumimoji="1" lang="ko-Kore-KR" altLang="en-US" sz="1400" dirty="0">
+              <a:solidFill>
+                <a:schemeClr val="tx1"/>
+              </a:solidFill>
+            </a:endParaRPr>
+          </a:p>
+        </p:txBody>
+      </p:sp>
+      <p:sp>
+        <p:nvSpPr>
+          <p:cNvPr id="37" name="Rectangle 36">
+            <a:extLst>
+              <a:ext uri="{FF2B5EF4-FFF2-40B4-BE49-F238E27FC236}">
+                <a16:creationId xmlns:a16="http://schemas.microsoft.com/office/drawing/2014/main" id="{8536B93B-C46B-4048-A73A-4E60AE16E084}"/>
+              </a:ext>
+            </a:extLst>
+          </p:cNvPr>
+          <p:cNvSpPr/>
+          <p:nvPr/>
+        </p:nvSpPr>
+        <p:spPr>
+          <a:xfrm>
+            <a:off x="715653" y="4491990"/>
+            <a:ext cx="1673217" cy="576711"/>
+          </a:xfrm>
+          <a:prstGeom prst="rect">
+            <a:avLst/>
+          </a:prstGeom>
+          <a:noFill/>
+          <a:ln>
+            <a:solidFill>
+              <a:schemeClr val="tx1"/>
+            </a:solidFill>
+          </a:ln>
+        </p:spPr>
+        <p:style>
+          <a:lnRef idx="2">
+            <a:schemeClr val="accent1">
+              <a:shade val="50000"/>
+            </a:schemeClr>
+          </a:lnRef>
+          <a:fillRef idx="1">
+            <a:schemeClr val="accent1"/>
+          </a:fillRef>
+          <a:effectRef idx="0">
+            <a:schemeClr val="accent1"/>
+          </a:effectRef>
+          <a:fontRef idx="minor">
+            <a:schemeClr val="lt1"/>
+          </a:fontRef>
+        </p:style>
+        <p:txBody>
+          <a:bodyPr rtlCol="0" anchor="ctr"/>
+          <a:lstStyle/>
+          <a:p>
+            <a:pPr algn="ctr"/>
+            <a:r>
+              <a:rPr lang="ko-KR" altLang="en-US" sz="1400" dirty="0">
+                <a:solidFill>
+                  <a:schemeClr val="tx1"/>
+                </a:solidFill>
+              </a:rPr>
+              <a:t>새로운 데이터 파일을 읽는 사람</a:t>
+            </a:r>
+            <a:endParaRPr lang="en-US" altLang="ko-KR" sz="1400" dirty="0">
+              <a:solidFill>
+                <a:schemeClr val="tx1"/>
+              </a:solidFill>
+            </a:endParaRPr>
+          </a:p>
+        </p:txBody>
+      </p:sp>
+      <p:sp>
+        <p:nvSpPr>
+          <p:cNvPr id="42" name="Rectangle 41">
+            <a:extLst>
+              <a:ext uri="{FF2B5EF4-FFF2-40B4-BE49-F238E27FC236}">
+                <a16:creationId xmlns:a16="http://schemas.microsoft.com/office/drawing/2014/main" id="{FBAD56F8-DBC2-B74D-8582-04E2614AA893}"/>
+              </a:ext>
+            </a:extLst>
+          </p:cNvPr>
+          <p:cNvSpPr/>
+          <p:nvPr/>
+        </p:nvSpPr>
+        <p:spPr>
+          <a:xfrm>
+            <a:off x="3943976" y="4606211"/>
+            <a:ext cx="2404737" cy="456175"/>
+          </a:xfrm>
+          <a:prstGeom prst="rect">
+            <a:avLst/>
+          </a:prstGeom>
+          <a:noFill/>
+          <a:ln>
+            <a:solidFill>
+              <a:schemeClr val="tx1"/>
+            </a:solidFill>
+          </a:ln>
+        </p:spPr>
+        <p:style>
+          <a:lnRef idx="2">
+            <a:schemeClr val="accent1">
+              <a:shade val="50000"/>
+            </a:schemeClr>
+          </a:lnRef>
+          <a:fillRef idx="1">
+            <a:schemeClr val="accent1"/>
+          </a:fillRef>
+          <a:effectRef idx="0">
+            <a:schemeClr val="accent1"/>
+          </a:effectRef>
+          <a:fontRef idx="minor">
+            <a:schemeClr val="lt1"/>
+          </a:fontRef>
+        </p:style>
+        <p:txBody>
+          <a:bodyPr rtlCol="0" anchor="ctr"/>
+          <a:lstStyle/>
+          <a:p>
+            <a:pPr algn="ctr"/>
+            <a:r>
+              <a:rPr lang="ko-KR" altLang="en-US" sz="1400" dirty="0">
+                <a:solidFill>
+                  <a:schemeClr val="tx1"/>
+                </a:solidFill>
+              </a:rPr>
+              <a:t>갱신된 쓰기 스키마</a:t>
+            </a:r>
+            <a:endParaRPr lang="en-US" altLang="ko-KR" sz="1400" dirty="0">
+              <a:solidFill>
+                <a:schemeClr val="tx1"/>
+              </a:solidFill>
+            </a:endParaRPr>
+          </a:p>
+        </p:txBody>
+      </p:sp>
+      <p:sp>
+        <p:nvSpPr>
+          <p:cNvPr id="43" name="Rectangle 42">
+            <a:extLst>
+              <a:ext uri="{FF2B5EF4-FFF2-40B4-BE49-F238E27FC236}">
+                <a16:creationId xmlns:a16="http://schemas.microsoft.com/office/drawing/2014/main" id="{0878ADE6-B254-8440-B71C-8AB7C80571E9}"/>
+              </a:ext>
+            </a:extLst>
+          </p:cNvPr>
+          <p:cNvSpPr/>
+          <p:nvPr/>
+        </p:nvSpPr>
+        <p:spPr>
+          <a:xfrm>
+            <a:off x="715653" y="5554901"/>
+            <a:ext cx="1673217" cy="456175"/>
+          </a:xfrm>
+          <a:prstGeom prst="rect">
+            <a:avLst/>
+          </a:prstGeom>
+          <a:noFill/>
+          <a:ln>
+            <a:solidFill>
+              <a:schemeClr val="tx1"/>
+            </a:solidFill>
+          </a:ln>
+        </p:spPr>
+        <p:style>
+          <a:lnRef idx="2">
+            <a:schemeClr val="accent1">
+              <a:shade val="50000"/>
+            </a:schemeClr>
+          </a:lnRef>
+          <a:fillRef idx="1">
+            <a:schemeClr val="accent1"/>
+          </a:fillRef>
+          <a:effectRef idx="0">
+            <a:schemeClr val="accent1"/>
+          </a:effectRef>
+          <a:fontRef idx="minor">
+            <a:schemeClr val="lt1"/>
+          </a:fontRef>
+        </p:style>
+        <p:txBody>
+          <a:bodyPr rtlCol="0" anchor="ctr"/>
+          <a:lstStyle/>
+          <a:p>
+            <a:pPr algn="ctr"/>
+            <a:r>
+              <a:rPr lang="ko-KR" altLang="en-US" sz="1400" dirty="0">
+                <a:solidFill>
+                  <a:schemeClr val="tx1"/>
+                </a:solidFill>
+              </a:rPr>
+              <a:t>이전 읽기 스키마</a:t>
+            </a:r>
+            <a:endParaRPr lang="en-US" altLang="ko-KR" sz="1400" dirty="0">
+              <a:solidFill>
+                <a:schemeClr val="tx1"/>
+              </a:solidFill>
+            </a:endParaRPr>
+          </a:p>
+        </p:txBody>
+      </p:sp>
+      <p:cxnSp>
+        <p:nvCxnSpPr>
+          <p:cNvPr id="13" name="Straight Connector 12">
+            <a:extLst>
+              <a:ext uri="{FF2B5EF4-FFF2-40B4-BE49-F238E27FC236}">
+                <a16:creationId xmlns:a16="http://schemas.microsoft.com/office/drawing/2014/main" id="{03ED5869-554A-3D48-BBA2-09E12670703A}"/>
+              </a:ext>
+            </a:extLst>
+          </p:cNvPr>
+          <p:cNvCxnSpPr>
+            <a:cxnSpLocks/>
+            <a:stCxn id="37" idx="2"/>
+            <a:endCxn id="43" idx="0"/>
+          </p:cNvCxnSpPr>
+          <p:nvPr/>
+        </p:nvCxnSpPr>
+        <p:spPr>
+          <a:xfrm>
+            <a:off x="1552262" y="5068701"/>
+            <a:ext cx="0" cy="486200"/>
+          </a:xfrm>
+          <a:prstGeom prst="line">
+            <a:avLst/>
+          </a:prstGeom>
+          <a:ln>
+            <a:prstDash val="dash"/>
+          </a:ln>
+        </p:spPr>
+        <p:style>
+          <a:lnRef idx="1">
+            <a:schemeClr val="dk1"/>
+          </a:lnRef>
+          <a:fillRef idx="0">
+            <a:schemeClr val="dk1"/>
+          </a:fillRef>
+          <a:effectRef idx="0">
+            <a:schemeClr val="dk1"/>
+          </a:effectRef>
+          <a:fontRef idx="minor">
+            <a:schemeClr val="tx1"/>
+          </a:fontRef>
+        </p:style>
+      </p:cxnSp>
+      <p:cxnSp>
+        <p:nvCxnSpPr>
+          <p:cNvPr id="15" name="Straight Connector 14">
+            <a:extLst>
+              <a:ext uri="{FF2B5EF4-FFF2-40B4-BE49-F238E27FC236}">
+                <a16:creationId xmlns:a16="http://schemas.microsoft.com/office/drawing/2014/main" id="{3991BBF3-EC9D-094E-9FF1-F67F8EB7BC27}"/>
+              </a:ext>
+            </a:extLst>
+          </p:cNvPr>
+          <p:cNvCxnSpPr>
+            <a:cxnSpLocks/>
+            <a:stCxn id="37" idx="3"/>
+          </p:cNvCxnSpPr>
+          <p:nvPr/>
+        </p:nvCxnSpPr>
+        <p:spPr>
+          <a:xfrm flipV="1">
+            <a:off x="2388870" y="4780345"/>
+            <a:ext cx="1555106" cy="1"/>
+          </a:xfrm>
+          <a:prstGeom prst="line">
+            <a:avLst/>
+          </a:prstGeom>
+          <a:ln>
+            <a:prstDash val="dash"/>
+          </a:ln>
+        </p:spPr>
+        <p:style>
+          <a:lnRef idx="1">
+            <a:schemeClr val="dk1"/>
+          </a:lnRef>
+          <a:fillRef idx="0">
+            <a:schemeClr val="dk1"/>
+          </a:fillRef>
+          <a:effectRef idx="0">
+            <a:schemeClr val="dk1"/>
+          </a:effectRef>
+          <a:fontRef idx="minor">
+            <a:schemeClr val="tx1"/>
+          </a:fontRef>
+        </p:style>
+      </p:cxnSp>
+      <p:sp>
+        <p:nvSpPr>
+          <p:cNvPr id="23" name="직사각형 20">
+            <a:extLst>
+              <a:ext uri="{FF2B5EF4-FFF2-40B4-BE49-F238E27FC236}">
+                <a16:creationId xmlns:a16="http://schemas.microsoft.com/office/drawing/2014/main" id="{518A0BE5-B684-B24A-ADB1-D768E88BC818}"/>
+              </a:ext>
+            </a:extLst>
+          </p:cNvPr>
+          <p:cNvSpPr/>
+          <p:nvPr/>
+        </p:nvSpPr>
+        <p:spPr>
+          <a:xfrm>
+            <a:off x="2580703" y="2724577"/>
+            <a:ext cx="657792" cy="2888986"/>
+          </a:xfrm>
+          <a:prstGeom prst="rect">
+            <a:avLst/>
+          </a:prstGeom>
+          <a:solidFill>
+            <a:schemeClr val="bg1"/>
+          </a:solidFill>
+          <a:ln>
+            <a:noFill/>
+          </a:ln>
+        </p:spPr>
+        <p:style>
+          <a:lnRef idx="2">
+            <a:schemeClr val="accent6">
+              <a:shade val="50000"/>
+            </a:schemeClr>
+          </a:lnRef>
+          <a:fillRef idx="1">
+            <a:schemeClr val="accent6"/>
+          </a:fillRef>
+          <a:effectRef idx="0">
+            <a:schemeClr val="accent6"/>
+          </a:effectRef>
+          <a:fontRef idx="minor">
+            <a:schemeClr val="lt1"/>
+          </a:fontRef>
+        </p:style>
+        <p:txBody>
+          <a:bodyPr vert="wordArtVert" rtlCol="0" anchor="ctr"/>
+          <a:lstStyle/>
+          <a:p>
+            <a:pPr algn="ctr"/>
+            <a:r>
+              <a:rPr kumimoji="1" lang="ko-KR" altLang="en-US" dirty="0">
+                <a:solidFill>
+                  <a:schemeClr val="tx1"/>
+                </a:solidFill>
+              </a:rPr>
+              <a:t>동적생성스키마</a:t>
+            </a:r>
+            <a:endParaRPr kumimoji="1" lang="ko-Kore-KR" altLang="en-US" dirty="0">
+              <a:solidFill>
+                <a:schemeClr val="tx1"/>
+              </a:solidFill>
+            </a:endParaRPr>
+          </a:p>
+        </p:txBody>
+      </p:sp>
+      <p:cxnSp>
+        <p:nvCxnSpPr>
+          <p:cNvPr id="18" name="Elbow Connector 17">
+            <a:extLst>
+              <a:ext uri="{FF2B5EF4-FFF2-40B4-BE49-F238E27FC236}">
+                <a16:creationId xmlns:a16="http://schemas.microsoft.com/office/drawing/2014/main" id="{BB5EAF15-0F90-F540-A82E-06A70DF76617}"/>
+              </a:ext>
+            </a:extLst>
+          </p:cNvPr>
+          <p:cNvCxnSpPr>
+            <a:cxnSpLocks/>
+            <a:stCxn id="43" idx="3"/>
+            <a:endCxn id="42" idx="2"/>
+          </p:cNvCxnSpPr>
+          <p:nvPr/>
+        </p:nvCxnSpPr>
+        <p:spPr>
+          <a:xfrm flipV="1">
+            <a:off x="2388870" y="5062386"/>
+            <a:ext cx="2757475" cy="720603"/>
+          </a:xfrm>
+          <a:prstGeom prst="bentConnector2">
+            <a:avLst/>
+          </a:prstGeom>
+        </p:spPr>
+        <p:style>
+          <a:lnRef idx="1">
+            <a:schemeClr val="dk1"/>
+          </a:lnRef>
+          <a:fillRef idx="0">
+            <a:schemeClr val="dk1"/>
+          </a:fillRef>
+          <a:effectRef idx="0">
+            <a:schemeClr val="dk1"/>
+          </a:effectRef>
+          <a:fontRef idx="minor">
+            <a:schemeClr val="tx1"/>
+          </a:fontRef>
+        </p:style>
+      </p:cxnSp>
+      <p:sp>
+        <p:nvSpPr>
+          <p:cNvPr id="51" name="직사각형 20">
+            <a:extLst>
+              <a:ext uri="{FF2B5EF4-FFF2-40B4-BE49-F238E27FC236}">
+                <a16:creationId xmlns:a16="http://schemas.microsoft.com/office/drawing/2014/main" id="{59721E97-30E1-B646-8460-D8D8AD40C602}"/>
+              </a:ext>
+            </a:extLst>
+          </p:cNvPr>
+          <p:cNvSpPr/>
+          <p:nvPr/>
+        </p:nvSpPr>
+        <p:spPr>
+          <a:xfrm>
+            <a:off x="3460111" y="5342297"/>
+            <a:ext cx="3697627" cy="1029612"/>
+          </a:xfrm>
+          <a:prstGeom prst="rect">
+            <a:avLst/>
+          </a:prstGeom>
+          <a:solidFill>
+            <a:schemeClr val="bg1"/>
+          </a:solidFill>
+          <a:ln>
+            <a:noFill/>
+          </a:ln>
+        </p:spPr>
+        <p:style>
+          <a:lnRef idx="2">
+            <a:schemeClr val="accent6">
+              <a:shade val="50000"/>
+            </a:schemeClr>
+          </a:lnRef>
+          <a:fillRef idx="1">
+            <a:schemeClr val="accent6"/>
+          </a:fillRef>
+          <a:effectRef idx="0">
+            <a:schemeClr val="accent6"/>
+          </a:effectRef>
+          <a:fontRef idx="minor">
+            <a:schemeClr val="lt1"/>
+          </a:fontRef>
+        </p:style>
+        <p:txBody>
+          <a:bodyPr rtlCol="0" anchor="ctr"/>
+          <a:lstStyle/>
+          <a:p>
+            <a:r>
+              <a:rPr kumimoji="1" lang="ko-KR" altLang="en-US" sz="1400" dirty="0">
+                <a:solidFill>
+                  <a:schemeClr val="tx1"/>
+                </a:solidFill>
+              </a:rPr>
+              <a:t>레코드 필드는 변경되었으나 필드는 이름으로 식별되기 때문에 갱신된 쓰기 스키마는 여전히 이전 읽기 스키마와 매치 가능</a:t>
+            </a:r>
+            <a:endParaRPr kumimoji="1" lang="ko-Kore-KR" altLang="en-US" sz="1400" dirty="0">
+              <a:solidFill>
+                <a:schemeClr val="tx1"/>
+              </a:solidFill>
+            </a:endParaRPr>
+          </a:p>
+        </p:txBody>
+      </p:sp>
+      <p:sp>
+        <p:nvSpPr>
+          <p:cNvPr id="59" name="Rectangle 58">
+            <a:extLst>
+              <a:ext uri="{FF2B5EF4-FFF2-40B4-BE49-F238E27FC236}">
+                <a16:creationId xmlns:a16="http://schemas.microsoft.com/office/drawing/2014/main" id="{0DE7BF46-F634-8D4E-A630-FB0F892B53E5}"/>
+              </a:ext>
+            </a:extLst>
+          </p:cNvPr>
+          <p:cNvSpPr/>
+          <p:nvPr/>
+        </p:nvSpPr>
+        <p:spPr>
+          <a:xfrm>
+            <a:off x="7054194" y="3681406"/>
+            <a:ext cx="4726174" cy="3075499"/>
+          </a:xfrm>
+          <a:prstGeom prst="rect">
+            <a:avLst/>
+          </a:prstGeom>
+          <a:noFill/>
+          <a:ln>
+            <a:solidFill>
+              <a:schemeClr val="tx1"/>
+            </a:solidFill>
+          </a:ln>
+        </p:spPr>
+        <p:style>
+          <a:lnRef idx="2">
+            <a:schemeClr val="accent1">
+              <a:shade val="50000"/>
+            </a:schemeClr>
+          </a:lnRef>
+          <a:fillRef idx="1">
+            <a:schemeClr val="accent1"/>
+          </a:fillRef>
+          <a:effectRef idx="0">
+            <a:schemeClr val="accent1"/>
+          </a:effectRef>
+          <a:fontRef idx="minor">
+            <a:schemeClr val="lt1"/>
+          </a:fontRef>
+        </p:style>
+        <p:txBody>
+          <a:bodyPr rtlCol="0" anchor="ctr"/>
+          <a:lstStyle/>
+          <a:p>
+            <a:pPr marL="285750" indent="-285750">
+              <a:buFont typeface="Arial" panose="020B0604020202020204" pitchFamily="34" charset="0"/>
+              <a:buChar char="•"/>
+            </a:pPr>
+            <a:r>
+              <a:rPr lang="ko-KR" altLang="en-US" sz="1400" dirty="0" err="1">
+                <a:solidFill>
+                  <a:schemeClr val="tx1"/>
+                </a:solidFill>
+              </a:rPr>
+              <a:t>스리프트나</a:t>
+            </a:r>
+            <a:r>
+              <a:rPr lang="ko-KR" altLang="en-US" sz="1400" dirty="0">
+                <a:solidFill>
+                  <a:schemeClr val="tx1"/>
+                </a:solidFill>
+              </a:rPr>
+              <a:t> 프로토콜 버퍼는 필드 태그를 수동으로 할당해야만 함</a:t>
+            </a:r>
+            <a:endParaRPr lang="en-US" altLang="ko-KR" sz="1400" dirty="0">
+              <a:solidFill>
+                <a:schemeClr val="tx1"/>
+              </a:solidFill>
+            </a:endParaRPr>
+          </a:p>
+          <a:p>
+            <a:pPr marL="285750" indent="-285750">
+              <a:buFont typeface="Arial" panose="020B0604020202020204" pitchFamily="34" charset="0"/>
+              <a:buChar char="•"/>
+            </a:pPr>
+            <a:r>
+              <a:rPr lang="ko-KR" altLang="en-US" sz="1400" dirty="0">
+                <a:solidFill>
+                  <a:schemeClr val="tx1"/>
+                </a:solidFill>
+              </a:rPr>
+              <a:t>즉 데이터베이스 스키마가 변경될 때마다 관리자는 데이터베이스 칼럼 이름과 필드 태그의 매핑을 수동으로 갱신해주어야 함</a:t>
+            </a:r>
+            <a:endParaRPr lang="en-US" altLang="ko-KR" sz="1400" dirty="0">
+              <a:solidFill>
+                <a:schemeClr val="tx1"/>
+              </a:solidFill>
+            </a:endParaRPr>
+          </a:p>
+          <a:p>
+            <a:pPr marL="285750" indent="-285750">
+              <a:buFont typeface="Arial" panose="020B0604020202020204" pitchFamily="34" charset="0"/>
+              <a:buChar char="•"/>
+            </a:pPr>
+            <a:r>
+              <a:rPr lang="ko-KR" altLang="en-US" sz="1400" dirty="0" err="1">
+                <a:solidFill>
+                  <a:schemeClr val="tx1"/>
+                </a:solidFill>
+              </a:rPr>
+              <a:t>스리프트와</a:t>
+            </a:r>
+            <a:r>
+              <a:rPr lang="ko-KR" altLang="en-US" sz="1400" dirty="0">
+                <a:solidFill>
+                  <a:schemeClr val="tx1"/>
+                </a:solidFill>
+              </a:rPr>
+              <a:t> 프로토콜 버퍼는 </a:t>
+            </a:r>
+            <a:r>
+              <a:rPr lang="ko-KR" altLang="en-US" sz="1400" u="sng" dirty="0">
+                <a:solidFill>
+                  <a:schemeClr val="tx1"/>
+                </a:solidFill>
+              </a:rPr>
+              <a:t>코드 생성에 의존</a:t>
+            </a:r>
+            <a:r>
+              <a:rPr lang="en-US" altLang="ko-KR" sz="1400" dirty="0">
+                <a:solidFill>
+                  <a:schemeClr val="tx1"/>
+                </a:solidFill>
+              </a:rPr>
+              <a:t>(</a:t>
+            </a:r>
+            <a:r>
+              <a:rPr lang="ko-KR" altLang="en-US" sz="1400" dirty="0">
+                <a:solidFill>
+                  <a:schemeClr val="tx1"/>
+                </a:solidFill>
+              </a:rPr>
+              <a:t>정적타입언어에서 유용</a:t>
+            </a:r>
+            <a:r>
+              <a:rPr lang="en-US" altLang="ko-KR" sz="1400" dirty="0">
+                <a:solidFill>
+                  <a:schemeClr val="tx1"/>
+                </a:solidFill>
+              </a:rPr>
+              <a:t>)</a:t>
+            </a:r>
+          </a:p>
+          <a:p>
+            <a:pPr marL="285750" indent="-285750">
+              <a:buFont typeface="Arial" panose="020B0604020202020204" pitchFamily="34" charset="0"/>
+              <a:buChar char="•"/>
+            </a:pPr>
+            <a:r>
+              <a:rPr lang="ko-KR" altLang="en-US" sz="1400" dirty="0">
+                <a:solidFill>
+                  <a:schemeClr val="tx1"/>
+                </a:solidFill>
+              </a:rPr>
+              <a:t>동적 타입 프로그래밍 언어에서는 코드 생성은 데이터를 가져오는 데  불필요한 장애물</a:t>
+            </a:r>
+            <a:endParaRPr lang="en-US" altLang="ko-KR" sz="1400" dirty="0">
+              <a:solidFill>
+                <a:schemeClr val="tx1"/>
+              </a:solidFill>
+            </a:endParaRPr>
+          </a:p>
+          <a:p>
+            <a:pPr marL="285750" indent="-285750">
+              <a:buFont typeface="Arial" panose="020B0604020202020204" pitchFamily="34" charset="0"/>
+              <a:buChar char="•"/>
+            </a:pPr>
+            <a:r>
+              <a:rPr lang="en-US" altLang="ko-KR" sz="1400" dirty="0">
+                <a:solidFill>
+                  <a:schemeClr val="tx1"/>
+                </a:solidFill>
+              </a:rPr>
+              <a:t>(</a:t>
+            </a:r>
+            <a:r>
+              <a:rPr lang="ko-KR" altLang="en-US" sz="1400" dirty="0">
+                <a:solidFill>
+                  <a:schemeClr val="tx1"/>
+                </a:solidFill>
+              </a:rPr>
+              <a:t>쓰기 스키마를 포함한</a:t>
+            </a:r>
+            <a:r>
+              <a:rPr lang="en-US" altLang="ko-KR" sz="1400" dirty="0">
+                <a:solidFill>
+                  <a:schemeClr val="tx1"/>
+                </a:solidFill>
+              </a:rPr>
+              <a:t>) </a:t>
+            </a:r>
+            <a:r>
+              <a:rPr lang="ko-KR" altLang="en-US" sz="1400" dirty="0">
+                <a:solidFill>
+                  <a:schemeClr val="tx1"/>
+                </a:solidFill>
+              </a:rPr>
+              <a:t>객체 컨테이너 파일이 있다면 </a:t>
+            </a:r>
+            <a:r>
+              <a:rPr lang="ko-KR" altLang="en-US" sz="1400" dirty="0" err="1">
+                <a:solidFill>
+                  <a:schemeClr val="tx1"/>
+                </a:solidFill>
+              </a:rPr>
+              <a:t>아브로</a:t>
+            </a:r>
+            <a:r>
+              <a:rPr lang="ko-KR" altLang="en-US" sz="1400" dirty="0">
+                <a:solidFill>
+                  <a:schemeClr val="tx1"/>
+                </a:solidFill>
+              </a:rPr>
+              <a:t> 라이브러리를 사용해 간단히 열어 파일을 볼 수 있는데</a:t>
+            </a:r>
+            <a:r>
+              <a:rPr lang="en-US" altLang="ko-KR" sz="1400" dirty="0">
+                <a:solidFill>
+                  <a:schemeClr val="tx1"/>
+                </a:solidFill>
+              </a:rPr>
+              <a:t>, </a:t>
+            </a:r>
+            <a:r>
+              <a:rPr lang="ko-KR" altLang="en-US" sz="1400" dirty="0">
+                <a:solidFill>
+                  <a:schemeClr val="tx1"/>
+                </a:solidFill>
+              </a:rPr>
+              <a:t>이는 이 파일이 필요한 메타데이터를 모두 포함하기 때문에 </a:t>
+            </a:r>
+            <a:r>
+              <a:rPr lang="ko-KR" altLang="en-US" sz="1400" u="sng" dirty="0">
+                <a:solidFill>
+                  <a:schemeClr val="tx1"/>
+                </a:solidFill>
+              </a:rPr>
+              <a:t>자기 기술적</a:t>
+            </a:r>
+            <a:r>
+              <a:rPr lang="ko-KR" altLang="en-US" sz="1400" dirty="0">
+                <a:solidFill>
+                  <a:schemeClr val="tx1"/>
+                </a:solidFill>
+              </a:rPr>
+              <a:t>이기 때문</a:t>
+            </a:r>
+            <a:endParaRPr lang="en-US" altLang="ko-KR" sz="1400" dirty="0">
+              <a:solidFill>
+                <a:schemeClr val="tx1"/>
+              </a:solidFill>
+            </a:endParaRPr>
+          </a:p>
+        </p:txBody>
+      </p:sp>
+      <p:cxnSp>
+        <p:nvCxnSpPr>
+          <p:cNvPr id="35" name="Straight Connector 34">
+            <a:extLst>
+              <a:ext uri="{FF2B5EF4-FFF2-40B4-BE49-F238E27FC236}">
+                <a16:creationId xmlns:a16="http://schemas.microsoft.com/office/drawing/2014/main" id="{29ED4B02-7C73-A24E-A9C1-99B7C13AED68}"/>
+              </a:ext>
+            </a:extLst>
+          </p:cNvPr>
+          <p:cNvCxnSpPr>
+            <a:cxnSpLocks/>
+            <a:stCxn id="36" idx="1"/>
+          </p:cNvCxnSpPr>
+          <p:nvPr/>
+        </p:nvCxnSpPr>
+        <p:spPr>
+          <a:xfrm flipH="1">
+            <a:off x="5138343" y="3258853"/>
+            <a:ext cx="1269406" cy="0"/>
+          </a:xfrm>
+          <a:prstGeom prst="line">
+            <a:avLst/>
+          </a:prstGeom>
+          <a:ln>
+            <a:prstDash val="dash"/>
+          </a:ln>
+        </p:spPr>
+        <p:style>
+          <a:lnRef idx="1">
+            <a:schemeClr val="dk1"/>
+          </a:lnRef>
+          <a:fillRef idx="0">
+            <a:schemeClr val="dk1"/>
+          </a:fillRef>
+          <a:effectRef idx="0">
+            <a:schemeClr val="dk1"/>
+          </a:effectRef>
+          <a:fontRef idx="minor">
+            <a:schemeClr val="tx1"/>
+          </a:fontRef>
+        </p:style>
+      </p:cxnSp>
+    </p:spTree>
+    <p:extLst>
+      <p:ext uri="{BB962C8B-B14F-4D97-AF65-F5344CB8AC3E}">
+        <p14:creationId xmlns:p14="http://schemas.microsoft.com/office/powerpoint/2010/main" val="104299"/>
+      </p:ext>
+    </p:extLst>
+  </p:cSld>
+  <p:clrMapOvr>
+    <a:masterClrMapping/>
+  </p:clrMapOvr>
+</p:sld>
+</file>
+
+<file path=ppt/slides/slide12.xml><?xml version="1.0" encoding="utf-8"?>
 <p:sld xmlns:a="http://schemas.openxmlformats.org/drawingml/2006/main" xmlns:r="http://schemas.openxmlformats.org/officeDocument/2006/relationships" xmlns:p="http://schemas.openxmlformats.org/presentationml/2006/main">
   <p:cSld>
     <p:spTree>
@@ -8919,7 +10686,7 @@
 </p:sld>
 </file>
 
-<file path=ppt/slides/slide12.xml><?xml version="1.0" encoding="utf-8"?>
+<file path=ppt/slides/slide13.xml><?xml version="1.0" encoding="utf-8"?>
 <p:sld xmlns:a="http://schemas.openxmlformats.org/drawingml/2006/main" xmlns:r="http://schemas.openxmlformats.org/officeDocument/2006/relationships" xmlns:p="http://schemas.openxmlformats.org/presentationml/2006/main">
   <p:cSld>
     <p:spTree>
@@ -8974,10 +10741,3154 @@
           </a:p>
         </p:txBody>
       </p:sp>
+      <p:sp>
+        <p:nvSpPr>
+          <p:cNvPr id="3" name="Rectangle 2">
+            <a:extLst>
+              <a:ext uri="{FF2B5EF4-FFF2-40B4-BE49-F238E27FC236}">
+                <a16:creationId xmlns:a16="http://schemas.microsoft.com/office/drawing/2014/main" id="{C0BE84D7-3B84-0B40-89B0-B4912041C1C5}"/>
+              </a:ext>
+            </a:extLst>
+          </p:cNvPr>
+          <p:cNvSpPr/>
+          <p:nvPr/>
+        </p:nvSpPr>
+        <p:spPr>
+          <a:xfrm>
+            <a:off x="838200" y="1062049"/>
+            <a:ext cx="10515600" cy="340031"/>
+          </a:xfrm>
+          <a:prstGeom prst="rect">
+            <a:avLst/>
+          </a:prstGeom>
+          <a:noFill/>
+          <a:ln>
+            <a:solidFill>
+              <a:schemeClr val="tx1"/>
+            </a:solidFill>
+          </a:ln>
+        </p:spPr>
+        <p:style>
+          <a:lnRef idx="2">
+            <a:schemeClr val="accent1">
+              <a:shade val="50000"/>
+            </a:schemeClr>
+          </a:lnRef>
+          <a:fillRef idx="1">
+            <a:schemeClr val="accent1"/>
+          </a:fillRef>
+          <a:effectRef idx="0">
+            <a:schemeClr val="accent1"/>
+          </a:effectRef>
+          <a:fontRef idx="minor">
+            <a:schemeClr val="lt1"/>
+          </a:fontRef>
+        </p:style>
+        <p:txBody>
+          <a:bodyPr rtlCol="0" anchor="ctr"/>
+          <a:lstStyle/>
+          <a:p>
+            <a:r>
+              <a:rPr lang="ko-KR" altLang="en-US" sz="1400" dirty="0">
+                <a:solidFill>
+                  <a:schemeClr val="tx1"/>
+                </a:solidFill>
+              </a:rPr>
+              <a:t>웹 환경 아래에서 서버</a:t>
+            </a:r>
+            <a:r>
+              <a:rPr lang="en-US" altLang="ko-KR" sz="1400" dirty="0">
+                <a:solidFill>
+                  <a:schemeClr val="tx1"/>
+                </a:solidFill>
+              </a:rPr>
+              <a:t>(server) </a:t>
+            </a:r>
+            <a:r>
+              <a:rPr lang="ko-KR" altLang="en-US" sz="1400" dirty="0">
+                <a:solidFill>
+                  <a:schemeClr val="tx1"/>
+                </a:solidFill>
+              </a:rPr>
+              <a:t>컴퓨터가 클라이언트</a:t>
+            </a:r>
+            <a:r>
+              <a:rPr lang="en-US" altLang="ko-KR" sz="1400" dirty="0">
+                <a:solidFill>
+                  <a:schemeClr val="tx1"/>
+                </a:solidFill>
+              </a:rPr>
+              <a:t>(client) </a:t>
+            </a:r>
+            <a:r>
+              <a:rPr lang="ko-KR" altLang="en-US" sz="1400" dirty="0">
+                <a:solidFill>
+                  <a:schemeClr val="tx1"/>
+                </a:solidFill>
+              </a:rPr>
+              <a:t>컴퓨터에게 데이터를 전송하는 과정</a:t>
+            </a:r>
+            <a:endParaRPr lang="en-KR" sz="1400" dirty="0">
+              <a:solidFill>
+                <a:schemeClr val="tx1"/>
+              </a:solidFill>
+            </a:endParaRPr>
+          </a:p>
+        </p:txBody>
+      </p:sp>
+      <p:pic>
+        <p:nvPicPr>
+          <p:cNvPr id="4" name="Picture 3" descr="A close up of a logo&#10;&#10;Description automatically generated">
+            <a:extLst>
+              <a:ext uri="{FF2B5EF4-FFF2-40B4-BE49-F238E27FC236}">
+                <a16:creationId xmlns:a16="http://schemas.microsoft.com/office/drawing/2014/main" id="{285DAA91-1C93-4345-8893-7D56EABCB71C}"/>
+              </a:ext>
+            </a:extLst>
+          </p:cNvPr>
+          <p:cNvPicPr>
+            <a:picLocks noChangeAspect="1"/>
+          </p:cNvPicPr>
+          <p:nvPr/>
+        </p:nvPicPr>
+        <p:blipFill>
+          <a:blip r:embed="rId3"/>
+          <a:stretch>
+            <a:fillRect/>
+          </a:stretch>
+        </p:blipFill>
+        <p:spPr>
+          <a:xfrm>
+            <a:off x="1612900" y="1691640"/>
+            <a:ext cx="1233170" cy="1233170"/>
+          </a:xfrm>
+          <a:prstGeom prst="rect">
+            <a:avLst/>
+          </a:prstGeom>
+        </p:spPr>
+      </p:pic>
+      <p:sp>
+        <p:nvSpPr>
+          <p:cNvPr id="6" name="직사각형 20">
+            <a:extLst>
+              <a:ext uri="{FF2B5EF4-FFF2-40B4-BE49-F238E27FC236}">
+                <a16:creationId xmlns:a16="http://schemas.microsoft.com/office/drawing/2014/main" id="{9E728007-1C90-4F4A-9F49-86A86E5CC3E9}"/>
+              </a:ext>
+            </a:extLst>
+          </p:cNvPr>
+          <p:cNvSpPr/>
+          <p:nvPr/>
+        </p:nvSpPr>
+        <p:spPr>
+          <a:xfrm>
+            <a:off x="1941287" y="1475884"/>
+            <a:ext cx="540389" cy="525422"/>
+          </a:xfrm>
+          <a:prstGeom prst="rect">
+            <a:avLst/>
+          </a:prstGeom>
+          <a:noFill/>
+          <a:ln>
+            <a:noFill/>
+          </a:ln>
+        </p:spPr>
+        <p:style>
+          <a:lnRef idx="2">
+            <a:schemeClr val="accent6">
+              <a:shade val="50000"/>
+            </a:schemeClr>
+          </a:lnRef>
+          <a:fillRef idx="1">
+            <a:schemeClr val="accent6"/>
+          </a:fillRef>
+          <a:effectRef idx="0">
+            <a:schemeClr val="accent6"/>
+          </a:effectRef>
+          <a:fontRef idx="minor">
+            <a:schemeClr val="lt1"/>
+          </a:fontRef>
+        </p:style>
+        <p:txBody>
+          <a:bodyPr rtlCol="0" anchor="ctr"/>
+          <a:lstStyle/>
+          <a:p>
+            <a:r>
+              <a:rPr kumimoji="1" lang="en-US" altLang="en-US" sz="1400" b="1" dirty="0" err="1">
+                <a:solidFill>
+                  <a:schemeClr val="tx1"/>
+                </a:solidFill>
+              </a:rPr>
+              <a:t>서버</a:t>
+            </a:r>
+            <a:endParaRPr kumimoji="1" lang="ko-Kore-KR" altLang="en-US" sz="1400" b="1" dirty="0">
+              <a:solidFill>
+                <a:schemeClr val="tx1"/>
+              </a:solidFill>
+            </a:endParaRPr>
+          </a:p>
+        </p:txBody>
+      </p:sp>
+      <p:sp>
+        <p:nvSpPr>
+          <p:cNvPr id="8" name="Rectangle 7">
+            <a:extLst>
+              <a:ext uri="{FF2B5EF4-FFF2-40B4-BE49-F238E27FC236}">
+                <a16:creationId xmlns:a16="http://schemas.microsoft.com/office/drawing/2014/main" id="{FA36D5AA-CDCE-5145-A036-9D39231AF343}"/>
+              </a:ext>
+            </a:extLst>
+          </p:cNvPr>
+          <p:cNvSpPr/>
+          <p:nvPr/>
+        </p:nvSpPr>
+        <p:spPr>
+          <a:xfrm>
+            <a:off x="3358494" y="1691641"/>
+            <a:ext cx="5671206" cy="1379363"/>
+          </a:xfrm>
+          <a:prstGeom prst="rect">
+            <a:avLst/>
+          </a:prstGeom>
+          <a:noFill/>
+          <a:ln>
+            <a:solidFill>
+              <a:schemeClr val="tx1"/>
+            </a:solidFill>
+          </a:ln>
+        </p:spPr>
+        <p:style>
+          <a:lnRef idx="2">
+            <a:schemeClr val="accent1">
+              <a:shade val="50000"/>
+            </a:schemeClr>
+          </a:lnRef>
+          <a:fillRef idx="1">
+            <a:schemeClr val="accent1"/>
+          </a:fillRef>
+          <a:effectRef idx="0">
+            <a:schemeClr val="accent1"/>
+          </a:effectRef>
+          <a:fontRef idx="minor">
+            <a:schemeClr val="lt1"/>
+          </a:fontRef>
+        </p:style>
+        <p:txBody>
+          <a:bodyPr rtlCol="0" anchor="ctr"/>
+          <a:lstStyle/>
+          <a:p>
+            <a:pPr marL="285750" indent="-285750">
+              <a:buFont typeface="Arial" panose="020B0604020202020204" pitchFamily="34" charset="0"/>
+              <a:buChar char="•"/>
+            </a:pPr>
+            <a:endParaRPr lang="en-US" altLang="ko-KR" sz="1400" dirty="0">
+              <a:solidFill>
+                <a:schemeClr val="tx1"/>
+              </a:solidFill>
+            </a:endParaRPr>
+          </a:p>
+        </p:txBody>
+      </p:sp>
+      <p:sp>
+        <p:nvSpPr>
+          <p:cNvPr id="9" name="직사각형 20">
+            <a:extLst>
+              <a:ext uri="{FF2B5EF4-FFF2-40B4-BE49-F238E27FC236}">
+                <a16:creationId xmlns:a16="http://schemas.microsoft.com/office/drawing/2014/main" id="{C2CBBB00-A68A-AB40-94A2-C401580FCEA7}"/>
+              </a:ext>
+            </a:extLst>
+          </p:cNvPr>
+          <p:cNvSpPr/>
+          <p:nvPr/>
+        </p:nvSpPr>
+        <p:spPr>
+          <a:xfrm>
+            <a:off x="5589745" y="3026505"/>
+            <a:ext cx="1012510" cy="525422"/>
+          </a:xfrm>
+          <a:prstGeom prst="rect">
+            <a:avLst/>
+          </a:prstGeom>
+          <a:noFill/>
+          <a:ln>
+            <a:noFill/>
+          </a:ln>
+        </p:spPr>
+        <p:style>
+          <a:lnRef idx="2">
+            <a:schemeClr val="accent6">
+              <a:shade val="50000"/>
+            </a:schemeClr>
+          </a:lnRef>
+          <a:fillRef idx="1">
+            <a:schemeClr val="accent6"/>
+          </a:fillRef>
+          <a:effectRef idx="0">
+            <a:schemeClr val="accent6"/>
+          </a:effectRef>
+          <a:fontRef idx="minor">
+            <a:schemeClr val="lt1"/>
+          </a:fontRef>
+        </p:style>
+        <p:txBody>
+          <a:bodyPr rtlCol="0" anchor="ctr"/>
+          <a:lstStyle/>
+          <a:p>
+            <a:r>
+              <a:rPr kumimoji="1" lang="en-US" altLang="en-US" sz="1400" b="1" dirty="0" err="1">
+                <a:solidFill>
+                  <a:schemeClr val="tx1"/>
+                </a:solidFill>
+              </a:rPr>
+              <a:t>웹</a:t>
+            </a:r>
+            <a:r>
+              <a:rPr kumimoji="1" lang="en-US" altLang="ko-KR" sz="1400" b="1" dirty="0">
+                <a:solidFill>
+                  <a:schemeClr val="tx1"/>
+                </a:solidFill>
+              </a:rPr>
+              <a:t>(Web)</a:t>
+            </a:r>
+            <a:endParaRPr kumimoji="1" lang="ko-Kore-KR" altLang="en-US" sz="1400" b="1" dirty="0">
+              <a:solidFill>
+                <a:schemeClr val="tx1"/>
+              </a:solidFill>
+            </a:endParaRPr>
+          </a:p>
+        </p:txBody>
+      </p:sp>
+      <p:pic>
+        <p:nvPicPr>
+          <p:cNvPr id="10" name="Picture 9" descr="A close up of a logo&#10;&#10;Description automatically generated">
+            <a:extLst>
+              <a:ext uri="{FF2B5EF4-FFF2-40B4-BE49-F238E27FC236}">
+                <a16:creationId xmlns:a16="http://schemas.microsoft.com/office/drawing/2014/main" id="{28F7DD5C-77C0-D041-AC77-9F8425469692}"/>
+              </a:ext>
+            </a:extLst>
+          </p:cNvPr>
+          <p:cNvPicPr>
+            <a:picLocks noChangeAspect="1"/>
+          </p:cNvPicPr>
+          <p:nvPr/>
+        </p:nvPicPr>
+        <p:blipFill>
+          <a:blip r:embed="rId3"/>
+          <a:stretch>
+            <a:fillRect/>
+          </a:stretch>
+        </p:blipFill>
+        <p:spPr>
+          <a:xfrm>
+            <a:off x="9549202" y="1691640"/>
+            <a:ext cx="1233170" cy="1233170"/>
+          </a:xfrm>
+          <a:prstGeom prst="rect">
+            <a:avLst/>
+          </a:prstGeom>
+        </p:spPr>
+      </p:pic>
+      <p:sp>
+        <p:nvSpPr>
+          <p:cNvPr id="11" name="직사각형 20">
+            <a:extLst>
+              <a:ext uri="{FF2B5EF4-FFF2-40B4-BE49-F238E27FC236}">
+                <a16:creationId xmlns:a16="http://schemas.microsoft.com/office/drawing/2014/main" id="{00C60E92-948C-984D-8D80-9C6CEB3376E6}"/>
+              </a:ext>
+            </a:extLst>
+          </p:cNvPr>
+          <p:cNvSpPr/>
+          <p:nvPr/>
+        </p:nvSpPr>
+        <p:spPr>
+          <a:xfrm>
+            <a:off x="9688558" y="1349591"/>
+            <a:ext cx="1458208" cy="525422"/>
+          </a:xfrm>
+          <a:prstGeom prst="rect">
+            <a:avLst/>
+          </a:prstGeom>
+          <a:noFill/>
+          <a:ln>
+            <a:noFill/>
+          </a:ln>
+        </p:spPr>
+        <p:style>
+          <a:lnRef idx="2">
+            <a:schemeClr val="accent6">
+              <a:shade val="50000"/>
+            </a:schemeClr>
+          </a:lnRef>
+          <a:fillRef idx="1">
+            <a:schemeClr val="accent6"/>
+          </a:fillRef>
+          <a:effectRef idx="0">
+            <a:schemeClr val="accent6"/>
+          </a:effectRef>
+          <a:fontRef idx="minor">
+            <a:schemeClr val="lt1"/>
+          </a:fontRef>
+        </p:style>
+        <p:txBody>
+          <a:bodyPr rtlCol="0" anchor="ctr"/>
+          <a:lstStyle/>
+          <a:p>
+            <a:r>
+              <a:rPr kumimoji="1" lang="en-US" altLang="en-US" sz="1400" b="1" dirty="0" err="1">
+                <a:solidFill>
+                  <a:schemeClr val="tx1"/>
+                </a:solidFill>
+              </a:rPr>
+              <a:t>클라이언트</a:t>
+            </a:r>
+            <a:endParaRPr kumimoji="1" lang="ko-Kore-KR" altLang="en-US" sz="1400" b="1" dirty="0">
+              <a:solidFill>
+                <a:schemeClr val="tx1"/>
+              </a:solidFill>
+            </a:endParaRPr>
+          </a:p>
+        </p:txBody>
+      </p:sp>
+      <p:sp>
+        <p:nvSpPr>
+          <p:cNvPr id="13" name="Right Arrow 12">
+            <a:extLst>
+              <a:ext uri="{FF2B5EF4-FFF2-40B4-BE49-F238E27FC236}">
+                <a16:creationId xmlns:a16="http://schemas.microsoft.com/office/drawing/2014/main" id="{334DCEB8-753A-7649-82CD-FFF2436670EB}"/>
+              </a:ext>
+            </a:extLst>
+          </p:cNvPr>
+          <p:cNvSpPr/>
+          <p:nvPr/>
+        </p:nvSpPr>
+        <p:spPr>
+          <a:xfrm>
+            <a:off x="2846070" y="2476549"/>
+            <a:ext cx="6703132" cy="350159"/>
+          </a:xfrm>
+          <a:prstGeom prst="rightArrow">
+            <a:avLst/>
+          </a:prstGeom>
+          <a:solidFill>
+            <a:schemeClr val="tx1"/>
+          </a:solidFill>
+        </p:spPr>
+        <p:style>
+          <a:lnRef idx="2">
+            <a:schemeClr val="accent1">
+              <a:shade val="50000"/>
+            </a:schemeClr>
+          </a:lnRef>
+          <a:fillRef idx="1">
+            <a:schemeClr val="accent1"/>
+          </a:fillRef>
+          <a:effectRef idx="0">
+            <a:schemeClr val="accent1"/>
+          </a:effectRef>
+          <a:fontRef idx="minor">
+            <a:schemeClr val="lt1"/>
+          </a:fontRef>
+        </p:style>
+        <p:txBody>
+          <a:bodyPr rtlCol="0" anchor="ctr"/>
+          <a:lstStyle/>
+          <a:p>
+            <a:pPr algn="ctr"/>
+            <a:endParaRPr lang="en-KR"/>
+          </a:p>
+        </p:txBody>
+      </p:sp>
+      <p:sp>
+        <p:nvSpPr>
+          <p:cNvPr id="15" name="Right Arrow 14">
+            <a:extLst>
+              <a:ext uri="{FF2B5EF4-FFF2-40B4-BE49-F238E27FC236}">
+                <a16:creationId xmlns:a16="http://schemas.microsoft.com/office/drawing/2014/main" id="{E4AFDC6C-291A-FD46-9661-D73216E77B04}"/>
+              </a:ext>
+            </a:extLst>
+          </p:cNvPr>
+          <p:cNvSpPr/>
+          <p:nvPr/>
+        </p:nvSpPr>
+        <p:spPr>
+          <a:xfrm rot="10800000">
+            <a:off x="2846070" y="1992384"/>
+            <a:ext cx="6703132" cy="350159"/>
+          </a:xfrm>
+          <a:prstGeom prst="rightArrow">
+            <a:avLst/>
+          </a:prstGeom>
+          <a:solidFill>
+            <a:schemeClr val="tx1"/>
+          </a:solidFill>
+        </p:spPr>
+        <p:style>
+          <a:lnRef idx="2">
+            <a:schemeClr val="accent1">
+              <a:shade val="50000"/>
+            </a:schemeClr>
+          </a:lnRef>
+          <a:fillRef idx="1">
+            <a:schemeClr val="accent1"/>
+          </a:fillRef>
+          <a:effectRef idx="0">
+            <a:schemeClr val="accent1"/>
+          </a:effectRef>
+          <a:fontRef idx="minor">
+            <a:schemeClr val="lt1"/>
+          </a:fontRef>
+        </p:style>
+        <p:txBody>
+          <a:bodyPr rtlCol="0" anchor="ctr"/>
+          <a:lstStyle/>
+          <a:p>
+            <a:pPr algn="ctr"/>
+            <a:endParaRPr lang="en-KR"/>
+          </a:p>
+        </p:txBody>
+      </p:sp>
+      <p:sp>
+        <p:nvSpPr>
+          <p:cNvPr id="16" name="Rectangle 15">
+            <a:extLst>
+              <a:ext uri="{FF2B5EF4-FFF2-40B4-BE49-F238E27FC236}">
+                <a16:creationId xmlns:a16="http://schemas.microsoft.com/office/drawing/2014/main" id="{B6B6DE82-6ED5-4E44-ADB9-4D7956EB49B5}"/>
+              </a:ext>
+            </a:extLst>
+          </p:cNvPr>
+          <p:cNvSpPr/>
+          <p:nvPr/>
+        </p:nvSpPr>
+        <p:spPr>
+          <a:xfrm>
+            <a:off x="3358494" y="1700094"/>
+            <a:ext cx="10515600" cy="340031"/>
+          </a:xfrm>
+          <a:prstGeom prst="rect">
+            <a:avLst/>
+          </a:prstGeom>
+          <a:noFill/>
+          <a:ln>
+            <a:noFill/>
+          </a:ln>
+        </p:spPr>
+        <p:style>
+          <a:lnRef idx="2">
+            <a:schemeClr val="accent1">
+              <a:shade val="50000"/>
+            </a:schemeClr>
+          </a:lnRef>
+          <a:fillRef idx="1">
+            <a:schemeClr val="accent1"/>
+          </a:fillRef>
+          <a:effectRef idx="0">
+            <a:schemeClr val="accent1"/>
+          </a:effectRef>
+          <a:fontRef idx="minor">
+            <a:schemeClr val="lt1"/>
+          </a:fontRef>
+        </p:style>
+        <p:txBody>
+          <a:bodyPr rtlCol="0" anchor="ctr"/>
+          <a:lstStyle/>
+          <a:p>
+            <a:r>
+              <a:rPr lang="ko-KR" altLang="en-US" sz="1400" dirty="0">
+                <a:solidFill>
+                  <a:schemeClr val="tx1"/>
+                </a:solidFill>
+              </a:rPr>
+              <a:t>요청</a:t>
+            </a:r>
+            <a:r>
+              <a:rPr lang="en-US" altLang="ko-KR" sz="1400" dirty="0">
+                <a:solidFill>
+                  <a:schemeClr val="tx1"/>
+                </a:solidFill>
+              </a:rPr>
+              <a:t>(request) : </a:t>
+            </a:r>
+            <a:r>
+              <a:rPr lang="ko-KR" altLang="en-US" sz="1400" dirty="0">
+                <a:solidFill>
+                  <a:schemeClr val="tx1"/>
+                </a:solidFill>
+              </a:rPr>
+              <a:t>클라이언트가 필요한 데이터를 서버 측에 요청</a:t>
+            </a:r>
+            <a:endParaRPr lang="en-KR" sz="1400" dirty="0">
+              <a:solidFill>
+                <a:schemeClr val="tx1"/>
+              </a:solidFill>
+            </a:endParaRPr>
+          </a:p>
+        </p:txBody>
+      </p:sp>
+      <p:sp>
+        <p:nvSpPr>
+          <p:cNvPr id="17" name="Rectangle 16">
+            <a:extLst>
+              <a:ext uri="{FF2B5EF4-FFF2-40B4-BE49-F238E27FC236}">
+                <a16:creationId xmlns:a16="http://schemas.microsoft.com/office/drawing/2014/main" id="{388B9F2B-2FD0-5D46-A206-08E1C34D5B20}"/>
+              </a:ext>
+            </a:extLst>
+          </p:cNvPr>
+          <p:cNvSpPr/>
+          <p:nvPr/>
+        </p:nvSpPr>
+        <p:spPr>
+          <a:xfrm>
+            <a:off x="3358494" y="2735264"/>
+            <a:ext cx="10515600" cy="340031"/>
+          </a:xfrm>
+          <a:prstGeom prst="rect">
+            <a:avLst/>
+          </a:prstGeom>
+          <a:noFill/>
+          <a:ln>
+            <a:noFill/>
+          </a:ln>
+        </p:spPr>
+        <p:style>
+          <a:lnRef idx="2">
+            <a:schemeClr val="accent1">
+              <a:shade val="50000"/>
+            </a:schemeClr>
+          </a:lnRef>
+          <a:fillRef idx="1">
+            <a:schemeClr val="accent1"/>
+          </a:fillRef>
+          <a:effectRef idx="0">
+            <a:schemeClr val="accent1"/>
+          </a:effectRef>
+          <a:fontRef idx="minor">
+            <a:schemeClr val="lt1"/>
+          </a:fontRef>
+        </p:style>
+        <p:txBody>
+          <a:bodyPr rtlCol="0" anchor="ctr"/>
+          <a:lstStyle/>
+          <a:p>
+            <a:r>
+              <a:rPr lang="ko-KR" altLang="en-US" sz="1400" dirty="0">
+                <a:solidFill>
+                  <a:schemeClr val="tx1"/>
+                </a:solidFill>
+              </a:rPr>
+              <a:t>응답</a:t>
+            </a:r>
+            <a:r>
+              <a:rPr lang="en-US" altLang="ko-KR" sz="1400" dirty="0">
+                <a:solidFill>
+                  <a:schemeClr val="tx1"/>
+                </a:solidFill>
+              </a:rPr>
+              <a:t>(response) : </a:t>
+            </a:r>
+            <a:r>
+              <a:rPr lang="ko-KR" altLang="en-US" sz="1400" dirty="0">
+                <a:solidFill>
+                  <a:schemeClr val="tx1"/>
+                </a:solidFill>
+              </a:rPr>
+              <a:t>요청에 따른 데이터를 클라이언트 측으로 전달</a:t>
+            </a:r>
+            <a:endParaRPr lang="en-KR" sz="1400" dirty="0">
+              <a:solidFill>
+                <a:schemeClr val="tx1"/>
+              </a:solidFill>
+            </a:endParaRPr>
+          </a:p>
+        </p:txBody>
+      </p:sp>
+      <p:sp>
+        <p:nvSpPr>
+          <p:cNvPr id="18" name="직사각형 20">
+            <a:extLst>
+              <a:ext uri="{FF2B5EF4-FFF2-40B4-BE49-F238E27FC236}">
+                <a16:creationId xmlns:a16="http://schemas.microsoft.com/office/drawing/2014/main" id="{54282E91-C5ED-4C48-B399-C05CB6BA0468}"/>
+              </a:ext>
+            </a:extLst>
+          </p:cNvPr>
+          <p:cNvSpPr/>
+          <p:nvPr/>
+        </p:nvSpPr>
+        <p:spPr>
+          <a:xfrm>
+            <a:off x="2970326" y="2997289"/>
+            <a:ext cx="776335" cy="525422"/>
+          </a:xfrm>
+          <a:prstGeom prst="rect">
+            <a:avLst/>
+          </a:prstGeom>
+          <a:noFill/>
+          <a:ln>
+            <a:noFill/>
+          </a:ln>
+        </p:spPr>
+        <p:style>
+          <a:lnRef idx="2">
+            <a:schemeClr val="accent6">
+              <a:shade val="50000"/>
+            </a:schemeClr>
+          </a:lnRef>
+          <a:fillRef idx="1">
+            <a:schemeClr val="accent6"/>
+          </a:fillRef>
+          <a:effectRef idx="0">
+            <a:schemeClr val="accent6"/>
+          </a:effectRef>
+          <a:fontRef idx="minor">
+            <a:schemeClr val="lt1"/>
+          </a:fontRef>
+        </p:style>
+        <p:txBody>
+          <a:bodyPr rtlCol="0" anchor="ctr"/>
+          <a:lstStyle/>
+          <a:p>
+            <a:r>
+              <a:rPr kumimoji="1" lang="en-US" altLang="en-US" sz="1400" b="1" dirty="0">
+                <a:solidFill>
+                  <a:schemeClr val="tx1"/>
+                </a:solidFill>
+              </a:rPr>
+              <a:t>&lt;Data&gt;</a:t>
+            </a:r>
+            <a:endParaRPr kumimoji="1" lang="ko-Kore-KR" altLang="en-US" sz="1400" b="1" dirty="0">
+              <a:solidFill>
+                <a:schemeClr val="tx1"/>
+              </a:solidFill>
+            </a:endParaRPr>
+          </a:p>
+        </p:txBody>
+      </p:sp>
+      <p:sp>
+        <p:nvSpPr>
+          <p:cNvPr id="19" name="직사각형 20">
+            <a:extLst>
+              <a:ext uri="{FF2B5EF4-FFF2-40B4-BE49-F238E27FC236}">
+                <a16:creationId xmlns:a16="http://schemas.microsoft.com/office/drawing/2014/main" id="{8A9CC14F-2D29-CC48-A7AB-94FE6A730A63}"/>
+              </a:ext>
+            </a:extLst>
+          </p:cNvPr>
+          <p:cNvSpPr/>
+          <p:nvPr/>
+        </p:nvSpPr>
+        <p:spPr>
+          <a:xfrm>
+            <a:off x="8641533" y="2997289"/>
+            <a:ext cx="776335" cy="525422"/>
+          </a:xfrm>
+          <a:prstGeom prst="rect">
+            <a:avLst/>
+          </a:prstGeom>
+          <a:noFill/>
+          <a:ln>
+            <a:noFill/>
+          </a:ln>
+        </p:spPr>
+        <p:style>
+          <a:lnRef idx="2">
+            <a:schemeClr val="accent6">
+              <a:shade val="50000"/>
+            </a:schemeClr>
+          </a:lnRef>
+          <a:fillRef idx="1">
+            <a:schemeClr val="accent6"/>
+          </a:fillRef>
+          <a:effectRef idx="0">
+            <a:schemeClr val="accent6"/>
+          </a:effectRef>
+          <a:fontRef idx="minor">
+            <a:schemeClr val="lt1"/>
+          </a:fontRef>
+        </p:style>
+        <p:txBody>
+          <a:bodyPr rtlCol="0" anchor="ctr"/>
+          <a:lstStyle/>
+          <a:p>
+            <a:r>
+              <a:rPr kumimoji="1" lang="en-US" altLang="en-US" sz="1400" b="1" dirty="0">
+                <a:solidFill>
+                  <a:schemeClr val="tx1"/>
+                </a:solidFill>
+              </a:rPr>
+              <a:t>&lt;Data&gt;</a:t>
+            </a:r>
+            <a:endParaRPr kumimoji="1" lang="ko-Kore-KR" altLang="en-US" sz="1400" b="1" dirty="0">
+              <a:solidFill>
+                <a:schemeClr val="tx1"/>
+              </a:solidFill>
+            </a:endParaRPr>
+          </a:p>
+        </p:txBody>
+      </p:sp>
+      <p:sp>
+        <p:nvSpPr>
+          <p:cNvPr id="20" name="직사각형 20">
+            <a:extLst>
+              <a:ext uri="{FF2B5EF4-FFF2-40B4-BE49-F238E27FC236}">
+                <a16:creationId xmlns:a16="http://schemas.microsoft.com/office/drawing/2014/main" id="{8C07C249-9758-AE43-83FA-82AA2580A51F}"/>
+              </a:ext>
+            </a:extLst>
+          </p:cNvPr>
+          <p:cNvSpPr/>
+          <p:nvPr/>
+        </p:nvSpPr>
+        <p:spPr>
+          <a:xfrm>
+            <a:off x="838200" y="4213398"/>
+            <a:ext cx="2969482" cy="572429"/>
+          </a:xfrm>
+          <a:prstGeom prst="rect">
+            <a:avLst/>
+          </a:prstGeom>
+          <a:noFill/>
+          <a:ln>
+            <a:noFill/>
+          </a:ln>
+        </p:spPr>
+        <p:style>
+          <a:lnRef idx="2">
+            <a:schemeClr val="accent6">
+              <a:shade val="50000"/>
+            </a:schemeClr>
+          </a:lnRef>
+          <a:fillRef idx="1">
+            <a:schemeClr val="accent6"/>
+          </a:fillRef>
+          <a:effectRef idx="0">
+            <a:schemeClr val="accent6"/>
+          </a:effectRef>
+          <a:fontRef idx="minor">
+            <a:schemeClr val="lt1"/>
+          </a:fontRef>
+        </p:style>
+        <p:txBody>
+          <a:bodyPr rtlCol="0" anchor="ctr"/>
+          <a:lstStyle/>
+          <a:p>
+            <a:pPr algn="ctr"/>
+            <a:r>
+              <a:rPr kumimoji="1" lang="ko-KR" altLang="en-US" dirty="0">
+                <a:solidFill>
+                  <a:schemeClr val="tx1"/>
+                </a:solidFill>
+              </a:rPr>
+              <a:t>요청</a:t>
+            </a:r>
+            <a:r>
+              <a:rPr kumimoji="1" lang="en-US" altLang="ko-KR" dirty="0">
+                <a:solidFill>
+                  <a:schemeClr val="tx1"/>
+                </a:solidFill>
+              </a:rPr>
+              <a:t>(request) </a:t>
+            </a:r>
+            <a:r>
+              <a:rPr kumimoji="1" lang="ko-KR" altLang="en-US" dirty="0">
+                <a:solidFill>
+                  <a:schemeClr val="tx1"/>
+                </a:solidFill>
+              </a:rPr>
+              <a:t>방식</a:t>
+            </a:r>
+            <a:endParaRPr kumimoji="1" lang="ko-Kore-KR" altLang="en-US" dirty="0">
+              <a:solidFill>
+                <a:schemeClr val="tx1"/>
+              </a:solidFill>
+            </a:endParaRPr>
+          </a:p>
+        </p:txBody>
+      </p:sp>
+      <p:sp>
+        <p:nvSpPr>
+          <p:cNvPr id="21" name="직사각형 20">
+            <a:extLst>
+              <a:ext uri="{FF2B5EF4-FFF2-40B4-BE49-F238E27FC236}">
+                <a16:creationId xmlns:a16="http://schemas.microsoft.com/office/drawing/2014/main" id="{228166AA-3D99-7C4D-9900-A6C22F3ABCA2}"/>
+              </a:ext>
+            </a:extLst>
+          </p:cNvPr>
+          <p:cNvSpPr/>
+          <p:nvPr/>
+        </p:nvSpPr>
+        <p:spPr>
+          <a:xfrm>
+            <a:off x="3879489" y="3551927"/>
+            <a:ext cx="1508186" cy="572429"/>
+          </a:xfrm>
+          <a:prstGeom prst="rect">
+            <a:avLst/>
+          </a:prstGeom>
+          <a:noFill/>
+          <a:ln>
+            <a:noFill/>
+          </a:ln>
+        </p:spPr>
+        <p:style>
+          <a:lnRef idx="2">
+            <a:schemeClr val="accent6">
+              <a:shade val="50000"/>
+            </a:schemeClr>
+          </a:lnRef>
+          <a:fillRef idx="1">
+            <a:schemeClr val="accent6"/>
+          </a:fillRef>
+          <a:effectRef idx="0">
+            <a:schemeClr val="accent6"/>
+          </a:effectRef>
+          <a:fontRef idx="minor">
+            <a:schemeClr val="lt1"/>
+          </a:fontRef>
+        </p:style>
+        <p:txBody>
+          <a:bodyPr rtlCol="0" anchor="ctr"/>
+          <a:lstStyle/>
+          <a:p>
+            <a:r>
+              <a:rPr kumimoji="1" lang="en-US" altLang="en-US" dirty="0">
+                <a:solidFill>
+                  <a:schemeClr val="tx1"/>
+                </a:solidFill>
+              </a:rPr>
+              <a:t>Restful </a:t>
+            </a:r>
+            <a:r>
+              <a:rPr kumimoji="1" lang="ko-KR" altLang="en-US" dirty="0">
+                <a:solidFill>
+                  <a:schemeClr val="tx1"/>
+                </a:solidFill>
+              </a:rPr>
+              <a:t>방식</a:t>
+            </a:r>
+            <a:endParaRPr kumimoji="1" lang="ko-Kore-KR" altLang="en-US" dirty="0">
+              <a:solidFill>
+                <a:schemeClr val="tx1"/>
+              </a:solidFill>
+            </a:endParaRPr>
+          </a:p>
+        </p:txBody>
+      </p:sp>
+      <p:sp>
+        <p:nvSpPr>
+          <p:cNvPr id="22" name="직사각형 20">
+            <a:extLst>
+              <a:ext uri="{FF2B5EF4-FFF2-40B4-BE49-F238E27FC236}">
+                <a16:creationId xmlns:a16="http://schemas.microsoft.com/office/drawing/2014/main" id="{01C1C649-7650-884D-9412-B1F7777B4AF9}"/>
+              </a:ext>
+            </a:extLst>
+          </p:cNvPr>
+          <p:cNvSpPr/>
+          <p:nvPr/>
+        </p:nvSpPr>
+        <p:spPr>
+          <a:xfrm>
+            <a:off x="3879489" y="4689458"/>
+            <a:ext cx="1508186" cy="572429"/>
+          </a:xfrm>
+          <a:prstGeom prst="rect">
+            <a:avLst/>
+          </a:prstGeom>
+          <a:noFill/>
+          <a:ln>
+            <a:noFill/>
+          </a:ln>
+        </p:spPr>
+        <p:style>
+          <a:lnRef idx="2">
+            <a:schemeClr val="accent6">
+              <a:shade val="50000"/>
+            </a:schemeClr>
+          </a:lnRef>
+          <a:fillRef idx="1">
+            <a:schemeClr val="accent6"/>
+          </a:fillRef>
+          <a:effectRef idx="0">
+            <a:schemeClr val="accent6"/>
+          </a:effectRef>
+          <a:fontRef idx="minor">
+            <a:schemeClr val="lt1"/>
+          </a:fontRef>
+        </p:style>
+        <p:txBody>
+          <a:bodyPr rtlCol="0" anchor="ctr"/>
+          <a:lstStyle/>
+          <a:p>
+            <a:r>
+              <a:rPr kumimoji="1" lang="en-US" altLang="ko-KR" dirty="0">
+                <a:solidFill>
+                  <a:schemeClr val="tx1"/>
+                </a:solidFill>
+              </a:rPr>
+              <a:t>RPC </a:t>
+            </a:r>
+            <a:r>
+              <a:rPr kumimoji="1" lang="ko-KR" altLang="en-US" dirty="0">
+                <a:solidFill>
+                  <a:schemeClr val="tx1"/>
+                </a:solidFill>
+              </a:rPr>
+              <a:t>방식</a:t>
+            </a:r>
+            <a:endParaRPr kumimoji="1" lang="ko-Kore-KR" altLang="en-US" dirty="0">
+              <a:solidFill>
+                <a:schemeClr val="tx1"/>
+              </a:solidFill>
+            </a:endParaRPr>
+          </a:p>
+        </p:txBody>
+      </p:sp>
+      <p:cxnSp>
+        <p:nvCxnSpPr>
+          <p:cNvPr id="23" name="Elbow Connector 22">
+            <a:extLst>
+              <a:ext uri="{FF2B5EF4-FFF2-40B4-BE49-F238E27FC236}">
+                <a16:creationId xmlns:a16="http://schemas.microsoft.com/office/drawing/2014/main" id="{68C4591E-1F49-C840-9D20-4BEACD294880}"/>
+              </a:ext>
+            </a:extLst>
+          </p:cNvPr>
+          <p:cNvCxnSpPr>
+            <a:cxnSpLocks/>
+            <a:stCxn id="21" idx="1"/>
+          </p:cNvCxnSpPr>
+          <p:nvPr/>
+        </p:nvCxnSpPr>
+        <p:spPr>
+          <a:xfrm rot="10800000" flipH="1" flipV="1">
+            <a:off x="3879489" y="3838142"/>
+            <a:ext cx="12700" cy="1145770"/>
+          </a:xfrm>
+          <a:prstGeom prst="bentConnector4">
+            <a:avLst>
+              <a:gd name="adj1" fmla="val -1800000"/>
+              <a:gd name="adj2" fmla="val 100364"/>
+            </a:avLst>
+          </a:prstGeom>
+        </p:spPr>
+        <p:style>
+          <a:lnRef idx="1">
+            <a:schemeClr val="dk1"/>
+          </a:lnRef>
+          <a:fillRef idx="0">
+            <a:schemeClr val="dk1"/>
+          </a:fillRef>
+          <a:effectRef idx="0">
+            <a:schemeClr val="dk1"/>
+          </a:effectRef>
+          <a:fontRef idx="minor">
+            <a:schemeClr val="tx1"/>
+          </a:fontRef>
+        </p:style>
+      </p:cxnSp>
+      <p:cxnSp>
+        <p:nvCxnSpPr>
+          <p:cNvPr id="30" name="Straight Connector 29">
+            <a:extLst>
+              <a:ext uri="{FF2B5EF4-FFF2-40B4-BE49-F238E27FC236}">
+                <a16:creationId xmlns:a16="http://schemas.microsoft.com/office/drawing/2014/main" id="{E2764186-A928-CE4D-9815-2076B20C68BC}"/>
+              </a:ext>
+            </a:extLst>
+          </p:cNvPr>
+          <p:cNvCxnSpPr>
+            <a:cxnSpLocks/>
+          </p:cNvCxnSpPr>
+          <p:nvPr/>
+        </p:nvCxnSpPr>
+        <p:spPr>
+          <a:xfrm>
+            <a:off x="3226280" y="4499612"/>
+            <a:ext cx="431320" cy="0"/>
+          </a:xfrm>
+          <a:prstGeom prst="line">
+            <a:avLst/>
+          </a:prstGeom>
+        </p:spPr>
+        <p:style>
+          <a:lnRef idx="1">
+            <a:schemeClr val="dk1"/>
+          </a:lnRef>
+          <a:fillRef idx="0">
+            <a:schemeClr val="dk1"/>
+          </a:fillRef>
+          <a:effectRef idx="0">
+            <a:schemeClr val="dk1"/>
+          </a:effectRef>
+          <a:fontRef idx="minor">
+            <a:schemeClr val="tx1"/>
+          </a:fontRef>
+        </p:style>
+      </p:cxnSp>
+      <p:sp>
+        <p:nvSpPr>
+          <p:cNvPr id="35" name="Rectangle 34">
+            <a:extLst>
+              <a:ext uri="{FF2B5EF4-FFF2-40B4-BE49-F238E27FC236}">
+                <a16:creationId xmlns:a16="http://schemas.microsoft.com/office/drawing/2014/main" id="{2B429F69-1EC1-CC43-A63C-32F6397AC08F}"/>
+              </a:ext>
+            </a:extLst>
+          </p:cNvPr>
+          <p:cNvSpPr/>
+          <p:nvPr/>
+        </p:nvSpPr>
+        <p:spPr>
+          <a:xfrm>
+            <a:off x="3877311" y="3927432"/>
+            <a:ext cx="10515600" cy="340031"/>
+          </a:xfrm>
+          <a:prstGeom prst="rect">
+            <a:avLst/>
+          </a:prstGeom>
+          <a:noFill/>
+          <a:ln>
+            <a:noFill/>
+          </a:ln>
+        </p:spPr>
+        <p:style>
+          <a:lnRef idx="2">
+            <a:schemeClr val="accent1">
+              <a:shade val="50000"/>
+            </a:schemeClr>
+          </a:lnRef>
+          <a:fillRef idx="1">
+            <a:schemeClr val="accent1"/>
+          </a:fillRef>
+          <a:effectRef idx="0">
+            <a:schemeClr val="accent1"/>
+          </a:effectRef>
+          <a:fontRef idx="minor">
+            <a:schemeClr val="lt1"/>
+          </a:fontRef>
+        </p:style>
+        <p:txBody>
+          <a:bodyPr rtlCol="0" anchor="ctr"/>
+          <a:lstStyle/>
+          <a:p>
+            <a:r>
+              <a:rPr lang="en-US" altLang="ko-KR" sz="1400" b="1" dirty="0">
+                <a:solidFill>
+                  <a:schemeClr val="tx1"/>
+                </a:solidFill>
+              </a:rPr>
+              <a:t>: </a:t>
+            </a:r>
+            <a:r>
+              <a:rPr lang="en-US" sz="1400" b="1" dirty="0" err="1">
+                <a:solidFill>
+                  <a:schemeClr val="tx1"/>
+                </a:solidFill>
+              </a:rPr>
+              <a:t>URL의</a:t>
+            </a:r>
+            <a:r>
+              <a:rPr lang="en-US" sz="1400" b="1" dirty="0">
+                <a:solidFill>
+                  <a:schemeClr val="tx1"/>
+                </a:solidFill>
+              </a:rPr>
+              <a:t> </a:t>
+            </a:r>
+            <a:r>
+              <a:rPr lang="en-US" sz="1400" b="1" dirty="0" err="1">
+                <a:solidFill>
+                  <a:schemeClr val="tx1"/>
+                </a:solidFill>
+              </a:rPr>
+              <a:t>구조로</a:t>
+            </a:r>
+            <a:r>
+              <a:rPr lang="en-US" sz="1400" b="1" dirty="0">
+                <a:solidFill>
+                  <a:schemeClr val="tx1"/>
+                </a:solidFill>
+              </a:rPr>
+              <a:t> </a:t>
+            </a:r>
+            <a:r>
+              <a:rPr lang="en-US" sz="1400" b="1" dirty="0" err="1">
+                <a:solidFill>
+                  <a:schemeClr val="tx1"/>
+                </a:solidFill>
+              </a:rPr>
+              <a:t>필요한</a:t>
+            </a:r>
+            <a:r>
+              <a:rPr lang="en-US" sz="1400" b="1" dirty="0">
+                <a:solidFill>
+                  <a:schemeClr val="tx1"/>
+                </a:solidFill>
+              </a:rPr>
+              <a:t> </a:t>
+            </a:r>
+            <a:r>
+              <a:rPr lang="en-US" sz="1400" b="1" dirty="0" err="1">
+                <a:solidFill>
+                  <a:schemeClr val="tx1"/>
+                </a:solidFill>
+              </a:rPr>
+              <a:t>데이터를</a:t>
+            </a:r>
+            <a:r>
+              <a:rPr lang="en-US" sz="1400" b="1" dirty="0">
+                <a:solidFill>
+                  <a:schemeClr val="tx1"/>
+                </a:solidFill>
+              </a:rPr>
+              <a:t> </a:t>
+            </a:r>
+            <a:r>
+              <a:rPr lang="en-US" sz="1400" b="1" dirty="0" err="1">
+                <a:solidFill>
+                  <a:schemeClr val="tx1"/>
+                </a:solidFill>
+              </a:rPr>
+              <a:t>요청</a:t>
+            </a:r>
+            <a:endParaRPr lang="en-KR" sz="1400" b="1" dirty="0">
+              <a:solidFill>
+                <a:schemeClr val="tx1"/>
+              </a:solidFill>
+            </a:endParaRPr>
+          </a:p>
+        </p:txBody>
+      </p:sp>
+      <p:sp>
+        <p:nvSpPr>
+          <p:cNvPr id="36" name="Rectangle 35">
+            <a:extLst>
+              <a:ext uri="{FF2B5EF4-FFF2-40B4-BE49-F238E27FC236}">
+                <a16:creationId xmlns:a16="http://schemas.microsoft.com/office/drawing/2014/main" id="{7EE26FCB-349A-2B4F-85EB-3FA5CD531ED7}"/>
+              </a:ext>
+            </a:extLst>
+          </p:cNvPr>
+          <p:cNvSpPr/>
+          <p:nvPr/>
+        </p:nvSpPr>
+        <p:spPr>
+          <a:xfrm>
+            <a:off x="3877311" y="4205407"/>
+            <a:ext cx="10515600" cy="572429"/>
+          </a:xfrm>
+          <a:prstGeom prst="rect">
+            <a:avLst/>
+          </a:prstGeom>
+          <a:noFill/>
+          <a:ln>
+            <a:noFill/>
+          </a:ln>
+        </p:spPr>
+        <p:style>
+          <a:lnRef idx="2">
+            <a:schemeClr val="accent1">
+              <a:shade val="50000"/>
+            </a:schemeClr>
+          </a:lnRef>
+          <a:fillRef idx="1">
+            <a:schemeClr val="accent1"/>
+          </a:fillRef>
+          <a:effectRef idx="0">
+            <a:schemeClr val="accent1"/>
+          </a:effectRef>
+          <a:fontRef idx="minor">
+            <a:schemeClr val="lt1"/>
+          </a:fontRef>
+        </p:style>
+        <p:txBody>
+          <a:bodyPr rtlCol="0" anchor="ctr"/>
+          <a:lstStyle/>
+          <a:p>
+            <a:r>
+              <a:rPr lang="en-US" sz="1400" dirty="0" err="1">
+                <a:solidFill>
+                  <a:schemeClr val="tx1"/>
+                </a:solidFill>
+              </a:rPr>
+              <a:t>예시</a:t>
+            </a:r>
+            <a:r>
+              <a:rPr lang="en-US" sz="1400" dirty="0">
+                <a:solidFill>
+                  <a:schemeClr val="tx1"/>
+                </a:solidFill>
+              </a:rPr>
+              <a:t> </a:t>
+            </a:r>
+            <a:r>
+              <a:rPr lang="en-US" altLang="ko-KR" sz="1400" dirty="0">
+                <a:solidFill>
+                  <a:schemeClr val="tx1"/>
+                </a:solidFill>
+              </a:rPr>
+              <a:t>: GET </a:t>
+            </a:r>
+            <a:r>
+              <a:rPr lang="en-US" altLang="ko-KR" sz="1400" dirty="0">
+                <a:solidFill>
+                  <a:schemeClr val="tx1"/>
+                </a:solidFill>
+                <a:hlinkClick r:id="rId4"/>
+              </a:rPr>
+              <a:t>http://restapi.test.com/user/1/todos</a:t>
+            </a:r>
+            <a:endParaRPr lang="en-US" altLang="ko-KR" sz="1400" dirty="0">
+              <a:solidFill>
+                <a:schemeClr val="tx1"/>
+              </a:solidFill>
+            </a:endParaRPr>
+          </a:p>
+          <a:p>
+            <a:r>
+              <a:rPr lang="en-KR" sz="1400" dirty="0">
+                <a:solidFill>
+                  <a:schemeClr val="tx1"/>
+                </a:solidFill>
+              </a:rPr>
+              <a:t>-&gt; 유저 </a:t>
+            </a:r>
+            <a:r>
+              <a:rPr lang="en-US" altLang="ko-KR" sz="1400" dirty="0">
+                <a:solidFill>
+                  <a:schemeClr val="tx1"/>
+                </a:solidFill>
+              </a:rPr>
+              <a:t>1</a:t>
+            </a:r>
+            <a:r>
+              <a:rPr lang="ko-KR" altLang="en-US" sz="1400" dirty="0">
+                <a:solidFill>
+                  <a:schemeClr val="tx1"/>
+                </a:solidFill>
+              </a:rPr>
+              <a:t>번의 할 일</a:t>
+            </a:r>
+            <a:r>
+              <a:rPr lang="en-US" altLang="ko-KR" sz="1400" dirty="0">
+                <a:solidFill>
+                  <a:schemeClr val="tx1"/>
+                </a:solidFill>
+              </a:rPr>
+              <a:t>(</a:t>
+            </a:r>
+            <a:r>
+              <a:rPr lang="en-US" altLang="ko-KR" sz="1400" dirty="0" err="1">
+                <a:solidFill>
+                  <a:schemeClr val="tx1"/>
+                </a:solidFill>
+              </a:rPr>
+              <a:t>todos</a:t>
+            </a:r>
+            <a:r>
+              <a:rPr lang="en-US" altLang="ko-KR" sz="1400" dirty="0">
+                <a:solidFill>
+                  <a:schemeClr val="tx1"/>
+                </a:solidFill>
+              </a:rPr>
+              <a:t>)</a:t>
+            </a:r>
+            <a:r>
+              <a:rPr lang="ko-KR" altLang="en-US" sz="1400" dirty="0" err="1">
+                <a:solidFill>
+                  <a:schemeClr val="tx1"/>
+                </a:solidFill>
+              </a:rPr>
+              <a:t>를</a:t>
+            </a:r>
+            <a:r>
+              <a:rPr lang="ko-KR" altLang="en-US" sz="1400" dirty="0">
+                <a:solidFill>
+                  <a:schemeClr val="tx1"/>
+                </a:solidFill>
+              </a:rPr>
+              <a:t> 가져와 주세요</a:t>
+            </a:r>
+            <a:r>
+              <a:rPr lang="en-US" altLang="ko-KR" sz="1400" dirty="0">
+                <a:solidFill>
+                  <a:schemeClr val="tx1"/>
+                </a:solidFill>
+              </a:rPr>
+              <a:t>. (</a:t>
+            </a:r>
+            <a:r>
+              <a:rPr lang="ko-KR" altLang="en-US" sz="1400" dirty="0">
+                <a:solidFill>
+                  <a:schemeClr val="tx1"/>
+                </a:solidFill>
+              </a:rPr>
+              <a:t>필요한 데이터를 </a:t>
+            </a:r>
+            <a:r>
+              <a:rPr lang="en-US" altLang="ko-KR" sz="1400" dirty="0" err="1">
+                <a:solidFill>
+                  <a:schemeClr val="tx1"/>
+                </a:solidFill>
+              </a:rPr>
+              <a:t>url</a:t>
+            </a:r>
+            <a:r>
+              <a:rPr lang="ko-KR" altLang="en-US" sz="1400" dirty="0">
+                <a:solidFill>
+                  <a:schemeClr val="tx1"/>
+                </a:solidFill>
+              </a:rPr>
+              <a:t>로 표현</a:t>
+            </a:r>
+            <a:r>
+              <a:rPr lang="en-US" altLang="ko-KR" sz="1400" dirty="0">
+                <a:solidFill>
+                  <a:schemeClr val="tx1"/>
+                </a:solidFill>
+              </a:rPr>
+              <a:t>)</a:t>
+            </a:r>
+            <a:endParaRPr lang="en-KR" sz="1400" dirty="0">
+              <a:solidFill>
+                <a:schemeClr val="tx1"/>
+              </a:solidFill>
+            </a:endParaRPr>
+          </a:p>
+        </p:txBody>
+      </p:sp>
+      <p:sp>
+        <p:nvSpPr>
+          <p:cNvPr id="37" name="Rectangle 36">
+            <a:extLst>
+              <a:ext uri="{FF2B5EF4-FFF2-40B4-BE49-F238E27FC236}">
+                <a16:creationId xmlns:a16="http://schemas.microsoft.com/office/drawing/2014/main" id="{67BC8B47-A45B-E74C-B67B-9B8B11B0B54F}"/>
+              </a:ext>
+            </a:extLst>
+          </p:cNvPr>
+          <p:cNvSpPr/>
+          <p:nvPr/>
+        </p:nvSpPr>
+        <p:spPr>
+          <a:xfrm>
+            <a:off x="3877311" y="5080473"/>
+            <a:ext cx="10515600" cy="340031"/>
+          </a:xfrm>
+          <a:prstGeom prst="rect">
+            <a:avLst/>
+          </a:prstGeom>
+          <a:noFill/>
+          <a:ln>
+            <a:noFill/>
+          </a:ln>
+        </p:spPr>
+        <p:style>
+          <a:lnRef idx="2">
+            <a:schemeClr val="accent1">
+              <a:shade val="50000"/>
+            </a:schemeClr>
+          </a:lnRef>
+          <a:fillRef idx="1">
+            <a:schemeClr val="accent1"/>
+          </a:fillRef>
+          <a:effectRef idx="0">
+            <a:schemeClr val="accent1"/>
+          </a:effectRef>
+          <a:fontRef idx="minor">
+            <a:schemeClr val="lt1"/>
+          </a:fontRef>
+        </p:style>
+        <p:txBody>
+          <a:bodyPr rtlCol="0" anchor="ctr"/>
+          <a:lstStyle/>
+          <a:p>
+            <a:r>
+              <a:rPr lang="en-US" altLang="ko-KR" sz="1400" b="1" dirty="0">
+                <a:solidFill>
+                  <a:schemeClr val="tx1"/>
+                </a:solidFill>
+              </a:rPr>
+              <a:t>: </a:t>
+            </a:r>
+            <a:r>
+              <a:rPr lang="en-US" sz="1400" b="1" dirty="0" err="1">
+                <a:solidFill>
+                  <a:schemeClr val="tx1"/>
+                </a:solidFill>
+              </a:rPr>
+              <a:t>프로그램에서</a:t>
+            </a:r>
+            <a:r>
+              <a:rPr lang="en-US" sz="1400" b="1" dirty="0">
+                <a:solidFill>
+                  <a:schemeClr val="tx1"/>
+                </a:solidFill>
+              </a:rPr>
+              <a:t> </a:t>
+            </a:r>
+            <a:r>
+              <a:rPr lang="en-US" sz="1400" b="1" dirty="0" err="1">
+                <a:solidFill>
+                  <a:schemeClr val="tx1"/>
+                </a:solidFill>
+              </a:rPr>
+              <a:t>함수</a:t>
+            </a:r>
+            <a:r>
+              <a:rPr lang="en-US" sz="1400" b="1" dirty="0">
+                <a:solidFill>
+                  <a:schemeClr val="tx1"/>
+                </a:solidFill>
+              </a:rPr>
+              <a:t> </a:t>
+            </a:r>
+            <a:r>
+              <a:rPr lang="en-US" sz="1400" b="1" dirty="0" err="1">
+                <a:solidFill>
+                  <a:schemeClr val="tx1"/>
+                </a:solidFill>
+              </a:rPr>
+              <a:t>호출하듯이</a:t>
+            </a:r>
+            <a:r>
+              <a:rPr lang="en-US" sz="1400" b="1" dirty="0">
+                <a:solidFill>
+                  <a:schemeClr val="tx1"/>
+                </a:solidFill>
+              </a:rPr>
+              <a:t> </a:t>
+            </a:r>
+            <a:r>
+              <a:rPr lang="en-US" sz="1400" b="1" dirty="0" err="1">
+                <a:solidFill>
+                  <a:schemeClr val="tx1"/>
+                </a:solidFill>
+              </a:rPr>
+              <a:t>데이터를</a:t>
+            </a:r>
+            <a:r>
+              <a:rPr lang="en-US" sz="1400" b="1" dirty="0">
+                <a:solidFill>
+                  <a:schemeClr val="tx1"/>
+                </a:solidFill>
+              </a:rPr>
+              <a:t> </a:t>
+            </a:r>
+            <a:r>
+              <a:rPr lang="en-US" sz="1400" b="1" dirty="0" err="1">
+                <a:solidFill>
+                  <a:schemeClr val="tx1"/>
+                </a:solidFill>
+              </a:rPr>
+              <a:t>요청</a:t>
+            </a:r>
+            <a:endParaRPr lang="en-KR" sz="1400" b="1" dirty="0">
+              <a:solidFill>
+                <a:schemeClr val="tx1"/>
+              </a:solidFill>
+            </a:endParaRPr>
+          </a:p>
+        </p:txBody>
+      </p:sp>
+      <p:pic>
+        <p:nvPicPr>
+          <p:cNvPr id="34" name="Picture 33">
+            <a:extLst>
+              <a:ext uri="{FF2B5EF4-FFF2-40B4-BE49-F238E27FC236}">
+                <a16:creationId xmlns:a16="http://schemas.microsoft.com/office/drawing/2014/main" id="{5B16DA32-4BAA-2747-8C10-74D09F3D1EF9}"/>
+              </a:ext>
+            </a:extLst>
+          </p:cNvPr>
+          <p:cNvPicPr>
+            <a:picLocks noChangeAspect="1"/>
+          </p:cNvPicPr>
+          <p:nvPr/>
+        </p:nvPicPr>
+        <p:blipFill>
+          <a:blip r:embed="rId5"/>
+          <a:stretch>
+            <a:fillRect/>
+          </a:stretch>
+        </p:blipFill>
+        <p:spPr>
+          <a:xfrm>
+            <a:off x="3875148" y="5469315"/>
+            <a:ext cx="4389057" cy="1207431"/>
+          </a:xfrm>
+          <a:prstGeom prst="rect">
+            <a:avLst/>
+          </a:prstGeom>
+        </p:spPr>
+      </p:pic>
+      <p:pic>
+        <p:nvPicPr>
+          <p:cNvPr id="39" name="Picture 38">
+            <a:extLst>
+              <a:ext uri="{FF2B5EF4-FFF2-40B4-BE49-F238E27FC236}">
+                <a16:creationId xmlns:a16="http://schemas.microsoft.com/office/drawing/2014/main" id="{BFD70E64-42FE-E045-9159-F0F32E7E36F1}"/>
+              </a:ext>
+            </a:extLst>
+          </p:cNvPr>
+          <p:cNvPicPr>
+            <a:picLocks noChangeAspect="1"/>
+          </p:cNvPicPr>
+          <p:nvPr/>
+        </p:nvPicPr>
+        <p:blipFill>
+          <a:blip r:embed="rId6"/>
+          <a:stretch>
+            <a:fillRect/>
+          </a:stretch>
+        </p:blipFill>
+        <p:spPr>
+          <a:xfrm>
+            <a:off x="8498377" y="4785827"/>
+            <a:ext cx="2473075" cy="1948828"/>
+          </a:xfrm>
+          <a:prstGeom prst="rect">
+            <a:avLst/>
+          </a:prstGeom>
+        </p:spPr>
+      </p:pic>
     </p:spTree>
     <p:extLst>
       <p:ext uri="{BB962C8B-B14F-4D97-AF65-F5344CB8AC3E}">
         <p14:creationId xmlns:p14="http://schemas.microsoft.com/office/powerpoint/2010/main" val="1693905842"/>
+      </p:ext>
+    </p:extLst>
+  </p:cSld>
+  <p:clrMapOvr>
+    <a:masterClrMapping/>
+  </p:clrMapOvr>
+</p:sld>
+</file>
+
+<file path=ppt/slides/slide14.xml><?xml version="1.0" encoding="utf-8"?>
+<p:sld xmlns:a="http://schemas.openxmlformats.org/drawingml/2006/main" xmlns:r="http://schemas.openxmlformats.org/officeDocument/2006/relationships" xmlns:p="http://schemas.openxmlformats.org/presentationml/2006/main">
+  <p:cSld>
+    <p:spTree>
+      <p:nvGrpSpPr>
+        <p:cNvPr id="1" name=""/>
+        <p:cNvGrpSpPr/>
+        <p:nvPr/>
+      </p:nvGrpSpPr>
+      <p:grpSpPr>
+        <a:xfrm>
+          <a:off x="0" y="0"/>
+          <a:ext cx="0" cy="0"/>
+          <a:chOff x="0" y="0"/>
+          <a:chExt cx="0" cy="0"/>
+        </a:xfrm>
+      </p:grpSpPr>
+      <p:sp>
+        <p:nvSpPr>
+          <p:cNvPr id="50" name="제목 1">
+            <a:extLst>
+              <a:ext uri="{FF2B5EF4-FFF2-40B4-BE49-F238E27FC236}">
+                <a16:creationId xmlns:a16="http://schemas.microsoft.com/office/drawing/2014/main" id="{F5607C3B-BF5C-CF43-9AE4-67A4246E38BF}"/>
+              </a:ext>
+            </a:extLst>
+          </p:cNvPr>
+          <p:cNvSpPr>
+            <a:spLocks noGrp="1"/>
+          </p:cNvSpPr>
+          <p:nvPr>
+            <p:ph type="title"/>
+          </p:nvPr>
+        </p:nvSpPr>
+        <p:spPr>
+          <a:xfrm>
+            <a:off x="838200" y="365126"/>
+            <a:ext cx="10515600" cy="594987"/>
+          </a:xfrm>
+        </p:spPr>
+        <p:txBody>
+          <a:bodyPr/>
+          <a:lstStyle/>
+          <a:p>
+            <a:r>
+              <a:rPr kumimoji="1" lang="ko-KR" altLang="en-US" sz="2400" dirty="0"/>
+              <a:t>요청</a:t>
+            </a:r>
+            <a:r>
+              <a:rPr kumimoji="1" lang="en-US" altLang="ko-KR" sz="2400" dirty="0"/>
+              <a:t>(request) </a:t>
+            </a:r>
+            <a:r>
+              <a:rPr kumimoji="1" lang="ko-KR" altLang="en-US" sz="2400" dirty="0"/>
+              <a:t>방식 별 부호화</a:t>
+            </a:r>
+            <a:endParaRPr kumimoji="1" lang="ko-Kore-KR" altLang="en-US" sz="2400" dirty="0"/>
+          </a:p>
+        </p:txBody>
+      </p:sp>
+      <p:sp>
+        <p:nvSpPr>
+          <p:cNvPr id="3" name="Rectangle 2">
+            <a:extLst>
+              <a:ext uri="{FF2B5EF4-FFF2-40B4-BE49-F238E27FC236}">
+                <a16:creationId xmlns:a16="http://schemas.microsoft.com/office/drawing/2014/main" id="{C0BE84D7-3B84-0B40-89B0-B4912041C1C5}"/>
+              </a:ext>
+            </a:extLst>
+          </p:cNvPr>
+          <p:cNvSpPr/>
+          <p:nvPr/>
+        </p:nvSpPr>
+        <p:spPr>
+          <a:xfrm>
+            <a:off x="838200" y="1062049"/>
+            <a:ext cx="10515600" cy="778202"/>
+          </a:xfrm>
+          <a:prstGeom prst="rect">
+            <a:avLst/>
+          </a:prstGeom>
+          <a:noFill/>
+          <a:ln>
+            <a:solidFill>
+              <a:schemeClr val="tx1"/>
+            </a:solidFill>
+          </a:ln>
+        </p:spPr>
+        <p:style>
+          <a:lnRef idx="2">
+            <a:schemeClr val="accent1">
+              <a:shade val="50000"/>
+            </a:schemeClr>
+          </a:lnRef>
+          <a:fillRef idx="1">
+            <a:schemeClr val="accent1"/>
+          </a:fillRef>
+          <a:effectRef idx="0">
+            <a:schemeClr val="accent1"/>
+          </a:effectRef>
+          <a:fontRef idx="minor">
+            <a:schemeClr val="lt1"/>
+          </a:fontRef>
+        </p:style>
+        <p:txBody>
+          <a:bodyPr rtlCol="0" anchor="ctr"/>
+          <a:lstStyle/>
+          <a:p>
+            <a:r>
+              <a:rPr lang="en-US" sz="1400" dirty="0" err="1">
+                <a:solidFill>
+                  <a:schemeClr val="tx1"/>
+                </a:solidFill>
+              </a:rPr>
+              <a:t>Restful로도</a:t>
+            </a:r>
+            <a:r>
+              <a:rPr lang="en-US" sz="1400" dirty="0">
+                <a:solidFill>
+                  <a:schemeClr val="tx1"/>
+                </a:solidFill>
+              </a:rPr>
+              <a:t> Avro, Proto Buffer, Thrift </a:t>
+            </a:r>
+            <a:r>
+              <a:rPr lang="en-US" sz="1400" dirty="0" err="1">
+                <a:solidFill>
+                  <a:schemeClr val="tx1"/>
+                </a:solidFill>
+              </a:rPr>
+              <a:t>부호화방식을</a:t>
+            </a:r>
+            <a:r>
+              <a:rPr lang="en-US" sz="1400" dirty="0">
+                <a:solidFill>
+                  <a:schemeClr val="tx1"/>
+                </a:solidFill>
+              </a:rPr>
+              <a:t> </a:t>
+            </a:r>
+            <a:r>
+              <a:rPr lang="en-US" sz="1400" dirty="0" err="1">
+                <a:solidFill>
+                  <a:schemeClr val="tx1"/>
+                </a:solidFill>
+              </a:rPr>
+              <a:t>채택해도</a:t>
+            </a:r>
+            <a:r>
+              <a:rPr lang="en-US" sz="1400" dirty="0">
+                <a:solidFill>
+                  <a:schemeClr val="tx1"/>
+                </a:solidFill>
+              </a:rPr>
+              <a:t> </a:t>
+            </a:r>
+            <a:r>
+              <a:rPr lang="en-US" sz="1400" dirty="0" err="1">
+                <a:solidFill>
+                  <a:schemeClr val="tx1"/>
+                </a:solidFill>
+              </a:rPr>
+              <a:t>되지만</a:t>
+            </a:r>
+            <a:r>
+              <a:rPr lang="en-US" altLang="ko-KR" sz="1400" dirty="0">
+                <a:solidFill>
+                  <a:schemeClr val="tx1"/>
+                </a:solidFill>
+              </a:rPr>
+              <a:t>, </a:t>
+            </a:r>
+            <a:r>
+              <a:rPr lang="ko-KR" altLang="en-US" sz="1400" dirty="0">
+                <a:solidFill>
+                  <a:schemeClr val="tx1"/>
+                </a:solidFill>
+              </a:rPr>
+              <a:t>굳이 의미가 없다</a:t>
+            </a:r>
+            <a:r>
+              <a:rPr lang="en-US" altLang="ko-KR" sz="1400" dirty="0">
+                <a:solidFill>
+                  <a:schemeClr val="tx1"/>
+                </a:solidFill>
+              </a:rPr>
+              <a:t>. (Restful</a:t>
+            </a:r>
+            <a:r>
+              <a:rPr lang="ko-KR" altLang="en-US" sz="1400" dirty="0">
+                <a:solidFill>
+                  <a:schemeClr val="tx1"/>
+                </a:solidFill>
+              </a:rPr>
+              <a:t>의 장점이 퇴색되기 때문이다</a:t>
+            </a:r>
+            <a:r>
+              <a:rPr lang="en-US" altLang="ko-KR" sz="1400" dirty="0">
+                <a:solidFill>
+                  <a:schemeClr val="tx1"/>
+                </a:solidFill>
+              </a:rPr>
+              <a:t>. </a:t>
+            </a:r>
+          </a:p>
+          <a:p>
+            <a:r>
+              <a:rPr lang="en-KR" sz="1400" dirty="0">
+                <a:solidFill>
+                  <a:schemeClr val="tx1"/>
+                </a:solidFill>
+              </a:rPr>
+              <a:t>마찬가지로</a:t>
+            </a:r>
+            <a:r>
+              <a:rPr lang="en-US" sz="1400" dirty="0">
+                <a:solidFill>
+                  <a:schemeClr val="tx1"/>
+                </a:solidFill>
+              </a:rPr>
+              <a:t> RPC </a:t>
+            </a:r>
+            <a:r>
+              <a:rPr lang="en-US" sz="1400" dirty="0" err="1">
+                <a:solidFill>
+                  <a:schemeClr val="tx1"/>
+                </a:solidFill>
+              </a:rPr>
+              <a:t>방식으로</a:t>
+            </a:r>
+            <a:r>
+              <a:rPr lang="en-US" sz="1400" dirty="0">
+                <a:solidFill>
+                  <a:schemeClr val="tx1"/>
+                </a:solidFill>
+              </a:rPr>
+              <a:t> JSON, XML </a:t>
+            </a:r>
+            <a:r>
+              <a:rPr lang="en-US" sz="1400" dirty="0" err="1">
+                <a:solidFill>
+                  <a:schemeClr val="tx1"/>
+                </a:solidFill>
+              </a:rPr>
+              <a:t>부호화방식을</a:t>
+            </a:r>
+            <a:r>
+              <a:rPr lang="en-US" sz="1400" dirty="0">
+                <a:solidFill>
+                  <a:schemeClr val="tx1"/>
+                </a:solidFill>
+              </a:rPr>
+              <a:t> </a:t>
+            </a:r>
+            <a:r>
+              <a:rPr lang="en-US" sz="1400" dirty="0" err="1">
+                <a:solidFill>
+                  <a:schemeClr val="tx1"/>
+                </a:solidFill>
+              </a:rPr>
+              <a:t>채택해도</a:t>
+            </a:r>
+            <a:r>
+              <a:rPr lang="en-US" sz="1400" dirty="0">
+                <a:solidFill>
+                  <a:schemeClr val="tx1"/>
+                </a:solidFill>
+              </a:rPr>
+              <a:t> </a:t>
+            </a:r>
+            <a:r>
+              <a:rPr lang="en-US" sz="1400" dirty="0" err="1">
+                <a:solidFill>
+                  <a:schemeClr val="tx1"/>
+                </a:solidFill>
+              </a:rPr>
+              <a:t>되지만</a:t>
+            </a:r>
+            <a:r>
+              <a:rPr lang="en-US" altLang="ko-KR" sz="1400" dirty="0">
+                <a:solidFill>
+                  <a:schemeClr val="tx1"/>
+                </a:solidFill>
+              </a:rPr>
+              <a:t>, RPC</a:t>
+            </a:r>
+            <a:r>
+              <a:rPr lang="ko-KR" altLang="en-US" sz="1400" dirty="0">
+                <a:solidFill>
+                  <a:schemeClr val="tx1"/>
+                </a:solidFill>
+              </a:rPr>
+              <a:t>의 장점이 많이 퇴색될 수 있다</a:t>
+            </a:r>
+            <a:r>
+              <a:rPr lang="en-US" altLang="ko-KR" sz="1400" dirty="0">
+                <a:solidFill>
+                  <a:schemeClr val="tx1"/>
+                </a:solidFill>
+              </a:rPr>
+              <a:t>. </a:t>
+            </a:r>
+            <a:endParaRPr lang="en-KR" sz="1400" dirty="0">
+              <a:solidFill>
+                <a:schemeClr val="tx1"/>
+              </a:solidFill>
+            </a:endParaRPr>
+          </a:p>
+        </p:txBody>
+      </p:sp>
+      <p:sp>
+        <p:nvSpPr>
+          <p:cNvPr id="28" name="직사각형 20">
+            <a:extLst>
+              <a:ext uri="{FF2B5EF4-FFF2-40B4-BE49-F238E27FC236}">
+                <a16:creationId xmlns:a16="http://schemas.microsoft.com/office/drawing/2014/main" id="{FA6DF111-73D3-0543-85FE-14560F5AB668}"/>
+              </a:ext>
+            </a:extLst>
+          </p:cNvPr>
+          <p:cNvSpPr/>
+          <p:nvPr/>
+        </p:nvSpPr>
+        <p:spPr>
+          <a:xfrm>
+            <a:off x="715653" y="2078650"/>
+            <a:ext cx="1221635" cy="349201"/>
+          </a:xfrm>
+          <a:prstGeom prst="rect">
+            <a:avLst/>
+          </a:prstGeom>
+          <a:noFill/>
+          <a:ln>
+            <a:noFill/>
+          </a:ln>
+        </p:spPr>
+        <p:style>
+          <a:lnRef idx="2">
+            <a:schemeClr val="accent6">
+              <a:shade val="50000"/>
+            </a:schemeClr>
+          </a:lnRef>
+          <a:fillRef idx="1">
+            <a:schemeClr val="accent6"/>
+          </a:fillRef>
+          <a:effectRef idx="0">
+            <a:schemeClr val="accent6"/>
+          </a:effectRef>
+          <a:fontRef idx="minor">
+            <a:schemeClr val="lt1"/>
+          </a:fontRef>
+        </p:style>
+        <p:txBody>
+          <a:bodyPr rtlCol="0" anchor="ctr"/>
+          <a:lstStyle/>
+          <a:p>
+            <a:r>
+              <a:rPr kumimoji="1" lang="ko-KR" altLang="en-US" b="1" dirty="0">
+                <a:solidFill>
+                  <a:srgbClr val="00B050"/>
+                </a:solidFill>
+              </a:rPr>
+              <a:t>요청 방식</a:t>
+            </a:r>
+            <a:endParaRPr kumimoji="1" lang="ko-Kore-KR" altLang="en-US" b="1" dirty="0">
+              <a:solidFill>
+                <a:srgbClr val="00B050"/>
+              </a:solidFill>
+            </a:endParaRPr>
+          </a:p>
+        </p:txBody>
+      </p:sp>
+      <p:sp>
+        <p:nvSpPr>
+          <p:cNvPr id="31" name="Rectangle 30">
+            <a:extLst>
+              <a:ext uri="{FF2B5EF4-FFF2-40B4-BE49-F238E27FC236}">
+                <a16:creationId xmlns:a16="http://schemas.microsoft.com/office/drawing/2014/main" id="{C658BFCD-B662-5940-A661-A50EF5C51FD1}"/>
+              </a:ext>
+            </a:extLst>
+          </p:cNvPr>
+          <p:cNvSpPr/>
+          <p:nvPr/>
+        </p:nvSpPr>
+        <p:spPr>
+          <a:xfrm>
+            <a:off x="715653" y="2962378"/>
+            <a:ext cx="3081431" cy="710720"/>
+          </a:xfrm>
+          <a:prstGeom prst="rect">
+            <a:avLst/>
+          </a:prstGeom>
+          <a:noFill/>
+          <a:ln>
+            <a:solidFill>
+              <a:schemeClr val="tx1"/>
+            </a:solidFill>
+          </a:ln>
+        </p:spPr>
+        <p:style>
+          <a:lnRef idx="2">
+            <a:schemeClr val="accent1">
+              <a:shade val="50000"/>
+            </a:schemeClr>
+          </a:lnRef>
+          <a:fillRef idx="1">
+            <a:schemeClr val="accent1"/>
+          </a:fillRef>
+          <a:effectRef idx="0">
+            <a:schemeClr val="accent1"/>
+          </a:effectRef>
+          <a:fontRef idx="minor">
+            <a:schemeClr val="lt1"/>
+          </a:fontRef>
+        </p:style>
+        <p:txBody>
+          <a:bodyPr rtlCol="0" anchor="ctr"/>
+          <a:lstStyle/>
+          <a:p>
+            <a:r>
+              <a:rPr lang="en-US" sz="1400" b="1" dirty="0">
+                <a:solidFill>
+                  <a:schemeClr val="tx1"/>
+                </a:solidFill>
+              </a:rPr>
+              <a:t>RESTFUL </a:t>
+            </a:r>
+            <a:r>
+              <a:rPr lang="en-US" sz="1400" b="1" dirty="0" err="1">
+                <a:solidFill>
+                  <a:schemeClr val="tx1"/>
+                </a:solidFill>
+              </a:rPr>
+              <a:t>방식</a:t>
+            </a:r>
+            <a:br>
+              <a:rPr lang="en-US" sz="1400" b="1" dirty="0">
+                <a:solidFill>
+                  <a:schemeClr val="tx1"/>
+                </a:solidFill>
+              </a:rPr>
+            </a:br>
+            <a:r>
+              <a:rPr lang="en-US" sz="1400" dirty="0" err="1">
+                <a:solidFill>
+                  <a:schemeClr val="tx1"/>
+                </a:solidFill>
+              </a:rPr>
+              <a:t>URL의</a:t>
+            </a:r>
+            <a:r>
+              <a:rPr lang="en-US" sz="1400" dirty="0">
+                <a:solidFill>
+                  <a:schemeClr val="tx1"/>
+                </a:solidFill>
+              </a:rPr>
+              <a:t> </a:t>
+            </a:r>
+            <a:r>
+              <a:rPr lang="en-US" sz="1400" dirty="0" err="1">
+                <a:solidFill>
+                  <a:schemeClr val="tx1"/>
+                </a:solidFill>
+              </a:rPr>
+              <a:t>구조로</a:t>
+            </a:r>
+            <a:r>
+              <a:rPr lang="en-US" sz="1400" dirty="0">
+                <a:solidFill>
+                  <a:schemeClr val="tx1"/>
+                </a:solidFill>
+              </a:rPr>
+              <a:t> </a:t>
+            </a:r>
+            <a:r>
+              <a:rPr lang="en-US" sz="1400" dirty="0" err="1">
+                <a:solidFill>
+                  <a:schemeClr val="tx1"/>
+                </a:solidFill>
+              </a:rPr>
+              <a:t>필요한</a:t>
+            </a:r>
+            <a:r>
+              <a:rPr lang="en-US" sz="1400" dirty="0">
+                <a:solidFill>
+                  <a:schemeClr val="tx1"/>
+                </a:solidFill>
+              </a:rPr>
+              <a:t> </a:t>
+            </a:r>
+            <a:r>
+              <a:rPr lang="en-US" sz="1400" dirty="0" err="1">
+                <a:solidFill>
+                  <a:schemeClr val="tx1"/>
+                </a:solidFill>
+              </a:rPr>
+              <a:t>데이터를</a:t>
+            </a:r>
+            <a:r>
+              <a:rPr lang="en-US" sz="1400" dirty="0">
+                <a:solidFill>
+                  <a:schemeClr val="tx1"/>
+                </a:solidFill>
+              </a:rPr>
+              <a:t> </a:t>
+            </a:r>
+            <a:r>
+              <a:rPr lang="en-US" sz="1400" dirty="0" err="1">
+                <a:solidFill>
+                  <a:schemeClr val="tx1"/>
+                </a:solidFill>
+              </a:rPr>
+              <a:t>요청</a:t>
+            </a:r>
+            <a:endParaRPr lang="en-KR" sz="1400" dirty="0">
+              <a:solidFill>
+                <a:schemeClr val="tx1"/>
+              </a:solidFill>
+            </a:endParaRPr>
+          </a:p>
+        </p:txBody>
+      </p:sp>
+      <p:sp>
+        <p:nvSpPr>
+          <p:cNvPr id="32" name="Rectangle 31">
+            <a:extLst>
+              <a:ext uri="{FF2B5EF4-FFF2-40B4-BE49-F238E27FC236}">
+                <a16:creationId xmlns:a16="http://schemas.microsoft.com/office/drawing/2014/main" id="{4AF3BE59-6E7A-CF4F-8B54-98110C7DFD3F}"/>
+              </a:ext>
+            </a:extLst>
+          </p:cNvPr>
+          <p:cNvSpPr/>
+          <p:nvPr/>
+        </p:nvSpPr>
+        <p:spPr>
+          <a:xfrm>
+            <a:off x="715653" y="4713688"/>
+            <a:ext cx="3081431" cy="850204"/>
+          </a:xfrm>
+          <a:prstGeom prst="rect">
+            <a:avLst/>
+          </a:prstGeom>
+          <a:noFill/>
+          <a:ln>
+            <a:solidFill>
+              <a:schemeClr val="tx1"/>
+            </a:solidFill>
+          </a:ln>
+        </p:spPr>
+        <p:style>
+          <a:lnRef idx="2">
+            <a:schemeClr val="accent1">
+              <a:shade val="50000"/>
+            </a:schemeClr>
+          </a:lnRef>
+          <a:fillRef idx="1">
+            <a:schemeClr val="accent1"/>
+          </a:fillRef>
+          <a:effectRef idx="0">
+            <a:schemeClr val="accent1"/>
+          </a:effectRef>
+          <a:fontRef idx="minor">
+            <a:schemeClr val="lt1"/>
+          </a:fontRef>
+        </p:style>
+        <p:txBody>
+          <a:bodyPr rtlCol="0" anchor="ctr"/>
+          <a:lstStyle/>
+          <a:p>
+            <a:r>
+              <a:rPr lang="en-US" altLang="ko-KR" sz="1400" b="1" dirty="0">
+                <a:solidFill>
+                  <a:schemeClr val="tx1"/>
+                </a:solidFill>
+              </a:rPr>
+              <a:t>RPC</a:t>
+            </a:r>
+            <a:r>
+              <a:rPr lang="en-US" sz="1400" b="1" dirty="0">
+                <a:solidFill>
+                  <a:schemeClr val="tx1"/>
+                </a:solidFill>
+              </a:rPr>
+              <a:t> </a:t>
+            </a:r>
+            <a:r>
+              <a:rPr lang="en-US" sz="1400" b="1" dirty="0" err="1">
+                <a:solidFill>
+                  <a:schemeClr val="tx1"/>
+                </a:solidFill>
+              </a:rPr>
+              <a:t>방식</a:t>
+            </a:r>
+            <a:br>
+              <a:rPr lang="en-US" sz="1400" b="1" dirty="0">
+                <a:solidFill>
+                  <a:schemeClr val="tx1"/>
+                </a:solidFill>
+              </a:rPr>
+            </a:br>
+            <a:r>
+              <a:rPr lang="en-US" sz="1400" dirty="0" err="1">
+                <a:solidFill>
+                  <a:schemeClr val="tx1"/>
+                </a:solidFill>
+              </a:rPr>
+              <a:t>프로그램에서</a:t>
+            </a:r>
+            <a:r>
+              <a:rPr lang="en-US" sz="1400" dirty="0">
+                <a:solidFill>
+                  <a:schemeClr val="tx1"/>
+                </a:solidFill>
+              </a:rPr>
+              <a:t> </a:t>
+            </a:r>
+            <a:r>
+              <a:rPr lang="en-US" sz="1400" dirty="0" err="1">
+                <a:solidFill>
+                  <a:schemeClr val="tx1"/>
+                </a:solidFill>
+              </a:rPr>
+              <a:t>함수를</a:t>
+            </a:r>
+            <a:r>
+              <a:rPr lang="en-US" sz="1400" dirty="0">
+                <a:solidFill>
+                  <a:schemeClr val="tx1"/>
+                </a:solidFill>
+              </a:rPr>
+              <a:t> </a:t>
+            </a:r>
+            <a:r>
+              <a:rPr lang="en-US" sz="1400" dirty="0" err="1">
+                <a:solidFill>
+                  <a:schemeClr val="tx1"/>
+                </a:solidFill>
+              </a:rPr>
+              <a:t>호출하듯이</a:t>
+            </a:r>
+            <a:r>
+              <a:rPr lang="en-US" sz="1400" dirty="0">
+                <a:solidFill>
+                  <a:schemeClr val="tx1"/>
+                </a:solidFill>
+              </a:rPr>
+              <a:t> </a:t>
+            </a:r>
+            <a:r>
+              <a:rPr lang="en-US" sz="1400" dirty="0" err="1">
+                <a:solidFill>
+                  <a:schemeClr val="tx1"/>
+                </a:solidFill>
+              </a:rPr>
+              <a:t>데이터</a:t>
+            </a:r>
+            <a:r>
+              <a:rPr lang="en-US" sz="1400" dirty="0">
+                <a:solidFill>
+                  <a:schemeClr val="tx1"/>
+                </a:solidFill>
+              </a:rPr>
+              <a:t> </a:t>
+            </a:r>
+            <a:r>
+              <a:rPr lang="en-US" sz="1400" dirty="0" err="1">
+                <a:solidFill>
+                  <a:schemeClr val="tx1"/>
+                </a:solidFill>
+              </a:rPr>
+              <a:t>요청</a:t>
+            </a:r>
+            <a:endParaRPr lang="en-KR" sz="1400" dirty="0">
+              <a:solidFill>
+                <a:schemeClr val="tx1"/>
+              </a:solidFill>
+            </a:endParaRPr>
+          </a:p>
+        </p:txBody>
+      </p:sp>
+      <p:sp>
+        <p:nvSpPr>
+          <p:cNvPr id="33" name="직사각형 20">
+            <a:extLst>
+              <a:ext uri="{FF2B5EF4-FFF2-40B4-BE49-F238E27FC236}">
+                <a16:creationId xmlns:a16="http://schemas.microsoft.com/office/drawing/2014/main" id="{B9BA8277-4207-C84E-A9CB-CA91BEC00060}"/>
+              </a:ext>
+            </a:extLst>
+          </p:cNvPr>
+          <p:cNvSpPr/>
+          <p:nvPr/>
+        </p:nvSpPr>
+        <p:spPr>
+          <a:xfrm>
+            <a:off x="5291453" y="2073238"/>
+            <a:ext cx="1609093" cy="349201"/>
+          </a:xfrm>
+          <a:prstGeom prst="rect">
+            <a:avLst/>
+          </a:prstGeom>
+          <a:noFill/>
+          <a:ln>
+            <a:noFill/>
+          </a:ln>
+        </p:spPr>
+        <p:style>
+          <a:lnRef idx="2">
+            <a:schemeClr val="accent6">
+              <a:shade val="50000"/>
+            </a:schemeClr>
+          </a:lnRef>
+          <a:fillRef idx="1">
+            <a:schemeClr val="accent6"/>
+          </a:fillRef>
+          <a:effectRef idx="0">
+            <a:schemeClr val="accent6"/>
+          </a:effectRef>
+          <a:fontRef idx="minor">
+            <a:schemeClr val="lt1"/>
+          </a:fontRef>
+        </p:style>
+        <p:txBody>
+          <a:bodyPr rtlCol="0" anchor="ctr"/>
+          <a:lstStyle/>
+          <a:p>
+            <a:r>
+              <a:rPr kumimoji="1" lang="ko-KR" altLang="en-US" b="1" dirty="0">
+                <a:solidFill>
+                  <a:srgbClr val="00B050"/>
+                </a:solidFill>
+              </a:rPr>
+              <a:t>부호화 방식</a:t>
+            </a:r>
+            <a:endParaRPr kumimoji="1" lang="ko-Kore-KR" altLang="en-US" b="1" dirty="0">
+              <a:solidFill>
+                <a:srgbClr val="00B050"/>
+              </a:solidFill>
+            </a:endParaRPr>
+          </a:p>
+        </p:txBody>
+      </p:sp>
+      <p:sp>
+        <p:nvSpPr>
+          <p:cNvPr id="38" name="직사각형 20">
+            <a:extLst>
+              <a:ext uri="{FF2B5EF4-FFF2-40B4-BE49-F238E27FC236}">
+                <a16:creationId xmlns:a16="http://schemas.microsoft.com/office/drawing/2014/main" id="{7F175374-F84C-C04C-848A-39225408AFFF}"/>
+              </a:ext>
+            </a:extLst>
+          </p:cNvPr>
+          <p:cNvSpPr/>
+          <p:nvPr/>
+        </p:nvSpPr>
+        <p:spPr>
+          <a:xfrm>
+            <a:off x="8945253" y="2078618"/>
+            <a:ext cx="1609093" cy="349201"/>
+          </a:xfrm>
+          <a:prstGeom prst="rect">
+            <a:avLst/>
+          </a:prstGeom>
+          <a:noFill/>
+          <a:ln>
+            <a:noFill/>
+          </a:ln>
+        </p:spPr>
+        <p:style>
+          <a:lnRef idx="2">
+            <a:schemeClr val="accent6">
+              <a:shade val="50000"/>
+            </a:schemeClr>
+          </a:lnRef>
+          <a:fillRef idx="1">
+            <a:schemeClr val="accent6"/>
+          </a:fillRef>
+          <a:effectRef idx="0">
+            <a:schemeClr val="accent6"/>
+          </a:effectRef>
+          <a:fontRef idx="minor">
+            <a:schemeClr val="lt1"/>
+          </a:fontRef>
+        </p:style>
+        <p:txBody>
+          <a:bodyPr rtlCol="0" anchor="ctr"/>
+          <a:lstStyle/>
+          <a:p>
+            <a:r>
+              <a:rPr kumimoji="1" lang="ko-KR" altLang="en-US" b="1" dirty="0">
+                <a:solidFill>
+                  <a:srgbClr val="00B050"/>
+                </a:solidFill>
+              </a:rPr>
+              <a:t>장점</a:t>
+            </a:r>
+            <a:endParaRPr kumimoji="1" lang="ko-Kore-KR" altLang="en-US" b="1" dirty="0">
+              <a:solidFill>
+                <a:srgbClr val="00B050"/>
+              </a:solidFill>
+            </a:endParaRPr>
+          </a:p>
+        </p:txBody>
+      </p:sp>
+      <p:cxnSp>
+        <p:nvCxnSpPr>
+          <p:cNvPr id="41" name="Straight Connector 40">
+            <a:extLst>
+              <a:ext uri="{FF2B5EF4-FFF2-40B4-BE49-F238E27FC236}">
+                <a16:creationId xmlns:a16="http://schemas.microsoft.com/office/drawing/2014/main" id="{B096BC19-556C-5B4F-A8C1-FBC830866DDB}"/>
+              </a:ext>
+            </a:extLst>
+          </p:cNvPr>
+          <p:cNvCxnSpPr>
+            <a:cxnSpLocks/>
+          </p:cNvCxnSpPr>
+          <p:nvPr/>
+        </p:nvCxnSpPr>
+        <p:spPr>
+          <a:xfrm>
+            <a:off x="3815216" y="3383109"/>
+            <a:ext cx="431320" cy="0"/>
+          </a:xfrm>
+          <a:prstGeom prst="line">
+            <a:avLst/>
+          </a:prstGeom>
+        </p:spPr>
+        <p:style>
+          <a:lnRef idx="1">
+            <a:schemeClr val="dk1"/>
+          </a:lnRef>
+          <a:fillRef idx="0">
+            <a:schemeClr val="dk1"/>
+          </a:fillRef>
+          <a:effectRef idx="0">
+            <a:schemeClr val="dk1"/>
+          </a:effectRef>
+          <a:fontRef idx="minor">
+            <a:schemeClr val="tx1"/>
+          </a:fontRef>
+        </p:style>
+      </p:cxnSp>
+      <p:sp>
+        <p:nvSpPr>
+          <p:cNvPr id="5" name="Rounded Rectangle 4">
+            <a:extLst>
+              <a:ext uri="{FF2B5EF4-FFF2-40B4-BE49-F238E27FC236}">
+                <a16:creationId xmlns:a16="http://schemas.microsoft.com/office/drawing/2014/main" id="{49A17CC7-1CA8-564A-8A73-F1A462D63481}"/>
+              </a:ext>
+            </a:extLst>
+          </p:cNvPr>
+          <p:cNvSpPr/>
+          <p:nvPr/>
+        </p:nvSpPr>
+        <p:spPr>
+          <a:xfrm>
+            <a:off x="5629617" y="2804677"/>
+            <a:ext cx="1609093" cy="449451"/>
+          </a:xfrm>
+          <a:prstGeom prst="roundRect">
+            <a:avLst/>
+          </a:prstGeom>
+          <a:noFill/>
+          <a:ln>
+            <a:solidFill>
+              <a:srgbClr val="FF0000"/>
+            </a:solidFill>
+          </a:ln>
+        </p:spPr>
+        <p:style>
+          <a:lnRef idx="2">
+            <a:schemeClr val="accent1">
+              <a:shade val="50000"/>
+            </a:schemeClr>
+          </a:lnRef>
+          <a:fillRef idx="1">
+            <a:schemeClr val="accent1"/>
+          </a:fillRef>
+          <a:effectRef idx="0">
+            <a:schemeClr val="accent1"/>
+          </a:effectRef>
+          <a:fontRef idx="minor">
+            <a:schemeClr val="lt1"/>
+          </a:fontRef>
+        </p:style>
+        <p:txBody>
+          <a:bodyPr rtlCol="0" anchor="ctr"/>
+          <a:lstStyle/>
+          <a:p>
+            <a:pPr algn="ctr"/>
+            <a:r>
+              <a:rPr lang="en-KR" dirty="0">
+                <a:solidFill>
+                  <a:srgbClr val="FF0000"/>
+                </a:solidFill>
+              </a:rPr>
+              <a:t>JSON</a:t>
+            </a:r>
+          </a:p>
+        </p:txBody>
+      </p:sp>
+      <p:sp>
+        <p:nvSpPr>
+          <p:cNvPr id="47" name="Rounded Rectangle 46">
+            <a:extLst>
+              <a:ext uri="{FF2B5EF4-FFF2-40B4-BE49-F238E27FC236}">
+                <a16:creationId xmlns:a16="http://schemas.microsoft.com/office/drawing/2014/main" id="{FCBCB1EA-C491-E644-9225-771BE3AA746D}"/>
+              </a:ext>
+            </a:extLst>
+          </p:cNvPr>
+          <p:cNvSpPr/>
+          <p:nvPr/>
+        </p:nvSpPr>
+        <p:spPr>
+          <a:xfrm>
+            <a:off x="5616917" y="3487115"/>
+            <a:ext cx="1609093" cy="449451"/>
+          </a:xfrm>
+          <a:prstGeom prst="roundRect">
+            <a:avLst/>
+          </a:prstGeom>
+          <a:noFill/>
+          <a:ln>
+            <a:solidFill>
+              <a:srgbClr val="FF0000"/>
+            </a:solidFill>
+          </a:ln>
+        </p:spPr>
+        <p:style>
+          <a:lnRef idx="2">
+            <a:schemeClr val="accent1">
+              <a:shade val="50000"/>
+            </a:schemeClr>
+          </a:lnRef>
+          <a:fillRef idx="1">
+            <a:schemeClr val="accent1"/>
+          </a:fillRef>
+          <a:effectRef idx="0">
+            <a:schemeClr val="accent1"/>
+          </a:effectRef>
+          <a:fontRef idx="minor">
+            <a:schemeClr val="lt1"/>
+          </a:fontRef>
+        </p:style>
+        <p:txBody>
+          <a:bodyPr rtlCol="0" anchor="ctr"/>
+          <a:lstStyle/>
+          <a:p>
+            <a:pPr algn="ctr"/>
+            <a:r>
+              <a:rPr lang="en-KR" dirty="0">
+                <a:solidFill>
+                  <a:srgbClr val="FF0000"/>
+                </a:solidFill>
+              </a:rPr>
+              <a:t>XML</a:t>
+            </a:r>
+          </a:p>
+        </p:txBody>
+      </p:sp>
+      <p:sp>
+        <p:nvSpPr>
+          <p:cNvPr id="48" name="Rounded Rectangle 47">
+            <a:extLst>
+              <a:ext uri="{FF2B5EF4-FFF2-40B4-BE49-F238E27FC236}">
+                <a16:creationId xmlns:a16="http://schemas.microsoft.com/office/drawing/2014/main" id="{7D5EDC6A-B5C3-1D4B-BF60-805C9ADFF9C8}"/>
+              </a:ext>
+            </a:extLst>
+          </p:cNvPr>
+          <p:cNvSpPr/>
+          <p:nvPr/>
+        </p:nvSpPr>
+        <p:spPr>
+          <a:xfrm>
+            <a:off x="5632416" y="4246535"/>
+            <a:ext cx="1609093" cy="449451"/>
+          </a:xfrm>
+          <a:prstGeom prst="roundRect">
+            <a:avLst/>
+          </a:prstGeom>
+          <a:noFill/>
+          <a:ln>
+            <a:solidFill>
+              <a:srgbClr val="00B050"/>
+            </a:solidFill>
+          </a:ln>
+        </p:spPr>
+        <p:style>
+          <a:lnRef idx="2">
+            <a:schemeClr val="accent1">
+              <a:shade val="50000"/>
+            </a:schemeClr>
+          </a:lnRef>
+          <a:fillRef idx="1">
+            <a:schemeClr val="accent1"/>
+          </a:fillRef>
+          <a:effectRef idx="0">
+            <a:schemeClr val="accent1"/>
+          </a:effectRef>
+          <a:fontRef idx="minor">
+            <a:schemeClr val="lt1"/>
+          </a:fontRef>
+        </p:style>
+        <p:txBody>
+          <a:bodyPr rtlCol="0" anchor="ctr"/>
+          <a:lstStyle/>
+          <a:p>
+            <a:pPr algn="ctr"/>
+            <a:r>
+              <a:rPr lang="en-KR" dirty="0">
+                <a:solidFill>
+                  <a:srgbClr val="00B050"/>
+                </a:solidFill>
+              </a:rPr>
+              <a:t>AVRO</a:t>
+            </a:r>
+          </a:p>
+        </p:txBody>
+      </p:sp>
+      <p:sp>
+        <p:nvSpPr>
+          <p:cNvPr id="49" name="Rounded Rectangle 48">
+            <a:extLst>
+              <a:ext uri="{FF2B5EF4-FFF2-40B4-BE49-F238E27FC236}">
+                <a16:creationId xmlns:a16="http://schemas.microsoft.com/office/drawing/2014/main" id="{30B7AF7C-E08A-054A-A82B-0A728C8E3A61}"/>
+              </a:ext>
+            </a:extLst>
+          </p:cNvPr>
+          <p:cNvSpPr/>
+          <p:nvPr/>
+        </p:nvSpPr>
+        <p:spPr>
+          <a:xfrm>
+            <a:off x="5645116" y="4949176"/>
+            <a:ext cx="1609093" cy="449451"/>
+          </a:xfrm>
+          <a:prstGeom prst="roundRect">
+            <a:avLst/>
+          </a:prstGeom>
+          <a:noFill/>
+          <a:ln>
+            <a:solidFill>
+              <a:srgbClr val="00B050"/>
+            </a:solidFill>
+          </a:ln>
+        </p:spPr>
+        <p:style>
+          <a:lnRef idx="2">
+            <a:schemeClr val="accent1">
+              <a:shade val="50000"/>
+            </a:schemeClr>
+          </a:lnRef>
+          <a:fillRef idx="1">
+            <a:schemeClr val="accent1"/>
+          </a:fillRef>
+          <a:effectRef idx="0">
+            <a:schemeClr val="accent1"/>
+          </a:effectRef>
+          <a:fontRef idx="minor">
+            <a:schemeClr val="lt1"/>
+          </a:fontRef>
+        </p:style>
+        <p:txBody>
+          <a:bodyPr rtlCol="0" anchor="ctr"/>
+          <a:lstStyle/>
+          <a:p>
+            <a:pPr algn="ctr"/>
+            <a:r>
+              <a:rPr lang="en-KR" dirty="0">
+                <a:solidFill>
+                  <a:srgbClr val="00B050"/>
+                </a:solidFill>
+              </a:rPr>
+              <a:t>Proto Buffer</a:t>
+            </a:r>
+          </a:p>
+        </p:txBody>
+      </p:sp>
+      <p:cxnSp>
+        <p:nvCxnSpPr>
+          <p:cNvPr id="12" name="Elbow Connector 11">
+            <a:extLst>
+              <a:ext uri="{FF2B5EF4-FFF2-40B4-BE49-F238E27FC236}">
+                <a16:creationId xmlns:a16="http://schemas.microsoft.com/office/drawing/2014/main" id="{899D7621-E0A3-4B43-B041-3C1B1EEB7CD6}"/>
+              </a:ext>
+            </a:extLst>
+          </p:cNvPr>
+          <p:cNvCxnSpPr>
+            <a:cxnSpLocks/>
+            <a:stCxn id="5" idx="1"/>
+            <a:endCxn id="47" idx="1"/>
+          </p:cNvCxnSpPr>
+          <p:nvPr/>
+        </p:nvCxnSpPr>
+        <p:spPr>
+          <a:xfrm rot="10800000" flipV="1">
+            <a:off x="5616917" y="3029403"/>
+            <a:ext cx="12700" cy="682438"/>
+          </a:xfrm>
+          <a:prstGeom prst="bentConnector3">
+            <a:avLst>
+              <a:gd name="adj1" fmla="val 10564402"/>
+            </a:avLst>
+          </a:prstGeom>
+          <a:ln>
+            <a:headEnd type="triangle"/>
+            <a:tailEnd type="triangle"/>
+          </a:ln>
+        </p:spPr>
+        <p:style>
+          <a:lnRef idx="1">
+            <a:schemeClr val="dk1"/>
+          </a:lnRef>
+          <a:fillRef idx="0">
+            <a:schemeClr val="dk1"/>
+          </a:fillRef>
+          <a:effectRef idx="0">
+            <a:schemeClr val="dk1"/>
+          </a:effectRef>
+          <a:fontRef idx="minor">
+            <a:schemeClr val="tx1"/>
+          </a:fontRef>
+        </p:style>
+      </p:cxnSp>
+      <p:cxnSp>
+        <p:nvCxnSpPr>
+          <p:cNvPr id="53" name="Straight Connector 52">
+            <a:extLst>
+              <a:ext uri="{FF2B5EF4-FFF2-40B4-BE49-F238E27FC236}">
+                <a16:creationId xmlns:a16="http://schemas.microsoft.com/office/drawing/2014/main" id="{9CE14954-0806-934D-8048-5A540F55E24B}"/>
+              </a:ext>
+            </a:extLst>
+          </p:cNvPr>
+          <p:cNvCxnSpPr>
+            <a:cxnSpLocks/>
+          </p:cNvCxnSpPr>
+          <p:nvPr/>
+        </p:nvCxnSpPr>
+        <p:spPr>
+          <a:xfrm>
+            <a:off x="3815216" y="5149916"/>
+            <a:ext cx="431320" cy="0"/>
+          </a:xfrm>
+          <a:prstGeom prst="line">
+            <a:avLst/>
+          </a:prstGeom>
+        </p:spPr>
+        <p:style>
+          <a:lnRef idx="1">
+            <a:schemeClr val="dk1"/>
+          </a:lnRef>
+          <a:fillRef idx="0">
+            <a:schemeClr val="dk1"/>
+          </a:fillRef>
+          <a:effectRef idx="0">
+            <a:schemeClr val="dk1"/>
+          </a:effectRef>
+          <a:fontRef idx="minor">
+            <a:schemeClr val="tx1"/>
+          </a:fontRef>
+        </p:style>
+      </p:cxnSp>
+      <p:cxnSp>
+        <p:nvCxnSpPr>
+          <p:cNvPr id="54" name="Elbow Connector 53">
+            <a:extLst>
+              <a:ext uri="{FF2B5EF4-FFF2-40B4-BE49-F238E27FC236}">
+                <a16:creationId xmlns:a16="http://schemas.microsoft.com/office/drawing/2014/main" id="{2021E835-844E-0849-9948-5E0499473428}"/>
+              </a:ext>
+            </a:extLst>
+          </p:cNvPr>
+          <p:cNvCxnSpPr>
+            <a:cxnSpLocks/>
+            <a:stCxn id="48" idx="1"/>
+            <a:endCxn id="49" idx="1"/>
+          </p:cNvCxnSpPr>
+          <p:nvPr/>
+        </p:nvCxnSpPr>
+        <p:spPr>
+          <a:xfrm rot="10800000" flipH="1" flipV="1">
+            <a:off x="5632416" y="4471260"/>
+            <a:ext cx="12700" cy="702641"/>
+          </a:xfrm>
+          <a:prstGeom prst="bentConnector3">
+            <a:avLst>
+              <a:gd name="adj1" fmla="val -10586441"/>
+            </a:avLst>
+          </a:prstGeom>
+          <a:ln>
+            <a:headEnd type="triangle"/>
+            <a:tailEnd type="triangle"/>
+          </a:ln>
+        </p:spPr>
+        <p:style>
+          <a:lnRef idx="1">
+            <a:schemeClr val="dk1"/>
+          </a:lnRef>
+          <a:fillRef idx="0">
+            <a:schemeClr val="dk1"/>
+          </a:fillRef>
+          <a:effectRef idx="0">
+            <a:schemeClr val="dk1"/>
+          </a:effectRef>
+          <a:fontRef idx="minor">
+            <a:schemeClr val="tx1"/>
+          </a:fontRef>
+        </p:style>
+      </p:cxnSp>
+      <p:cxnSp>
+        <p:nvCxnSpPr>
+          <p:cNvPr id="56" name="Elbow Connector 55">
+            <a:extLst>
+              <a:ext uri="{FF2B5EF4-FFF2-40B4-BE49-F238E27FC236}">
+                <a16:creationId xmlns:a16="http://schemas.microsoft.com/office/drawing/2014/main" id="{ACE45E75-8BCE-9740-85CA-888AFBB36212}"/>
+              </a:ext>
+            </a:extLst>
+          </p:cNvPr>
+          <p:cNvCxnSpPr>
+            <a:cxnSpLocks/>
+            <a:endCxn id="58" idx="1"/>
+          </p:cNvCxnSpPr>
+          <p:nvPr/>
+        </p:nvCxnSpPr>
+        <p:spPr>
+          <a:xfrm>
+            <a:off x="4264668" y="4844322"/>
+            <a:ext cx="1380448" cy="949512"/>
+          </a:xfrm>
+          <a:prstGeom prst="bentConnector3">
+            <a:avLst>
+              <a:gd name="adj1" fmla="val 1724"/>
+            </a:avLst>
+          </a:prstGeom>
+          <a:ln>
+            <a:solidFill>
+              <a:schemeClr val="tx1"/>
+            </a:solidFill>
+            <a:tailEnd type="triangle"/>
+          </a:ln>
+        </p:spPr>
+        <p:style>
+          <a:lnRef idx="1">
+            <a:schemeClr val="accent1"/>
+          </a:lnRef>
+          <a:fillRef idx="0">
+            <a:schemeClr val="accent1"/>
+          </a:fillRef>
+          <a:effectRef idx="0">
+            <a:schemeClr val="accent1"/>
+          </a:effectRef>
+          <a:fontRef idx="minor">
+            <a:schemeClr val="tx1"/>
+          </a:fontRef>
+        </p:style>
+      </p:cxnSp>
+      <p:sp>
+        <p:nvSpPr>
+          <p:cNvPr id="58" name="Rounded Rectangle 57">
+            <a:extLst>
+              <a:ext uri="{FF2B5EF4-FFF2-40B4-BE49-F238E27FC236}">
+                <a16:creationId xmlns:a16="http://schemas.microsoft.com/office/drawing/2014/main" id="{CC390EEB-CD29-B04D-8E46-F3FBA4A4A6A6}"/>
+              </a:ext>
+            </a:extLst>
+          </p:cNvPr>
+          <p:cNvSpPr/>
+          <p:nvPr/>
+        </p:nvSpPr>
+        <p:spPr>
+          <a:xfrm>
+            <a:off x="5645116" y="5569108"/>
+            <a:ext cx="1609093" cy="449451"/>
+          </a:xfrm>
+          <a:prstGeom prst="roundRect">
+            <a:avLst/>
+          </a:prstGeom>
+          <a:noFill/>
+          <a:ln>
+            <a:solidFill>
+              <a:srgbClr val="00B050"/>
+            </a:solidFill>
+          </a:ln>
+        </p:spPr>
+        <p:style>
+          <a:lnRef idx="2">
+            <a:schemeClr val="accent1">
+              <a:shade val="50000"/>
+            </a:schemeClr>
+          </a:lnRef>
+          <a:fillRef idx="1">
+            <a:schemeClr val="accent1"/>
+          </a:fillRef>
+          <a:effectRef idx="0">
+            <a:schemeClr val="accent1"/>
+          </a:effectRef>
+          <a:fontRef idx="minor">
+            <a:schemeClr val="lt1"/>
+          </a:fontRef>
+        </p:style>
+        <p:txBody>
+          <a:bodyPr rtlCol="0" anchor="ctr"/>
+          <a:lstStyle/>
+          <a:p>
+            <a:pPr algn="ctr"/>
+            <a:r>
+              <a:rPr lang="en-KR" dirty="0">
+                <a:solidFill>
+                  <a:srgbClr val="00B050"/>
+                </a:solidFill>
+              </a:rPr>
+              <a:t>Trift</a:t>
+            </a:r>
+          </a:p>
+        </p:txBody>
+      </p:sp>
+      <p:sp>
+        <p:nvSpPr>
+          <p:cNvPr id="59" name="Rectangle 58">
+            <a:extLst>
+              <a:ext uri="{FF2B5EF4-FFF2-40B4-BE49-F238E27FC236}">
+                <a16:creationId xmlns:a16="http://schemas.microsoft.com/office/drawing/2014/main" id="{37763B6C-0730-7E4F-86E0-847D37138D06}"/>
+              </a:ext>
+            </a:extLst>
+          </p:cNvPr>
+          <p:cNvSpPr/>
+          <p:nvPr/>
+        </p:nvSpPr>
+        <p:spPr>
+          <a:xfrm>
+            <a:off x="8219629" y="2692571"/>
+            <a:ext cx="2278318" cy="1146874"/>
+          </a:xfrm>
+          <a:prstGeom prst="rect">
+            <a:avLst/>
+          </a:prstGeom>
+          <a:noFill/>
+          <a:ln>
+            <a:solidFill>
+              <a:schemeClr val="tx1"/>
+            </a:solidFill>
+          </a:ln>
+        </p:spPr>
+        <p:style>
+          <a:lnRef idx="2">
+            <a:schemeClr val="accent1">
+              <a:shade val="50000"/>
+            </a:schemeClr>
+          </a:lnRef>
+          <a:fillRef idx="1">
+            <a:schemeClr val="accent1"/>
+          </a:fillRef>
+          <a:effectRef idx="0">
+            <a:schemeClr val="accent1"/>
+          </a:effectRef>
+          <a:fontRef idx="minor">
+            <a:schemeClr val="lt1"/>
+          </a:fontRef>
+        </p:style>
+        <p:txBody>
+          <a:bodyPr rtlCol="0" anchor="ctr"/>
+          <a:lstStyle/>
+          <a:p>
+            <a:pPr algn="ctr"/>
+            <a:r>
+              <a:rPr lang="en-US" sz="1400" b="1" dirty="0" err="1">
+                <a:solidFill>
+                  <a:schemeClr val="tx1"/>
+                </a:solidFill>
+              </a:rPr>
+              <a:t>사람이</a:t>
+            </a:r>
+            <a:r>
+              <a:rPr lang="en-US" sz="1400" b="1" dirty="0">
+                <a:solidFill>
+                  <a:schemeClr val="tx1"/>
+                </a:solidFill>
+              </a:rPr>
+              <a:t> </a:t>
+            </a:r>
+            <a:r>
+              <a:rPr lang="en-US" sz="1400" b="1" dirty="0" err="1">
+                <a:solidFill>
+                  <a:schemeClr val="tx1"/>
+                </a:solidFill>
+              </a:rPr>
+              <a:t>쉽게</a:t>
+            </a:r>
+            <a:r>
+              <a:rPr lang="en-US" sz="1400" b="1" dirty="0">
+                <a:solidFill>
+                  <a:schemeClr val="tx1"/>
+                </a:solidFill>
+              </a:rPr>
+              <a:t> </a:t>
+            </a:r>
+            <a:r>
+              <a:rPr lang="en-US" sz="1400" b="1" dirty="0" err="1">
+                <a:solidFill>
+                  <a:schemeClr val="tx1"/>
+                </a:solidFill>
+              </a:rPr>
+              <a:t>읽을</a:t>
+            </a:r>
+            <a:r>
+              <a:rPr lang="en-US" sz="1400" b="1" dirty="0">
+                <a:solidFill>
+                  <a:schemeClr val="tx1"/>
+                </a:solidFill>
+              </a:rPr>
+              <a:t> </a:t>
+            </a:r>
+            <a:r>
+              <a:rPr lang="en-US" sz="1400" b="1" dirty="0" err="1">
+                <a:solidFill>
+                  <a:schemeClr val="tx1"/>
+                </a:solidFill>
+              </a:rPr>
+              <a:t>수</a:t>
+            </a:r>
+            <a:r>
+              <a:rPr lang="en-US" sz="1400" b="1" dirty="0">
+                <a:solidFill>
+                  <a:schemeClr val="tx1"/>
+                </a:solidFill>
+              </a:rPr>
+              <a:t> </a:t>
+            </a:r>
+            <a:r>
+              <a:rPr lang="en-US" sz="1400" b="1" dirty="0" err="1">
+                <a:solidFill>
+                  <a:schemeClr val="tx1"/>
+                </a:solidFill>
+              </a:rPr>
+              <a:t>있음</a:t>
+            </a:r>
+            <a:endParaRPr lang="en-KR" sz="1400" dirty="0">
+              <a:solidFill>
+                <a:schemeClr val="tx1"/>
+              </a:solidFill>
+            </a:endParaRPr>
+          </a:p>
+        </p:txBody>
+      </p:sp>
+      <p:sp>
+        <p:nvSpPr>
+          <p:cNvPr id="60" name="Rectangle 59">
+            <a:extLst>
+              <a:ext uri="{FF2B5EF4-FFF2-40B4-BE49-F238E27FC236}">
+                <a16:creationId xmlns:a16="http://schemas.microsoft.com/office/drawing/2014/main" id="{C5A07CC9-1F39-0D4F-8095-DC5934C959B2}"/>
+              </a:ext>
+            </a:extLst>
+          </p:cNvPr>
+          <p:cNvSpPr/>
+          <p:nvPr/>
+        </p:nvSpPr>
+        <p:spPr>
+          <a:xfrm>
+            <a:off x="8219629" y="4246535"/>
+            <a:ext cx="2265615" cy="1741029"/>
+          </a:xfrm>
+          <a:prstGeom prst="rect">
+            <a:avLst/>
+          </a:prstGeom>
+          <a:noFill/>
+          <a:ln>
+            <a:solidFill>
+              <a:schemeClr val="tx1"/>
+            </a:solidFill>
+          </a:ln>
+        </p:spPr>
+        <p:style>
+          <a:lnRef idx="2">
+            <a:schemeClr val="accent1">
+              <a:shade val="50000"/>
+            </a:schemeClr>
+          </a:lnRef>
+          <a:fillRef idx="1">
+            <a:schemeClr val="accent1"/>
+          </a:fillRef>
+          <a:effectRef idx="0">
+            <a:schemeClr val="accent1"/>
+          </a:effectRef>
+          <a:fontRef idx="minor">
+            <a:schemeClr val="lt1"/>
+          </a:fontRef>
+        </p:style>
+        <p:txBody>
+          <a:bodyPr rtlCol="0" anchor="ctr"/>
+          <a:lstStyle/>
+          <a:p>
+            <a:pPr algn="ctr"/>
+            <a:r>
+              <a:rPr lang="en-US" sz="1400" b="1" dirty="0" err="1">
+                <a:solidFill>
+                  <a:schemeClr val="tx1"/>
+                </a:solidFill>
+              </a:rPr>
+              <a:t>고효율</a:t>
+            </a:r>
+            <a:r>
+              <a:rPr lang="en-US" sz="1400" b="1" dirty="0">
+                <a:solidFill>
+                  <a:schemeClr val="tx1"/>
+                </a:solidFill>
+              </a:rPr>
+              <a:t> </a:t>
+            </a:r>
+            <a:r>
+              <a:rPr lang="en-US" sz="1400" b="1" dirty="0" err="1">
+                <a:solidFill>
+                  <a:schemeClr val="tx1"/>
+                </a:solidFill>
+              </a:rPr>
+              <a:t>압축</a:t>
+            </a:r>
+            <a:r>
+              <a:rPr lang="en-US" sz="1400" b="1" dirty="0">
+                <a:solidFill>
+                  <a:schemeClr val="tx1"/>
+                </a:solidFill>
+              </a:rPr>
+              <a:t> </a:t>
+            </a:r>
+            <a:r>
+              <a:rPr lang="en-US" sz="1400" b="1" dirty="0" err="1">
+                <a:solidFill>
+                  <a:schemeClr val="tx1"/>
+                </a:solidFill>
+              </a:rPr>
+              <a:t>가능</a:t>
+            </a:r>
+            <a:endParaRPr lang="en-KR" sz="1400" dirty="0">
+              <a:solidFill>
+                <a:schemeClr val="tx1"/>
+              </a:solidFill>
+            </a:endParaRPr>
+          </a:p>
+        </p:txBody>
+      </p:sp>
+    </p:spTree>
+    <p:extLst>
+      <p:ext uri="{BB962C8B-B14F-4D97-AF65-F5344CB8AC3E}">
+        <p14:creationId xmlns:p14="http://schemas.microsoft.com/office/powerpoint/2010/main" val="3440288279"/>
       </p:ext>
     </p:extLst>
   </p:cSld>
